--- a/courses/apcsp/lect13.pptx
+++ b/courses/apcsp/lect13.pptx
@@ -9,9 +9,15 @@
     <p:sldId id="291" r:id="rId3"/>
     <p:sldId id="348" r:id="rId4"/>
     <p:sldId id="349" r:id="rId5"/>
-    <p:sldId id="350" r:id="rId6"/>
-    <p:sldId id="351" r:id="rId7"/>
-    <p:sldId id="344" r:id="rId8"/>
+    <p:sldId id="356" r:id="rId6"/>
+    <p:sldId id="350" r:id="rId7"/>
+    <p:sldId id="351" r:id="rId8"/>
+    <p:sldId id="353" r:id="rId9"/>
+    <p:sldId id="352" r:id="rId10"/>
+    <p:sldId id="354" r:id="rId11"/>
+    <p:sldId id="355" r:id="rId12"/>
+    <p:sldId id="357" r:id="rId13"/>
+    <p:sldId id="344" r:id="rId14"/>
   </p:sldIdLst>
   <p:sldSz cx="9144000" cy="5715000" type="screen16x10"/>
   <p:notesSz cx="6858000" cy="9144000"/>
@@ -121,8 +127,7 @@
 <file path=ppt/revisionInfo.xml><?xml version="1.0" encoding="utf-8"?>
 <p1510:revInfo xmlns:a="http://schemas.openxmlformats.org/drawingml/2006/main" xmlns:r="http://schemas.openxmlformats.org/officeDocument/2006/relationships" xmlns:p1510="http://schemas.microsoft.com/office/powerpoint/2015/10/main">
   <p1510:revLst>
-    <p1510:client id="{4BE6A6D3-80E1-E648-9A65-3053C53C3489}" v="1531" dt="2020-01-13T17:00:43.174"/>
-    <p1510:client id="{6AC26564-89E3-E046-BFB4-F80582D7E17B}" v="2" dt="2020-01-13T13:46:19.953"/>
+    <p1510:client id="{4BE6A6D3-80E1-E648-9A65-3053C53C3489}" v="3742" dt="2020-01-14T14:36:21.829"/>
   </p1510:revLst>
 </p1510:revInfo>
 </file>
@@ -1038,8 +1043,8 @@
   </pc:docChgLst>
   <pc:docChgLst>
     <pc:chgData name="Long B Nguyen" userId="f59fb8f3-a021-417a-8bc1-65c8d471c621" providerId="ADAL" clId="{4BE6A6D3-80E1-E648-9A65-3053C53C3489}"/>
-    <pc:docChg chg="addSld delSld modSld">
-      <pc:chgData name="Long B Nguyen" userId="f59fb8f3-a021-417a-8bc1-65c8d471c621" providerId="ADAL" clId="{4BE6A6D3-80E1-E648-9A65-3053C53C3489}" dt="2020-01-13T17:00:43.174" v="1687" actId="255"/>
+    <pc:docChg chg="custSel addSld delSld modSld">
+      <pc:chgData name="Long B Nguyen" userId="f59fb8f3-a021-417a-8bc1-65c8d471c621" providerId="ADAL" clId="{4BE6A6D3-80E1-E648-9A65-3053C53C3489}" dt="2020-01-14T14:36:34.682" v="4581" actId="20577"/>
       <pc:docMkLst>
         <pc:docMk/>
       </pc:docMkLst>
@@ -1307,6 +1312,29 @@
           <pc:sldMk cId="1356056044" sldId="343"/>
         </pc:sldMkLst>
       </pc:sldChg>
+      <pc:sldChg chg="modSp">
+        <pc:chgData name="Long B Nguyen" userId="f59fb8f3-a021-417a-8bc1-65c8d471c621" providerId="ADAL" clId="{4BE6A6D3-80E1-E648-9A65-3053C53C3489}" dt="2020-01-14T14:36:34.682" v="4581" actId="20577"/>
+        <pc:sldMkLst>
+          <pc:docMk/>
+          <pc:sldMk cId="1270247652" sldId="344"/>
+        </pc:sldMkLst>
+        <pc:spChg chg="mod">
+          <ac:chgData name="Long B Nguyen" userId="f59fb8f3-a021-417a-8bc1-65c8d471c621" providerId="ADAL" clId="{4BE6A6D3-80E1-E648-9A65-3053C53C3489}" dt="2020-01-14T14:35:03.346" v="4492" actId="1076"/>
+          <ac:spMkLst>
+            <pc:docMk/>
+            <pc:sldMk cId="1270247652" sldId="344"/>
+            <ac:spMk id="55297" creationId="{04EF925E-10C6-394F-AB0C-F09871E99CC4}"/>
+          </ac:spMkLst>
+        </pc:spChg>
+        <pc:spChg chg="mod">
+          <ac:chgData name="Long B Nguyen" userId="f59fb8f3-a021-417a-8bc1-65c8d471c621" providerId="ADAL" clId="{4BE6A6D3-80E1-E648-9A65-3053C53C3489}" dt="2020-01-14T14:36:34.682" v="4581" actId="20577"/>
+          <ac:spMkLst>
+            <pc:docMk/>
+            <pc:sldMk cId="1270247652" sldId="344"/>
+            <ac:spMk id="55298" creationId="{4AA38F8C-E2AA-EA4D-A486-FA2F457B38F7}"/>
+          </ac:spMkLst>
+        </pc:spChg>
+      </pc:sldChg>
       <pc:sldChg chg="del">
         <pc:chgData name="Long B Nguyen" userId="f59fb8f3-a021-417a-8bc1-65c8d471c621" providerId="ADAL" clId="{4BE6A6D3-80E1-E648-9A65-3053C53C3489}" dt="2020-01-13T15:53:51.424" v="558" actId="2696"/>
         <pc:sldMkLst>
@@ -1389,14 +1417,14 @@
           </ac:spMkLst>
         </pc:spChg>
       </pc:sldChg>
-      <pc:sldChg chg="modSp add">
-        <pc:chgData name="Long B Nguyen" userId="f59fb8f3-a021-417a-8bc1-65c8d471c621" providerId="ADAL" clId="{4BE6A6D3-80E1-E648-9A65-3053C53C3489}" dt="2020-01-13T17:00:43.174" v="1687" actId="255"/>
+      <pc:sldChg chg="modSp add modAnim">
+        <pc:chgData name="Long B Nguyen" userId="f59fb8f3-a021-417a-8bc1-65c8d471c621" providerId="ADAL" clId="{4BE6A6D3-80E1-E648-9A65-3053C53C3489}" dt="2020-01-14T13:36:39.513" v="2860" actId="20577"/>
         <pc:sldMkLst>
           <pc:docMk/>
           <pc:sldMk cId="690872901" sldId="351"/>
         </pc:sldMkLst>
         <pc:spChg chg="mod">
-          <ac:chgData name="Long B Nguyen" userId="f59fb8f3-a021-417a-8bc1-65c8d471c621" providerId="ADAL" clId="{4BE6A6D3-80E1-E648-9A65-3053C53C3489}" dt="2020-01-13T16:44:48.155" v="1609" actId="20577"/>
+          <ac:chgData name="Long B Nguyen" userId="f59fb8f3-a021-417a-8bc1-65c8d471c621" providerId="ADAL" clId="{4BE6A6D3-80E1-E648-9A65-3053C53C3489}" dt="2020-01-14T12:54:58.531" v="1693" actId="20577"/>
           <ac:spMkLst>
             <pc:docMk/>
             <pc:sldMk cId="690872901" sldId="351"/>
@@ -1404,13 +1432,207 @@
           </ac:spMkLst>
         </pc:spChg>
         <pc:spChg chg="mod">
-          <ac:chgData name="Long B Nguyen" userId="f59fb8f3-a021-417a-8bc1-65c8d471c621" providerId="ADAL" clId="{4BE6A6D3-80E1-E648-9A65-3053C53C3489}" dt="2020-01-13T17:00:43.174" v="1687" actId="255"/>
+          <ac:chgData name="Long B Nguyen" userId="f59fb8f3-a021-417a-8bc1-65c8d471c621" providerId="ADAL" clId="{4BE6A6D3-80E1-E648-9A65-3053C53C3489}" dt="2020-01-14T13:36:39.513" v="2860" actId="20577"/>
           <ac:spMkLst>
             <pc:docMk/>
             <pc:sldMk cId="690872901" sldId="351"/>
             <ac:spMk id="9" creationId="{E3B2E017-30B2-884B-A113-B419A2ED51AD}"/>
           </ac:spMkLst>
         </pc:spChg>
+      </pc:sldChg>
+      <pc:sldChg chg="modSp add">
+        <pc:chgData name="Long B Nguyen" userId="f59fb8f3-a021-417a-8bc1-65c8d471c621" providerId="ADAL" clId="{4BE6A6D3-80E1-E648-9A65-3053C53C3489}" dt="2020-01-14T13:46:30.180" v="3001" actId="207"/>
+        <pc:sldMkLst>
+          <pc:docMk/>
+          <pc:sldMk cId="3056481063" sldId="352"/>
+        </pc:sldMkLst>
+        <pc:spChg chg="mod">
+          <ac:chgData name="Long B Nguyen" userId="f59fb8f3-a021-417a-8bc1-65c8d471c621" providerId="ADAL" clId="{4BE6A6D3-80E1-E648-9A65-3053C53C3489}" dt="2020-01-14T13:46:30.180" v="3001" actId="207"/>
+          <ac:spMkLst>
+            <pc:docMk/>
+            <pc:sldMk cId="3056481063" sldId="352"/>
+            <ac:spMk id="9" creationId="{E3B2E017-30B2-884B-A113-B419A2ED51AD}"/>
+          </ac:spMkLst>
+        </pc:spChg>
+      </pc:sldChg>
+      <pc:sldChg chg="modSp add">
+        <pc:chgData name="Long B Nguyen" userId="f59fb8f3-a021-417a-8bc1-65c8d471c621" providerId="ADAL" clId="{4BE6A6D3-80E1-E648-9A65-3053C53C3489}" dt="2020-01-14T13:37:20.979" v="2887" actId="20577"/>
+        <pc:sldMkLst>
+          <pc:docMk/>
+          <pc:sldMk cId="3498889259" sldId="353"/>
+        </pc:sldMkLst>
+        <pc:spChg chg="mod">
+          <ac:chgData name="Long B Nguyen" userId="f59fb8f3-a021-417a-8bc1-65c8d471c621" providerId="ADAL" clId="{4BE6A6D3-80E1-E648-9A65-3053C53C3489}" dt="2020-01-14T13:26:30.022" v="2644" actId="20577"/>
+          <ac:spMkLst>
+            <pc:docMk/>
+            <pc:sldMk cId="3498889259" sldId="353"/>
+            <ac:spMk id="2" creationId="{AA3A228F-61D0-D949-A5E7-F83756230BF8}"/>
+          </ac:spMkLst>
+        </pc:spChg>
+        <pc:spChg chg="mod">
+          <ac:chgData name="Long B Nguyen" userId="f59fb8f3-a021-417a-8bc1-65c8d471c621" providerId="ADAL" clId="{4BE6A6D3-80E1-E648-9A65-3053C53C3489}" dt="2020-01-14T13:37:20.979" v="2887" actId="20577"/>
+          <ac:spMkLst>
+            <pc:docMk/>
+            <pc:sldMk cId="3498889259" sldId="353"/>
+            <ac:spMk id="9" creationId="{E3B2E017-30B2-884B-A113-B419A2ED51AD}"/>
+          </ac:spMkLst>
+        </pc:spChg>
+      </pc:sldChg>
+      <pc:sldChg chg="addSp modSp add modAnim">
+        <pc:chgData name="Long B Nguyen" userId="f59fb8f3-a021-417a-8bc1-65c8d471c621" providerId="ADAL" clId="{4BE6A6D3-80E1-E648-9A65-3053C53C3489}" dt="2020-01-14T14:00:50.216" v="3259" actId="20577"/>
+        <pc:sldMkLst>
+          <pc:docMk/>
+          <pc:sldMk cId="1586884029" sldId="354"/>
+        </pc:sldMkLst>
+        <pc:spChg chg="mod">
+          <ac:chgData name="Long B Nguyen" userId="f59fb8f3-a021-417a-8bc1-65c8d471c621" providerId="ADAL" clId="{4BE6A6D3-80E1-E648-9A65-3053C53C3489}" dt="2020-01-14T13:46:43.991" v="3019" actId="20577"/>
+          <ac:spMkLst>
+            <pc:docMk/>
+            <pc:sldMk cId="1586884029" sldId="354"/>
+            <ac:spMk id="2" creationId="{AA3A228F-61D0-D949-A5E7-F83756230BF8}"/>
+          </ac:spMkLst>
+        </pc:spChg>
+        <pc:spChg chg="add mod">
+          <ac:chgData name="Long B Nguyen" userId="f59fb8f3-a021-417a-8bc1-65c8d471c621" providerId="ADAL" clId="{4BE6A6D3-80E1-E648-9A65-3053C53C3489}" dt="2020-01-14T14:00:50.216" v="3259" actId="20577"/>
+          <ac:spMkLst>
+            <pc:docMk/>
+            <pc:sldMk cId="1586884029" sldId="354"/>
+            <ac:spMk id="4" creationId="{606F10B5-2911-1F4B-BEDF-C414514B24C3}"/>
+          </ac:spMkLst>
+        </pc:spChg>
+        <pc:spChg chg="mod">
+          <ac:chgData name="Long B Nguyen" userId="f59fb8f3-a021-417a-8bc1-65c8d471c621" providerId="ADAL" clId="{4BE6A6D3-80E1-E648-9A65-3053C53C3489}" dt="2020-01-14T13:51:10.885" v="3108" actId="113"/>
+          <ac:spMkLst>
+            <pc:docMk/>
+            <pc:sldMk cId="1586884029" sldId="354"/>
+            <ac:spMk id="9" creationId="{E3B2E017-30B2-884B-A113-B419A2ED51AD}"/>
+          </ac:spMkLst>
+        </pc:spChg>
+        <pc:spChg chg="add mod">
+          <ac:chgData name="Long B Nguyen" userId="f59fb8f3-a021-417a-8bc1-65c8d471c621" providerId="ADAL" clId="{4BE6A6D3-80E1-E648-9A65-3053C53C3489}" dt="2020-01-14T13:57:06.070" v="3257" actId="1076"/>
+          <ac:spMkLst>
+            <pc:docMk/>
+            <pc:sldMk cId="1586884029" sldId="354"/>
+            <ac:spMk id="15" creationId="{B1F3D09C-1FAB-D149-BCBD-169196A87AE0}"/>
+          </ac:spMkLst>
+        </pc:spChg>
+        <pc:picChg chg="add mod">
+          <ac:chgData name="Long B Nguyen" userId="f59fb8f3-a021-417a-8bc1-65c8d471c621" providerId="ADAL" clId="{4BE6A6D3-80E1-E648-9A65-3053C53C3489}" dt="2020-01-14T13:50:17.455" v="3085" actId="1076"/>
+          <ac:picMkLst>
+            <pc:docMk/>
+            <pc:sldMk cId="1586884029" sldId="354"/>
+            <ac:picMk id="3" creationId="{22226ADC-6577-6E4A-A55C-6330D0A2F680}"/>
+          </ac:picMkLst>
+        </pc:picChg>
+        <pc:cxnChg chg="add mod">
+          <ac:chgData name="Long B Nguyen" userId="f59fb8f3-a021-417a-8bc1-65c8d471c621" providerId="ADAL" clId="{4BE6A6D3-80E1-E648-9A65-3053C53C3489}" dt="2020-01-14T13:52:18.354" v="3170" actId="692"/>
+          <ac:cxnSpMkLst>
+            <pc:docMk/>
+            <pc:sldMk cId="1586884029" sldId="354"/>
+            <ac:cxnSpMk id="6" creationId="{13B95C9C-2AB9-3942-AE04-830EE1E32418}"/>
+          </ac:cxnSpMkLst>
+        </pc:cxnChg>
+        <pc:cxnChg chg="add mod">
+          <ac:chgData name="Long B Nguyen" userId="f59fb8f3-a021-417a-8bc1-65c8d471c621" providerId="ADAL" clId="{4BE6A6D3-80E1-E648-9A65-3053C53C3489}" dt="2020-01-14T13:52:31.768" v="3174" actId="14100"/>
+          <ac:cxnSpMkLst>
+            <pc:docMk/>
+            <pc:sldMk cId="1586884029" sldId="354"/>
+            <ac:cxnSpMk id="11" creationId="{31BE1AFB-CB49-EC40-854C-7387B587C268}"/>
+          </ac:cxnSpMkLst>
+        </pc:cxnChg>
+      </pc:sldChg>
+      <pc:sldChg chg="addSp modSp add modAnim">
+        <pc:chgData name="Long B Nguyen" userId="f59fb8f3-a021-417a-8bc1-65c8d471c621" providerId="ADAL" clId="{4BE6A6D3-80E1-E648-9A65-3053C53C3489}" dt="2020-01-14T14:30:08.406" v="4121" actId="2711"/>
+        <pc:sldMkLst>
+          <pc:docMk/>
+          <pc:sldMk cId="811578781" sldId="355"/>
+        </pc:sldMkLst>
+        <pc:spChg chg="mod">
+          <ac:chgData name="Long B Nguyen" userId="f59fb8f3-a021-417a-8bc1-65c8d471c621" providerId="ADAL" clId="{4BE6A6D3-80E1-E648-9A65-3053C53C3489}" dt="2020-01-14T14:21:58.027" v="3607" actId="20577"/>
+          <ac:spMkLst>
+            <pc:docMk/>
+            <pc:sldMk cId="811578781" sldId="355"/>
+            <ac:spMk id="2" creationId="{AA3A228F-61D0-D949-A5E7-F83756230BF8}"/>
+          </ac:spMkLst>
+        </pc:spChg>
+        <pc:spChg chg="mod">
+          <ac:chgData name="Long B Nguyen" userId="f59fb8f3-a021-417a-8bc1-65c8d471c621" providerId="ADAL" clId="{4BE6A6D3-80E1-E648-9A65-3053C53C3489}" dt="2020-01-14T14:30:08.406" v="4121" actId="2711"/>
+          <ac:spMkLst>
+            <pc:docMk/>
+            <pc:sldMk cId="811578781" sldId="355"/>
+            <ac:spMk id="9" creationId="{E3B2E017-30B2-884B-A113-B419A2ED51AD}"/>
+          </ac:spMkLst>
+        </pc:spChg>
+        <pc:picChg chg="add mod">
+          <ac:chgData name="Long B Nguyen" userId="f59fb8f3-a021-417a-8bc1-65c8d471c621" providerId="ADAL" clId="{4BE6A6D3-80E1-E648-9A65-3053C53C3489}" dt="2020-01-14T14:25:55.151" v="3995" actId="1076"/>
+          <ac:picMkLst>
+            <pc:docMk/>
+            <pc:sldMk cId="811578781" sldId="355"/>
+            <ac:picMk id="3" creationId="{7875768C-F58A-FC4D-A33B-7E43CDFF93DF}"/>
+          </ac:picMkLst>
+        </pc:picChg>
+      </pc:sldChg>
+      <pc:sldChg chg="modSp add modAnim">
+        <pc:chgData name="Long B Nguyen" userId="f59fb8f3-a021-417a-8bc1-65c8d471c621" providerId="ADAL" clId="{4BE6A6D3-80E1-E648-9A65-3053C53C3489}" dt="2020-01-14T14:20:17.946" v="3571" actId="20577"/>
+        <pc:sldMkLst>
+          <pc:docMk/>
+          <pc:sldMk cId="2925065660" sldId="356"/>
+        </pc:sldMkLst>
+        <pc:spChg chg="mod">
+          <ac:chgData name="Long B Nguyen" userId="f59fb8f3-a021-417a-8bc1-65c8d471c621" providerId="ADAL" clId="{4BE6A6D3-80E1-E648-9A65-3053C53C3489}" dt="2020-01-14T14:20:17.946" v="3571" actId="20577"/>
+          <ac:spMkLst>
+            <pc:docMk/>
+            <pc:sldMk cId="2925065660" sldId="356"/>
+            <ac:spMk id="9" creationId="{E3B2E017-30B2-884B-A113-B419A2ED51AD}"/>
+          </ac:spMkLst>
+        </pc:spChg>
+      </pc:sldChg>
+      <pc:sldChg chg="addSp delSp modSp add">
+        <pc:chgData name="Long B Nguyen" userId="f59fb8f3-a021-417a-8bc1-65c8d471c621" providerId="ADAL" clId="{4BE6A6D3-80E1-E648-9A65-3053C53C3489}" dt="2020-01-14T14:34:49.207" v="4488"/>
+        <pc:sldMkLst>
+          <pc:docMk/>
+          <pc:sldMk cId="3401114142" sldId="357"/>
+        </pc:sldMkLst>
+        <pc:spChg chg="mod">
+          <ac:chgData name="Long B Nguyen" userId="f59fb8f3-a021-417a-8bc1-65c8d471c621" providerId="ADAL" clId="{4BE6A6D3-80E1-E648-9A65-3053C53C3489}" dt="2020-01-14T14:34:03.496" v="4469" actId="1076"/>
+          <ac:spMkLst>
+            <pc:docMk/>
+            <pc:sldMk cId="3401114142" sldId="357"/>
+            <ac:spMk id="2" creationId="{AA3A228F-61D0-D949-A5E7-F83756230BF8}"/>
+          </ac:spMkLst>
+        </pc:spChg>
+        <pc:spChg chg="add del mod">
+          <ac:chgData name="Long B Nguyen" userId="f59fb8f3-a021-417a-8bc1-65c8d471c621" providerId="ADAL" clId="{4BE6A6D3-80E1-E648-9A65-3053C53C3489}" dt="2020-01-14T14:34:49.207" v="4488"/>
+          <ac:spMkLst>
+            <pc:docMk/>
+            <pc:sldMk cId="3401114142" sldId="357"/>
+            <ac:spMk id="4" creationId="{6EE8BCB0-C8C1-6641-9395-BD121F9BCEA6}"/>
+          </ac:spMkLst>
+        </pc:spChg>
+        <pc:spChg chg="add mod">
+          <ac:chgData name="Long B Nguyen" userId="f59fb8f3-a021-417a-8bc1-65c8d471c621" providerId="ADAL" clId="{4BE6A6D3-80E1-E648-9A65-3053C53C3489}" dt="2020-01-14T14:34:41.191" v="4486" actId="20577"/>
+          <ac:spMkLst>
+            <pc:docMk/>
+            <pc:sldMk cId="3401114142" sldId="357"/>
+            <ac:spMk id="5" creationId="{15490785-A709-ED4D-8AA1-94B61914E147}"/>
+          </ac:spMkLst>
+        </pc:spChg>
+        <pc:spChg chg="del mod">
+          <ac:chgData name="Long B Nguyen" userId="f59fb8f3-a021-417a-8bc1-65c8d471c621" providerId="ADAL" clId="{4BE6A6D3-80E1-E648-9A65-3053C53C3489}" dt="2020-01-14T14:29:22.735" v="3997"/>
+          <ac:spMkLst>
+            <pc:docMk/>
+            <pc:sldMk cId="3401114142" sldId="357"/>
+            <ac:spMk id="9" creationId="{E3B2E017-30B2-884B-A113-B419A2ED51AD}"/>
+          </ac:spMkLst>
+        </pc:spChg>
+        <pc:picChg chg="add mod">
+          <ac:chgData name="Long B Nguyen" userId="f59fb8f3-a021-417a-8bc1-65c8d471c621" providerId="ADAL" clId="{4BE6A6D3-80E1-E648-9A65-3053C53C3489}" dt="2020-01-14T14:34:05.325" v="4470" actId="1076"/>
+          <ac:picMkLst>
+            <pc:docMk/>
+            <pc:sldMk cId="3401114142" sldId="357"/>
+            <ac:picMk id="3" creationId="{669B9FA0-45DC-9047-B915-7F3475200ED7}"/>
+          </ac:picMkLst>
+        </pc:picChg>
       </pc:sldChg>
     </pc:docChg>
   </pc:docChgLst>
@@ -2124,7 +2346,7 @@
           <a:p>
             <a:fld id="{4AAD347D-5ACD-4C99-B74B-A9C85AD731AF}" type="datetimeFigureOut">
               <a:rPr lang="en-US" smtClean="0"/>
-              <a:t>1/13/20</a:t>
+              <a:t>1/14/20</a:t>
             </a:fld>
             <a:endParaRPr lang="en-US" dirty="0"/>
           </a:p>
@@ -2294,7 +2516,7 @@
           <a:p>
             <a:fld id="{4509A250-FF31-4206-8172-F9D3106AACB1}" type="datetimeFigureOut">
               <a:rPr lang="en-US" smtClean="0"/>
-              <a:t>1/13/20</a:t>
+              <a:t>1/14/20</a:t>
             </a:fld>
             <a:endParaRPr lang="en-US" dirty="0"/>
           </a:p>
@@ -2474,7 +2696,7 @@
           <a:p>
             <a:fld id="{4509A250-FF31-4206-8172-F9D3106AACB1}" type="datetimeFigureOut">
               <a:rPr lang="en-US" smtClean="0"/>
-              <a:t>1/13/20</a:t>
+              <a:t>1/14/20</a:t>
             </a:fld>
             <a:endParaRPr lang="en-US" dirty="0"/>
           </a:p>
@@ -2644,7 +2866,7 @@
           <a:p>
             <a:fld id="{4509A250-FF31-4206-8172-F9D3106AACB1}" type="datetimeFigureOut">
               <a:rPr lang="en-US" smtClean="0"/>
-              <a:t>1/13/20</a:t>
+              <a:t>1/14/20</a:t>
             </a:fld>
             <a:endParaRPr lang="en-US" dirty="0"/>
           </a:p>
@@ -2890,7 +3112,7 @@
           <a:p>
             <a:fld id="{9796027F-7875-4030-9381-8BD8C4F21935}" type="datetimeFigureOut">
               <a:rPr lang="en-US" smtClean="0"/>
-              <a:t>1/13/20</a:t>
+              <a:t>1/14/20</a:t>
             </a:fld>
             <a:endParaRPr lang="en-US" dirty="0"/>
           </a:p>
@@ -3122,7 +3344,7 @@
           <a:p>
             <a:fld id="{9796027F-7875-4030-9381-8BD8C4F21935}" type="datetimeFigureOut">
               <a:rPr lang="en-US" smtClean="0"/>
-              <a:t>1/13/20</a:t>
+              <a:t>1/14/20</a:t>
             </a:fld>
             <a:endParaRPr lang="en-US" dirty="0"/>
           </a:p>
@@ -3489,7 +3711,7 @@
           <a:p>
             <a:fld id="{9796027F-7875-4030-9381-8BD8C4F21935}" type="datetimeFigureOut">
               <a:rPr lang="en-US" smtClean="0"/>
-              <a:t>1/13/20</a:t>
+              <a:t>1/14/20</a:t>
             </a:fld>
             <a:endParaRPr lang="en-US" dirty="0"/>
           </a:p>
@@ -3607,7 +3829,7 @@
           <a:p>
             <a:fld id="{4509A250-FF31-4206-8172-F9D3106AACB1}" type="datetimeFigureOut">
               <a:rPr lang="en-US" smtClean="0"/>
-              <a:t>1/13/20</a:t>
+              <a:t>1/14/20</a:t>
             </a:fld>
             <a:endParaRPr lang="en-US" dirty="0"/>
           </a:p>
@@ -3702,7 +3924,7 @@
           <a:p>
             <a:fld id="{4509A250-FF31-4206-8172-F9D3106AACB1}" type="datetimeFigureOut">
               <a:rPr lang="en-US" smtClean="0"/>
-              <a:t>1/13/20</a:t>
+              <a:t>1/14/20</a:t>
             </a:fld>
             <a:endParaRPr lang="en-US" dirty="0"/>
           </a:p>
@@ -3979,7 +4201,7 @@
           <a:p>
             <a:fld id="{4509A250-FF31-4206-8172-F9D3106AACB1}" type="datetimeFigureOut">
               <a:rPr lang="en-US" smtClean="0"/>
-              <a:t>1/13/20</a:t>
+              <a:t>1/14/20</a:t>
             </a:fld>
             <a:endParaRPr lang="en-US" dirty="0"/>
           </a:p>
@@ -4236,7 +4458,7 @@
           <a:p>
             <a:fld id="{4509A250-FF31-4206-8172-F9D3106AACB1}" type="datetimeFigureOut">
               <a:rPr lang="en-US" smtClean="0"/>
-              <a:t>1/13/20</a:t>
+              <a:t>1/14/20</a:t>
             </a:fld>
             <a:endParaRPr lang="en-US" dirty="0"/>
           </a:p>
@@ -4449,7 +4671,7 @@
           <a:p>
             <a:fld id="{4AAD347D-5ACD-4C99-B74B-A9C85AD731AF}" type="datetimeFigureOut">
               <a:rPr lang="en-US" smtClean="0"/>
-              <a:t>1/13/20</a:t>
+              <a:t>1/14/20</a:t>
             </a:fld>
             <a:endParaRPr lang="en-US" dirty="0"/>
           </a:p>
@@ -5126,6 +5348,1370 @@
     <p:extLst>
       <p:ext uri="{BB962C8B-B14F-4D97-AF65-F5344CB8AC3E}">
         <p14:creationId xmlns:p14="http://schemas.microsoft.com/office/powerpoint/2010/main" val="4247104139"/>
+      </p:ext>
+    </p:extLst>
+  </p:cSld>
+  <p:clrMapOvr>
+    <a:masterClrMapping/>
+  </p:clrMapOvr>
+</p:sld>
+</file>
+
+<file path=ppt/slides/slide10.xml><?xml version="1.0" encoding="utf-8"?>
+<p:sld xmlns:a="http://schemas.openxmlformats.org/drawingml/2006/main" xmlns:r="http://schemas.openxmlformats.org/officeDocument/2006/relationships" xmlns:p="http://schemas.openxmlformats.org/presentationml/2006/main">
+  <p:cSld>
+    <p:spTree>
+      <p:nvGrpSpPr>
+        <p:cNvPr id="1" name=""/>
+        <p:cNvGrpSpPr/>
+        <p:nvPr/>
+      </p:nvGrpSpPr>
+      <p:grpSpPr>
+        <a:xfrm>
+          <a:off x="0" y="0"/>
+          <a:ext cx="0" cy="0"/>
+          <a:chOff x="0" y="0"/>
+          <a:chExt cx="0" cy="0"/>
+        </a:xfrm>
+      </p:grpSpPr>
+      <p:sp>
+        <p:nvSpPr>
+          <p:cNvPr id="2" name="Title 1">
+            <a:extLst>
+              <a:ext uri="{FF2B5EF4-FFF2-40B4-BE49-F238E27FC236}">
+                <a16:creationId xmlns:a16="http://schemas.microsoft.com/office/drawing/2014/main" id="{AA3A228F-61D0-D949-A5E7-F83756230BF8}"/>
+              </a:ext>
+            </a:extLst>
+          </p:cNvPr>
+          <p:cNvSpPr>
+            <a:spLocks noGrp="1"/>
+          </p:cNvSpPr>
+          <p:nvPr>
+            <p:ph type="title"/>
+          </p:nvPr>
+        </p:nvSpPr>
+        <p:spPr>
+          <a:xfrm>
+            <a:off x="483848" y="123497"/>
+            <a:ext cx="7053542" cy="683886"/>
+          </a:xfrm>
+        </p:spPr>
+        <p:txBody>
+          <a:bodyPr/>
+          <a:lstStyle/>
+          <a:p>
+            <a:r>
+              <a:rPr lang="en-US" dirty="0"/>
+              <a:t>Encoding/Decoding</a:t>
+            </a:r>
+          </a:p>
+        </p:txBody>
+      </p:sp>
+      <p:sp>
+        <p:nvSpPr>
+          <p:cNvPr id="9" name="Content Placeholder 8">
+            <a:extLst>
+              <a:ext uri="{FF2B5EF4-FFF2-40B4-BE49-F238E27FC236}">
+                <a16:creationId xmlns:a16="http://schemas.microsoft.com/office/drawing/2014/main" id="{E3B2E017-30B2-884B-A113-B419A2ED51AD}"/>
+              </a:ext>
+            </a:extLst>
+          </p:cNvPr>
+          <p:cNvSpPr>
+            <a:spLocks noGrp="1"/>
+          </p:cNvSpPr>
+          <p:nvPr>
+            <p:ph idx="1"/>
+          </p:nvPr>
+        </p:nvSpPr>
+        <p:spPr>
+          <a:xfrm>
+            <a:off x="483848" y="726393"/>
+            <a:ext cx="8051725" cy="4865110"/>
+          </a:xfrm>
+        </p:spPr>
+        <p:txBody>
+          <a:bodyPr>
+            <a:noAutofit/>
+          </a:bodyPr>
+          <a:lstStyle/>
+          <a:p>
+            <a:pPr marL="0" indent="0">
+              <a:buNone/>
+            </a:pPr>
+            <a:endParaRPr lang="en-US" sz="1800" dirty="0"/>
+          </a:p>
+          <a:p>
+            <a:pPr marL="0" indent="0">
+              <a:buNone/>
+            </a:pPr>
+            <a:endParaRPr lang="en-US" sz="1800" dirty="0"/>
+          </a:p>
+          <a:p>
+            <a:pPr marL="0" indent="0">
+              <a:buNone/>
+            </a:pPr>
+            <a:endParaRPr lang="en-US" sz="1800" dirty="0"/>
+          </a:p>
+          <a:p>
+            <a:pPr marL="0" indent="0">
+              <a:buNone/>
+            </a:pPr>
+            <a:endParaRPr lang="en-US" sz="1800" dirty="0"/>
+          </a:p>
+          <a:p>
+            <a:pPr marL="0" indent="0">
+              <a:buNone/>
+            </a:pPr>
+            <a:endParaRPr lang="en-US" sz="1800" dirty="0"/>
+          </a:p>
+          <a:p>
+            <a:pPr marL="0" indent="0">
+              <a:buNone/>
+            </a:pPr>
+            <a:endParaRPr lang="en-US" sz="1800" dirty="0"/>
+          </a:p>
+          <a:p>
+            <a:pPr marL="0" indent="0">
+              <a:buNone/>
+            </a:pPr>
+            <a:endParaRPr lang="en-US" sz="1800" dirty="0"/>
+          </a:p>
+          <a:p>
+            <a:pPr marL="0" indent="0">
+              <a:buNone/>
+            </a:pPr>
+            <a:br>
+              <a:rPr lang="en-US" sz="1800" b="1" dirty="0"/>
+            </a:br>
+            <a:r>
+              <a:rPr lang="en-US" sz="1900" b="1" dirty="0">
+                <a:solidFill>
+                  <a:srgbClr val="000087"/>
+                </a:solidFill>
+                <a:latin typeface="Inconsolata Medium" panose="020B0609030003000000" pitchFamily="49" charset="77"/>
+              </a:rPr>
+              <a:t>In </a:t>
+            </a:r>
+            <a:r>
+              <a:rPr lang="en-US" sz="1900" b="1" dirty="0">
+                <a:latin typeface="Inconsolata Medium" panose="020B0609030003000000" pitchFamily="49" charset="77"/>
+              </a:rPr>
+              <a:t>[</a:t>
+            </a:r>
+            <a:r>
+              <a:rPr lang="en-US" sz="1900" b="1" dirty="0">
+                <a:solidFill>
+                  <a:srgbClr val="FF6600"/>
+                </a:solidFill>
+                <a:latin typeface="Inconsolata Medium" panose="020B0609030003000000" pitchFamily="49" charset="77"/>
+              </a:rPr>
+              <a:t>1</a:t>
+            </a:r>
+            <a:r>
+              <a:rPr lang="en-US" sz="1900" b="1" dirty="0">
+                <a:latin typeface="Inconsolata Medium" panose="020B0609030003000000" pitchFamily="49" charset="77"/>
+              </a:rPr>
+              <a:t>]: s = "</a:t>
+            </a:r>
+            <a:r>
+              <a:rPr lang="en-US" sz="1900" b="1" dirty="0" err="1">
+                <a:latin typeface="Inconsolata Medium" panose="020B0609030003000000" pitchFamily="49" charset="77"/>
+              </a:rPr>
+              <a:t>ciào</a:t>
+            </a:r>
+            <a:r>
+              <a:rPr lang="en-US" sz="1900" b="1" dirty="0">
+                <a:latin typeface="Inconsolata Medium" panose="020B0609030003000000" pitchFamily="49" charset="77"/>
+              </a:rPr>
+              <a:t>" </a:t>
+            </a:r>
+            <a:r>
+              <a:rPr lang="en-US" sz="1900" b="1" dirty="0">
+                <a:solidFill>
+                  <a:schemeClr val="accent1">
+                    <a:lumMod val="75000"/>
+                  </a:schemeClr>
+                </a:solidFill>
+                <a:latin typeface="Inconsolata Medium" panose="020B0609030003000000" pitchFamily="49" charset="77"/>
+              </a:rPr>
+              <a:t># string literal</a:t>
+            </a:r>
+            <a:r>
+              <a:rPr lang="en-US" sz="1900" b="1" dirty="0">
+                <a:latin typeface="Inconsolata Medium" panose="020B0609030003000000" pitchFamily="49" charset="77"/>
+              </a:rPr>
+              <a:t> </a:t>
+            </a:r>
+            <a:br>
+              <a:rPr lang="en-US" sz="1900" b="1" dirty="0"/>
+            </a:br>
+            <a:r>
+              <a:rPr lang="en-US" sz="1900" b="1" dirty="0">
+                <a:solidFill>
+                  <a:srgbClr val="000087"/>
+                </a:solidFill>
+                <a:latin typeface="Inconsolata Medium" panose="020B0609030003000000" pitchFamily="49" charset="77"/>
+              </a:rPr>
+              <a:t>In </a:t>
+            </a:r>
+            <a:r>
+              <a:rPr lang="en-US" sz="1900" b="1" dirty="0">
+                <a:latin typeface="Inconsolata Medium" panose="020B0609030003000000" pitchFamily="49" charset="77"/>
+              </a:rPr>
+              <a:t>[</a:t>
+            </a:r>
+            <a:r>
+              <a:rPr lang="en-US" sz="1900" b="1" dirty="0">
+                <a:solidFill>
+                  <a:srgbClr val="FF6600"/>
+                </a:solidFill>
+                <a:latin typeface="Inconsolata Medium" panose="020B0609030003000000" pitchFamily="49" charset="77"/>
+              </a:rPr>
+              <a:t>2</a:t>
+            </a:r>
+            <a:r>
+              <a:rPr lang="en-US" sz="1900" b="1" dirty="0">
+                <a:latin typeface="Inconsolata Medium" panose="020B0609030003000000" pitchFamily="49" charset="77"/>
+              </a:rPr>
+              <a:t>]: b = </a:t>
+            </a:r>
+            <a:r>
+              <a:rPr lang="en-US" sz="1900" b="1" dirty="0" err="1">
+                <a:latin typeface="Inconsolata Medium" panose="020B0609030003000000" pitchFamily="49" charset="77"/>
+              </a:rPr>
+              <a:t>s.encode</a:t>
+            </a:r>
+            <a:r>
+              <a:rPr lang="en-US" sz="1900" b="1" dirty="0">
+                <a:latin typeface="Inconsolata Medium" panose="020B0609030003000000" pitchFamily="49" charset="77"/>
+              </a:rPr>
+              <a:t>("utf-8") </a:t>
+            </a:r>
+            <a:r>
+              <a:rPr lang="en-US" sz="1900" b="1" dirty="0">
+                <a:solidFill>
+                  <a:schemeClr val="accent1">
+                    <a:lumMod val="75000"/>
+                  </a:schemeClr>
+                </a:solidFill>
+                <a:latin typeface="Inconsolata Medium" panose="020B0609030003000000" pitchFamily="49" charset="77"/>
+              </a:rPr>
+              <a:t># bytes literal</a:t>
+            </a:r>
+            <a:r>
+              <a:rPr lang="en-US" sz="1900" b="1" dirty="0">
+                <a:latin typeface="Inconsolata Medium" panose="020B0609030003000000" pitchFamily="49" charset="77"/>
+              </a:rPr>
+              <a:t> </a:t>
+            </a:r>
+          </a:p>
+          <a:p>
+            <a:pPr marL="0" indent="0">
+              <a:buNone/>
+            </a:pPr>
+            <a:r>
+              <a:rPr lang="en-US" sz="1900" b="1" dirty="0">
+                <a:solidFill>
+                  <a:srgbClr val="000087"/>
+                </a:solidFill>
+                <a:latin typeface="Inconsolata Medium" panose="020B0609030003000000" pitchFamily="49" charset="77"/>
+              </a:rPr>
+              <a:t>In </a:t>
+            </a:r>
+            <a:r>
+              <a:rPr lang="en-US" sz="1900" b="1" dirty="0">
+                <a:latin typeface="Inconsolata Medium" panose="020B0609030003000000" pitchFamily="49" charset="77"/>
+              </a:rPr>
+              <a:t>[</a:t>
+            </a:r>
+            <a:r>
+              <a:rPr lang="en-US" sz="1900" b="1" dirty="0">
+                <a:solidFill>
+                  <a:srgbClr val="FF6600"/>
+                </a:solidFill>
+                <a:latin typeface="Inconsolata Medium" panose="020B0609030003000000" pitchFamily="49" charset="77"/>
+              </a:rPr>
+              <a:t>3</a:t>
+            </a:r>
+            <a:r>
+              <a:rPr lang="en-US" sz="1900" b="1" dirty="0">
+                <a:latin typeface="Inconsolata Medium" panose="020B0609030003000000" pitchFamily="49" charset="77"/>
+              </a:rPr>
+              <a:t>]: print(b)  </a:t>
+            </a:r>
+          </a:p>
+          <a:p>
+            <a:pPr marL="0" indent="0">
+              <a:buNone/>
+            </a:pPr>
+            <a:r>
+              <a:rPr lang="en-US" sz="1900" b="1" dirty="0" err="1"/>
+              <a:t>b'ci</a:t>
+            </a:r>
+            <a:r>
+              <a:rPr lang="en-US" sz="1900" b="1" dirty="0"/>
+              <a:t>\xc3\xa0o'</a:t>
+            </a:r>
+            <a:endParaRPr lang="en-US" altLang="zh-CN" sz="1900" b="1" dirty="0">
+              <a:latin typeface="Inconsolata Medium" panose="020B0609030003000000" pitchFamily="49" charset="77"/>
+            </a:endParaRPr>
+          </a:p>
+          <a:p>
+            <a:pPr marL="0" indent="0">
+              <a:buNone/>
+            </a:pPr>
+            <a:r>
+              <a:rPr lang="en-US" sz="1900" b="1" dirty="0">
+                <a:solidFill>
+                  <a:srgbClr val="000087"/>
+                </a:solidFill>
+                <a:latin typeface="Inconsolata Medium" panose="020B0609030003000000" pitchFamily="49" charset="77"/>
+              </a:rPr>
+              <a:t>In </a:t>
+            </a:r>
+            <a:r>
+              <a:rPr lang="en-US" sz="1900" b="1" dirty="0">
+                <a:latin typeface="Inconsolata Medium" panose="020B0609030003000000" pitchFamily="49" charset="77"/>
+              </a:rPr>
+              <a:t>[</a:t>
+            </a:r>
+            <a:r>
+              <a:rPr lang="en-US" sz="1900" b="1" dirty="0">
+                <a:solidFill>
+                  <a:srgbClr val="FF6600"/>
+                </a:solidFill>
+                <a:latin typeface="Inconsolata Medium" panose="020B0609030003000000" pitchFamily="49" charset="77"/>
+              </a:rPr>
+              <a:t>3</a:t>
+            </a:r>
+            <a:r>
+              <a:rPr lang="en-US" sz="1900" b="1" dirty="0">
+                <a:latin typeface="Inconsolata Medium" panose="020B0609030003000000" pitchFamily="49" charset="77"/>
+              </a:rPr>
+              <a:t>]: print(</a:t>
+            </a:r>
+            <a:r>
+              <a:rPr lang="en-US" sz="1900" b="1" dirty="0" err="1">
+                <a:latin typeface="Inconsolata Medium" panose="020B0609030003000000" pitchFamily="49" charset="77"/>
+              </a:rPr>
+              <a:t>b.decode</a:t>
+            </a:r>
+            <a:r>
+              <a:rPr lang="en-US" sz="1900" b="1" dirty="0">
+                <a:latin typeface="Inconsolata Medium" panose="020B0609030003000000" pitchFamily="49" charset="77"/>
+              </a:rPr>
+              <a:t>("utf8")  </a:t>
+            </a:r>
+          </a:p>
+          <a:p>
+            <a:pPr marL="0" indent="0">
+              <a:buNone/>
+            </a:pPr>
+            <a:r>
+              <a:rPr lang="en-US" sz="1900" b="1" dirty="0" err="1">
+                <a:latin typeface="Inconsolata Medium" panose="020B0609030003000000" pitchFamily="49" charset="77"/>
+              </a:rPr>
+              <a:t>ciào</a:t>
+            </a:r>
+            <a:endParaRPr lang="en-US" sz="1900" b="1" dirty="0">
+              <a:latin typeface="Inconsolata Medium" panose="020B0609030003000000" pitchFamily="49" charset="77"/>
+            </a:endParaRPr>
+          </a:p>
+          <a:p>
+            <a:pPr marL="0" indent="0">
+              <a:buNone/>
+            </a:pPr>
+            <a:endParaRPr lang="en-US" b="1" dirty="0"/>
+          </a:p>
+          <a:p>
+            <a:pPr marL="0" indent="0">
+              <a:buNone/>
+            </a:pPr>
+            <a:endParaRPr lang="en-US" b="1" dirty="0">
+              <a:latin typeface="Inconsolata Medium" panose="020B0609030003000000" pitchFamily="49" charset="77"/>
+            </a:endParaRPr>
+          </a:p>
+          <a:p>
+            <a:pPr marL="0" indent="0">
+              <a:buNone/>
+            </a:pPr>
+            <a:endParaRPr lang="en-US" b="1" dirty="0">
+              <a:latin typeface="Inconsolata Medium" panose="020B0609030003000000" pitchFamily="49" charset="77"/>
+            </a:endParaRPr>
+          </a:p>
+          <a:p>
+            <a:pPr marL="0" indent="0">
+              <a:buNone/>
+            </a:pPr>
+            <a:endParaRPr lang="en-US" b="1" dirty="0">
+              <a:latin typeface="Inconsolata Medium" panose="020B0609030003000000" pitchFamily="49" charset="77"/>
+            </a:endParaRPr>
+          </a:p>
+          <a:p>
+            <a:pPr marL="0" indent="0">
+              <a:buNone/>
+            </a:pPr>
+            <a:r>
+              <a:rPr lang="en-US" b="1" dirty="0">
+                <a:latin typeface="Inconsolata Medium" panose="020B0609030003000000" pitchFamily="49" charset="77"/>
+              </a:rPr>
+              <a:t> </a:t>
+            </a:r>
+          </a:p>
+          <a:p>
+            <a:pPr marL="0" indent="0">
+              <a:buNone/>
+            </a:pPr>
+            <a:endParaRPr lang="en-US" b="1" dirty="0">
+              <a:latin typeface="Inconsolata Medium" panose="020B0609030003000000" pitchFamily="49" charset="77"/>
+            </a:endParaRPr>
+          </a:p>
+          <a:p>
+            <a:pPr marL="0" indent="0">
+              <a:buNone/>
+            </a:pPr>
+            <a:endParaRPr lang="en-US" b="1" dirty="0">
+              <a:latin typeface="Inconsolata Medium" panose="020B0609030003000000" pitchFamily="49" charset="77"/>
+            </a:endParaRPr>
+          </a:p>
+          <a:p>
+            <a:pPr marL="0" indent="0">
+              <a:buNone/>
+            </a:pPr>
+            <a:endParaRPr lang="en-US" b="1" dirty="0">
+              <a:latin typeface="Inconsolata Medium" panose="020B0609030003000000" pitchFamily="49" charset="77"/>
+            </a:endParaRPr>
+          </a:p>
+          <a:p>
+            <a:pPr marL="0" indent="0">
+              <a:buNone/>
+            </a:pPr>
+            <a:endParaRPr lang="en-US" b="1" dirty="0">
+              <a:latin typeface="Inconsolata Medium" panose="020B0609030003000000" pitchFamily="49" charset="77"/>
+            </a:endParaRPr>
+          </a:p>
+          <a:p>
+            <a:pPr marL="0" indent="0">
+              <a:buNone/>
+            </a:pPr>
+            <a:endParaRPr lang="en-US" b="1" dirty="0">
+              <a:latin typeface="Inconsolata Medium" panose="020B0609030003000000" pitchFamily="49" charset="77"/>
+            </a:endParaRPr>
+          </a:p>
+          <a:p>
+            <a:pPr marL="0" indent="0">
+              <a:buNone/>
+            </a:pPr>
+            <a:r>
+              <a:rPr lang="en-US" b="1" dirty="0">
+                <a:latin typeface="Inconsolata Medium" panose="020B0609030003000000" pitchFamily="49" charset="77"/>
+              </a:rPr>
+              <a:t> </a:t>
+            </a:r>
+          </a:p>
+          <a:p>
+            <a:pPr marL="0" indent="0">
+              <a:buNone/>
+            </a:pPr>
+            <a:endParaRPr lang="en-US" b="1" dirty="0">
+              <a:latin typeface="Inconsolata Medium" panose="020B0609030003000000" pitchFamily="49" charset="77"/>
+            </a:endParaRPr>
+          </a:p>
+          <a:p>
+            <a:pPr marL="0" indent="0">
+              <a:buNone/>
+            </a:pPr>
+            <a:endParaRPr lang="en-US" b="1" dirty="0">
+              <a:latin typeface="Inconsolata Medium" panose="020B0609030003000000" pitchFamily="49" charset="77"/>
+            </a:endParaRPr>
+          </a:p>
+        </p:txBody>
+      </p:sp>
+      <p:pic>
+        <p:nvPicPr>
+          <p:cNvPr id="3" name="Picture 2">
+            <a:extLst>
+              <a:ext uri="{FF2B5EF4-FFF2-40B4-BE49-F238E27FC236}">
+                <a16:creationId xmlns:a16="http://schemas.microsoft.com/office/drawing/2014/main" id="{22226ADC-6577-6E4A-A55C-6330D0A2F680}"/>
+              </a:ext>
+            </a:extLst>
+          </p:cNvPr>
+          <p:cNvPicPr>
+            <a:picLocks noChangeAspect="1"/>
+          </p:cNvPicPr>
+          <p:nvPr/>
+        </p:nvPicPr>
+        <p:blipFill>
+          <a:blip r:embed="rId2"/>
+          <a:stretch>
+            <a:fillRect/>
+          </a:stretch>
+        </p:blipFill>
+        <p:spPr>
+          <a:xfrm>
+            <a:off x="2272665" y="726393"/>
+            <a:ext cx="4598670" cy="2575566"/>
+          </a:xfrm>
+          <a:prstGeom prst="rect">
+            <a:avLst/>
+          </a:prstGeom>
+        </p:spPr>
+      </p:pic>
+      <p:sp>
+        <p:nvSpPr>
+          <p:cNvPr id="4" name="TextBox 3">
+            <a:extLst>
+              <a:ext uri="{FF2B5EF4-FFF2-40B4-BE49-F238E27FC236}">
+                <a16:creationId xmlns:a16="http://schemas.microsoft.com/office/drawing/2014/main" id="{606F10B5-2911-1F4B-BEDF-C414514B24C3}"/>
+              </a:ext>
+            </a:extLst>
+          </p:cNvPr>
+          <p:cNvSpPr txBox="1"/>
+          <p:nvPr/>
+        </p:nvSpPr>
+        <p:spPr>
+          <a:xfrm>
+            <a:off x="5234940" y="4305037"/>
+            <a:ext cx="1928413" cy="1015663"/>
+          </a:xfrm>
+          <a:prstGeom prst="rect">
+            <a:avLst/>
+          </a:prstGeom>
+          <a:noFill/>
+        </p:spPr>
+        <p:txBody>
+          <a:bodyPr wrap="none" rtlCol="0">
+            <a:spAutoFit/>
+          </a:bodyPr>
+          <a:lstStyle/>
+          <a:p>
+            <a:r>
+              <a:rPr lang="en-US" sz="2000" dirty="0">
+                <a:solidFill>
+                  <a:srgbClr val="FF0000"/>
+                </a:solidFill>
+              </a:rPr>
+              <a:t>Note that</a:t>
+            </a:r>
+          </a:p>
+          <a:p>
+            <a:r>
+              <a:rPr lang="en-US" sz="2000" dirty="0">
+                <a:solidFill>
+                  <a:srgbClr val="FF0000"/>
+                </a:solidFill>
+              </a:rPr>
+              <a:t>both "utf-8"</a:t>
+            </a:r>
+          </a:p>
+          <a:p>
+            <a:r>
+              <a:rPr lang="en-US" sz="2000" dirty="0">
+                <a:solidFill>
+                  <a:srgbClr val="FF0000"/>
+                </a:solidFill>
+              </a:rPr>
+              <a:t>and "utf8" work.</a:t>
+            </a:r>
+          </a:p>
+        </p:txBody>
+      </p:sp>
+      <p:cxnSp>
+        <p:nvCxnSpPr>
+          <p:cNvPr id="6" name="Straight Arrow Connector 5">
+            <a:extLst>
+              <a:ext uri="{FF2B5EF4-FFF2-40B4-BE49-F238E27FC236}">
+                <a16:creationId xmlns:a16="http://schemas.microsoft.com/office/drawing/2014/main" id="{13B95C9C-2AB9-3942-AE04-830EE1E32418}"/>
+              </a:ext>
+            </a:extLst>
+          </p:cNvPr>
+          <p:cNvCxnSpPr>
+            <a:cxnSpLocks/>
+          </p:cNvCxnSpPr>
+          <p:nvPr/>
+        </p:nvCxnSpPr>
+        <p:spPr>
+          <a:xfrm flipH="1" flipV="1">
+            <a:off x="3909061" y="3992724"/>
+            <a:ext cx="1325880" cy="820145"/>
+          </a:xfrm>
+          <a:prstGeom prst="straightConnector1">
+            <a:avLst/>
+          </a:prstGeom>
+          <a:ln w="38100">
+            <a:solidFill>
+              <a:schemeClr val="tx1"/>
+            </a:solidFill>
+            <a:tailEnd type="triangle"/>
+          </a:ln>
+        </p:spPr>
+        <p:style>
+          <a:lnRef idx="1">
+            <a:schemeClr val="accent1"/>
+          </a:lnRef>
+          <a:fillRef idx="0">
+            <a:schemeClr val="accent1"/>
+          </a:fillRef>
+          <a:effectRef idx="0">
+            <a:schemeClr val="accent1"/>
+          </a:effectRef>
+          <a:fontRef idx="minor">
+            <a:schemeClr val="tx1"/>
+          </a:fontRef>
+        </p:style>
+      </p:cxnSp>
+      <p:cxnSp>
+        <p:nvCxnSpPr>
+          <p:cNvPr id="11" name="Straight Arrow Connector 10">
+            <a:extLst>
+              <a:ext uri="{FF2B5EF4-FFF2-40B4-BE49-F238E27FC236}">
+                <a16:creationId xmlns:a16="http://schemas.microsoft.com/office/drawing/2014/main" id="{31BE1AFB-CB49-EC40-854C-7387B587C268}"/>
+              </a:ext>
+            </a:extLst>
+          </p:cNvPr>
+          <p:cNvCxnSpPr>
+            <a:cxnSpLocks/>
+          </p:cNvCxnSpPr>
+          <p:nvPr/>
+        </p:nvCxnSpPr>
+        <p:spPr>
+          <a:xfrm flipH="1">
+            <a:off x="4411980" y="4872070"/>
+            <a:ext cx="822959" cy="46600"/>
+          </a:xfrm>
+          <a:prstGeom prst="straightConnector1">
+            <a:avLst/>
+          </a:prstGeom>
+          <a:ln w="38100">
+            <a:solidFill>
+              <a:schemeClr val="tx1"/>
+            </a:solidFill>
+            <a:tailEnd type="triangle"/>
+          </a:ln>
+        </p:spPr>
+        <p:style>
+          <a:lnRef idx="1">
+            <a:schemeClr val="accent1"/>
+          </a:lnRef>
+          <a:fillRef idx="0">
+            <a:schemeClr val="accent1"/>
+          </a:fillRef>
+          <a:effectRef idx="0">
+            <a:schemeClr val="accent1"/>
+          </a:effectRef>
+          <a:fontRef idx="minor">
+            <a:schemeClr val="tx1"/>
+          </a:fontRef>
+        </p:style>
+      </p:cxnSp>
+      <p:sp>
+        <p:nvSpPr>
+          <p:cNvPr id="15" name="TextBox 14">
+            <a:extLst>
+              <a:ext uri="{FF2B5EF4-FFF2-40B4-BE49-F238E27FC236}">
+                <a16:creationId xmlns:a16="http://schemas.microsoft.com/office/drawing/2014/main" id="{B1F3D09C-1FAB-D149-BCBD-169196A87AE0}"/>
+              </a:ext>
+            </a:extLst>
+          </p:cNvPr>
+          <p:cNvSpPr txBox="1"/>
+          <p:nvPr/>
+        </p:nvSpPr>
+        <p:spPr>
+          <a:xfrm>
+            <a:off x="207552" y="2014176"/>
+            <a:ext cx="2341410" cy="1015663"/>
+          </a:xfrm>
+          <a:prstGeom prst="rect">
+            <a:avLst/>
+          </a:prstGeom>
+          <a:noFill/>
+        </p:spPr>
+        <p:txBody>
+          <a:bodyPr wrap="none" rtlCol="0">
+            <a:spAutoFit/>
+          </a:bodyPr>
+          <a:lstStyle/>
+          <a:p>
+            <a:r>
+              <a:rPr lang="en-US" sz="2000" dirty="0" err="1">
+                <a:solidFill>
+                  <a:srgbClr val="FF0000"/>
+                </a:solidFill>
+                <a:latin typeface="Gill Sans MT" panose="020B0502020104020203" pitchFamily="34" charset="77"/>
+              </a:rPr>
+              <a:t>à</a:t>
+            </a:r>
+            <a:r>
+              <a:rPr lang="en-US" sz="2000" dirty="0">
+                <a:solidFill>
+                  <a:srgbClr val="FF0000"/>
+                </a:solidFill>
+                <a:latin typeface="Gill Sans MT" panose="020B0502020104020203" pitchFamily="34" charset="77"/>
+              </a:rPr>
+              <a:t> needs two</a:t>
+            </a:r>
+          </a:p>
+          <a:p>
+            <a:r>
+              <a:rPr lang="en-US" sz="2000" dirty="0">
+                <a:solidFill>
+                  <a:srgbClr val="FF0000"/>
+                </a:solidFill>
+                <a:latin typeface="Gill Sans MT" panose="020B0502020104020203" pitchFamily="34" charset="77"/>
+              </a:rPr>
+              <a:t>bytes \xc3\xa0 using </a:t>
+            </a:r>
+          </a:p>
+          <a:p>
+            <a:r>
+              <a:rPr lang="en-US" sz="2000" dirty="0">
+                <a:solidFill>
+                  <a:srgbClr val="FF0000"/>
+                </a:solidFill>
+                <a:latin typeface="Gill Sans MT" panose="020B0502020104020203" pitchFamily="34" charset="77"/>
+              </a:rPr>
+              <a:t>UTF-8 encoding.</a:t>
+            </a:r>
+          </a:p>
+        </p:txBody>
+      </p:sp>
+    </p:spTree>
+    <p:extLst>
+      <p:ext uri="{BB962C8B-B14F-4D97-AF65-F5344CB8AC3E}">
+        <p14:creationId xmlns:p14="http://schemas.microsoft.com/office/powerpoint/2010/main" val="1586884029"/>
+      </p:ext>
+    </p:extLst>
+  </p:cSld>
+  <p:clrMapOvr>
+    <a:masterClrMapping/>
+  </p:clrMapOvr>
+</p:sld>
+</file>
+
+<file path=ppt/slides/slide11.xml><?xml version="1.0" encoding="utf-8"?>
+<p:sld xmlns:a="http://schemas.openxmlformats.org/drawingml/2006/main" xmlns:r="http://schemas.openxmlformats.org/officeDocument/2006/relationships" xmlns:p="http://schemas.openxmlformats.org/presentationml/2006/main">
+  <p:cSld>
+    <p:spTree>
+      <p:nvGrpSpPr>
+        <p:cNvPr id="1" name=""/>
+        <p:cNvGrpSpPr/>
+        <p:nvPr/>
+      </p:nvGrpSpPr>
+      <p:grpSpPr>
+        <a:xfrm>
+          <a:off x="0" y="0"/>
+          <a:ext cx="0" cy="0"/>
+          <a:chOff x="0" y="0"/>
+          <a:chExt cx="0" cy="0"/>
+        </a:xfrm>
+      </p:grpSpPr>
+      <p:sp>
+        <p:nvSpPr>
+          <p:cNvPr id="2" name="Title 1">
+            <a:extLst>
+              <a:ext uri="{FF2B5EF4-FFF2-40B4-BE49-F238E27FC236}">
+                <a16:creationId xmlns:a16="http://schemas.microsoft.com/office/drawing/2014/main" id="{AA3A228F-61D0-D949-A5E7-F83756230BF8}"/>
+              </a:ext>
+            </a:extLst>
+          </p:cNvPr>
+          <p:cNvSpPr>
+            <a:spLocks noGrp="1"/>
+          </p:cNvSpPr>
+          <p:nvPr>
+            <p:ph type="title"/>
+          </p:nvPr>
+        </p:nvSpPr>
+        <p:spPr>
+          <a:xfrm>
+            <a:off x="483848" y="123497"/>
+            <a:ext cx="7053542" cy="683886"/>
+          </a:xfrm>
+        </p:spPr>
+        <p:txBody>
+          <a:bodyPr/>
+          <a:lstStyle/>
+          <a:p>
+            <a:r>
+              <a:rPr lang="en-US" dirty="0"/>
+              <a:t>How to type Unicode characters</a:t>
+            </a:r>
+          </a:p>
+        </p:txBody>
+      </p:sp>
+      <p:sp>
+        <p:nvSpPr>
+          <p:cNvPr id="9" name="Content Placeholder 8">
+            <a:extLst>
+              <a:ext uri="{FF2B5EF4-FFF2-40B4-BE49-F238E27FC236}">
+                <a16:creationId xmlns:a16="http://schemas.microsoft.com/office/drawing/2014/main" id="{E3B2E017-30B2-884B-A113-B419A2ED51AD}"/>
+              </a:ext>
+            </a:extLst>
+          </p:cNvPr>
+          <p:cNvSpPr>
+            <a:spLocks noGrp="1"/>
+          </p:cNvSpPr>
+          <p:nvPr>
+            <p:ph idx="1"/>
+          </p:nvPr>
+        </p:nvSpPr>
+        <p:spPr>
+          <a:xfrm>
+            <a:off x="483848" y="726393"/>
+            <a:ext cx="8051725" cy="4865110"/>
+          </a:xfrm>
+        </p:spPr>
+        <p:txBody>
+          <a:bodyPr>
+            <a:noAutofit/>
+          </a:bodyPr>
+          <a:lstStyle/>
+          <a:p>
+            <a:pPr marL="0" indent="0">
+              <a:buNone/>
+            </a:pPr>
+            <a:endParaRPr lang="en-US" sz="1800" dirty="0"/>
+          </a:p>
+          <a:p>
+            <a:pPr marL="0" indent="0">
+              <a:buNone/>
+            </a:pPr>
+            <a:r>
+              <a:rPr lang="en-US" dirty="0"/>
+              <a:t>You can type Unicode characters such as </a:t>
+            </a:r>
+            <a:r>
+              <a:rPr lang="el-GR" dirty="0"/>
+              <a:t>β</a:t>
+            </a:r>
+            <a:r>
+              <a:rPr lang="en-US" dirty="0"/>
+              <a:t> or </a:t>
+            </a:r>
+            <a:r>
+              <a:rPr lang="zh-CN" altLang="en-US" dirty="0"/>
+              <a:t>者</a:t>
+            </a:r>
+            <a:r>
+              <a:rPr lang="en-US" altLang="zh-CN" dirty="0"/>
+              <a:t> or </a:t>
+            </a:r>
+            <a:r>
+              <a:rPr lang="en-US" dirty="0"/>
+              <a:t>🤔 by using special programs, special language keyboard or copy and paste from another source. </a:t>
+            </a:r>
+          </a:p>
+          <a:p>
+            <a:pPr marL="0" indent="0">
+              <a:buNone/>
+            </a:pPr>
+            <a:endParaRPr lang="en-US" dirty="0"/>
+          </a:p>
+          <a:p>
+            <a:pPr marL="0" indent="0">
+              <a:buNone/>
+            </a:pPr>
+            <a:r>
+              <a:rPr lang="en-US" dirty="0"/>
+              <a:t>For example, if I press "e" on my keyboard and hold it down, I get the following little window that allow me to select which letter I want:</a:t>
+            </a:r>
+          </a:p>
+          <a:p>
+            <a:pPr marL="0" indent="0">
+              <a:buNone/>
+            </a:pPr>
+            <a:endParaRPr lang="en-US" b="1" dirty="0">
+              <a:latin typeface="Inconsolata Medium" panose="020B0609030003000000" pitchFamily="49" charset="77"/>
+            </a:endParaRPr>
+          </a:p>
+          <a:p>
+            <a:pPr marL="0" indent="0">
+              <a:buNone/>
+            </a:pPr>
+            <a:endParaRPr lang="en-US" b="1" dirty="0">
+              <a:latin typeface="Inconsolata Medium" panose="020B0609030003000000" pitchFamily="49" charset="77"/>
+            </a:endParaRPr>
+          </a:p>
+          <a:p>
+            <a:pPr marL="0" indent="0">
+              <a:buNone/>
+            </a:pPr>
+            <a:endParaRPr lang="en-US" b="1" dirty="0">
+              <a:latin typeface="Inconsolata Medium" panose="020B0609030003000000" pitchFamily="49" charset="77"/>
+            </a:endParaRPr>
+          </a:p>
+          <a:p>
+            <a:pPr marL="0" indent="0">
+              <a:buNone/>
+            </a:pPr>
+            <a:r>
+              <a:rPr lang="en-US" b="1" dirty="0">
+                <a:latin typeface="Inconsolata Medium" panose="020B0609030003000000" pitchFamily="49" charset="77"/>
+              </a:rPr>
+              <a:t> </a:t>
+            </a:r>
+          </a:p>
+          <a:p>
+            <a:pPr marL="0" indent="0">
+              <a:buNone/>
+            </a:pPr>
+            <a:r>
+              <a:rPr lang="en-US" dirty="0">
+                <a:latin typeface="Gill Sans MT" panose="020B0502020104020203" pitchFamily="34" charset="77"/>
+              </a:rPr>
+              <a:t>Programmatically, Python gives you many ways of typing Unicode using escape sequences in your Python code.</a:t>
+            </a:r>
+          </a:p>
+          <a:p>
+            <a:pPr marL="0" indent="0">
+              <a:buNone/>
+            </a:pPr>
+            <a:endParaRPr lang="en-US" b="1" dirty="0">
+              <a:latin typeface="Inconsolata Medium" panose="020B0609030003000000" pitchFamily="49" charset="77"/>
+            </a:endParaRPr>
+          </a:p>
+          <a:p>
+            <a:pPr marL="0" indent="0">
+              <a:buNone/>
+            </a:pPr>
+            <a:endParaRPr lang="en-US" b="1" dirty="0">
+              <a:latin typeface="Inconsolata Medium" panose="020B0609030003000000" pitchFamily="49" charset="77"/>
+            </a:endParaRPr>
+          </a:p>
+          <a:p>
+            <a:pPr marL="0" indent="0">
+              <a:buNone/>
+            </a:pPr>
+            <a:endParaRPr lang="en-US" b="1" dirty="0">
+              <a:latin typeface="Inconsolata Medium" panose="020B0609030003000000" pitchFamily="49" charset="77"/>
+            </a:endParaRPr>
+          </a:p>
+          <a:p>
+            <a:pPr marL="0" indent="0">
+              <a:buNone/>
+            </a:pPr>
+            <a:endParaRPr lang="en-US" b="1" dirty="0">
+              <a:latin typeface="Inconsolata Medium" panose="020B0609030003000000" pitchFamily="49" charset="77"/>
+            </a:endParaRPr>
+          </a:p>
+          <a:p>
+            <a:pPr marL="0" indent="0">
+              <a:buNone/>
+            </a:pPr>
+            <a:r>
+              <a:rPr lang="en-US" b="1" dirty="0">
+                <a:latin typeface="Inconsolata Medium" panose="020B0609030003000000" pitchFamily="49" charset="77"/>
+              </a:rPr>
+              <a:t> </a:t>
+            </a:r>
+          </a:p>
+          <a:p>
+            <a:pPr marL="0" indent="0">
+              <a:buNone/>
+            </a:pPr>
+            <a:endParaRPr lang="en-US" b="1" dirty="0">
+              <a:latin typeface="Inconsolata Medium" panose="020B0609030003000000" pitchFamily="49" charset="77"/>
+            </a:endParaRPr>
+          </a:p>
+          <a:p>
+            <a:pPr marL="0" indent="0">
+              <a:buNone/>
+            </a:pPr>
+            <a:endParaRPr lang="en-US" b="1" dirty="0">
+              <a:latin typeface="Inconsolata Medium" panose="020B0609030003000000" pitchFamily="49" charset="77"/>
+            </a:endParaRPr>
+          </a:p>
+        </p:txBody>
+      </p:sp>
+      <p:pic>
+        <p:nvPicPr>
+          <p:cNvPr id="3" name="Picture 2">
+            <a:extLst>
+              <a:ext uri="{FF2B5EF4-FFF2-40B4-BE49-F238E27FC236}">
+                <a16:creationId xmlns:a16="http://schemas.microsoft.com/office/drawing/2014/main" id="{7875768C-F58A-FC4D-A33B-7E43CDFF93DF}"/>
+              </a:ext>
+            </a:extLst>
+          </p:cNvPr>
+          <p:cNvPicPr>
+            <a:picLocks noChangeAspect="1"/>
+          </p:cNvPicPr>
+          <p:nvPr/>
+        </p:nvPicPr>
+        <p:blipFill>
+          <a:blip r:embed="rId2"/>
+          <a:stretch>
+            <a:fillRect/>
+          </a:stretch>
+        </p:blipFill>
+        <p:spPr>
+          <a:xfrm>
+            <a:off x="3023810" y="3158948"/>
+            <a:ext cx="2971800" cy="1485900"/>
+          </a:xfrm>
+          <a:prstGeom prst="rect">
+            <a:avLst/>
+          </a:prstGeom>
+        </p:spPr>
+      </p:pic>
+    </p:spTree>
+    <p:extLst>
+      <p:ext uri="{BB962C8B-B14F-4D97-AF65-F5344CB8AC3E}">
+        <p14:creationId xmlns:p14="http://schemas.microsoft.com/office/powerpoint/2010/main" val="811578781"/>
+      </p:ext>
+    </p:extLst>
+  </p:cSld>
+  <p:clrMapOvr>
+    <a:masterClrMapping/>
+  </p:clrMapOvr>
+</p:sld>
+</file>
+
+<file path=ppt/slides/slide12.xml><?xml version="1.0" encoding="utf-8"?>
+<p:sld xmlns:a="http://schemas.openxmlformats.org/drawingml/2006/main" xmlns:r="http://schemas.openxmlformats.org/officeDocument/2006/relationships" xmlns:p="http://schemas.openxmlformats.org/presentationml/2006/main">
+  <p:cSld>
+    <p:spTree>
+      <p:nvGrpSpPr>
+        <p:cNvPr id="1" name=""/>
+        <p:cNvGrpSpPr/>
+        <p:nvPr/>
+      </p:nvGrpSpPr>
+      <p:grpSpPr>
+        <a:xfrm>
+          <a:off x="0" y="0"/>
+          <a:ext cx="0" cy="0"/>
+          <a:chOff x="0" y="0"/>
+          <a:chExt cx="0" cy="0"/>
+        </a:xfrm>
+      </p:grpSpPr>
+      <p:sp>
+        <p:nvSpPr>
+          <p:cNvPr id="2" name="Title 1">
+            <a:extLst>
+              <a:ext uri="{FF2B5EF4-FFF2-40B4-BE49-F238E27FC236}">
+                <a16:creationId xmlns:a16="http://schemas.microsoft.com/office/drawing/2014/main" id="{AA3A228F-61D0-D949-A5E7-F83756230BF8}"/>
+              </a:ext>
+            </a:extLst>
+          </p:cNvPr>
+          <p:cNvSpPr>
+            <a:spLocks noGrp="1"/>
+          </p:cNvSpPr>
+          <p:nvPr>
+            <p:ph type="title"/>
+          </p:nvPr>
+        </p:nvSpPr>
+        <p:spPr>
+          <a:xfrm>
+            <a:off x="483848" y="45912"/>
+            <a:ext cx="7053542" cy="683886"/>
+          </a:xfrm>
+        </p:spPr>
+        <p:txBody>
+          <a:bodyPr/>
+          <a:lstStyle/>
+          <a:p>
+            <a:r>
+              <a:rPr lang="en-US" dirty="0"/>
+              <a:t>How to type Unicode characters</a:t>
+            </a:r>
+          </a:p>
+        </p:txBody>
+      </p:sp>
+      <p:pic>
+        <p:nvPicPr>
+          <p:cNvPr id="3" name="Content Placeholder 2">
+            <a:extLst>
+              <a:ext uri="{FF2B5EF4-FFF2-40B4-BE49-F238E27FC236}">
+                <a16:creationId xmlns:a16="http://schemas.microsoft.com/office/drawing/2014/main" id="{669B9FA0-45DC-9047-B915-7F3475200ED7}"/>
+              </a:ext>
+            </a:extLst>
+          </p:cNvPr>
+          <p:cNvPicPr>
+            <a:picLocks noGrp="1" noChangeAspect="1"/>
+          </p:cNvPicPr>
+          <p:nvPr>
+            <p:ph idx="1"/>
+          </p:nvPr>
+        </p:nvPicPr>
+        <p:blipFill>
+          <a:blip r:embed="rId2"/>
+          <a:stretch>
+            <a:fillRect/>
+          </a:stretch>
+        </p:blipFill>
+        <p:spPr>
+          <a:xfrm>
+            <a:off x="1188719" y="623809"/>
+            <a:ext cx="6552797" cy="3806705"/>
+          </a:xfrm>
+          <a:prstGeom prst="rect">
+            <a:avLst/>
+          </a:prstGeom>
+        </p:spPr>
+      </p:pic>
+      <p:sp>
+        <p:nvSpPr>
+          <p:cNvPr id="5" name="TextBox 4">
+            <a:extLst>
+              <a:ext uri="{FF2B5EF4-FFF2-40B4-BE49-F238E27FC236}">
+                <a16:creationId xmlns:a16="http://schemas.microsoft.com/office/drawing/2014/main" id="{15490785-A709-ED4D-8AA1-94B61914E147}"/>
+              </a:ext>
+            </a:extLst>
+          </p:cNvPr>
+          <p:cNvSpPr txBox="1"/>
+          <p:nvPr/>
+        </p:nvSpPr>
+        <p:spPr>
+          <a:xfrm>
+            <a:off x="177976" y="4430514"/>
+            <a:ext cx="8755987" cy="1323439"/>
+          </a:xfrm>
+          <a:prstGeom prst="rect">
+            <a:avLst/>
+          </a:prstGeom>
+          <a:noFill/>
+        </p:spPr>
+        <p:txBody>
+          <a:bodyPr wrap="none" rtlCol="0">
+            <a:spAutoFit/>
+          </a:bodyPr>
+          <a:lstStyle/>
+          <a:p>
+            <a:r>
+              <a:rPr lang="en-US" sz="2000" dirty="0"/>
+              <a:t>Note: Not all of the above forms work for all characters. For example, big</a:t>
+            </a:r>
+          </a:p>
+          <a:p>
+            <a:r>
+              <a:rPr lang="en-US" sz="2000" dirty="0"/>
+              <a:t>code points may require more than 16-bit(2-byte) so "\</a:t>
+            </a:r>
+            <a:r>
+              <a:rPr lang="en-US" sz="2000" dirty="0" err="1"/>
+              <a:t>xhh</a:t>
+            </a:r>
+            <a:r>
+              <a:rPr lang="en-US" sz="2000" dirty="0"/>
+              <a:t>" and "\</a:t>
+            </a:r>
+            <a:r>
+              <a:rPr lang="en-US" sz="2000" dirty="0" err="1"/>
+              <a:t>uxxxx</a:t>
+            </a:r>
+            <a:r>
+              <a:rPr lang="en-US" sz="2000" dirty="0"/>
+              <a:t>" may not </a:t>
+            </a:r>
+          </a:p>
+          <a:p>
+            <a:r>
+              <a:rPr lang="en-US" sz="2000" dirty="0"/>
+              <a:t>be enough. But "\</a:t>
+            </a:r>
+            <a:r>
+              <a:rPr lang="en-US" sz="2000" dirty="0" err="1"/>
+              <a:t>Uxxxxxxxx</a:t>
+            </a:r>
+            <a:r>
+              <a:rPr lang="en-US" sz="2000" dirty="0"/>
+              <a:t>" will work with ALL Unicode characters by using</a:t>
+            </a:r>
+          </a:p>
+          <a:p>
+            <a:r>
+              <a:rPr lang="en-US" sz="2000" dirty="0"/>
+              <a:t>zero padding. </a:t>
+            </a:r>
+          </a:p>
+        </p:txBody>
+      </p:sp>
+    </p:spTree>
+    <p:extLst>
+      <p:ext uri="{BB962C8B-B14F-4D97-AF65-F5344CB8AC3E}">
+        <p14:creationId xmlns:p14="http://schemas.microsoft.com/office/powerpoint/2010/main" val="3401114142"/>
+      </p:ext>
+    </p:extLst>
+  </p:cSld>
+  <p:clrMapOvr>
+    <a:masterClrMapping/>
+  </p:clrMapOvr>
+</p:sld>
+</file>
+
+<file path=ppt/slides/slide13.xml><?xml version="1.0" encoding="utf-8"?>
+<p:sld xmlns:a="http://schemas.openxmlformats.org/drawingml/2006/main" xmlns:r="http://schemas.openxmlformats.org/officeDocument/2006/relationships" xmlns:p="http://schemas.openxmlformats.org/presentationml/2006/main">
+  <p:cSld>
+    <p:spTree>
+      <p:nvGrpSpPr>
+        <p:cNvPr id="1" name=""/>
+        <p:cNvGrpSpPr/>
+        <p:nvPr/>
+      </p:nvGrpSpPr>
+      <p:grpSpPr>
+        <a:xfrm>
+          <a:off x="0" y="0"/>
+          <a:ext cx="0" cy="0"/>
+          <a:chOff x="0" y="0"/>
+          <a:chExt cx="0" cy="0"/>
+        </a:xfrm>
+      </p:grpSpPr>
+      <p:sp>
+        <p:nvSpPr>
+          <p:cNvPr id="55297" name="Title 1">
+            <a:extLst>
+              <a:ext uri="{FF2B5EF4-FFF2-40B4-BE49-F238E27FC236}">
+                <a16:creationId xmlns:a16="http://schemas.microsoft.com/office/drawing/2014/main" id="{04EF925E-10C6-394F-AB0C-F09871E99CC4}"/>
+              </a:ext>
+            </a:extLst>
+          </p:cNvPr>
+          <p:cNvSpPr>
+            <a:spLocks noGrp="1" noChangeArrowheads="1"/>
+          </p:cNvSpPr>
+          <p:nvPr>
+            <p:ph type="title"/>
+          </p:nvPr>
+        </p:nvSpPr>
+        <p:spPr>
+          <a:xfrm>
+            <a:off x="217170" y="228864"/>
+            <a:ext cx="7886700" cy="1104636"/>
+          </a:xfrm>
+        </p:spPr>
+        <p:txBody>
+          <a:bodyPr/>
+          <a:lstStyle/>
+          <a:p>
+            <a:pPr eaLnBrk="1" hangingPunct="1"/>
+            <a:r>
+              <a:rPr lang="en-US" altLang="en-US" dirty="0">
+                <a:ea typeface="ＭＳ Ｐゴシック" panose="020B0600070205080204" pitchFamily="34" charset="-128"/>
+              </a:rPr>
+              <a:t>References</a:t>
+            </a:r>
+          </a:p>
+        </p:txBody>
+      </p:sp>
+      <p:sp>
+        <p:nvSpPr>
+          <p:cNvPr id="55298" name="Content Placeholder 2">
+            <a:extLst>
+              <a:ext uri="{FF2B5EF4-FFF2-40B4-BE49-F238E27FC236}">
+                <a16:creationId xmlns:a16="http://schemas.microsoft.com/office/drawing/2014/main" id="{4AA38F8C-E2AA-EA4D-A486-FA2F457B38F7}"/>
+              </a:ext>
+            </a:extLst>
+          </p:cNvPr>
+          <p:cNvSpPr>
+            <a:spLocks noGrp="1" noChangeArrowheads="1"/>
+          </p:cNvSpPr>
+          <p:nvPr>
+            <p:ph idx="1"/>
+          </p:nvPr>
+        </p:nvSpPr>
+        <p:spPr>
+          <a:xfrm>
+            <a:off x="217170" y="1333500"/>
+            <a:ext cx="8709660" cy="3984625"/>
+          </a:xfrm>
+        </p:spPr>
+        <p:txBody>
+          <a:bodyPr/>
+          <a:lstStyle/>
+          <a:p>
+            <a:pPr marL="0" indent="0">
+              <a:buNone/>
+            </a:pPr>
+            <a:endParaRPr lang="en-US" altLang="en-US" sz="2000" dirty="0">
+              <a:latin typeface="Tahoma" panose="020B0604030504040204" pitchFamily="34" charset="0"/>
+              <a:ea typeface="ＭＳ Ｐゴシック" panose="020B0600070205080204" pitchFamily="34" charset="-128"/>
+            </a:endParaRPr>
+          </a:p>
+          <a:p>
+            <a:pPr marL="0" indent="0">
+              <a:buNone/>
+            </a:pPr>
+            <a:endParaRPr lang="en-US" altLang="en-US" sz="2000" dirty="0">
+              <a:latin typeface="Tahoma" panose="020B0604030504040204" pitchFamily="34" charset="0"/>
+              <a:ea typeface="ＭＳ Ｐゴシック" panose="020B0600070205080204" pitchFamily="34" charset="-128"/>
+            </a:endParaRPr>
+          </a:p>
+          <a:p>
+            <a:pPr marL="0" indent="0">
+              <a:buNone/>
+            </a:pPr>
+            <a:endParaRPr lang="en-US" altLang="en-US" sz="2000" dirty="0">
+              <a:latin typeface="Tahoma" panose="020B0604030504040204" pitchFamily="34" charset="0"/>
+              <a:ea typeface="ＭＳ Ｐゴシック" panose="020B0600070205080204" pitchFamily="34" charset="-128"/>
+            </a:endParaRPr>
+          </a:p>
+          <a:p>
+            <a:pPr marL="0" indent="0">
+              <a:buNone/>
+            </a:pPr>
+            <a:r>
+              <a:rPr lang="en-US" b="1" dirty="0"/>
+              <a:t>Unicode &amp; Character Encodings in Python: A Painless Guide, </a:t>
+            </a:r>
+            <a:r>
+              <a:rPr lang="en-US" altLang="en-US" sz="2000" dirty="0">
+                <a:latin typeface="Tahoma" panose="020B0604030504040204" pitchFamily="34" charset="0"/>
+                <a:ea typeface="ＭＳ Ｐゴシック" panose="020B0600070205080204" pitchFamily="34" charset="-128"/>
+              </a:rPr>
+              <a:t>Real Python, </a:t>
+            </a:r>
+            <a:r>
+              <a:rPr lang="en-US" sz="2000" dirty="0">
+                <a:hlinkClick r:id="rId2"/>
+              </a:rPr>
+              <a:t>https://realpython.com/python-encodings-guide/</a:t>
+            </a:r>
+            <a:endParaRPr lang="en-US" sz="2000" dirty="0"/>
+          </a:p>
+          <a:p>
+            <a:pPr marL="0" indent="0">
+              <a:buNone/>
+            </a:pPr>
+            <a:endParaRPr lang="en-US" altLang="en-US" sz="2000" dirty="0">
+              <a:latin typeface="Tahoma" panose="020B0604030504040204" pitchFamily="34" charset="0"/>
+              <a:ea typeface="ＭＳ Ｐゴシック" panose="020B0600070205080204" pitchFamily="34" charset="-128"/>
+            </a:endParaRPr>
+          </a:p>
+          <a:p>
+            <a:pPr marL="0" indent="0">
+              <a:buNone/>
+            </a:pPr>
+            <a:endParaRPr lang="en-US" altLang="en-US" sz="2000" dirty="0">
+              <a:latin typeface="Tahoma" panose="020B0604030504040204" pitchFamily="34" charset="0"/>
+              <a:ea typeface="ＭＳ Ｐゴシック" panose="020B0600070205080204" pitchFamily="34" charset="-128"/>
+            </a:endParaRPr>
+          </a:p>
+          <a:p>
+            <a:pPr marL="0" indent="0">
+              <a:buNone/>
+            </a:pPr>
+            <a:r>
+              <a:rPr lang="en-US" sz="2000" b="1"/>
+              <a:t>The Official Documentation </a:t>
+            </a:r>
+            <a:r>
+              <a:rPr lang="en-US" sz="2000" b="1" dirty="0"/>
+              <a:t>for Python. </a:t>
+            </a:r>
+            <a:r>
+              <a:rPr lang="en-US" sz="2000" dirty="0">
+                <a:hlinkClick r:id="rId3"/>
+              </a:rPr>
+              <a:t>https://docs.python.org/3</a:t>
+            </a:r>
+            <a:endParaRPr lang="en-US" altLang="en-US" sz="2000" dirty="0">
+              <a:latin typeface="Tahoma" panose="020B0604030504040204" pitchFamily="34" charset="0"/>
+              <a:ea typeface="ＭＳ Ｐゴシック" panose="020B0600070205080204" pitchFamily="34" charset="-128"/>
+            </a:endParaRPr>
+          </a:p>
+        </p:txBody>
+      </p:sp>
+    </p:spTree>
+    <p:extLst>
+      <p:ext uri="{BB962C8B-B14F-4D97-AF65-F5344CB8AC3E}">
+        <p14:creationId xmlns:p14="http://schemas.microsoft.com/office/powerpoint/2010/main" val="1270247652"/>
       </p:ext>
     </p:extLst>
   </p:cSld>
@@ -7972,6 +9558,1006 @@
           <a:p>
             <a:r>
               <a:rPr lang="en-US" dirty="0"/>
+              <a:t>Unicode</a:t>
+            </a:r>
+          </a:p>
+        </p:txBody>
+      </p:sp>
+      <p:sp>
+        <p:nvSpPr>
+          <p:cNvPr id="9" name="Content Placeholder 8">
+            <a:extLst>
+              <a:ext uri="{FF2B5EF4-FFF2-40B4-BE49-F238E27FC236}">
+                <a16:creationId xmlns:a16="http://schemas.microsoft.com/office/drawing/2014/main" id="{E3B2E017-30B2-884B-A113-B419A2ED51AD}"/>
+              </a:ext>
+            </a:extLst>
+          </p:cNvPr>
+          <p:cNvSpPr>
+            <a:spLocks noGrp="1"/>
+          </p:cNvSpPr>
+          <p:nvPr>
+            <p:ph idx="1"/>
+          </p:nvPr>
+        </p:nvSpPr>
+        <p:spPr>
+          <a:xfrm>
+            <a:off x="483848" y="726393"/>
+            <a:ext cx="8051725" cy="4865110"/>
+          </a:xfrm>
+        </p:spPr>
+        <p:txBody>
+          <a:bodyPr>
+            <a:noAutofit/>
+          </a:bodyPr>
+          <a:lstStyle/>
+          <a:p>
+            <a:pPr marL="0" indent="0">
+              <a:buNone/>
+            </a:pPr>
+            <a:r>
+              <a:rPr lang="en-US" dirty="0"/>
+              <a:t>Two Python functions that are useful in mapping between the Unicode character set to its code points are </a:t>
+            </a:r>
+            <a:r>
+              <a:rPr lang="en-US" dirty="0" err="1"/>
+              <a:t>chr</a:t>
+            </a:r>
+            <a:r>
+              <a:rPr lang="en-US" dirty="0"/>
+              <a:t>() and </a:t>
+            </a:r>
+            <a:r>
+              <a:rPr lang="en-US" dirty="0" err="1"/>
+              <a:t>ord</a:t>
+            </a:r>
+            <a:r>
+              <a:rPr lang="en-US" dirty="0"/>
+              <a:t>(). These functions are inverses.</a:t>
+            </a:r>
+          </a:p>
+          <a:p>
+            <a:pPr marL="0" indent="0">
+              <a:buNone/>
+            </a:pPr>
+            <a:endParaRPr lang="en-US" dirty="0"/>
+          </a:p>
+          <a:p>
+            <a:pPr marL="0" indent="0">
+              <a:buNone/>
+            </a:pPr>
+            <a:r>
+              <a:rPr lang="en-US" dirty="0" err="1"/>
+              <a:t>chr</a:t>
+            </a:r>
+            <a:r>
+              <a:rPr lang="en-US" dirty="0"/>
+              <a:t>() converts an integer code point to a single Unicode character.</a:t>
+            </a:r>
+          </a:p>
+          <a:p>
+            <a:pPr marL="0" indent="0">
+              <a:buNone/>
+            </a:pPr>
+            <a:r>
+              <a:rPr lang="en-US" sz="1800" b="1" dirty="0">
+                <a:solidFill>
+                  <a:srgbClr val="000087"/>
+                </a:solidFill>
+                <a:latin typeface="Inconsolata Medium" panose="020B0609030003000000" pitchFamily="49" charset="77"/>
+              </a:rPr>
+              <a:t>In </a:t>
+            </a:r>
+            <a:r>
+              <a:rPr lang="en-US" sz="1800" b="1" dirty="0">
+                <a:latin typeface="Inconsolata Medium" panose="020B0609030003000000" pitchFamily="49" charset="77"/>
+              </a:rPr>
+              <a:t>[</a:t>
+            </a:r>
+            <a:r>
+              <a:rPr lang="en-US" sz="1800" b="1" dirty="0">
+                <a:solidFill>
+                  <a:srgbClr val="FF6600"/>
+                </a:solidFill>
+                <a:latin typeface="Inconsolata Medium" panose="020B0609030003000000" pitchFamily="49" charset="77"/>
+              </a:rPr>
+              <a:t>1</a:t>
+            </a:r>
+            <a:r>
+              <a:rPr lang="en-US" sz="1800" b="1" dirty="0">
+                <a:latin typeface="Inconsolata Medium" panose="020B0609030003000000" pitchFamily="49" charset="77"/>
+              </a:rPr>
+              <a:t>]: </a:t>
+            </a:r>
+            <a:r>
+              <a:rPr lang="en-US" sz="1800" b="1" dirty="0" err="1">
+                <a:solidFill>
+                  <a:srgbClr val="204A87"/>
+                </a:solidFill>
+              </a:rPr>
+              <a:t>chr</a:t>
+            </a:r>
+            <a:r>
+              <a:rPr lang="en-US" sz="1800" b="1" dirty="0">
+                <a:solidFill>
+                  <a:srgbClr val="000000"/>
+                </a:solidFill>
+              </a:rPr>
+              <a:t>(</a:t>
+            </a:r>
+            <a:r>
+              <a:rPr lang="en-US" sz="1800" b="1" dirty="0">
+                <a:solidFill>
+                  <a:srgbClr val="0000CF"/>
+                </a:solidFill>
+              </a:rPr>
+              <a:t>97</a:t>
+            </a:r>
+            <a:r>
+              <a:rPr lang="en-US" sz="1800" b="1" dirty="0">
+                <a:solidFill>
+                  <a:srgbClr val="000000"/>
+                </a:solidFill>
+              </a:rPr>
+              <a:t>)</a:t>
+            </a:r>
+          </a:p>
+          <a:p>
+            <a:pPr marL="0" indent="0">
+              <a:buNone/>
+            </a:pPr>
+            <a:r>
+              <a:rPr lang="en-US" sz="1800" b="1" dirty="0">
+                <a:latin typeface="Inconsolata Medium" panose="020B0609030003000000" pitchFamily="49" charset="77"/>
+              </a:rPr>
+              <a:t>Out [1]: 'a'</a:t>
+            </a:r>
+            <a:endParaRPr lang="en-US" sz="1800" b="1" dirty="0">
+              <a:solidFill>
+                <a:srgbClr val="000000"/>
+              </a:solidFill>
+              <a:latin typeface="Inconsolata Medium" panose="020B0609030003000000" pitchFamily="49" charset="77"/>
+            </a:endParaRPr>
+          </a:p>
+          <a:p>
+            <a:pPr marL="0" indent="0">
+              <a:buNone/>
+            </a:pPr>
+            <a:r>
+              <a:rPr lang="en-US" sz="1800" b="1" dirty="0">
+                <a:solidFill>
+                  <a:srgbClr val="000087"/>
+                </a:solidFill>
+                <a:latin typeface="Inconsolata Medium" panose="020B0609030003000000" pitchFamily="49" charset="77"/>
+              </a:rPr>
+              <a:t>In </a:t>
+            </a:r>
+            <a:r>
+              <a:rPr lang="en-US" sz="1800" b="1" dirty="0">
+                <a:latin typeface="Inconsolata Medium" panose="020B0609030003000000" pitchFamily="49" charset="77"/>
+              </a:rPr>
+              <a:t>[</a:t>
+            </a:r>
+            <a:r>
+              <a:rPr lang="en-US" sz="1800" b="1" dirty="0">
+                <a:solidFill>
+                  <a:srgbClr val="FF6600"/>
+                </a:solidFill>
+                <a:latin typeface="Inconsolata Medium" panose="020B0609030003000000" pitchFamily="49" charset="77"/>
+              </a:rPr>
+              <a:t>2</a:t>
+            </a:r>
+            <a:r>
+              <a:rPr lang="en-US" sz="1800" b="1" dirty="0">
+                <a:latin typeface="Inconsolata Medium" panose="020B0609030003000000" pitchFamily="49" charset="77"/>
+              </a:rPr>
+              <a:t>]: </a:t>
+            </a:r>
+            <a:r>
+              <a:rPr lang="en-US" sz="1800" b="1" dirty="0" err="1">
+                <a:solidFill>
+                  <a:srgbClr val="204A87"/>
+                </a:solidFill>
+              </a:rPr>
+              <a:t>chr</a:t>
+            </a:r>
+            <a:r>
+              <a:rPr lang="en-US" sz="1800" b="1" dirty="0">
+                <a:solidFill>
+                  <a:srgbClr val="000000"/>
+                </a:solidFill>
+              </a:rPr>
+              <a:t>(</a:t>
+            </a:r>
+            <a:r>
+              <a:rPr lang="en-US" sz="1800" b="1" dirty="0">
+                <a:solidFill>
+                  <a:srgbClr val="0000CF"/>
+                </a:solidFill>
+              </a:rPr>
+              <a:t>128512</a:t>
+            </a:r>
+            <a:r>
+              <a:rPr lang="en-US" sz="1800" b="1" dirty="0">
+                <a:solidFill>
+                  <a:srgbClr val="000000"/>
+                </a:solidFill>
+              </a:rPr>
+              <a:t>)</a:t>
+            </a:r>
+          </a:p>
+          <a:p>
+            <a:pPr marL="0" indent="0">
+              <a:buNone/>
+            </a:pPr>
+            <a:r>
+              <a:rPr lang="en-US" sz="1800" b="1" dirty="0">
+                <a:latin typeface="Inconsolata Medium" panose="020B0609030003000000" pitchFamily="49" charset="77"/>
+              </a:rPr>
+              <a:t>Out [2]: '</a:t>
+            </a:r>
+            <a:r>
+              <a:rPr lang="en-US" sz="1800" b="1" dirty="0"/>
+              <a:t>😀</a:t>
+            </a:r>
+            <a:r>
+              <a:rPr lang="en-US" sz="1800" b="1" dirty="0">
+                <a:latin typeface="Inconsolata Medium" panose="020B0609030003000000" pitchFamily="49" charset="77"/>
+              </a:rPr>
+              <a:t>'</a:t>
+            </a:r>
+          </a:p>
+          <a:p>
+            <a:pPr marL="0" indent="0">
+              <a:buNone/>
+            </a:pPr>
+            <a:endParaRPr lang="en-US" sz="1800" b="1" dirty="0">
+              <a:latin typeface="Inconsolata Medium" panose="020B0609030003000000" pitchFamily="49" charset="77"/>
+            </a:endParaRPr>
+          </a:p>
+          <a:p>
+            <a:pPr marL="0" indent="0">
+              <a:buNone/>
+            </a:pPr>
+            <a:r>
+              <a:rPr lang="en-US" dirty="0" err="1"/>
+              <a:t>ord</a:t>
+            </a:r>
+            <a:r>
+              <a:rPr lang="en-US" dirty="0"/>
+              <a:t>() converts a single Unicode character to its integer code point.</a:t>
+            </a:r>
+            <a:endParaRPr lang="en-US" sz="2000" b="1" dirty="0">
+              <a:solidFill>
+                <a:srgbClr val="000087"/>
+              </a:solidFill>
+              <a:latin typeface="Inconsolata Medium" panose="020B0609030003000000" pitchFamily="49" charset="77"/>
+            </a:endParaRPr>
+          </a:p>
+          <a:p>
+            <a:pPr marL="0" indent="0">
+              <a:buNone/>
+            </a:pPr>
+            <a:r>
+              <a:rPr lang="en-US" sz="1800" b="1" dirty="0">
+                <a:solidFill>
+                  <a:srgbClr val="000087"/>
+                </a:solidFill>
+                <a:latin typeface="Inconsolata Medium" panose="020B0609030003000000" pitchFamily="49" charset="77"/>
+              </a:rPr>
+              <a:t>In </a:t>
+            </a:r>
+            <a:r>
+              <a:rPr lang="en-US" sz="1800" b="1" dirty="0">
+                <a:latin typeface="Inconsolata Medium" panose="020B0609030003000000" pitchFamily="49" charset="77"/>
+              </a:rPr>
+              <a:t>[</a:t>
+            </a:r>
+            <a:r>
+              <a:rPr lang="en-US" sz="1800" b="1" dirty="0">
+                <a:solidFill>
+                  <a:srgbClr val="FF6600"/>
+                </a:solidFill>
+                <a:latin typeface="Inconsolata Medium" panose="020B0609030003000000" pitchFamily="49" charset="77"/>
+              </a:rPr>
+              <a:t>3</a:t>
+            </a:r>
+            <a:r>
+              <a:rPr lang="en-US" sz="1800" b="1" dirty="0">
+                <a:latin typeface="Inconsolata Medium" panose="020B0609030003000000" pitchFamily="49" charset="77"/>
+              </a:rPr>
+              <a:t>]: </a:t>
+            </a:r>
+            <a:r>
+              <a:rPr lang="en-US" sz="1800" dirty="0" err="1">
+                <a:solidFill>
+                  <a:srgbClr val="204A87"/>
+                </a:solidFill>
+              </a:rPr>
+              <a:t>ord</a:t>
+            </a:r>
+            <a:r>
+              <a:rPr lang="en-US" sz="1800" dirty="0">
+                <a:solidFill>
+                  <a:srgbClr val="000000"/>
+                </a:solidFill>
+              </a:rPr>
+              <a:t>(</a:t>
+            </a:r>
+            <a:r>
+              <a:rPr lang="en-US" sz="1800" b="1" dirty="0"/>
+              <a:t>😀</a:t>
+            </a:r>
+            <a:r>
+              <a:rPr lang="en-US" sz="1800" dirty="0">
+                <a:solidFill>
+                  <a:srgbClr val="000000"/>
+                </a:solidFill>
+              </a:rPr>
+              <a:t>)</a:t>
+            </a:r>
+          </a:p>
+          <a:p>
+            <a:pPr marL="0" indent="0">
+              <a:buNone/>
+            </a:pPr>
+            <a:r>
+              <a:rPr lang="en-US" sz="1800" b="1" dirty="0">
+                <a:latin typeface="Inconsolata Medium" panose="020B0609030003000000" pitchFamily="49" charset="77"/>
+              </a:rPr>
+              <a:t>Out [1]: 128512</a:t>
+            </a:r>
+            <a:endParaRPr lang="en-US" sz="1800" b="1" dirty="0">
+              <a:solidFill>
+                <a:srgbClr val="000000"/>
+              </a:solidFill>
+              <a:latin typeface="Inconsolata Medium" panose="020B0609030003000000" pitchFamily="49" charset="77"/>
+            </a:endParaRPr>
+          </a:p>
+          <a:p>
+            <a:pPr marL="0" indent="0">
+              <a:buNone/>
+            </a:pPr>
+            <a:endParaRPr lang="en-US" dirty="0"/>
+          </a:p>
+          <a:p>
+            <a:pPr marL="0" indent="0">
+              <a:buNone/>
+            </a:pPr>
+            <a:endParaRPr lang="en-US" dirty="0"/>
+          </a:p>
+          <a:p>
+            <a:pPr marL="0" indent="0">
+              <a:buNone/>
+            </a:pPr>
+            <a:endParaRPr lang="en-US" b="1" dirty="0">
+              <a:latin typeface="Inconsolata Medium" panose="020B0609030003000000" pitchFamily="49" charset="77"/>
+            </a:endParaRPr>
+          </a:p>
+          <a:p>
+            <a:pPr marL="0" indent="0">
+              <a:buNone/>
+            </a:pPr>
+            <a:endParaRPr lang="en-US" b="1" dirty="0">
+              <a:latin typeface="Inconsolata Medium" panose="020B0609030003000000" pitchFamily="49" charset="77"/>
+            </a:endParaRPr>
+          </a:p>
+          <a:p>
+            <a:pPr marL="0" indent="0">
+              <a:buNone/>
+            </a:pPr>
+            <a:endParaRPr lang="en-US" b="1" dirty="0">
+              <a:latin typeface="Inconsolata Medium" panose="020B0609030003000000" pitchFamily="49" charset="77"/>
+            </a:endParaRPr>
+          </a:p>
+          <a:p>
+            <a:pPr marL="0" indent="0">
+              <a:buNone/>
+            </a:pPr>
+            <a:r>
+              <a:rPr lang="en-US" b="1" dirty="0">
+                <a:latin typeface="Inconsolata Medium" panose="020B0609030003000000" pitchFamily="49" charset="77"/>
+              </a:rPr>
+              <a:t> </a:t>
+            </a:r>
+          </a:p>
+          <a:p>
+            <a:pPr marL="0" indent="0">
+              <a:buNone/>
+            </a:pPr>
+            <a:endParaRPr lang="en-US" b="1" dirty="0">
+              <a:latin typeface="Inconsolata Medium" panose="020B0609030003000000" pitchFamily="49" charset="77"/>
+            </a:endParaRPr>
+          </a:p>
+          <a:p>
+            <a:pPr marL="0" indent="0">
+              <a:buNone/>
+            </a:pPr>
+            <a:endParaRPr lang="en-US" b="1" dirty="0">
+              <a:latin typeface="Inconsolata Medium" panose="020B0609030003000000" pitchFamily="49" charset="77"/>
+            </a:endParaRPr>
+          </a:p>
+          <a:p>
+            <a:pPr marL="0" indent="0">
+              <a:buNone/>
+            </a:pPr>
+            <a:endParaRPr lang="en-US" b="1" dirty="0">
+              <a:latin typeface="Inconsolata Medium" panose="020B0609030003000000" pitchFamily="49" charset="77"/>
+            </a:endParaRPr>
+          </a:p>
+          <a:p>
+            <a:pPr marL="0" indent="0">
+              <a:buNone/>
+            </a:pPr>
+            <a:endParaRPr lang="en-US" b="1" dirty="0">
+              <a:latin typeface="Inconsolata Medium" panose="020B0609030003000000" pitchFamily="49" charset="77"/>
+            </a:endParaRPr>
+          </a:p>
+          <a:p>
+            <a:pPr marL="0" indent="0">
+              <a:buNone/>
+            </a:pPr>
+            <a:endParaRPr lang="en-US" b="1" dirty="0">
+              <a:latin typeface="Inconsolata Medium" panose="020B0609030003000000" pitchFamily="49" charset="77"/>
+            </a:endParaRPr>
+          </a:p>
+          <a:p>
+            <a:pPr marL="0" indent="0">
+              <a:buNone/>
+            </a:pPr>
+            <a:r>
+              <a:rPr lang="en-US" b="1" dirty="0">
+                <a:latin typeface="Inconsolata Medium" panose="020B0609030003000000" pitchFamily="49" charset="77"/>
+              </a:rPr>
+              <a:t> </a:t>
+            </a:r>
+          </a:p>
+          <a:p>
+            <a:pPr marL="0" indent="0">
+              <a:buNone/>
+            </a:pPr>
+            <a:endParaRPr lang="en-US" b="1" dirty="0">
+              <a:latin typeface="Inconsolata Medium" panose="020B0609030003000000" pitchFamily="49" charset="77"/>
+            </a:endParaRPr>
+          </a:p>
+          <a:p>
+            <a:pPr marL="0" indent="0">
+              <a:buNone/>
+            </a:pPr>
+            <a:endParaRPr lang="en-US" b="1" dirty="0">
+              <a:latin typeface="Inconsolata Medium" panose="020B0609030003000000" pitchFamily="49" charset="77"/>
+            </a:endParaRPr>
+          </a:p>
+        </p:txBody>
+      </p:sp>
+    </p:spTree>
+    <p:extLst>
+      <p:ext uri="{BB962C8B-B14F-4D97-AF65-F5344CB8AC3E}">
+        <p14:creationId xmlns:p14="http://schemas.microsoft.com/office/powerpoint/2010/main" val="2925065660"/>
+      </p:ext>
+    </p:extLst>
+  </p:cSld>
+  <p:clrMapOvr>
+    <a:masterClrMapping/>
+  </p:clrMapOvr>
+  <p:timing>
+    <p:tnLst>
+      <p:par>
+        <p:cTn id="1" dur="indefinite" restart="never" nodeType="tmRoot">
+          <p:childTnLst>
+            <p:seq concurrent="1" nextAc="seek">
+              <p:cTn id="2" dur="indefinite" nodeType="mainSeq">
+                <p:childTnLst>
+                  <p:par>
+                    <p:cTn id="3" fill="hold">
+                      <p:stCondLst>
+                        <p:cond delay="indefinite"/>
+                      </p:stCondLst>
+                      <p:childTnLst>
+                        <p:par>
+                          <p:cTn id="4" fill="hold">
+                            <p:stCondLst>
+                              <p:cond delay="0"/>
+                            </p:stCondLst>
+                            <p:childTnLst>
+                              <p:par>
+                                <p:cTn id="5" presetID="1" presetClass="entr" presetSubtype="0" fill="hold" nodeType="clickEffect">
+                                  <p:stCondLst>
+                                    <p:cond delay="0"/>
+                                  </p:stCondLst>
+                                  <p:childTnLst>
+                                    <p:set>
+                                      <p:cBhvr>
+                                        <p:cTn id="6" dur="1" fill="hold">
+                                          <p:stCondLst>
+                                            <p:cond delay="0"/>
+                                          </p:stCondLst>
+                                        </p:cTn>
+                                        <p:tgtEl>
+                                          <p:spTgt spid="9">
+                                            <p:txEl>
+                                              <p:pRg st="0" end="0"/>
+                                            </p:txEl>
+                                          </p:spTgt>
+                                        </p:tgtEl>
+                                        <p:attrNameLst>
+                                          <p:attrName>style.visibility</p:attrName>
+                                        </p:attrNameLst>
+                                      </p:cBhvr>
+                                      <p:to>
+                                        <p:strVal val="visible"/>
+                                      </p:to>
+                                    </p:set>
+                                  </p:childTnLst>
+                                </p:cTn>
+                              </p:par>
+                            </p:childTnLst>
+                          </p:cTn>
+                        </p:par>
+                      </p:childTnLst>
+                    </p:cTn>
+                  </p:par>
+                  <p:par>
+                    <p:cTn id="7" fill="hold">
+                      <p:stCondLst>
+                        <p:cond delay="indefinite"/>
+                      </p:stCondLst>
+                      <p:childTnLst>
+                        <p:par>
+                          <p:cTn id="8" fill="hold">
+                            <p:stCondLst>
+                              <p:cond delay="0"/>
+                            </p:stCondLst>
+                            <p:childTnLst>
+                              <p:par>
+                                <p:cTn id="9" presetID="1" presetClass="entr" presetSubtype="0" fill="hold" nodeType="clickEffect">
+                                  <p:stCondLst>
+                                    <p:cond delay="0"/>
+                                  </p:stCondLst>
+                                  <p:childTnLst>
+                                    <p:set>
+                                      <p:cBhvr>
+                                        <p:cTn id="10" dur="1" fill="hold">
+                                          <p:stCondLst>
+                                            <p:cond delay="0"/>
+                                          </p:stCondLst>
+                                        </p:cTn>
+                                        <p:tgtEl>
+                                          <p:spTgt spid="9">
+                                            <p:txEl>
+                                              <p:pRg st="2" end="2"/>
+                                            </p:txEl>
+                                          </p:spTgt>
+                                        </p:tgtEl>
+                                        <p:attrNameLst>
+                                          <p:attrName>style.visibility</p:attrName>
+                                        </p:attrNameLst>
+                                      </p:cBhvr>
+                                      <p:to>
+                                        <p:strVal val="visible"/>
+                                      </p:to>
+                                    </p:set>
+                                  </p:childTnLst>
+                                </p:cTn>
+                              </p:par>
+                            </p:childTnLst>
+                          </p:cTn>
+                        </p:par>
+                      </p:childTnLst>
+                    </p:cTn>
+                  </p:par>
+                  <p:par>
+                    <p:cTn id="11" fill="hold">
+                      <p:stCondLst>
+                        <p:cond delay="indefinite"/>
+                      </p:stCondLst>
+                      <p:childTnLst>
+                        <p:par>
+                          <p:cTn id="12" fill="hold">
+                            <p:stCondLst>
+                              <p:cond delay="0"/>
+                            </p:stCondLst>
+                            <p:childTnLst>
+                              <p:par>
+                                <p:cTn id="13" presetID="1" presetClass="entr" presetSubtype="0" fill="hold" nodeType="clickEffect">
+                                  <p:stCondLst>
+                                    <p:cond delay="0"/>
+                                  </p:stCondLst>
+                                  <p:childTnLst>
+                                    <p:set>
+                                      <p:cBhvr>
+                                        <p:cTn id="14" dur="1" fill="hold">
+                                          <p:stCondLst>
+                                            <p:cond delay="0"/>
+                                          </p:stCondLst>
+                                        </p:cTn>
+                                        <p:tgtEl>
+                                          <p:spTgt spid="9">
+                                            <p:txEl>
+                                              <p:pRg st="3" end="3"/>
+                                            </p:txEl>
+                                          </p:spTgt>
+                                        </p:tgtEl>
+                                        <p:attrNameLst>
+                                          <p:attrName>style.visibility</p:attrName>
+                                        </p:attrNameLst>
+                                      </p:cBhvr>
+                                      <p:to>
+                                        <p:strVal val="visible"/>
+                                      </p:to>
+                                    </p:set>
+                                  </p:childTnLst>
+                                </p:cTn>
+                              </p:par>
+                            </p:childTnLst>
+                          </p:cTn>
+                        </p:par>
+                      </p:childTnLst>
+                    </p:cTn>
+                  </p:par>
+                  <p:par>
+                    <p:cTn id="15" fill="hold">
+                      <p:stCondLst>
+                        <p:cond delay="indefinite"/>
+                      </p:stCondLst>
+                      <p:childTnLst>
+                        <p:par>
+                          <p:cTn id="16" fill="hold">
+                            <p:stCondLst>
+                              <p:cond delay="0"/>
+                            </p:stCondLst>
+                            <p:childTnLst>
+                              <p:par>
+                                <p:cTn id="17" presetID="1" presetClass="entr" presetSubtype="0" fill="hold" nodeType="clickEffect">
+                                  <p:stCondLst>
+                                    <p:cond delay="0"/>
+                                  </p:stCondLst>
+                                  <p:childTnLst>
+                                    <p:set>
+                                      <p:cBhvr>
+                                        <p:cTn id="18" dur="1" fill="hold">
+                                          <p:stCondLst>
+                                            <p:cond delay="0"/>
+                                          </p:stCondLst>
+                                        </p:cTn>
+                                        <p:tgtEl>
+                                          <p:spTgt spid="9">
+                                            <p:txEl>
+                                              <p:pRg st="4" end="4"/>
+                                            </p:txEl>
+                                          </p:spTgt>
+                                        </p:tgtEl>
+                                        <p:attrNameLst>
+                                          <p:attrName>style.visibility</p:attrName>
+                                        </p:attrNameLst>
+                                      </p:cBhvr>
+                                      <p:to>
+                                        <p:strVal val="visible"/>
+                                      </p:to>
+                                    </p:set>
+                                  </p:childTnLst>
+                                </p:cTn>
+                              </p:par>
+                            </p:childTnLst>
+                          </p:cTn>
+                        </p:par>
+                      </p:childTnLst>
+                    </p:cTn>
+                  </p:par>
+                  <p:par>
+                    <p:cTn id="19" fill="hold">
+                      <p:stCondLst>
+                        <p:cond delay="indefinite"/>
+                      </p:stCondLst>
+                      <p:childTnLst>
+                        <p:par>
+                          <p:cTn id="20" fill="hold">
+                            <p:stCondLst>
+                              <p:cond delay="0"/>
+                            </p:stCondLst>
+                            <p:childTnLst>
+                              <p:par>
+                                <p:cTn id="21" presetID="1" presetClass="entr" presetSubtype="0" fill="hold" nodeType="clickEffect">
+                                  <p:stCondLst>
+                                    <p:cond delay="0"/>
+                                  </p:stCondLst>
+                                  <p:childTnLst>
+                                    <p:set>
+                                      <p:cBhvr>
+                                        <p:cTn id="22" dur="1" fill="hold">
+                                          <p:stCondLst>
+                                            <p:cond delay="0"/>
+                                          </p:stCondLst>
+                                        </p:cTn>
+                                        <p:tgtEl>
+                                          <p:spTgt spid="9">
+                                            <p:txEl>
+                                              <p:pRg st="5" end="5"/>
+                                            </p:txEl>
+                                          </p:spTgt>
+                                        </p:tgtEl>
+                                        <p:attrNameLst>
+                                          <p:attrName>style.visibility</p:attrName>
+                                        </p:attrNameLst>
+                                      </p:cBhvr>
+                                      <p:to>
+                                        <p:strVal val="visible"/>
+                                      </p:to>
+                                    </p:set>
+                                  </p:childTnLst>
+                                </p:cTn>
+                              </p:par>
+                            </p:childTnLst>
+                          </p:cTn>
+                        </p:par>
+                      </p:childTnLst>
+                    </p:cTn>
+                  </p:par>
+                  <p:par>
+                    <p:cTn id="23" fill="hold">
+                      <p:stCondLst>
+                        <p:cond delay="indefinite"/>
+                      </p:stCondLst>
+                      <p:childTnLst>
+                        <p:par>
+                          <p:cTn id="24" fill="hold">
+                            <p:stCondLst>
+                              <p:cond delay="0"/>
+                            </p:stCondLst>
+                            <p:childTnLst>
+                              <p:par>
+                                <p:cTn id="25" presetID="1" presetClass="entr" presetSubtype="0" fill="hold" nodeType="clickEffect">
+                                  <p:stCondLst>
+                                    <p:cond delay="0"/>
+                                  </p:stCondLst>
+                                  <p:childTnLst>
+                                    <p:set>
+                                      <p:cBhvr>
+                                        <p:cTn id="26" dur="1" fill="hold">
+                                          <p:stCondLst>
+                                            <p:cond delay="0"/>
+                                          </p:stCondLst>
+                                        </p:cTn>
+                                        <p:tgtEl>
+                                          <p:spTgt spid="9">
+                                            <p:txEl>
+                                              <p:pRg st="6" end="6"/>
+                                            </p:txEl>
+                                          </p:spTgt>
+                                        </p:tgtEl>
+                                        <p:attrNameLst>
+                                          <p:attrName>style.visibility</p:attrName>
+                                        </p:attrNameLst>
+                                      </p:cBhvr>
+                                      <p:to>
+                                        <p:strVal val="visible"/>
+                                      </p:to>
+                                    </p:set>
+                                  </p:childTnLst>
+                                </p:cTn>
+                              </p:par>
+                            </p:childTnLst>
+                          </p:cTn>
+                        </p:par>
+                      </p:childTnLst>
+                    </p:cTn>
+                  </p:par>
+                  <p:par>
+                    <p:cTn id="27" fill="hold">
+                      <p:stCondLst>
+                        <p:cond delay="indefinite"/>
+                      </p:stCondLst>
+                      <p:childTnLst>
+                        <p:par>
+                          <p:cTn id="28" fill="hold">
+                            <p:stCondLst>
+                              <p:cond delay="0"/>
+                            </p:stCondLst>
+                            <p:childTnLst>
+                              <p:par>
+                                <p:cTn id="29" presetID="1" presetClass="entr" presetSubtype="0" fill="hold" nodeType="clickEffect">
+                                  <p:stCondLst>
+                                    <p:cond delay="0"/>
+                                  </p:stCondLst>
+                                  <p:childTnLst>
+                                    <p:set>
+                                      <p:cBhvr>
+                                        <p:cTn id="30" dur="1" fill="hold">
+                                          <p:stCondLst>
+                                            <p:cond delay="0"/>
+                                          </p:stCondLst>
+                                        </p:cTn>
+                                        <p:tgtEl>
+                                          <p:spTgt spid="9">
+                                            <p:txEl>
+                                              <p:pRg st="8" end="8"/>
+                                            </p:txEl>
+                                          </p:spTgt>
+                                        </p:tgtEl>
+                                        <p:attrNameLst>
+                                          <p:attrName>style.visibility</p:attrName>
+                                        </p:attrNameLst>
+                                      </p:cBhvr>
+                                      <p:to>
+                                        <p:strVal val="visible"/>
+                                      </p:to>
+                                    </p:set>
+                                  </p:childTnLst>
+                                </p:cTn>
+                              </p:par>
+                            </p:childTnLst>
+                          </p:cTn>
+                        </p:par>
+                      </p:childTnLst>
+                    </p:cTn>
+                  </p:par>
+                  <p:par>
+                    <p:cTn id="31" fill="hold">
+                      <p:stCondLst>
+                        <p:cond delay="indefinite"/>
+                      </p:stCondLst>
+                      <p:childTnLst>
+                        <p:par>
+                          <p:cTn id="32" fill="hold">
+                            <p:stCondLst>
+                              <p:cond delay="0"/>
+                            </p:stCondLst>
+                            <p:childTnLst>
+                              <p:par>
+                                <p:cTn id="33" presetID="1" presetClass="entr" presetSubtype="0" fill="hold" nodeType="clickEffect">
+                                  <p:stCondLst>
+                                    <p:cond delay="0"/>
+                                  </p:stCondLst>
+                                  <p:childTnLst>
+                                    <p:set>
+                                      <p:cBhvr>
+                                        <p:cTn id="34" dur="1" fill="hold">
+                                          <p:stCondLst>
+                                            <p:cond delay="0"/>
+                                          </p:stCondLst>
+                                        </p:cTn>
+                                        <p:tgtEl>
+                                          <p:spTgt spid="9">
+                                            <p:txEl>
+                                              <p:pRg st="9" end="9"/>
+                                            </p:txEl>
+                                          </p:spTgt>
+                                        </p:tgtEl>
+                                        <p:attrNameLst>
+                                          <p:attrName>style.visibility</p:attrName>
+                                        </p:attrNameLst>
+                                      </p:cBhvr>
+                                      <p:to>
+                                        <p:strVal val="visible"/>
+                                      </p:to>
+                                    </p:set>
+                                  </p:childTnLst>
+                                </p:cTn>
+                              </p:par>
+                            </p:childTnLst>
+                          </p:cTn>
+                        </p:par>
+                      </p:childTnLst>
+                    </p:cTn>
+                  </p:par>
+                  <p:par>
+                    <p:cTn id="35" fill="hold">
+                      <p:stCondLst>
+                        <p:cond delay="indefinite"/>
+                      </p:stCondLst>
+                      <p:childTnLst>
+                        <p:par>
+                          <p:cTn id="36" fill="hold">
+                            <p:stCondLst>
+                              <p:cond delay="0"/>
+                            </p:stCondLst>
+                            <p:childTnLst>
+                              <p:par>
+                                <p:cTn id="37" presetID="1" presetClass="entr" presetSubtype="0" fill="hold" nodeType="clickEffect">
+                                  <p:stCondLst>
+                                    <p:cond delay="0"/>
+                                  </p:stCondLst>
+                                  <p:childTnLst>
+                                    <p:set>
+                                      <p:cBhvr>
+                                        <p:cTn id="38" dur="1" fill="hold">
+                                          <p:stCondLst>
+                                            <p:cond delay="0"/>
+                                          </p:stCondLst>
+                                        </p:cTn>
+                                        <p:tgtEl>
+                                          <p:spTgt spid="9">
+                                            <p:txEl>
+                                              <p:pRg st="10" end="10"/>
+                                            </p:txEl>
+                                          </p:spTgt>
+                                        </p:tgtEl>
+                                        <p:attrNameLst>
+                                          <p:attrName>style.visibility</p:attrName>
+                                        </p:attrNameLst>
+                                      </p:cBhvr>
+                                      <p:to>
+                                        <p:strVal val="visible"/>
+                                      </p:to>
+                                    </p:set>
+                                  </p:childTnLst>
+                                </p:cTn>
+                              </p:par>
+                            </p:childTnLst>
+                          </p:cTn>
+                        </p:par>
+                      </p:childTnLst>
+                    </p:cTn>
+                  </p:par>
+                </p:childTnLst>
+              </p:cTn>
+              <p:prevCondLst>
+                <p:cond evt="onPrev" delay="0">
+                  <p:tgtEl>
+                    <p:sldTgt/>
+                  </p:tgtEl>
+                </p:cond>
+              </p:prevCondLst>
+              <p:nextCondLst>
+                <p:cond evt="onNext" delay="0">
+                  <p:tgtEl>
+                    <p:sldTgt/>
+                  </p:tgtEl>
+                </p:cond>
+              </p:nextCondLst>
+            </p:seq>
+          </p:childTnLst>
+        </p:cTn>
+      </p:par>
+    </p:tnLst>
+  </p:timing>
+</p:sld>
+</file>
+
+<file path=ppt/slides/slide6.xml><?xml version="1.0" encoding="utf-8"?>
+<p:sld xmlns:a="http://schemas.openxmlformats.org/drawingml/2006/main" xmlns:r="http://schemas.openxmlformats.org/officeDocument/2006/relationships" xmlns:p="http://schemas.openxmlformats.org/presentationml/2006/main">
+  <p:cSld>
+    <p:spTree>
+      <p:nvGrpSpPr>
+        <p:cNvPr id="1" name=""/>
+        <p:cNvGrpSpPr/>
+        <p:nvPr/>
+      </p:nvGrpSpPr>
+      <p:grpSpPr>
+        <a:xfrm>
+          <a:off x="0" y="0"/>
+          <a:ext cx="0" cy="0"/>
+          <a:chOff x="0" y="0"/>
+          <a:chExt cx="0" cy="0"/>
+        </a:xfrm>
+      </p:grpSpPr>
+      <p:sp>
+        <p:nvSpPr>
+          <p:cNvPr id="2" name="Title 1">
+            <a:extLst>
+              <a:ext uri="{FF2B5EF4-FFF2-40B4-BE49-F238E27FC236}">
+                <a16:creationId xmlns:a16="http://schemas.microsoft.com/office/drawing/2014/main" id="{AA3A228F-61D0-D949-A5E7-F83756230BF8}"/>
+              </a:ext>
+            </a:extLst>
+          </p:cNvPr>
+          <p:cNvSpPr>
+            <a:spLocks noGrp="1"/>
+          </p:cNvSpPr>
+          <p:nvPr>
+            <p:ph type="title"/>
+          </p:nvPr>
+        </p:nvSpPr>
+        <p:spPr>
+          <a:xfrm>
+            <a:off x="483848" y="123497"/>
+            <a:ext cx="7053542" cy="683886"/>
+          </a:xfrm>
+        </p:spPr>
+        <p:txBody>
+          <a:bodyPr/>
+          <a:lstStyle/>
+          <a:p>
+            <a:r>
+              <a:rPr lang="en-US" dirty="0"/>
               <a:t>Unicode Encodings</a:t>
             </a:r>
           </a:p>
@@ -8262,7 +10848,7 @@
 </p:sld>
 </file>
 
-<file path=ppt/slides/slide6.xml><?xml version="1.0" encoding="utf-8"?>
+<file path=ppt/slides/slide7.xml><?xml version="1.0" encoding="utf-8"?>
 <p:sld xmlns:a="http://schemas.openxmlformats.org/drawingml/2006/main" xmlns:r="http://schemas.openxmlformats.org/officeDocument/2006/relationships" xmlns:p="http://schemas.openxmlformats.org/presentationml/2006/main">
   <p:cSld>
     <p:spTree>
@@ -8307,7 +10893,7 @@
           <a:p>
             <a:r>
               <a:rPr lang="en-US" dirty="0"/>
-              <a:t>str vs bytes</a:t>
+              <a:t>Bytes</a:t>
             </a:r>
           </a:p>
         </p:txBody>
@@ -8343,7 +10929,7 @@
             <a:pPr marL="0" indent="0">
               <a:buNone/>
             </a:pPr>
-            <a:endParaRPr lang="en-US" dirty="0"/>
+            <a:endParaRPr lang="en-US" sz="2000" dirty="0"/>
           </a:p>
           <a:p>
             <a:pPr marL="0" indent="0">
@@ -8351,128 +10937,60 @@
             </a:pPr>
             <a:r>
               <a:rPr lang="en-US" sz="2000" dirty="0"/>
-              <a:t>Python 3’s </a:t>
+              <a:t>A </a:t>
             </a:r>
             <a:r>
               <a:rPr lang="en-US" sz="2000" b="1" dirty="0"/>
-              <a:t>str</a:t>
+              <a:t>bytes</a:t>
             </a:r>
             <a:r>
               <a:rPr lang="en-US" sz="2000" dirty="0"/>
-              <a:t> type is meant to represent human-readable text and can contain any Unicode character.</a:t>
-            </a:r>
-          </a:p>
-          <a:p>
-            <a:pPr marL="0" indent="0">
-              <a:buNone/>
-            </a:pPr>
-            <a:br>
-              <a:rPr lang="en-US" sz="1800" dirty="0"/>
-            </a:br>
-            <a:r>
-              <a:rPr lang="en-US" sz="1800" b="1" dirty="0">
-                <a:solidFill>
-                  <a:srgbClr val="000087"/>
-                </a:solidFill>
-                <a:latin typeface="Inconsolata Medium" panose="020B0609030003000000" pitchFamily="49" charset="77"/>
-              </a:rPr>
-              <a:t>In </a:t>
-            </a:r>
-            <a:r>
-              <a:rPr lang="en-US" sz="1800" b="1" dirty="0">
-                <a:latin typeface="Inconsolata Medium" panose="020B0609030003000000" pitchFamily="49" charset="77"/>
-              </a:rPr>
-              <a:t>[</a:t>
-            </a:r>
-            <a:r>
-              <a:rPr lang="en-US" sz="1800" b="1" dirty="0">
-                <a:solidFill>
-                  <a:srgbClr val="FF6600"/>
-                </a:solidFill>
-                <a:latin typeface="Inconsolata Medium" panose="020B0609030003000000" pitchFamily="49" charset="77"/>
-              </a:rPr>
-              <a:t>1</a:t>
-            </a:r>
-            <a:r>
-              <a:rPr lang="en-US" sz="1800" b="1" dirty="0">
-                <a:latin typeface="Inconsolata Medium" panose="020B0609030003000000" pitchFamily="49" charset="77"/>
-              </a:rPr>
-              <a:t>]: s = "hello" # string literal </a:t>
-            </a:r>
-          </a:p>
-          <a:p>
-            <a:pPr marL="0" indent="0">
-              <a:buNone/>
-            </a:pPr>
-            <a:endParaRPr lang="en-US" dirty="0"/>
-          </a:p>
-          <a:p>
-            <a:pPr marL="0" indent="0">
-              <a:buNone/>
-            </a:pPr>
-            <a:r>
-              <a:rPr lang="en-US" dirty="0"/>
-              <a:t>The </a:t>
-            </a:r>
-            <a:r>
-              <a:rPr lang="en-US" b="1" dirty="0"/>
-              <a:t>bytes</a:t>
-            </a:r>
-            <a:r>
-              <a:rPr lang="en-US" dirty="0"/>
-              <a:t> type, conversely, represents binary data, or sequences of raw bytes, that do not intrinsically have an encoding attached to it.  </a:t>
-            </a:r>
-          </a:p>
-          <a:p>
-            <a:pPr marL="0" indent="0">
-              <a:buNone/>
-            </a:pPr>
-            <a:r>
-              <a:rPr lang="en-US" sz="1800" b="1" dirty="0">
-                <a:solidFill>
-                  <a:srgbClr val="000087"/>
-                </a:solidFill>
-                <a:latin typeface="Inconsolata Medium" panose="020B0609030003000000" pitchFamily="49" charset="77"/>
-              </a:rPr>
-              <a:t>In </a:t>
-            </a:r>
-            <a:r>
-              <a:rPr lang="en-US" sz="1800" b="1" dirty="0">
-                <a:latin typeface="Inconsolata Medium" panose="020B0609030003000000" pitchFamily="49" charset="77"/>
-              </a:rPr>
-              <a:t>[</a:t>
-            </a:r>
-            <a:r>
-              <a:rPr lang="en-US" sz="1800" b="1" dirty="0">
-                <a:solidFill>
-                  <a:srgbClr val="FF6600"/>
-                </a:solidFill>
-                <a:latin typeface="Inconsolata Medium" panose="020B0609030003000000" pitchFamily="49" charset="77"/>
-              </a:rPr>
-              <a:t>2</a:t>
-            </a:r>
-            <a:r>
-              <a:rPr lang="en-US" sz="1800" b="1" dirty="0">
-                <a:latin typeface="Inconsolata Medium" panose="020B0609030003000000" pitchFamily="49" charset="77"/>
-              </a:rPr>
-              <a:t>]: a = b"0o11" # bytes literal</a:t>
-            </a:r>
-            <a:endParaRPr lang="en-US" sz="1800" b="1" dirty="0">
-              <a:solidFill>
-                <a:srgbClr val="CC3300"/>
-              </a:solidFill>
-              <a:latin typeface="Inconsolata Medium" panose="020B0609030003000000" pitchFamily="49" charset="77"/>
-            </a:endParaRPr>
-          </a:p>
-          <a:p>
-            <a:pPr marL="0" indent="0">
-              <a:buNone/>
-            </a:pPr>
-            <a:r>
-              <a:rPr lang="en-US" sz="1800" b="1" dirty="0">
-                <a:latin typeface="Inconsolata Medium" panose="020B0609030003000000" pitchFamily="49" charset="77"/>
-              </a:rPr>
-              <a:t>Out [2]: 9 </a:t>
+              <a:t> object is a sequence of immutable integers of single bytes.  Each byte is 8 bits so you can think of a byte as an integer with values 0 &lt;= x &lt; 256. </a:t>
+            </a:r>
+          </a:p>
+          <a:p>
+            <a:pPr marL="0" indent="0">
+              <a:buNone/>
+            </a:pPr>
+            <a:endParaRPr lang="en-US" sz="2000" dirty="0"/>
+          </a:p>
+          <a:p>
+            <a:pPr marL="0" indent="0">
+              <a:buNone/>
+            </a:pPr>
+            <a:r>
+              <a:rPr lang="en-US" sz="2000" dirty="0"/>
+              <a:t>Since ASCII characters have code points in the range 0 – 127,  it is common to use ASCII characters to represent bytes in this range. </a:t>
+            </a:r>
+          </a:p>
+          <a:p>
+            <a:pPr marL="0" indent="0">
+              <a:buNone/>
+            </a:pPr>
+            <a:endParaRPr lang="en-US" sz="2000" dirty="0"/>
+          </a:p>
+          <a:p>
+            <a:pPr marL="0" indent="0">
+              <a:buNone/>
+            </a:pPr>
+            <a:r>
+              <a:rPr lang="en-US" sz="2000" dirty="0"/>
+              <a:t>For bytes in the range 128 – 255, hexadecimal digits can be used. Remember that 2 hexadecimal digits corresponds exactly to one byte. The escape sequence "\x" is added to the digits to represent the 8-bit hexadecimal. </a:t>
+            </a:r>
+          </a:p>
+          <a:p>
+            <a:pPr marL="0" indent="0">
+              <a:buNone/>
+            </a:pPr>
+            <a:endParaRPr lang="en-US" sz="2000" dirty="0"/>
+          </a:p>
+          <a:p>
+            <a:pPr marL="0" indent="0">
+              <a:buNone/>
+            </a:pPr>
+            <a:r>
+              <a:rPr lang="en-US" sz="2000" dirty="0"/>
+              <a:t>For example, "\xf3" represents the hexadecimal 0xf3(15*16+3 = 243 in decimal).</a:t>
             </a:r>
           </a:p>
           <a:p>
@@ -8648,7 +11166,7 @@
                                         <p:tgtEl>
                                           <p:spTgt spid="9">
                                             <p:txEl>
-                                              <p:pRg st="8" end="8"/>
+                                              <p:pRg st="9" end="9"/>
                                             </p:txEl>
                                           </p:spTgt>
                                         </p:tgtEl>
@@ -8694,7 +11212,7 @@
 </p:sld>
 </file>
 
-<file path=ppt/slides/slide7.xml><?xml version="1.0" encoding="utf-8"?>
+<file path=ppt/slides/slide8.xml><?xml version="1.0" encoding="utf-8"?>
 <p:sld xmlns:a="http://schemas.openxmlformats.org/drawingml/2006/main" xmlns:r="http://schemas.openxmlformats.org/officeDocument/2006/relationships" xmlns:p="http://schemas.openxmlformats.org/presentationml/2006/main">
   <p:cSld>
     <p:spTree>
@@ -8713,46 +11231,48 @@
       </p:grpSpPr>
       <p:sp>
         <p:nvSpPr>
-          <p:cNvPr id="55297" name="Title 1">
+          <p:cNvPr id="2" name="Title 1">
             <a:extLst>
               <a:ext uri="{FF2B5EF4-FFF2-40B4-BE49-F238E27FC236}">
-                <a16:creationId xmlns:a16="http://schemas.microsoft.com/office/drawing/2014/main" id="{04EF925E-10C6-394F-AB0C-F09871E99CC4}"/>
+                <a16:creationId xmlns:a16="http://schemas.microsoft.com/office/drawing/2014/main" id="{AA3A228F-61D0-D949-A5E7-F83756230BF8}"/>
               </a:ext>
             </a:extLst>
           </p:cNvPr>
           <p:cNvSpPr>
-            <a:spLocks noGrp="1" noChangeArrowheads="1"/>
+            <a:spLocks noGrp="1"/>
           </p:cNvSpPr>
           <p:nvPr>
             <p:ph type="title"/>
           </p:nvPr>
         </p:nvSpPr>
-        <p:spPr/>
+        <p:spPr>
+          <a:xfrm>
+            <a:off x="483848" y="123497"/>
+            <a:ext cx="7053542" cy="683886"/>
+          </a:xfrm>
+        </p:spPr>
         <p:txBody>
           <a:bodyPr/>
           <a:lstStyle/>
           <a:p>
-            <a:pPr eaLnBrk="1" hangingPunct="1"/>
-            <a:r>
-              <a:rPr lang="en-US" altLang="en-US">
-                <a:ea typeface="ＭＳ Ｐゴシック" panose="020B0600070205080204" pitchFamily="34" charset="-128"/>
-              </a:rPr>
-              <a:t>References</a:t>
+            <a:r>
+              <a:rPr lang="en-US" dirty="0"/>
+              <a:t>Bytes Literals</a:t>
             </a:r>
           </a:p>
         </p:txBody>
       </p:sp>
       <p:sp>
         <p:nvSpPr>
-          <p:cNvPr id="55298" name="Content Placeholder 2">
+          <p:cNvPr id="9" name="Content Placeholder 8">
             <a:extLst>
               <a:ext uri="{FF2B5EF4-FFF2-40B4-BE49-F238E27FC236}">
-                <a16:creationId xmlns:a16="http://schemas.microsoft.com/office/drawing/2014/main" id="{4AA38F8C-E2AA-EA4D-A486-FA2F457B38F7}"/>
+                <a16:creationId xmlns:a16="http://schemas.microsoft.com/office/drawing/2014/main" id="{E3B2E017-30B2-884B-A113-B419A2ED51AD}"/>
               </a:ext>
             </a:extLst>
           </p:cNvPr>
           <p:cNvSpPr>
-            <a:spLocks noGrp="1" noChangeArrowheads="1"/>
+            <a:spLocks noGrp="1"/>
           </p:cNvSpPr>
           <p:nvPr>
             <p:ph idx="1"/>
@@ -8760,20 +11280,238 @@
         </p:nvSpPr>
         <p:spPr>
           <a:xfrm>
-            <a:off x="1143000" y="1333500"/>
-            <a:ext cx="6848740" cy="3984625"/>
+            <a:off x="483848" y="726393"/>
+            <a:ext cx="8051725" cy="4865110"/>
           </a:xfrm>
         </p:spPr>
         <p:txBody>
-          <a:bodyPr/>
+          <a:bodyPr>
+            <a:noAutofit/>
+          </a:bodyPr>
           <a:lstStyle/>
           <a:p>
             <a:pPr marL="0" indent="0">
               <a:buNone/>
             </a:pPr>
-            <a:endParaRPr lang="en-US" altLang="en-US" sz="2000">
-              <a:latin typeface="Tahoma" panose="020B0604030504040204" pitchFamily="34" charset="0"/>
-              <a:ea typeface="ＭＳ Ｐゴシック" panose="020B0600070205080204" pitchFamily="34" charset="-128"/>
+            <a:r>
+              <a:rPr lang="en-US" dirty="0"/>
+              <a:t>A </a:t>
+            </a:r>
+            <a:r>
+              <a:rPr lang="en-US" b="1" dirty="0"/>
+              <a:t>bytes</a:t>
+            </a:r>
+            <a:r>
+              <a:rPr lang="en-US" dirty="0"/>
+              <a:t> object is a sequence of immutable integers of single bytes.  A bytes literal is similar to a string literal except a "b" prefix is append to it. </a:t>
+            </a:r>
+          </a:p>
+          <a:p>
+            <a:pPr marL="0" indent="0">
+              <a:buNone/>
+            </a:pPr>
+            <a:endParaRPr lang="en-US" dirty="0"/>
+          </a:p>
+          <a:p>
+            <a:pPr marL="0" indent="0">
+              <a:buNone/>
+            </a:pPr>
+            <a:r>
+              <a:rPr lang="en-US" sz="2000" b="1" dirty="0">
+                <a:solidFill>
+                  <a:srgbClr val="000087"/>
+                </a:solidFill>
+                <a:latin typeface="Inconsolata Medium" panose="020B0609030003000000" pitchFamily="49" charset="77"/>
+              </a:rPr>
+              <a:t>In </a:t>
+            </a:r>
+            <a:r>
+              <a:rPr lang="en-US" sz="2000" b="1" dirty="0">
+                <a:latin typeface="Inconsolata Medium" panose="020B0609030003000000" pitchFamily="49" charset="77"/>
+              </a:rPr>
+              <a:t>[</a:t>
+            </a:r>
+            <a:r>
+              <a:rPr lang="en-US" sz="2000" b="1" dirty="0">
+                <a:solidFill>
+                  <a:srgbClr val="FF6600"/>
+                </a:solidFill>
+                <a:latin typeface="Inconsolata Medium" panose="020B0609030003000000" pitchFamily="49" charset="77"/>
+              </a:rPr>
+              <a:t>1</a:t>
+            </a:r>
+            <a:r>
+              <a:rPr lang="en-US" sz="2000" b="1" dirty="0">
+                <a:latin typeface="Inconsolata Medium" panose="020B0609030003000000" pitchFamily="49" charset="77"/>
+              </a:rPr>
+              <a:t>]: a = </a:t>
+            </a:r>
+            <a:r>
+              <a:rPr lang="en-US" sz="2000" b="1" dirty="0" err="1">
+                <a:latin typeface="Inconsolata Medium" panose="020B0609030003000000" pitchFamily="49" charset="77"/>
+              </a:rPr>
+              <a:t>b"Aa</a:t>
+            </a:r>
+            <a:r>
+              <a:rPr lang="en-US" sz="2000" b="1" dirty="0">
+                <a:latin typeface="Inconsolata Medium" panose="020B0609030003000000" pitchFamily="49" charset="77"/>
+              </a:rPr>
+              <a:t>\xf3" </a:t>
+            </a:r>
+            <a:r>
+              <a:rPr lang="en-US" sz="2000" b="1" dirty="0">
+                <a:solidFill>
+                  <a:schemeClr val="accent1">
+                    <a:lumMod val="75000"/>
+                  </a:schemeClr>
+                </a:solidFill>
+                <a:latin typeface="Inconsolata Medium" panose="020B0609030003000000" pitchFamily="49" charset="77"/>
+              </a:rPr>
+              <a:t># bytes literal</a:t>
+            </a:r>
+          </a:p>
+          <a:p>
+            <a:pPr marL="0" indent="0">
+              <a:buNone/>
+            </a:pPr>
+            <a:r>
+              <a:rPr lang="en-US" sz="2000" b="1" dirty="0">
+                <a:solidFill>
+                  <a:srgbClr val="000087"/>
+                </a:solidFill>
+                <a:latin typeface="Inconsolata Medium" panose="020B0609030003000000" pitchFamily="49" charset="77"/>
+              </a:rPr>
+              <a:t>In </a:t>
+            </a:r>
+            <a:r>
+              <a:rPr lang="en-US" sz="2000" b="1" dirty="0">
+                <a:latin typeface="Inconsolata Medium" panose="020B0609030003000000" pitchFamily="49" charset="77"/>
+              </a:rPr>
+              <a:t>[</a:t>
+            </a:r>
+            <a:r>
+              <a:rPr lang="en-US" sz="2000" b="1" dirty="0">
+                <a:solidFill>
+                  <a:srgbClr val="FF6600"/>
+                </a:solidFill>
+                <a:latin typeface="Inconsolata Medium" panose="020B0609030003000000" pitchFamily="49" charset="77"/>
+              </a:rPr>
+              <a:t>2</a:t>
+            </a:r>
+            <a:r>
+              <a:rPr lang="en-US" sz="2000" b="1" dirty="0">
+                <a:latin typeface="Inconsolata Medium" panose="020B0609030003000000" pitchFamily="49" charset="77"/>
+              </a:rPr>
+              <a:t>]: a[0] </a:t>
+            </a:r>
+          </a:p>
+          <a:p>
+            <a:pPr marL="0" indent="0">
+              <a:buNone/>
+            </a:pPr>
+            <a:r>
+              <a:rPr lang="en-US" sz="2000" b="1" dirty="0">
+                <a:latin typeface="Inconsolata Medium" panose="020B0609030003000000" pitchFamily="49" charset="77"/>
+              </a:rPr>
+              <a:t>Out [2]: 65</a:t>
+            </a:r>
+          </a:p>
+          <a:p>
+            <a:pPr marL="0" indent="0">
+              <a:buNone/>
+            </a:pPr>
+            <a:r>
+              <a:rPr lang="en-US" sz="2000" b="1" dirty="0">
+                <a:solidFill>
+                  <a:srgbClr val="000087"/>
+                </a:solidFill>
+                <a:latin typeface="Inconsolata Medium" panose="020B0609030003000000" pitchFamily="49" charset="77"/>
+              </a:rPr>
+              <a:t>In </a:t>
+            </a:r>
+            <a:r>
+              <a:rPr lang="en-US" sz="2000" b="1" dirty="0">
+                <a:latin typeface="Inconsolata Medium" panose="020B0609030003000000" pitchFamily="49" charset="77"/>
+              </a:rPr>
+              <a:t>[</a:t>
+            </a:r>
+            <a:r>
+              <a:rPr lang="en-US" sz="2000" b="1" dirty="0">
+                <a:solidFill>
+                  <a:srgbClr val="FF6600"/>
+                </a:solidFill>
+                <a:latin typeface="Inconsolata Medium" panose="020B0609030003000000" pitchFamily="49" charset="77"/>
+              </a:rPr>
+              <a:t>3</a:t>
+            </a:r>
+            <a:r>
+              <a:rPr lang="en-US" sz="2000" b="1" dirty="0">
+                <a:latin typeface="Inconsolata Medium" panose="020B0609030003000000" pitchFamily="49" charset="77"/>
+              </a:rPr>
+              <a:t>]: a[1] </a:t>
+            </a:r>
+          </a:p>
+          <a:p>
+            <a:pPr marL="0" indent="0">
+              <a:buNone/>
+            </a:pPr>
+            <a:r>
+              <a:rPr lang="en-US" sz="2000" b="1" dirty="0">
+                <a:latin typeface="Inconsolata Medium" panose="020B0609030003000000" pitchFamily="49" charset="77"/>
+              </a:rPr>
+              <a:t>Out [3]: 97</a:t>
+            </a:r>
+          </a:p>
+          <a:p>
+            <a:pPr marL="0" indent="0">
+              <a:buNone/>
+            </a:pPr>
+            <a:r>
+              <a:rPr lang="en-US" sz="2000" b="1" dirty="0">
+                <a:solidFill>
+                  <a:srgbClr val="000087"/>
+                </a:solidFill>
+                <a:latin typeface="Inconsolata Medium" panose="020B0609030003000000" pitchFamily="49" charset="77"/>
+              </a:rPr>
+              <a:t>In </a:t>
+            </a:r>
+            <a:r>
+              <a:rPr lang="en-US" sz="2000" b="1" dirty="0">
+                <a:latin typeface="Inconsolata Medium" panose="020B0609030003000000" pitchFamily="49" charset="77"/>
+              </a:rPr>
+              <a:t>[</a:t>
+            </a:r>
+            <a:r>
+              <a:rPr lang="en-US" sz="2000" b="1" dirty="0">
+                <a:solidFill>
+                  <a:srgbClr val="FF6600"/>
+                </a:solidFill>
+                <a:latin typeface="Inconsolata Medium" panose="020B0609030003000000" pitchFamily="49" charset="77"/>
+              </a:rPr>
+              <a:t>4</a:t>
+            </a:r>
+            <a:r>
+              <a:rPr lang="en-US" sz="2000" b="1" dirty="0">
+                <a:latin typeface="Inconsolata Medium" panose="020B0609030003000000" pitchFamily="49" charset="77"/>
+              </a:rPr>
+              <a:t>]: a[2] </a:t>
+            </a:r>
+          </a:p>
+          <a:p>
+            <a:pPr marL="0" indent="0">
+              <a:buNone/>
+            </a:pPr>
+            <a:r>
+              <a:rPr lang="en-US" sz="2000" b="1" dirty="0">
+                <a:latin typeface="Inconsolata Medium" panose="020B0609030003000000" pitchFamily="49" charset="77"/>
+              </a:rPr>
+              <a:t>Out [4]: 243</a:t>
+            </a:r>
+            <a:endParaRPr lang="en-US" sz="2000" b="1" dirty="0">
+              <a:solidFill>
+                <a:srgbClr val="000087"/>
+              </a:solidFill>
+              <a:latin typeface="Inconsolata Medium" panose="020B0609030003000000" pitchFamily="49" charset="77"/>
             </a:endParaRPr>
           </a:p>
           <a:p>
@@ -8781,94 +11519,900 @@
               <a:buNone/>
             </a:pPr>
             <a:r>
-              <a:rPr lang="en-US" altLang="en-US" sz="2000">
-                <a:latin typeface="Tahoma" panose="020B0604030504040204" pitchFamily="34" charset="0"/>
-                <a:ea typeface="ＭＳ Ｐゴシック" panose="020B0600070205080204" pitchFamily="34" charset="-128"/>
-              </a:rPr>
-              <a:t>1) What Every Programmer Absolutely, Positively Needs To Know About Encodings And Character Sets To Work With Text, by David Zentgraf. </a:t>
-            </a:r>
-            <a:r>
-              <a:rPr lang="en-US" altLang="en-US" sz="2000">
-                <a:latin typeface="Tahoma" panose="020B0604030504040204" pitchFamily="34" charset="0"/>
-                <a:ea typeface="ＭＳ Ｐゴシック" panose="020B0600070205080204" pitchFamily="34" charset="-128"/>
-                <a:hlinkClick r:id="rId2"/>
-              </a:rPr>
-              <a:t>http://kunststube.net/encoding/</a:t>
-            </a:r>
-            <a:endParaRPr lang="en-US" altLang="en-US" sz="2000">
-              <a:latin typeface="Tahoma" panose="020B0604030504040204" pitchFamily="34" charset="0"/>
-              <a:ea typeface="ＭＳ Ｐゴシック" panose="020B0600070205080204" pitchFamily="34" charset="-128"/>
+              <a:rPr lang="en-US" sz="2000" b="1" dirty="0">
+                <a:solidFill>
+                  <a:srgbClr val="000087"/>
+                </a:solidFill>
+                <a:latin typeface="Inconsolata Medium" panose="020B0609030003000000" pitchFamily="49" charset="77"/>
+              </a:rPr>
+              <a:t>In </a:t>
+            </a:r>
+            <a:r>
+              <a:rPr lang="en-US" sz="2000" b="1" dirty="0">
+                <a:latin typeface="Inconsolata Medium" panose="020B0609030003000000" pitchFamily="49" charset="77"/>
+              </a:rPr>
+              <a:t>[</a:t>
+            </a:r>
+            <a:r>
+              <a:rPr lang="en-US" sz="2000" b="1" dirty="0">
+                <a:solidFill>
+                  <a:srgbClr val="FF6600"/>
+                </a:solidFill>
+                <a:latin typeface="Inconsolata Medium" panose="020B0609030003000000" pitchFamily="49" charset="77"/>
+              </a:rPr>
+              <a:t>5</a:t>
+            </a:r>
+            <a:r>
+              <a:rPr lang="en-US" sz="2000" b="1" dirty="0">
+                <a:latin typeface="Inconsolata Medium" panose="020B0609030003000000" pitchFamily="49" charset="77"/>
+              </a:rPr>
+              <a:t>]: a[3] </a:t>
+            </a:r>
+          </a:p>
+          <a:p>
+            <a:pPr marL="0" indent="0">
+              <a:buNone/>
+            </a:pPr>
+            <a:r>
+              <a:rPr lang="en-US" sz="2000" b="1" dirty="0">
+                <a:latin typeface="Inconsolata Medium" panose="020B0609030003000000" pitchFamily="49" charset="77"/>
+              </a:rPr>
+              <a:t>index out of range</a:t>
+            </a:r>
+          </a:p>
+          <a:p>
+            <a:pPr marL="0" indent="0">
+              <a:buNone/>
+            </a:pPr>
+            <a:endParaRPr lang="en-US" sz="2000" b="1" dirty="0">
+              <a:latin typeface="Inconsolata Medium" panose="020B0609030003000000" pitchFamily="49" charset="77"/>
             </a:endParaRPr>
           </a:p>
           <a:p>
             <a:pPr marL="0" indent="0">
               <a:buNone/>
             </a:pPr>
-            <a:endParaRPr lang="en-US" altLang="en-US" sz="2000">
-              <a:latin typeface="Tahoma" panose="020B0604030504040204" pitchFamily="34" charset="0"/>
-              <a:ea typeface="ＭＳ Ｐゴシック" panose="020B0600070205080204" pitchFamily="34" charset="-128"/>
+            <a:endParaRPr lang="en-US" dirty="0"/>
+          </a:p>
+          <a:p>
+            <a:pPr marL="0" indent="0">
+              <a:buNone/>
+            </a:pPr>
+            <a:endParaRPr lang="en-US" dirty="0"/>
+          </a:p>
+          <a:p>
+            <a:pPr marL="0" indent="0">
+              <a:buNone/>
+            </a:pPr>
+            <a:r>
+              <a:rPr lang="en-US" b="1" dirty="0">
+                <a:latin typeface="Inconsolata Medium" panose="020B0609030003000000" pitchFamily="49" charset="77"/>
+              </a:rPr>
+              <a:t> </a:t>
+            </a:r>
+          </a:p>
+          <a:p>
+            <a:pPr marL="0" indent="0">
+              <a:buNone/>
+            </a:pPr>
+            <a:endParaRPr lang="en-US" dirty="0"/>
+          </a:p>
+          <a:p>
+            <a:pPr marL="0" indent="0">
+              <a:buNone/>
+            </a:pPr>
+            <a:endParaRPr lang="en-US" b="1" dirty="0">
+              <a:latin typeface="Inconsolata Medium" panose="020B0609030003000000" pitchFamily="49" charset="77"/>
             </a:endParaRPr>
           </a:p>
           <a:p>
             <a:pPr marL="0" indent="0">
               <a:buNone/>
             </a:pPr>
-            <a:r>
-              <a:rPr lang="en-US" altLang="en-US" sz="2000">
-                <a:latin typeface="Tahoma" panose="020B0604030504040204" pitchFamily="34" charset="0"/>
-                <a:ea typeface="ＭＳ Ｐゴシック" panose="020B0600070205080204" pitchFamily="34" charset="-128"/>
-              </a:rPr>
-              <a:t>2) Part of this lecture is taken from a lecture from an OpenCourseWare course below.</a:t>
-            </a:r>
-          </a:p>
-          <a:p>
-            <a:pPr marL="0" indent="0">
-              <a:buNone/>
-            </a:pPr>
-            <a:r>
-              <a:rPr lang="en-US" altLang="en-US" sz="2000">
-                <a:latin typeface="Tahoma" panose="020B0604030504040204" pitchFamily="34" charset="0"/>
-                <a:ea typeface="ＭＳ Ｐゴシック" panose="020B0600070205080204" pitchFamily="34" charset="-128"/>
-              </a:rPr>
-              <a:t>Computer Science E-1 at Harvard Extension School</a:t>
-            </a:r>
-          </a:p>
-          <a:p>
-            <a:pPr marL="0" indent="0">
-              <a:buNone/>
-            </a:pPr>
-            <a:r>
-              <a:rPr lang="en-US" altLang="en-US" sz="2000">
-                <a:latin typeface="Tahoma" panose="020B0604030504040204" pitchFamily="34" charset="0"/>
-                <a:ea typeface="ＭＳ Ｐゴシック" panose="020B0600070205080204" pitchFamily="34" charset="-128"/>
-              </a:rPr>
-              <a:t>Understanding Computers and the Internet</a:t>
-            </a:r>
-          </a:p>
-          <a:p>
-            <a:pPr marL="0" indent="0">
-              <a:buNone/>
-            </a:pPr>
-            <a:r>
-              <a:rPr lang="en-US" altLang="en-US" sz="2000">
-                <a:latin typeface="Tahoma" panose="020B0604030504040204" pitchFamily="34" charset="0"/>
-                <a:ea typeface="ＭＳ Ｐゴシック" panose="020B0600070205080204" pitchFamily="34" charset="-128"/>
-              </a:rPr>
-              <a:t>by Tommy MacWilliam.</a:t>
-            </a:r>
+            <a:endParaRPr lang="en-US" b="1" dirty="0">
+              <a:latin typeface="Inconsolata Medium" panose="020B0609030003000000" pitchFamily="49" charset="77"/>
+            </a:endParaRPr>
+          </a:p>
+          <a:p>
+            <a:pPr marL="0" indent="0">
+              <a:buNone/>
+            </a:pPr>
+            <a:endParaRPr lang="en-US" b="1" dirty="0">
+              <a:latin typeface="Inconsolata Medium" panose="020B0609030003000000" pitchFamily="49" charset="77"/>
+            </a:endParaRPr>
+          </a:p>
+          <a:p>
+            <a:pPr marL="0" indent="0">
+              <a:buNone/>
+            </a:pPr>
+            <a:r>
+              <a:rPr lang="en-US" b="1" dirty="0">
+                <a:latin typeface="Inconsolata Medium" panose="020B0609030003000000" pitchFamily="49" charset="77"/>
+              </a:rPr>
+              <a:t> </a:t>
+            </a:r>
+          </a:p>
+          <a:p>
+            <a:pPr marL="0" indent="0">
+              <a:buNone/>
+            </a:pPr>
+            <a:endParaRPr lang="en-US" b="1" dirty="0">
+              <a:latin typeface="Inconsolata Medium" panose="020B0609030003000000" pitchFamily="49" charset="77"/>
+            </a:endParaRPr>
+          </a:p>
+          <a:p>
+            <a:pPr marL="0" indent="0">
+              <a:buNone/>
+            </a:pPr>
+            <a:endParaRPr lang="en-US" b="1" dirty="0">
+              <a:latin typeface="Inconsolata Medium" panose="020B0609030003000000" pitchFamily="49" charset="77"/>
+            </a:endParaRPr>
+          </a:p>
+          <a:p>
+            <a:pPr marL="0" indent="0">
+              <a:buNone/>
+            </a:pPr>
+            <a:endParaRPr lang="en-US" b="1" dirty="0">
+              <a:latin typeface="Inconsolata Medium" panose="020B0609030003000000" pitchFamily="49" charset="77"/>
+            </a:endParaRPr>
+          </a:p>
+          <a:p>
+            <a:pPr marL="0" indent="0">
+              <a:buNone/>
+            </a:pPr>
+            <a:endParaRPr lang="en-US" b="1" dirty="0">
+              <a:latin typeface="Inconsolata Medium" panose="020B0609030003000000" pitchFamily="49" charset="77"/>
+            </a:endParaRPr>
+          </a:p>
+          <a:p>
+            <a:pPr marL="0" indent="0">
+              <a:buNone/>
+            </a:pPr>
+            <a:endParaRPr lang="en-US" b="1" dirty="0">
+              <a:latin typeface="Inconsolata Medium" panose="020B0609030003000000" pitchFamily="49" charset="77"/>
+            </a:endParaRPr>
+          </a:p>
+          <a:p>
+            <a:pPr marL="0" indent="0">
+              <a:buNone/>
+            </a:pPr>
+            <a:r>
+              <a:rPr lang="en-US" b="1" dirty="0">
+                <a:latin typeface="Inconsolata Medium" panose="020B0609030003000000" pitchFamily="49" charset="77"/>
+              </a:rPr>
+              <a:t> </a:t>
+            </a:r>
+          </a:p>
+          <a:p>
+            <a:pPr marL="0" indent="0">
+              <a:buNone/>
+            </a:pPr>
+            <a:endParaRPr lang="en-US" b="1" dirty="0">
+              <a:latin typeface="Inconsolata Medium" panose="020B0609030003000000" pitchFamily="49" charset="77"/>
+            </a:endParaRPr>
+          </a:p>
+          <a:p>
+            <a:pPr marL="0" indent="0">
+              <a:buNone/>
+            </a:pPr>
+            <a:endParaRPr lang="en-US" b="1" dirty="0">
+              <a:latin typeface="Inconsolata Medium" panose="020B0609030003000000" pitchFamily="49" charset="77"/>
+            </a:endParaRPr>
           </a:p>
         </p:txBody>
       </p:sp>
     </p:spTree>
     <p:extLst>
       <p:ext uri="{BB962C8B-B14F-4D97-AF65-F5344CB8AC3E}">
-        <p14:creationId xmlns:p14="http://schemas.microsoft.com/office/powerpoint/2010/main" val="1270247652"/>
+        <p14:creationId xmlns:p14="http://schemas.microsoft.com/office/powerpoint/2010/main" val="3498889259"/>
       </p:ext>
     </p:extLst>
   </p:cSld>
   <p:clrMapOvr>
     <a:masterClrMapping/>
   </p:clrMapOvr>
+  <p:timing>
+    <p:tnLst>
+      <p:par>
+        <p:cTn id="1" dur="indefinite" restart="never" nodeType="tmRoot">
+          <p:childTnLst>
+            <p:seq concurrent="1" nextAc="seek">
+              <p:cTn id="2" dur="indefinite" nodeType="mainSeq">
+                <p:childTnLst>
+                  <p:par>
+                    <p:cTn id="3" fill="hold">
+                      <p:stCondLst>
+                        <p:cond delay="indefinite"/>
+                      </p:stCondLst>
+                      <p:childTnLst>
+                        <p:par>
+                          <p:cTn id="4" fill="hold">
+                            <p:stCondLst>
+                              <p:cond delay="0"/>
+                            </p:stCondLst>
+                            <p:childTnLst>
+                              <p:par>
+                                <p:cTn id="5" presetID="1" presetClass="entr" presetSubtype="0" fill="hold" nodeType="clickEffect">
+                                  <p:stCondLst>
+                                    <p:cond delay="0"/>
+                                  </p:stCondLst>
+                                  <p:childTnLst>
+                                    <p:set>
+                                      <p:cBhvr>
+                                        <p:cTn id="6" dur="1" fill="hold">
+                                          <p:stCondLst>
+                                            <p:cond delay="0"/>
+                                          </p:stCondLst>
+                                        </p:cTn>
+                                        <p:tgtEl>
+                                          <p:spTgt spid="9">
+                                            <p:txEl>
+                                              <p:pRg st="14" end="14"/>
+                                            </p:txEl>
+                                          </p:spTgt>
+                                        </p:tgtEl>
+                                        <p:attrNameLst>
+                                          <p:attrName>style.visibility</p:attrName>
+                                        </p:attrNameLst>
+                                      </p:cBhvr>
+                                      <p:to>
+                                        <p:strVal val="visible"/>
+                                      </p:to>
+                                    </p:set>
+                                  </p:childTnLst>
+                                </p:cTn>
+                              </p:par>
+                            </p:childTnLst>
+                          </p:cTn>
+                        </p:par>
+                      </p:childTnLst>
+                    </p:cTn>
+                  </p:par>
+                </p:childTnLst>
+              </p:cTn>
+              <p:prevCondLst>
+                <p:cond evt="onPrev" delay="0">
+                  <p:tgtEl>
+                    <p:sldTgt/>
+                  </p:tgtEl>
+                </p:cond>
+              </p:prevCondLst>
+              <p:nextCondLst>
+                <p:cond evt="onNext" delay="0">
+                  <p:tgtEl>
+                    <p:sldTgt/>
+                  </p:tgtEl>
+                </p:cond>
+              </p:nextCondLst>
+            </p:seq>
+          </p:childTnLst>
+        </p:cTn>
+      </p:par>
+    </p:tnLst>
+  </p:timing>
+</p:sld>
+</file>
+
+<file path=ppt/slides/slide9.xml><?xml version="1.0" encoding="utf-8"?>
+<p:sld xmlns:a="http://schemas.openxmlformats.org/drawingml/2006/main" xmlns:r="http://schemas.openxmlformats.org/officeDocument/2006/relationships" xmlns:p="http://schemas.openxmlformats.org/presentationml/2006/main">
+  <p:cSld>
+    <p:spTree>
+      <p:nvGrpSpPr>
+        <p:cNvPr id="1" name=""/>
+        <p:cNvGrpSpPr/>
+        <p:nvPr/>
+      </p:nvGrpSpPr>
+      <p:grpSpPr>
+        <a:xfrm>
+          <a:off x="0" y="0"/>
+          <a:ext cx="0" cy="0"/>
+          <a:chOff x="0" y="0"/>
+          <a:chExt cx="0" cy="0"/>
+        </a:xfrm>
+      </p:grpSpPr>
+      <p:sp>
+        <p:nvSpPr>
+          <p:cNvPr id="2" name="Title 1">
+            <a:extLst>
+              <a:ext uri="{FF2B5EF4-FFF2-40B4-BE49-F238E27FC236}">
+                <a16:creationId xmlns:a16="http://schemas.microsoft.com/office/drawing/2014/main" id="{AA3A228F-61D0-D949-A5E7-F83756230BF8}"/>
+              </a:ext>
+            </a:extLst>
+          </p:cNvPr>
+          <p:cNvSpPr>
+            <a:spLocks noGrp="1"/>
+          </p:cNvSpPr>
+          <p:nvPr>
+            <p:ph type="title"/>
+          </p:nvPr>
+        </p:nvSpPr>
+        <p:spPr>
+          <a:xfrm>
+            <a:off x="483848" y="123497"/>
+            <a:ext cx="7053542" cy="683886"/>
+          </a:xfrm>
+        </p:spPr>
+        <p:txBody>
+          <a:bodyPr/>
+          <a:lstStyle/>
+          <a:p>
+            <a:r>
+              <a:rPr lang="en-US" dirty="0"/>
+              <a:t>str vs bytes</a:t>
+            </a:r>
+          </a:p>
+        </p:txBody>
+      </p:sp>
+      <p:sp>
+        <p:nvSpPr>
+          <p:cNvPr id="9" name="Content Placeholder 8">
+            <a:extLst>
+              <a:ext uri="{FF2B5EF4-FFF2-40B4-BE49-F238E27FC236}">
+                <a16:creationId xmlns:a16="http://schemas.microsoft.com/office/drawing/2014/main" id="{E3B2E017-30B2-884B-A113-B419A2ED51AD}"/>
+              </a:ext>
+            </a:extLst>
+          </p:cNvPr>
+          <p:cNvSpPr>
+            <a:spLocks noGrp="1"/>
+          </p:cNvSpPr>
+          <p:nvPr>
+            <p:ph idx="1"/>
+          </p:nvPr>
+        </p:nvSpPr>
+        <p:spPr>
+          <a:xfrm>
+            <a:off x="483848" y="726393"/>
+            <a:ext cx="8051725" cy="4865110"/>
+          </a:xfrm>
+        </p:spPr>
+        <p:txBody>
+          <a:bodyPr>
+            <a:noAutofit/>
+          </a:bodyPr>
+          <a:lstStyle/>
+          <a:p>
+            <a:pPr marL="0" indent="0">
+              <a:buNone/>
+            </a:pPr>
+            <a:r>
+              <a:rPr lang="en-US" sz="2000" dirty="0"/>
+              <a:t>Python 3’s </a:t>
+            </a:r>
+            <a:r>
+              <a:rPr lang="en-US" sz="2000" b="1" dirty="0"/>
+              <a:t>str</a:t>
+            </a:r>
+            <a:r>
+              <a:rPr lang="en-US" sz="2000" dirty="0"/>
+              <a:t> type is meant to represent human-readable text and can contain any Unicode character.</a:t>
+            </a:r>
+          </a:p>
+          <a:p>
+            <a:pPr marL="0" indent="0">
+              <a:buNone/>
+            </a:pPr>
+            <a:br>
+              <a:rPr lang="en-US" sz="1800" dirty="0"/>
+            </a:br>
+            <a:r>
+              <a:rPr lang="en-US" sz="1800" b="1" dirty="0">
+                <a:solidFill>
+                  <a:srgbClr val="000087"/>
+                </a:solidFill>
+                <a:latin typeface="Inconsolata Medium" panose="020B0609030003000000" pitchFamily="49" charset="77"/>
+              </a:rPr>
+              <a:t>In </a:t>
+            </a:r>
+            <a:r>
+              <a:rPr lang="en-US" sz="1800" b="1" dirty="0">
+                <a:latin typeface="Inconsolata Medium" panose="020B0609030003000000" pitchFamily="49" charset="77"/>
+              </a:rPr>
+              <a:t>[</a:t>
+            </a:r>
+            <a:r>
+              <a:rPr lang="en-US" sz="1800" b="1" dirty="0">
+                <a:solidFill>
+                  <a:srgbClr val="FF6600"/>
+                </a:solidFill>
+                <a:latin typeface="Inconsolata Medium" panose="020B0609030003000000" pitchFamily="49" charset="77"/>
+              </a:rPr>
+              <a:t>1</a:t>
+            </a:r>
+            <a:r>
+              <a:rPr lang="en-US" sz="1800" b="1" dirty="0">
+                <a:latin typeface="Inconsolata Medium" panose="020B0609030003000000" pitchFamily="49" charset="77"/>
+              </a:rPr>
+              <a:t>]: s1 = "</a:t>
+            </a:r>
+            <a:r>
+              <a:rPr lang="en-US" sz="1800" dirty="0"/>
+              <a:t>résumé</a:t>
+            </a:r>
+            <a:r>
+              <a:rPr lang="en-US" sz="1800" b="1" dirty="0">
+                <a:latin typeface="Inconsolata Medium" panose="020B0609030003000000" pitchFamily="49" charset="77"/>
+              </a:rPr>
+              <a:t>" </a:t>
+            </a:r>
+            <a:r>
+              <a:rPr lang="en-US" sz="1800" b="1" dirty="0">
+                <a:solidFill>
+                  <a:schemeClr val="accent1">
+                    <a:lumMod val="75000"/>
+                  </a:schemeClr>
+                </a:solidFill>
+                <a:latin typeface="Inconsolata Medium" panose="020B0609030003000000" pitchFamily="49" charset="77"/>
+              </a:rPr>
+              <a:t># string literal</a:t>
+            </a:r>
+            <a:r>
+              <a:rPr lang="en-US" sz="1800" b="1" dirty="0">
+                <a:latin typeface="Inconsolata Medium" panose="020B0609030003000000" pitchFamily="49" charset="77"/>
+              </a:rPr>
+              <a:t> </a:t>
+            </a:r>
+            <a:br>
+              <a:rPr lang="en-US" sz="1800" dirty="0"/>
+            </a:br>
+            <a:r>
+              <a:rPr lang="en-US" sz="1800" b="1" dirty="0">
+                <a:solidFill>
+                  <a:srgbClr val="000087"/>
+                </a:solidFill>
+                <a:latin typeface="Inconsolata Medium" panose="020B0609030003000000" pitchFamily="49" charset="77"/>
+              </a:rPr>
+              <a:t>In </a:t>
+            </a:r>
+            <a:r>
+              <a:rPr lang="en-US" sz="1800" b="1" dirty="0">
+                <a:latin typeface="Inconsolata Medium" panose="020B0609030003000000" pitchFamily="49" charset="77"/>
+              </a:rPr>
+              <a:t>[</a:t>
+            </a:r>
+            <a:r>
+              <a:rPr lang="en-US" sz="1800" b="1" dirty="0">
+                <a:solidFill>
+                  <a:srgbClr val="FF6600"/>
+                </a:solidFill>
+                <a:latin typeface="Inconsolata Medium" panose="020B0609030003000000" pitchFamily="49" charset="77"/>
+              </a:rPr>
+              <a:t>2</a:t>
+            </a:r>
+            <a:r>
+              <a:rPr lang="en-US" sz="1800" b="1" dirty="0">
+                <a:latin typeface="Inconsolata Medium" panose="020B0609030003000000" pitchFamily="49" charset="77"/>
+              </a:rPr>
+              <a:t>]: s2 = "</a:t>
+            </a:r>
+            <a:r>
+              <a:rPr lang="en-US" sz="1800" dirty="0"/>
+              <a:t>🤨</a:t>
+            </a:r>
+            <a:r>
+              <a:rPr lang="en-US" sz="1800" b="1" dirty="0">
+                <a:latin typeface="Inconsolata Medium" panose="020B0609030003000000" pitchFamily="49" charset="77"/>
+              </a:rPr>
+              <a:t>" </a:t>
+            </a:r>
+            <a:r>
+              <a:rPr lang="en-US" sz="1800" b="1" dirty="0">
+                <a:solidFill>
+                  <a:schemeClr val="accent1">
+                    <a:lumMod val="75000"/>
+                  </a:schemeClr>
+                </a:solidFill>
+                <a:latin typeface="Inconsolata Medium" panose="020B0609030003000000" pitchFamily="49" charset="77"/>
+              </a:rPr>
+              <a:t># string literal</a:t>
+            </a:r>
+            <a:r>
+              <a:rPr lang="en-US" sz="1800" b="1" dirty="0">
+                <a:latin typeface="Inconsolata Medium" panose="020B0609030003000000" pitchFamily="49" charset="77"/>
+              </a:rPr>
+              <a:t> </a:t>
+            </a:r>
+          </a:p>
+          <a:p>
+            <a:pPr marL="0" indent="0">
+              <a:buNone/>
+            </a:pPr>
+            <a:r>
+              <a:rPr lang="en-US" sz="1800" b="1" dirty="0">
+                <a:solidFill>
+                  <a:srgbClr val="000087"/>
+                </a:solidFill>
+                <a:latin typeface="Inconsolata Medium" panose="020B0609030003000000" pitchFamily="49" charset="77"/>
+              </a:rPr>
+              <a:t>In </a:t>
+            </a:r>
+            <a:r>
+              <a:rPr lang="en-US" sz="1800" b="1" dirty="0">
+                <a:latin typeface="Inconsolata Medium" panose="020B0609030003000000" pitchFamily="49" charset="77"/>
+              </a:rPr>
+              <a:t>[</a:t>
+            </a:r>
+            <a:r>
+              <a:rPr lang="en-US" sz="1800" b="1" dirty="0">
+                <a:solidFill>
+                  <a:srgbClr val="FF6600"/>
+                </a:solidFill>
+                <a:latin typeface="Inconsolata Medium" panose="020B0609030003000000" pitchFamily="49" charset="77"/>
+              </a:rPr>
+              <a:t>3</a:t>
+            </a:r>
+            <a:r>
+              <a:rPr lang="en-US" sz="1800" b="1" dirty="0">
+                <a:latin typeface="Inconsolata Medium" panose="020B0609030003000000" pitchFamily="49" charset="77"/>
+              </a:rPr>
+              <a:t>]: s3 = "</a:t>
+            </a:r>
+            <a:r>
+              <a:rPr lang="zh-CN" altLang="en-US" sz="1800" dirty="0"/>
+              <a:t>記者 鄭啟源 羅智堅</a:t>
+            </a:r>
+            <a:r>
+              <a:rPr lang="en-US" sz="1800" b="1" dirty="0">
+                <a:latin typeface="Inconsolata Medium" panose="020B0609030003000000" pitchFamily="49" charset="77"/>
+              </a:rPr>
+              <a:t>" </a:t>
+            </a:r>
+            <a:r>
+              <a:rPr lang="en-US" sz="1800" b="1" dirty="0">
+                <a:solidFill>
+                  <a:schemeClr val="accent1">
+                    <a:lumMod val="75000"/>
+                  </a:schemeClr>
+                </a:solidFill>
+                <a:latin typeface="Inconsolata Medium" panose="020B0609030003000000" pitchFamily="49" charset="77"/>
+              </a:rPr>
+              <a:t># string literal</a:t>
+            </a:r>
+            <a:r>
+              <a:rPr lang="en-US" sz="1800" b="1" dirty="0">
+                <a:latin typeface="Inconsolata Medium" panose="020B0609030003000000" pitchFamily="49" charset="77"/>
+              </a:rPr>
+              <a:t> </a:t>
+            </a:r>
+          </a:p>
+          <a:p>
+            <a:pPr marL="0" indent="0">
+              <a:buNone/>
+            </a:pPr>
+            <a:endParaRPr lang="en-US" altLang="zh-CN" sz="2400" b="1" dirty="0">
+              <a:latin typeface="Inconsolata Medium" panose="020B0609030003000000" pitchFamily="49" charset="77"/>
+            </a:endParaRPr>
+          </a:p>
+          <a:p>
+            <a:pPr marL="0" indent="0">
+              <a:buNone/>
+            </a:pPr>
+            <a:r>
+              <a:rPr lang="en-US" dirty="0"/>
+              <a:t>The </a:t>
+            </a:r>
+            <a:r>
+              <a:rPr lang="en-US" b="1" dirty="0"/>
+              <a:t>bytes</a:t>
+            </a:r>
+            <a:r>
+              <a:rPr lang="en-US" dirty="0"/>
+              <a:t> type, conversely, represents binary data, or sequences of raw bytes, that do not intrinsically have an encoding attached to it.  </a:t>
+            </a:r>
+          </a:p>
+          <a:p>
+            <a:pPr marL="0" indent="0">
+              <a:buNone/>
+            </a:pPr>
+            <a:endParaRPr lang="en-US" sz="1800" b="1" dirty="0">
+              <a:solidFill>
+                <a:srgbClr val="000087"/>
+              </a:solidFill>
+              <a:latin typeface="Inconsolata Medium" panose="020B0609030003000000" pitchFamily="49" charset="77"/>
+            </a:endParaRPr>
+          </a:p>
+          <a:p>
+            <a:pPr marL="0" indent="0">
+              <a:buNone/>
+            </a:pPr>
+            <a:r>
+              <a:rPr lang="en-US" sz="1800" b="1" dirty="0">
+                <a:solidFill>
+                  <a:srgbClr val="000087"/>
+                </a:solidFill>
+                <a:latin typeface="Inconsolata Medium" panose="020B0609030003000000" pitchFamily="49" charset="77"/>
+              </a:rPr>
+              <a:t>In </a:t>
+            </a:r>
+            <a:r>
+              <a:rPr lang="en-US" sz="1800" b="1" dirty="0">
+                <a:latin typeface="Inconsolata Medium" panose="020B0609030003000000" pitchFamily="49" charset="77"/>
+              </a:rPr>
+              <a:t>[</a:t>
+            </a:r>
+            <a:r>
+              <a:rPr lang="en-US" sz="1800" b="1" dirty="0">
+                <a:solidFill>
+                  <a:srgbClr val="FF6600"/>
+                </a:solidFill>
+                <a:latin typeface="Inconsolata Medium" panose="020B0609030003000000" pitchFamily="49" charset="77"/>
+              </a:rPr>
+              <a:t>4</a:t>
+            </a:r>
+            <a:r>
+              <a:rPr lang="en-US" sz="1800" b="1" dirty="0">
+                <a:latin typeface="Inconsolata Medium" panose="020B0609030003000000" pitchFamily="49" charset="77"/>
+              </a:rPr>
+              <a:t>]: a = </a:t>
+            </a:r>
+            <a:r>
+              <a:rPr lang="en-US" sz="1800" b="1" dirty="0" err="1">
+                <a:latin typeface="Inconsolata Medium" panose="020B0609030003000000" pitchFamily="49" charset="77"/>
+              </a:rPr>
+              <a:t>b"</a:t>
+            </a:r>
+            <a:r>
+              <a:rPr lang="en-US" dirty="0" err="1"/>
+              <a:t>r</a:t>
+            </a:r>
+            <a:r>
+              <a:rPr lang="en-US" dirty="0"/>
+              <a:t>\xc3\xa9sum\xc3\xa9</a:t>
+            </a:r>
+            <a:r>
+              <a:rPr lang="en-US" sz="1800" b="1" dirty="0">
+                <a:latin typeface="Inconsolata Medium" panose="020B0609030003000000" pitchFamily="49" charset="77"/>
+              </a:rPr>
+              <a:t>" </a:t>
+            </a:r>
+            <a:r>
+              <a:rPr lang="en-US" sz="1800" b="1" dirty="0">
+                <a:solidFill>
+                  <a:schemeClr val="accent1">
+                    <a:lumMod val="75000"/>
+                  </a:schemeClr>
+                </a:solidFill>
+                <a:latin typeface="Inconsolata Medium" panose="020B0609030003000000" pitchFamily="49" charset="77"/>
+              </a:rPr>
+              <a:t># bytes literal</a:t>
+            </a:r>
+          </a:p>
+          <a:p>
+            <a:pPr marL="0" indent="0">
+              <a:buNone/>
+            </a:pPr>
+            <a:endParaRPr lang="en-US" dirty="0"/>
+          </a:p>
+          <a:p>
+            <a:pPr marL="0" indent="0">
+              <a:buNone/>
+            </a:pPr>
+            <a:r>
+              <a:rPr lang="en-US" b="1" dirty="0"/>
+              <a:t>Decoding</a:t>
+            </a:r>
+            <a:r>
+              <a:rPr lang="en-US" dirty="0"/>
+              <a:t> and </a:t>
+            </a:r>
+            <a:r>
+              <a:rPr lang="en-US" b="1" dirty="0"/>
+              <a:t>encoding</a:t>
+            </a:r>
+            <a:r>
+              <a:rPr lang="en-US" dirty="0"/>
+              <a:t> is the process of going between str and bytes.</a:t>
+            </a:r>
+          </a:p>
+          <a:p>
+            <a:pPr marL="0" indent="0">
+              <a:buNone/>
+            </a:pPr>
+            <a:r>
+              <a:rPr lang="en-US" b="1" dirty="0">
+                <a:latin typeface="Inconsolata Medium" panose="020B0609030003000000" pitchFamily="49" charset="77"/>
+              </a:rPr>
+              <a:t> </a:t>
+            </a:r>
+          </a:p>
+          <a:p>
+            <a:pPr marL="0" indent="0">
+              <a:buNone/>
+            </a:pPr>
+            <a:endParaRPr lang="en-US" dirty="0"/>
+          </a:p>
+          <a:p>
+            <a:pPr marL="0" indent="0">
+              <a:buNone/>
+            </a:pPr>
+            <a:endParaRPr lang="en-US" b="1" dirty="0">
+              <a:latin typeface="Inconsolata Medium" panose="020B0609030003000000" pitchFamily="49" charset="77"/>
+            </a:endParaRPr>
+          </a:p>
+          <a:p>
+            <a:pPr marL="0" indent="0">
+              <a:buNone/>
+            </a:pPr>
+            <a:endParaRPr lang="en-US" b="1" dirty="0">
+              <a:latin typeface="Inconsolata Medium" panose="020B0609030003000000" pitchFamily="49" charset="77"/>
+            </a:endParaRPr>
+          </a:p>
+          <a:p>
+            <a:pPr marL="0" indent="0">
+              <a:buNone/>
+            </a:pPr>
+            <a:endParaRPr lang="en-US" b="1" dirty="0">
+              <a:latin typeface="Inconsolata Medium" panose="020B0609030003000000" pitchFamily="49" charset="77"/>
+            </a:endParaRPr>
+          </a:p>
+          <a:p>
+            <a:pPr marL="0" indent="0">
+              <a:buNone/>
+            </a:pPr>
+            <a:r>
+              <a:rPr lang="en-US" b="1" dirty="0">
+                <a:latin typeface="Inconsolata Medium" panose="020B0609030003000000" pitchFamily="49" charset="77"/>
+              </a:rPr>
+              <a:t> </a:t>
+            </a:r>
+          </a:p>
+          <a:p>
+            <a:pPr marL="0" indent="0">
+              <a:buNone/>
+            </a:pPr>
+            <a:endParaRPr lang="en-US" b="1" dirty="0">
+              <a:latin typeface="Inconsolata Medium" panose="020B0609030003000000" pitchFamily="49" charset="77"/>
+            </a:endParaRPr>
+          </a:p>
+          <a:p>
+            <a:pPr marL="0" indent="0">
+              <a:buNone/>
+            </a:pPr>
+            <a:endParaRPr lang="en-US" b="1" dirty="0">
+              <a:latin typeface="Inconsolata Medium" panose="020B0609030003000000" pitchFamily="49" charset="77"/>
+            </a:endParaRPr>
+          </a:p>
+          <a:p>
+            <a:pPr marL="0" indent="0">
+              <a:buNone/>
+            </a:pPr>
+            <a:endParaRPr lang="en-US" b="1" dirty="0">
+              <a:latin typeface="Inconsolata Medium" panose="020B0609030003000000" pitchFamily="49" charset="77"/>
+            </a:endParaRPr>
+          </a:p>
+          <a:p>
+            <a:pPr marL="0" indent="0">
+              <a:buNone/>
+            </a:pPr>
+            <a:endParaRPr lang="en-US" b="1" dirty="0">
+              <a:latin typeface="Inconsolata Medium" panose="020B0609030003000000" pitchFamily="49" charset="77"/>
+            </a:endParaRPr>
+          </a:p>
+          <a:p>
+            <a:pPr marL="0" indent="0">
+              <a:buNone/>
+            </a:pPr>
+            <a:endParaRPr lang="en-US" b="1" dirty="0">
+              <a:latin typeface="Inconsolata Medium" panose="020B0609030003000000" pitchFamily="49" charset="77"/>
+            </a:endParaRPr>
+          </a:p>
+          <a:p>
+            <a:pPr marL="0" indent="0">
+              <a:buNone/>
+            </a:pPr>
+            <a:r>
+              <a:rPr lang="en-US" b="1" dirty="0">
+                <a:latin typeface="Inconsolata Medium" panose="020B0609030003000000" pitchFamily="49" charset="77"/>
+              </a:rPr>
+              <a:t> </a:t>
+            </a:r>
+          </a:p>
+          <a:p>
+            <a:pPr marL="0" indent="0">
+              <a:buNone/>
+            </a:pPr>
+            <a:endParaRPr lang="en-US" b="1" dirty="0">
+              <a:latin typeface="Inconsolata Medium" panose="020B0609030003000000" pitchFamily="49" charset="77"/>
+            </a:endParaRPr>
+          </a:p>
+          <a:p>
+            <a:pPr marL="0" indent="0">
+              <a:buNone/>
+            </a:pPr>
+            <a:endParaRPr lang="en-US" b="1" dirty="0">
+              <a:latin typeface="Inconsolata Medium" panose="020B0609030003000000" pitchFamily="49" charset="77"/>
+            </a:endParaRPr>
+          </a:p>
+        </p:txBody>
+      </p:sp>
+    </p:spTree>
+    <p:extLst>
+      <p:ext uri="{BB962C8B-B14F-4D97-AF65-F5344CB8AC3E}">
+        <p14:creationId xmlns:p14="http://schemas.microsoft.com/office/powerpoint/2010/main" val="3056481063"/>
+      </p:ext>
+    </p:extLst>
+  </p:cSld>
+  <p:clrMapOvr>
+    <a:masterClrMapping/>
+  </p:clrMapOvr>
+  <p:timing>
+    <p:tnLst>
+      <p:par>
+        <p:cTn id="1" dur="indefinite" restart="never" nodeType="tmRoot">
+          <p:childTnLst>
+            <p:seq concurrent="1" nextAc="seek">
+              <p:cTn id="2" dur="indefinite" nodeType="mainSeq">
+                <p:childTnLst>
+                  <p:par>
+                    <p:cTn id="3" fill="hold">
+                      <p:stCondLst>
+                        <p:cond delay="indefinite"/>
+                      </p:stCondLst>
+                      <p:childTnLst>
+                        <p:par>
+                          <p:cTn id="4" fill="hold">
+                            <p:stCondLst>
+                              <p:cond delay="0"/>
+                            </p:stCondLst>
+                            <p:childTnLst>
+                              <p:par>
+                                <p:cTn id="5" presetID="1" presetClass="entr" presetSubtype="0" fill="hold" nodeType="clickEffect">
+                                  <p:stCondLst>
+                                    <p:cond delay="0"/>
+                                  </p:stCondLst>
+                                  <p:childTnLst>
+                                    <p:set>
+                                      <p:cBhvr>
+                                        <p:cTn id="6" dur="1" fill="hold">
+                                          <p:stCondLst>
+                                            <p:cond delay="0"/>
+                                          </p:stCondLst>
+                                        </p:cTn>
+                                        <p:tgtEl>
+                                          <p:spTgt spid="9">
+                                            <p:txEl>
+                                              <p:pRg st="9" end="9"/>
+                                            </p:txEl>
+                                          </p:spTgt>
+                                        </p:tgtEl>
+                                        <p:attrNameLst>
+                                          <p:attrName>style.visibility</p:attrName>
+                                        </p:attrNameLst>
+                                      </p:cBhvr>
+                                      <p:to>
+                                        <p:strVal val="visible"/>
+                                      </p:to>
+                                    </p:set>
+                                  </p:childTnLst>
+                                </p:cTn>
+                              </p:par>
+                            </p:childTnLst>
+                          </p:cTn>
+                        </p:par>
+                      </p:childTnLst>
+                    </p:cTn>
+                  </p:par>
+                </p:childTnLst>
+              </p:cTn>
+              <p:prevCondLst>
+                <p:cond evt="onPrev" delay="0">
+                  <p:tgtEl>
+                    <p:sldTgt/>
+                  </p:tgtEl>
+                </p:cond>
+              </p:prevCondLst>
+              <p:nextCondLst>
+                <p:cond evt="onNext" delay="0">
+                  <p:tgtEl>
+                    <p:sldTgt/>
+                  </p:tgtEl>
+                </p:cond>
+              </p:nextCondLst>
+            </p:seq>
+          </p:childTnLst>
+        </p:cTn>
+      </p:par>
+    </p:tnLst>
+  </p:timing>
 </p:sld>
 </file>
 

--- a/courses/apcsp/lect13.pptx
+++ b/courses/apcsp/lect13.pptx
@@ -17,7 +17,9 @@
     <p:sldId id="354" r:id="rId11"/>
     <p:sldId id="355" r:id="rId12"/>
     <p:sldId id="357" r:id="rId13"/>
-    <p:sldId id="344" r:id="rId14"/>
+    <p:sldId id="358" r:id="rId14"/>
+    <p:sldId id="359" r:id="rId15"/>
+    <p:sldId id="344" r:id="rId16"/>
   </p:sldIdLst>
   <p:sldSz cx="9144000" cy="5715000" type="screen16x10"/>
   <p:notesSz cx="6858000" cy="9144000"/>
@@ -135,909 +137,26 @@
 <file path=ppt/changesInfos/changesInfo1.xml><?xml version="1.0" encoding="utf-8"?>
 <pc:chgInfo xmlns:a="http://schemas.openxmlformats.org/drawingml/2006/main" xmlns:r="http://schemas.openxmlformats.org/officeDocument/2006/relationships" xmlns:ac="http://schemas.microsoft.com/office/drawing/2013/main/command" xmlns:pc="http://schemas.microsoft.com/office/powerpoint/2013/main/command">
   <pc:docChgLst>
-    <pc:chgData name="Long B Nguyen" userId="f59fb8f3-a021-417a-8bc1-65c8d471c621" providerId="ADAL" clId="{A54A5039-9BC6-1548-AC61-7314DB675A9D}"/>
-    <pc:docChg chg="undo custSel addSld delSld modSld">
-      <pc:chgData name="Long B Nguyen" userId="f59fb8f3-a021-417a-8bc1-65c8d471c621" providerId="ADAL" clId="{A54A5039-9BC6-1548-AC61-7314DB675A9D}" dt="2019-09-25T14:26:33.714" v="2899" actId="20577"/>
+    <pc:chgData name="Long B Nguyen" userId="f59fb8f3-a021-417a-8bc1-65c8d471c621" providerId="ADAL" clId="{B5860C40-AA08-4447-A918-2D2782E0FC0B}"/>
+    <pc:docChg chg="delSld modSld">
+      <pc:chgData name="Long B Nguyen" userId="f59fb8f3-a021-417a-8bc1-65c8d471c621" providerId="ADAL" clId="{B5860C40-AA08-4447-A918-2D2782E0FC0B}" dt="2019-09-16T13:59:20.091" v="35" actId="2696"/>
       <pc:docMkLst>
         <pc:docMk/>
       </pc:docMkLst>
       <pc:sldChg chg="modSp">
-        <pc:chgData name="Long B Nguyen" userId="f59fb8f3-a021-417a-8bc1-65c8d471c621" providerId="ADAL" clId="{A54A5039-9BC6-1548-AC61-7314DB675A9D}" dt="2019-09-25T14:17:33.020" v="2843" actId="20577"/>
+        <pc:chgData name="Long B Nguyen" userId="f59fb8f3-a021-417a-8bc1-65c8d471c621" providerId="ADAL" clId="{B5860C40-AA08-4447-A918-2D2782E0FC0B}" dt="2019-09-16T13:58:36.640" v="18" actId="20577"/>
         <pc:sldMkLst>
           <pc:docMk/>
           <pc:sldMk cId="4247104139" sldId="256"/>
         </pc:sldMkLst>
         <pc:spChg chg="mod">
-          <ac:chgData name="Long B Nguyen" userId="f59fb8f3-a021-417a-8bc1-65c8d471c621" providerId="ADAL" clId="{A54A5039-9BC6-1548-AC61-7314DB675A9D}" dt="2019-09-25T14:17:33.020" v="2843" actId="20577"/>
+          <ac:chgData name="Long B Nguyen" userId="f59fb8f3-a021-417a-8bc1-65c8d471c621" providerId="ADAL" clId="{B5860C40-AA08-4447-A918-2D2782E0FC0B}" dt="2019-09-16T13:58:36.640" v="18" actId="20577"/>
           <ac:spMkLst>
             <pc:docMk/>
             <pc:sldMk cId="4247104139" sldId="256"/>
             <ac:spMk id="3" creationId="{1BDC47C8-6776-7B44-9CD4-95FC91452D62}"/>
           </ac:spMkLst>
         </pc:spChg>
-      </pc:sldChg>
-      <pc:sldChg chg="modSp modAnim">
-        <pc:chgData name="Long B Nguyen" userId="f59fb8f3-a021-417a-8bc1-65c8d471c621" providerId="ADAL" clId="{A54A5039-9BC6-1548-AC61-7314DB675A9D}" dt="2019-09-24T11:45:26.007" v="2185" actId="20577"/>
-        <pc:sldMkLst>
-          <pc:docMk/>
-          <pc:sldMk cId="1438711869" sldId="284"/>
-        </pc:sldMkLst>
-        <pc:spChg chg="mod">
-          <ac:chgData name="Long B Nguyen" userId="f59fb8f3-a021-417a-8bc1-65c8d471c621" providerId="ADAL" clId="{A54A5039-9BC6-1548-AC61-7314DB675A9D}" dt="2019-09-24T11:43:23.898" v="2145" actId="20577"/>
-          <ac:spMkLst>
-            <pc:docMk/>
-            <pc:sldMk cId="1438711869" sldId="284"/>
-            <ac:spMk id="2" creationId="{AA3A228F-61D0-D949-A5E7-F83756230BF8}"/>
-          </ac:spMkLst>
-        </pc:spChg>
-        <pc:spChg chg="mod">
-          <ac:chgData name="Long B Nguyen" userId="f59fb8f3-a021-417a-8bc1-65c8d471c621" providerId="ADAL" clId="{A54A5039-9BC6-1548-AC61-7314DB675A9D}" dt="2019-09-24T11:45:26.007" v="2185" actId="20577"/>
-          <ac:spMkLst>
-            <pc:docMk/>
-            <pc:sldMk cId="1438711869" sldId="284"/>
-            <ac:spMk id="9" creationId="{E3B2E017-30B2-884B-A113-B419A2ED51AD}"/>
-          </ac:spMkLst>
-        </pc:spChg>
-      </pc:sldChg>
-      <pc:sldChg chg="modSp">
-        <pc:chgData name="Long B Nguyen" userId="f59fb8f3-a021-417a-8bc1-65c8d471c621" providerId="ADAL" clId="{A54A5039-9BC6-1548-AC61-7314DB675A9D}" dt="2019-09-19T14:18:56.959" v="28" actId="20577"/>
-        <pc:sldMkLst>
-          <pc:docMk/>
-          <pc:sldMk cId="131840209" sldId="286"/>
-        </pc:sldMkLst>
-        <pc:spChg chg="mod">
-          <ac:chgData name="Long B Nguyen" userId="f59fb8f3-a021-417a-8bc1-65c8d471c621" providerId="ADAL" clId="{A54A5039-9BC6-1548-AC61-7314DB675A9D}" dt="2019-09-19T14:18:56.959" v="28" actId="20577"/>
-          <ac:spMkLst>
-            <pc:docMk/>
-            <pc:sldMk cId="131840209" sldId="286"/>
-            <ac:spMk id="9" creationId="{E3B2E017-30B2-884B-A113-B419A2ED51AD}"/>
-          </ac:spMkLst>
-        </pc:spChg>
-      </pc:sldChg>
-      <pc:sldChg chg="modSp add del modAnim">
-        <pc:chgData name="Long B Nguyen" userId="f59fb8f3-a021-417a-8bc1-65c8d471c621" providerId="ADAL" clId="{A54A5039-9BC6-1548-AC61-7314DB675A9D}" dt="2019-09-24T11:43:26.738" v="2146" actId="2696"/>
-        <pc:sldMkLst>
-          <pc:docMk/>
-          <pc:sldMk cId="3439768680" sldId="294"/>
-        </pc:sldMkLst>
-        <pc:spChg chg="mod">
-          <ac:chgData name="Long B Nguyen" userId="f59fb8f3-a021-417a-8bc1-65c8d471c621" providerId="ADAL" clId="{A54A5039-9BC6-1548-AC61-7314DB675A9D}" dt="2019-09-24T11:40:12.100" v="2004"/>
-          <ac:spMkLst>
-            <pc:docMk/>
-            <pc:sldMk cId="3439768680" sldId="294"/>
-            <ac:spMk id="40963" creationId="{66AA56B3-AB86-6341-92AC-3BDB5774CCA3}"/>
-          </ac:spMkLst>
-        </pc:spChg>
-      </pc:sldChg>
-      <pc:sldChg chg="addSp modSp modAnim">
-        <pc:chgData name="Long B Nguyen" userId="f59fb8f3-a021-417a-8bc1-65c8d471c621" providerId="ADAL" clId="{A54A5039-9BC6-1548-AC61-7314DB675A9D}" dt="2019-09-23T12:04:10.373" v="1911"/>
-        <pc:sldMkLst>
-          <pc:docMk/>
-          <pc:sldMk cId="1816941262" sldId="295"/>
-        </pc:sldMkLst>
-        <pc:spChg chg="add mod">
-          <ac:chgData name="Long B Nguyen" userId="f59fb8f3-a021-417a-8bc1-65c8d471c621" providerId="ADAL" clId="{A54A5039-9BC6-1548-AC61-7314DB675A9D}" dt="2019-09-23T12:03:30.239" v="1901" actId="1076"/>
-          <ac:spMkLst>
-            <pc:docMk/>
-            <pc:sldMk cId="1816941262" sldId="295"/>
-            <ac:spMk id="3" creationId="{53AD888D-2F6F-BB43-86CA-1A3B376061A2}"/>
-          </ac:spMkLst>
-        </pc:spChg>
-        <pc:spChg chg="mod">
-          <ac:chgData name="Long B Nguyen" userId="f59fb8f3-a021-417a-8bc1-65c8d471c621" providerId="ADAL" clId="{A54A5039-9BC6-1548-AC61-7314DB675A9D}" dt="2019-09-23T11:58:12.789" v="1765" actId="20577"/>
-          <ac:spMkLst>
-            <pc:docMk/>
-            <pc:sldMk cId="1816941262" sldId="295"/>
-            <ac:spMk id="9" creationId="{E3B2E017-30B2-884B-A113-B419A2ED51AD}"/>
-          </ac:spMkLst>
-        </pc:spChg>
-        <pc:cxnChg chg="add mod">
-          <ac:chgData name="Long B Nguyen" userId="f59fb8f3-a021-417a-8bc1-65c8d471c621" providerId="ADAL" clId="{A54A5039-9BC6-1548-AC61-7314DB675A9D}" dt="2019-09-23T12:03:49.489" v="1909" actId="692"/>
-          <ac:cxnSpMkLst>
-            <pc:docMk/>
-            <pc:sldMk cId="1816941262" sldId="295"/>
-            <ac:cxnSpMk id="5" creationId="{0FA56ED4-EC25-B14C-B73E-DC4E17ADBF86}"/>
-          </ac:cxnSpMkLst>
-        </pc:cxnChg>
-      </pc:sldChg>
-      <pc:sldChg chg="modSp modAnim">
-        <pc:chgData name="Long B Nguyen" userId="f59fb8f3-a021-417a-8bc1-65c8d471c621" providerId="ADAL" clId="{A54A5039-9BC6-1548-AC61-7314DB675A9D}" dt="2019-09-23T11:59:17.508" v="1794"/>
-        <pc:sldMkLst>
-          <pc:docMk/>
-          <pc:sldMk cId="553003360" sldId="296"/>
-        </pc:sldMkLst>
-        <pc:spChg chg="mod">
-          <ac:chgData name="Long B Nguyen" userId="f59fb8f3-a021-417a-8bc1-65c8d471c621" providerId="ADAL" clId="{A54A5039-9BC6-1548-AC61-7314DB675A9D}" dt="2019-09-23T11:59:10.982" v="1792" actId="20577"/>
-          <ac:spMkLst>
-            <pc:docMk/>
-            <pc:sldMk cId="553003360" sldId="296"/>
-            <ac:spMk id="9" creationId="{E3B2E017-30B2-884B-A113-B419A2ED51AD}"/>
-          </ac:spMkLst>
-        </pc:spChg>
-      </pc:sldChg>
-      <pc:sldChg chg="modSp modAnim">
-        <pc:chgData name="Long B Nguyen" userId="f59fb8f3-a021-417a-8bc1-65c8d471c621" providerId="ADAL" clId="{A54A5039-9BC6-1548-AC61-7314DB675A9D}" dt="2019-09-23T11:59:34.632" v="1798"/>
-        <pc:sldMkLst>
-          <pc:docMk/>
-          <pc:sldMk cId="3006175481" sldId="297"/>
-        </pc:sldMkLst>
-        <pc:spChg chg="mod">
-          <ac:chgData name="Long B Nguyen" userId="f59fb8f3-a021-417a-8bc1-65c8d471c621" providerId="ADAL" clId="{A54A5039-9BC6-1548-AC61-7314DB675A9D}" dt="2019-09-23T11:59:28.174" v="1796" actId="20577"/>
-          <ac:spMkLst>
-            <pc:docMk/>
-            <pc:sldMk cId="3006175481" sldId="297"/>
-            <ac:spMk id="9" creationId="{E3B2E017-30B2-884B-A113-B419A2ED51AD}"/>
-          </ac:spMkLst>
-        </pc:spChg>
-      </pc:sldChg>
-      <pc:sldChg chg="modSp modAnim">
-        <pc:chgData name="Long B Nguyen" userId="f59fb8f3-a021-417a-8bc1-65c8d471c621" providerId="ADAL" clId="{A54A5039-9BC6-1548-AC61-7314DB675A9D}" dt="2019-09-23T12:06:41.861" v="1992"/>
-        <pc:sldMkLst>
-          <pc:docMk/>
-          <pc:sldMk cId="3150557076" sldId="298"/>
-        </pc:sldMkLst>
-        <pc:spChg chg="mod">
-          <ac:chgData name="Long B Nguyen" userId="f59fb8f3-a021-417a-8bc1-65c8d471c621" providerId="ADAL" clId="{A54A5039-9BC6-1548-AC61-7314DB675A9D}" dt="2019-09-23T12:05:19.573" v="1985" actId="20577"/>
-          <ac:spMkLst>
-            <pc:docMk/>
-            <pc:sldMk cId="3150557076" sldId="298"/>
-            <ac:spMk id="9" creationId="{E3B2E017-30B2-884B-A113-B419A2ED51AD}"/>
-          </ac:spMkLst>
-        </pc:spChg>
-      </pc:sldChg>
-      <pc:sldChg chg="addSp delSp modSp modAnim">
-        <pc:chgData name="Long B Nguyen" userId="f59fb8f3-a021-417a-8bc1-65c8d471c621" providerId="ADAL" clId="{A54A5039-9BC6-1548-AC61-7314DB675A9D}" dt="2019-09-23T12:01:44.436" v="1840"/>
-        <pc:sldMkLst>
-          <pc:docMk/>
-          <pc:sldMk cId="128704095" sldId="302"/>
-        </pc:sldMkLst>
-        <pc:spChg chg="add del">
-          <ac:chgData name="Long B Nguyen" userId="f59fb8f3-a021-417a-8bc1-65c8d471c621" providerId="ADAL" clId="{A54A5039-9BC6-1548-AC61-7314DB675A9D}" dt="2019-09-19T16:47:34.465" v="464"/>
-          <ac:spMkLst>
-            <pc:docMk/>
-            <pc:sldMk cId="128704095" sldId="302"/>
-            <ac:spMk id="3" creationId="{EA19F625-AB76-8A4B-B39A-0F2D018DC68D}"/>
-          </ac:spMkLst>
-        </pc:spChg>
-        <pc:spChg chg="mod">
-          <ac:chgData name="Long B Nguyen" userId="f59fb8f3-a021-417a-8bc1-65c8d471c621" providerId="ADAL" clId="{A54A5039-9BC6-1548-AC61-7314DB675A9D}" dt="2019-09-23T12:01:36.243" v="1838" actId="20577"/>
-          <ac:spMkLst>
-            <pc:docMk/>
-            <pc:sldMk cId="128704095" sldId="302"/>
-            <ac:spMk id="9" creationId="{E3B2E017-30B2-884B-A113-B419A2ED51AD}"/>
-          </ac:spMkLst>
-        </pc:spChg>
-      </pc:sldChg>
-      <pc:sldChg chg="modSp add modAnim">
-        <pc:chgData name="Long B Nguyen" userId="f59fb8f3-a021-417a-8bc1-65c8d471c621" providerId="ADAL" clId="{A54A5039-9BC6-1548-AC61-7314DB675A9D}" dt="2019-09-23T12:00:26.516" v="1826" actId="20577"/>
-        <pc:sldMkLst>
-          <pc:docMk/>
-          <pc:sldMk cId="3275945509" sldId="303"/>
-        </pc:sldMkLst>
-        <pc:spChg chg="mod">
-          <ac:chgData name="Long B Nguyen" userId="f59fb8f3-a021-417a-8bc1-65c8d471c621" providerId="ADAL" clId="{A54A5039-9BC6-1548-AC61-7314DB675A9D}" dt="2019-09-23T12:00:26.516" v="1826" actId="20577"/>
-          <ac:spMkLst>
-            <pc:docMk/>
-            <pc:sldMk cId="3275945509" sldId="303"/>
-            <ac:spMk id="9" creationId="{E3B2E017-30B2-884B-A113-B419A2ED51AD}"/>
-          </ac:spMkLst>
-        </pc:spChg>
-      </pc:sldChg>
-      <pc:sldChg chg="modSp add modAnim">
-        <pc:chgData name="Long B Nguyen" userId="f59fb8f3-a021-417a-8bc1-65c8d471c621" providerId="ADAL" clId="{A54A5039-9BC6-1548-AC61-7314DB675A9D}" dt="2019-09-23T12:00:38.314" v="1827"/>
-        <pc:sldMkLst>
-          <pc:docMk/>
-          <pc:sldMk cId="406772024" sldId="304"/>
-        </pc:sldMkLst>
-        <pc:spChg chg="mod">
-          <ac:chgData name="Long B Nguyen" userId="f59fb8f3-a021-417a-8bc1-65c8d471c621" providerId="ADAL" clId="{A54A5039-9BC6-1548-AC61-7314DB675A9D}" dt="2019-09-23T12:00:12.500" v="1808" actId="20577"/>
-          <ac:spMkLst>
-            <pc:docMk/>
-            <pc:sldMk cId="406772024" sldId="304"/>
-            <ac:spMk id="9" creationId="{E3B2E017-30B2-884B-A113-B419A2ED51AD}"/>
-          </ac:spMkLst>
-        </pc:spChg>
-      </pc:sldChg>
-      <pc:sldChg chg="modSp add modAnim">
-        <pc:chgData name="Long B Nguyen" userId="f59fb8f3-a021-417a-8bc1-65c8d471c621" providerId="ADAL" clId="{A54A5039-9BC6-1548-AC61-7314DB675A9D}" dt="2019-09-23T13:27:58.707" v="2000" actId="20577"/>
-        <pc:sldMkLst>
-          <pc:docMk/>
-          <pc:sldMk cId="1703902501" sldId="305"/>
-        </pc:sldMkLst>
-        <pc:spChg chg="mod">
-          <ac:chgData name="Long B Nguyen" userId="f59fb8f3-a021-417a-8bc1-65c8d471c621" providerId="ADAL" clId="{A54A5039-9BC6-1548-AC61-7314DB675A9D}" dt="2019-09-19T14:31:00.333" v="110" actId="20577"/>
-          <ac:spMkLst>
-            <pc:docMk/>
-            <pc:sldMk cId="1703902501" sldId="305"/>
-            <ac:spMk id="2" creationId="{AA3A228F-61D0-D949-A5E7-F83756230BF8}"/>
-          </ac:spMkLst>
-        </pc:spChg>
-        <pc:spChg chg="mod">
-          <ac:chgData name="Long B Nguyen" userId="f59fb8f3-a021-417a-8bc1-65c8d471c621" providerId="ADAL" clId="{A54A5039-9BC6-1548-AC61-7314DB675A9D}" dt="2019-09-23T13:27:58.707" v="2000" actId="20577"/>
-          <ac:spMkLst>
-            <pc:docMk/>
-            <pc:sldMk cId="1703902501" sldId="305"/>
-            <ac:spMk id="9" creationId="{E3B2E017-30B2-884B-A113-B419A2ED51AD}"/>
-          </ac:spMkLst>
-        </pc:spChg>
-      </pc:sldChg>
-      <pc:sldChg chg="modSp add modAnim">
-        <pc:chgData name="Long B Nguyen" userId="f59fb8f3-a021-417a-8bc1-65c8d471c621" providerId="ADAL" clId="{A54A5039-9BC6-1548-AC61-7314DB675A9D}" dt="2019-09-23T12:01:58.728" v="1843"/>
-        <pc:sldMkLst>
-          <pc:docMk/>
-          <pc:sldMk cId="3614829039" sldId="306"/>
-        </pc:sldMkLst>
-        <pc:spChg chg="mod">
-          <ac:chgData name="Long B Nguyen" userId="f59fb8f3-a021-417a-8bc1-65c8d471c621" providerId="ADAL" clId="{A54A5039-9BC6-1548-AC61-7314DB675A9D}" dt="2019-09-19T16:51:57.917" v="536" actId="20577"/>
-          <ac:spMkLst>
-            <pc:docMk/>
-            <pc:sldMk cId="3614829039" sldId="306"/>
-            <ac:spMk id="2" creationId="{AA3A228F-61D0-D949-A5E7-F83756230BF8}"/>
-          </ac:spMkLst>
-        </pc:spChg>
-        <pc:spChg chg="mod">
-          <ac:chgData name="Long B Nguyen" userId="f59fb8f3-a021-417a-8bc1-65c8d471c621" providerId="ADAL" clId="{A54A5039-9BC6-1548-AC61-7314DB675A9D}" dt="2019-09-23T12:01:50.092" v="1842" actId="20577"/>
-          <ac:spMkLst>
-            <pc:docMk/>
-            <pc:sldMk cId="3614829039" sldId="306"/>
-            <ac:spMk id="9" creationId="{E3B2E017-30B2-884B-A113-B419A2ED51AD}"/>
-          </ac:spMkLst>
-        </pc:spChg>
-      </pc:sldChg>
-      <pc:sldChg chg="modSp add modAnim">
-        <pc:chgData name="Long B Nguyen" userId="f59fb8f3-a021-417a-8bc1-65c8d471c621" providerId="ADAL" clId="{A54A5039-9BC6-1548-AC61-7314DB675A9D}" dt="2019-09-23T12:02:15.154" v="1846"/>
-        <pc:sldMkLst>
-          <pc:docMk/>
-          <pc:sldMk cId="295911327" sldId="307"/>
-        </pc:sldMkLst>
-        <pc:spChg chg="mod">
-          <ac:chgData name="Long B Nguyen" userId="f59fb8f3-a021-417a-8bc1-65c8d471c621" providerId="ADAL" clId="{A54A5039-9BC6-1548-AC61-7314DB675A9D}" dt="2019-09-19T17:17:25.590" v="539" actId="20577"/>
-          <ac:spMkLst>
-            <pc:docMk/>
-            <pc:sldMk cId="295911327" sldId="307"/>
-            <ac:spMk id="2" creationId="{AA3A228F-61D0-D949-A5E7-F83756230BF8}"/>
-          </ac:spMkLst>
-        </pc:spChg>
-        <pc:spChg chg="mod">
-          <ac:chgData name="Long B Nguyen" userId="f59fb8f3-a021-417a-8bc1-65c8d471c621" providerId="ADAL" clId="{A54A5039-9BC6-1548-AC61-7314DB675A9D}" dt="2019-09-23T12:02:10.526" v="1845" actId="20577"/>
-          <ac:spMkLst>
-            <pc:docMk/>
-            <pc:sldMk cId="295911327" sldId="307"/>
-            <ac:spMk id="9" creationId="{E3B2E017-30B2-884B-A113-B419A2ED51AD}"/>
-          </ac:spMkLst>
-        </pc:spChg>
-      </pc:sldChg>
-      <pc:sldChg chg="modSp add modAnim">
-        <pc:chgData name="Long B Nguyen" userId="f59fb8f3-a021-417a-8bc1-65c8d471c621" providerId="ADAL" clId="{A54A5039-9BC6-1548-AC61-7314DB675A9D}" dt="2019-09-23T12:01:05.311" v="1832"/>
-        <pc:sldMkLst>
-          <pc:docMk/>
-          <pc:sldMk cId="67957925" sldId="308"/>
-        </pc:sldMkLst>
-        <pc:spChg chg="mod">
-          <ac:chgData name="Long B Nguyen" userId="f59fb8f3-a021-417a-8bc1-65c8d471c621" providerId="ADAL" clId="{A54A5039-9BC6-1548-AC61-7314DB675A9D}" dt="2019-09-20T12:22:34.233" v="599" actId="20577"/>
-          <ac:spMkLst>
-            <pc:docMk/>
-            <pc:sldMk cId="67957925" sldId="308"/>
-            <ac:spMk id="2" creationId="{AA3A228F-61D0-D949-A5E7-F83756230BF8}"/>
-          </ac:spMkLst>
-        </pc:spChg>
-        <pc:spChg chg="mod">
-          <ac:chgData name="Long B Nguyen" userId="f59fb8f3-a021-417a-8bc1-65c8d471c621" providerId="ADAL" clId="{A54A5039-9BC6-1548-AC61-7314DB675A9D}" dt="2019-09-20T12:37:26.490" v="1123" actId="20577"/>
-          <ac:spMkLst>
-            <pc:docMk/>
-            <pc:sldMk cId="67957925" sldId="308"/>
-            <ac:spMk id="9" creationId="{E3B2E017-30B2-884B-A113-B419A2ED51AD}"/>
-          </ac:spMkLst>
-        </pc:spChg>
-      </pc:sldChg>
-      <pc:sldChg chg="modSp add modAnim">
-        <pc:chgData name="Long B Nguyen" userId="f59fb8f3-a021-417a-8bc1-65c8d471c621" providerId="ADAL" clId="{A54A5039-9BC6-1548-AC61-7314DB675A9D}" dt="2019-09-23T12:01:18.117" v="1835"/>
-        <pc:sldMkLst>
-          <pc:docMk/>
-          <pc:sldMk cId="1872435103" sldId="309"/>
-        </pc:sldMkLst>
-        <pc:spChg chg="mod">
-          <ac:chgData name="Long B Nguyen" userId="f59fb8f3-a021-417a-8bc1-65c8d471c621" providerId="ADAL" clId="{A54A5039-9BC6-1548-AC61-7314DB675A9D}" dt="2019-09-20T12:24:39.851" v="793" actId="20577"/>
-          <ac:spMkLst>
-            <pc:docMk/>
-            <pc:sldMk cId="1872435103" sldId="309"/>
-            <ac:spMk id="2" creationId="{AA3A228F-61D0-D949-A5E7-F83756230BF8}"/>
-          </ac:spMkLst>
-        </pc:spChg>
-        <pc:spChg chg="mod">
-          <ac:chgData name="Long B Nguyen" userId="f59fb8f3-a021-417a-8bc1-65c8d471c621" providerId="ADAL" clId="{A54A5039-9BC6-1548-AC61-7314DB675A9D}" dt="2019-09-20T12:37:20.580" v="1117" actId="20577"/>
-          <ac:spMkLst>
-            <pc:docMk/>
-            <pc:sldMk cId="1872435103" sldId="309"/>
-            <ac:spMk id="9" creationId="{E3B2E017-30B2-884B-A113-B419A2ED51AD}"/>
-          </ac:spMkLst>
-        </pc:spChg>
-      </pc:sldChg>
-      <pc:sldChg chg="modSp add">
-        <pc:chgData name="Long B Nguyen" userId="f59fb8f3-a021-417a-8bc1-65c8d471c621" providerId="ADAL" clId="{A54A5039-9BC6-1548-AC61-7314DB675A9D}" dt="2019-09-20T12:40:48.118" v="1409" actId="20577"/>
-        <pc:sldMkLst>
-          <pc:docMk/>
-          <pc:sldMk cId="4088965571" sldId="310"/>
-        </pc:sldMkLst>
-        <pc:spChg chg="mod">
-          <ac:chgData name="Long B Nguyen" userId="f59fb8f3-a021-417a-8bc1-65c8d471c621" providerId="ADAL" clId="{A54A5039-9BC6-1548-AC61-7314DB675A9D}" dt="2019-09-20T12:40:48.118" v="1409" actId="20577"/>
-          <ac:spMkLst>
-            <pc:docMk/>
-            <pc:sldMk cId="4088965571" sldId="310"/>
-            <ac:spMk id="2" creationId="{AA3A228F-61D0-D949-A5E7-F83756230BF8}"/>
-          </ac:spMkLst>
-        </pc:spChg>
-        <pc:spChg chg="mod">
-          <ac:chgData name="Long B Nguyen" userId="f59fb8f3-a021-417a-8bc1-65c8d471c621" providerId="ADAL" clId="{A54A5039-9BC6-1548-AC61-7314DB675A9D}" dt="2019-09-20T12:40:27.809" v="1394" actId="255"/>
-          <ac:spMkLst>
-            <pc:docMk/>
-            <pc:sldMk cId="4088965571" sldId="310"/>
-            <ac:spMk id="9" creationId="{E3B2E017-30B2-884B-A113-B419A2ED51AD}"/>
-          </ac:spMkLst>
-        </pc:spChg>
-      </pc:sldChg>
-      <pc:sldChg chg="modSp add modAnim">
-        <pc:chgData name="Long B Nguyen" userId="f59fb8f3-a021-417a-8bc1-65c8d471c621" providerId="ADAL" clId="{A54A5039-9BC6-1548-AC61-7314DB675A9D}" dt="2019-09-23T12:01:26.997" v="1836"/>
-        <pc:sldMkLst>
-          <pc:docMk/>
-          <pc:sldMk cId="2255846137" sldId="311"/>
-        </pc:sldMkLst>
-        <pc:spChg chg="mod">
-          <ac:chgData name="Long B Nguyen" userId="f59fb8f3-a021-417a-8bc1-65c8d471c621" providerId="ADAL" clId="{A54A5039-9BC6-1548-AC61-7314DB675A9D}" dt="2019-09-20T12:42:38.115" v="1565" actId="20577"/>
-          <ac:spMkLst>
-            <pc:docMk/>
-            <pc:sldMk cId="2255846137" sldId="311"/>
-            <ac:spMk id="2" creationId="{AA3A228F-61D0-D949-A5E7-F83756230BF8}"/>
-          </ac:spMkLst>
-        </pc:spChg>
-        <pc:spChg chg="mod">
-          <ac:chgData name="Long B Nguyen" userId="f59fb8f3-a021-417a-8bc1-65c8d471c621" providerId="ADAL" clId="{A54A5039-9BC6-1548-AC61-7314DB675A9D}" dt="2019-09-20T12:43:18.312" v="1623" actId="20577"/>
-          <ac:spMkLst>
-            <pc:docMk/>
-            <pc:sldMk cId="2255846137" sldId="311"/>
-            <ac:spMk id="9" creationId="{E3B2E017-30B2-884B-A113-B419A2ED51AD}"/>
-          </ac:spMkLst>
-        </pc:spChg>
-      </pc:sldChg>
-      <pc:sldChg chg="modSp add">
-        <pc:chgData name="Long B Nguyen" userId="f59fb8f3-a021-417a-8bc1-65c8d471c621" providerId="ADAL" clId="{A54A5039-9BC6-1548-AC61-7314DB675A9D}" dt="2019-09-23T11:49:40.764" v="1759" actId="20577"/>
-        <pc:sldMkLst>
-          <pc:docMk/>
-          <pc:sldMk cId="1513627164" sldId="312"/>
-        </pc:sldMkLst>
-        <pc:spChg chg="mod">
-          <ac:chgData name="Long B Nguyen" userId="f59fb8f3-a021-417a-8bc1-65c8d471c621" providerId="ADAL" clId="{A54A5039-9BC6-1548-AC61-7314DB675A9D}" dt="2019-09-20T12:44:10.623" v="1625" actId="20577"/>
-          <ac:spMkLst>
-            <pc:docMk/>
-            <pc:sldMk cId="1513627164" sldId="312"/>
-            <ac:spMk id="2" creationId="{AA3A228F-61D0-D949-A5E7-F83756230BF8}"/>
-          </ac:spMkLst>
-        </pc:spChg>
-        <pc:spChg chg="mod">
-          <ac:chgData name="Long B Nguyen" userId="f59fb8f3-a021-417a-8bc1-65c8d471c621" providerId="ADAL" clId="{A54A5039-9BC6-1548-AC61-7314DB675A9D}" dt="2019-09-23T11:49:40.764" v="1759" actId="20577"/>
-          <ac:spMkLst>
-            <pc:docMk/>
-            <pc:sldMk cId="1513627164" sldId="312"/>
-            <ac:spMk id="9" creationId="{E3B2E017-30B2-884B-A113-B419A2ED51AD}"/>
-          </ac:spMkLst>
-        </pc:spChg>
-      </pc:sldChg>
-      <pc:sldChg chg="modSp add modAnim">
-        <pc:chgData name="Long B Nguyen" userId="f59fb8f3-a021-417a-8bc1-65c8d471c621" providerId="ADAL" clId="{A54A5039-9BC6-1548-AC61-7314DB675A9D}" dt="2019-09-23T11:58:57.499" v="1789"/>
-        <pc:sldMkLst>
-          <pc:docMk/>
-          <pc:sldMk cId="2097059918" sldId="313"/>
-        </pc:sldMkLst>
-        <pc:spChg chg="mod">
-          <ac:chgData name="Long B Nguyen" userId="f59fb8f3-a021-417a-8bc1-65c8d471c621" providerId="ADAL" clId="{A54A5039-9BC6-1548-AC61-7314DB675A9D}" dt="2019-09-23T11:58:47.576" v="1783" actId="20577"/>
-          <ac:spMkLst>
-            <pc:docMk/>
-            <pc:sldMk cId="2097059918" sldId="313"/>
-            <ac:spMk id="9" creationId="{E3B2E017-30B2-884B-A113-B419A2ED51AD}"/>
-          </ac:spMkLst>
-        </pc:spChg>
-      </pc:sldChg>
-      <pc:sldChg chg="modSp add del">
-        <pc:chgData name="Long B Nguyen" userId="f59fb8f3-a021-417a-8bc1-65c8d471c621" providerId="ADAL" clId="{A54A5039-9BC6-1548-AC61-7314DB675A9D}" dt="2019-09-24T11:43:27.284" v="2147" actId="2696"/>
-        <pc:sldMkLst>
-          <pc:docMk/>
-          <pc:sldMk cId="3916896519" sldId="314"/>
-        </pc:sldMkLst>
-        <pc:spChg chg="mod">
-          <ac:chgData name="Long B Nguyen" userId="f59fb8f3-a021-417a-8bc1-65c8d471c621" providerId="ADAL" clId="{A54A5039-9BC6-1548-AC61-7314DB675A9D}" dt="2019-09-24T11:40:07.514" v="2003"/>
-          <ac:spMkLst>
-            <pc:docMk/>
-            <pc:sldMk cId="3916896519" sldId="314"/>
-            <ac:spMk id="2" creationId="{AA3A228F-61D0-D949-A5E7-F83756230BF8}"/>
-          </ac:spMkLst>
-        </pc:spChg>
-        <pc:spChg chg="mod">
-          <ac:chgData name="Long B Nguyen" userId="f59fb8f3-a021-417a-8bc1-65c8d471c621" providerId="ADAL" clId="{A54A5039-9BC6-1548-AC61-7314DB675A9D}" dt="2019-09-24T11:41:32.486" v="2043"/>
-          <ac:spMkLst>
-            <pc:docMk/>
-            <pc:sldMk cId="3916896519" sldId="314"/>
-            <ac:spMk id="9" creationId="{E3B2E017-30B2-884B-A113-B419A2ED51AD}"/>
-          </ac:spMkLst>
-        </pc:spChg>
-      </pc:sldChg>
-      <pc:sldChg chg="modSp add del">
-        <pc:chgData name="Long B Nguyen" userId="f59fb8f3-a021-417a-8bc1-65c8d471c621" providerId="ADAL" clId="{A54A5039-9BC6-1548-AC61-7314DB675A9D}" dt="2019-09-24T14:05:24.942" v="2839" actId="2696"/>
-        <pc:sldMkLst>
-          <pc:docMk/>
-          <pc:sldMk cId="2798321153" sldId="315"/>
-        </pc:sldMkLst>
-        <pc:spChg chg="mod">
-          <ac:chgData name="Long B Nguyen" userId="f59fb8f3-a021-417a-8bc1-65c8d471c621" providerId="ADAL" clId="{A54A5039-9BC6-1548-AC61-7314DB675A9D}" dt="2019-09-24T11:47:07.801" v="2189" actId="20577"/>
-          <ac:spMkLst>
-            <pc:docMk/>
-            <pc:sldMk cId="2798321153" sldId="315"/>
-            <ac:spMk id="2" creationId="{AA3A228F-61D0-D949-A5E7-F83756230BF8}"/>
-          </ac:spMkLst>
-        </pc:spChg>
-        <pc:spChg chg="mod">
-          <ac:chgData name="Long B Nguyen" userId="f59fb8f3-a021-417a-8bc1-65c8d471c621" providerId="ADAL" clId="{A54A5039-9BC6-1548-AC61-7314DB675A9D}" dt="2019-09-24T11:53:13.884" v="2630" actId="20577"/>
-          <ac:spMkLst>
-            <pc:docMk/>
-            <pc:sldMk cId="2798321153" sldId="315"/>
-            <ac:spMk id="9" creationId="{E3B2E017-30B2-884B-A113-B419A2ED51AD}"/>
-          </ac:spMkLst>
-        </pc:spChg>
-      </pc:sldChg>
-      <pc:sldChg chg="add">
-        <pc:chgData name="Long B Nguyen" userId="f59fb8f3-a021-417a-8bc1-65c8d471c621" providerId="ADAL" clId="{A54A5039-9BC6-1548-AC61-7314DB675A9D}" dt="2019-09-24T11:47:01.081" v="2186"/>
-        <pc:sldMkLst>
-          <pc:docMk/>
-          <pc:sldMk cId="1452600724" sldId="316"/>
-        </pc:sldMkLst>
-      </pc:sldChg>
-      <pc:sldChg chg="modSp add">
-        <pc:chgData name="Long B Nguyen" userId="f59fb8f3-a021-417a-8bc1-65c8d471c621" providerId="ADAL" clId="{A54A5039-9BC6-1548-AC61-7314DB675A9D}" dt="2019-09-25T14:26:33.714" v="2899" actId="20577"/>
-        <pc:sldMkLst>
-          <pc:docMk/>
-          <pc:sldMk cId="1787114790" sldId="317"/>
-        </pc:sldMkLst>
-        <pc:spChg chg="mod">
-          <ac:chgData name="Long B Nguyen" userId="f59fb8f3-a021-417a-8bc1-65c8d471c621" providerId="ADAL" clId="{A54A5039-9BC6-1548-AC61-7314DB675A9D}" dt="2019-09-24T11:53:24.383" v="2634" actId="20577"/>
-          <ac:spMkLst>
-            <pc:docMk/>
-            <pc:sldMk cId="1787114790" sldId="317"/>
-            <ac:spMk id="2" creationId="{AA3A228F-61D0-D949-A5E7-F83756230BF8}"/>
-          </ac:spMkLst>
-        </pc:spChg>
-        <pc:spChg chg="mod">
-          <ac:chgData name="Long B Nguyen" userId="f59fb8f3-a021-417a-8bc1-65c8d471c621" providerId="ADAL" clId="{A54A5039-9BC6-1548-AC61-7314DB675A9D}" dt="2019-09-25T14:26:33.714" v="2899" actId="20577"/>
-          <ac:spMkLst>
-            <pc:docMk/>
-            <pc:sldMk cId="1787114790" sldId="317"/>
-            <ac:spMk id="9" creationId="{E3B2E017-30B2-884B-A113-B419A2ED51AD}"/>
-          </ac:spMkLst>
-        </pc:spChg>
-      </pc:sldChg>
-      <pc:sldChg chg="modSp add">
-        <pc:chgData name="Long B Nguyen" userId="f59fb8f3-a021-417a-8bc1-65c8d471c621" providerId="ADAL" clId="{A54A5039-9BC6-1548-AC61-7314DB675A9D}" dt="2019-09-24T13:44:10.963" v="2838" actId="20577"/>
-        <pc:sldMkLst>
-          <pc:docMk/>
-          <pc:sldMk cId="1215229427" sldId="318"/>
-        </pc:sldMkLst>
-        <pc:spChg chg="mod">
-          <ac:chgData name="Long B Nguyen" userId="f59fb8f3-a021-417a-8bc1-65c8d471c621" providerId="ADAL" clId="{A54A5039-9BC6-1548-AC61-7314DB675A9D}" dt="2019-09-24T13:44:10.963" v="2838" actId="20577"/>
-          <ac:spMkLst>
-            <pc:docMk/>
-            <pc:sldMk cId="1215229427" sldId="318"/>
-            <ac:spMk id="9" creationId="{E3B2E017-30B2-884B-A113-B419A2ED51AD}"/>
-          </ac:spMkLst>
-        </pc:spChg>
-      </pc:sldChg>
-    </pc:docChg>
-  </pc:docChgLst>
-  <pc:docChgLst>
-    <pc:chgData name="Long B Nguyen" userId="f59fb8f3-a021-417a-8bc1-65c8d471c621" providerId="ADAL" clId="{6AC26564-89E3-E046-BFB4-F80582D7E17B}"/>
-    <pc:docChg chg="custSel addSld delSld modSld">
-      <pc:chgData name="Long B Nguyen" userId="f59fb8f3-a021-417a-8bc1-65c8d471c621" providerId="ADAL" clId="{6AC26564-89E3-E046-BFB4-F80582D7E17B}" dt="2020-01-13T13:46:56.810" v="92" actId="2696"/>
-      <pc:docMkLst>
-        <pc:docMk/>
-      </pc:docMkLst>
-      <pc:sldChg chg="modSp">
-        <pc:chgData name="Long B Nguyen" userId="f59fb8f3-a021-417a-8bc1-65c8d471c621" providerId="ADAL" clId="{6AC26564-89E3-E046-BFB4-F80582D7E17B}" dt="2020-01-13T13:44:20.464" v="85" actId="20577"/>
-        <pc:sldMkLst>
-          <pc:docMk/>
-          <pc:sldMk cId="4247104139" sldId="256"/>
-        </pc:sldMkLst>
-        <pc:spChg chg="mod">
-          <ac:chgData name="Long B Nguyen" userId="f59fb8f3-a021-417a-8bc1-65c8d471c621" providerId="ADAL" clId="{6AC26564-89E3-E046-BFB4-F80582D7E17B}" dt="2020-01-13T13:43:45.441" v="40" actId="20577"/>
-          <ac:spMkLst>
-            <pc:docMk/>
-            <pc:sldMk cId="4247104139" sldId="256"/>
-            <ac:spMk id="2" creationId="{6117A749-B1BA-E24B-8FB0-0604EF651FB3}"/>
-          </ac:spMkLst>
-        </pc:spChg>
-        <pc:spChg chg="mod">
-          <ac:chgData name="Long B Nguyen" userId="f59fb8f3-a021-417a-8bc1-65c8d471c621" providerId="ADAL" clId="{6AC26564-89E3-E046-BFB4-F80582D7E17B}" dt="2020-01-13T13:44:20.464" v="85" actId="20577"/>
-          <ac:spMkLst>
-            <pc:docMk/>
-            <pc:sldMk cId="4247104139" sldId="256"/>
-            <ac:spMk id="3" creationId="{1BDC47C8-6776-7B44-9CD4-95FC91452D62}"/>
-          </ac:spMkLst>
-        </pc:spChg>
-      </pc:sldChg>
-      <pc:sldChg chg="add del">
-        <pc:chgData name="Long B Nguyen" userId="f59fb8f3-a021-417a-8bc1-65c8d471c621" providerId="ADAL" clId="{6AC26564-89E3-E046-BFB4-F80582D7E17B}" dt="2020-01-13T13:46:54.924" v="89" actId="2696"/>
-        <pc:sldMkLst>
-          <pc:docMk/>
-          <pc:sldMk cId="2869331202" sldId="257"/>
-        </pc:sldMkLst>
-      </pc:sldChg>
-      <pc:sldChg chg="add">
-        <pc:chgData name="Long B Nguyen" userId="f59fb8f3-a021-417a-8bc1-65c8d471c621" providerId="ADAL" clId="{6AC26564-89E3-E046-BFB4-F80582D7E17B}" dt="2020-01-13T13:43:29.420" v="22"/>
-        <pc:sldMkLst>
-          <pc:docMk/>
-          <pc:sldMk cId="1758448129" sldId="309"/>
-        </pc:sldMkLst>
-      </pc:sldChg>
-      <pc:sldChg chg="modSp add del">
-        <pc:chgData name="Long B Nguyen" userId="f59fb8f3-a021-417a-8bc1-65c8d471c621" providerId="ADAL" clId="{6AC26564-89E3-E046-BFB4-F80582D7E17B}" dt="2020-01-13T13:46:55.484" v="90" actId="2696"/>
-        <pc:sldMkLst>
-          <pc:docMk/>
-          <pc:sldMk cId="174202529" sldId="310"/>
-        </pc:sldMkLst>
-        <pc:spChg chg="mod">
-          <ac:chgData name="Long B Nguyen" userId="f59fb8f3-a021-417a-8bc1-65c8d471c621" providerId="ADAL" clId="{6AC26564-89E3-E046-BFB4-F80582D7E17B}" dt="2020-01-13T13:44:35.816" v="86" actId="20577"/>
-          <ac:spMkLst>
-            <pc:docMk/>
-            <pc:sldMk cId="174202529" sldId="310"/>
-            <ac:spMk id="18434" creationId="{72F3E48A-CDFA-CE46-B991-D35BF55EC8E6}"/>
-          </ac:spMkLst>
-        </pc:spChg>
-      </pc:sldChg>
-      <pc:sldChg chg="add del">
-        <pc:chgData name="Long B Nguyen" userId="f59fb8f3-a021-417a-8bc1-65c8d471c621" providerId="ADAL" clId="{6AC26564-89E3-E046-BFB4-F80582D7E17B}" dt="2020-01-13T13:46:56.092" v="91" actId="2696"/>
-        <pc:sldMkLst>
-          <pc:docMk/>
-          <pc:sldMk cId="1098579697" sldId="311"/>
-        </pc:sldMkLst>
-      </pc:sldChg>
-      <pc:sldChg chg="add del">
-        <pc:chgData name="Long B Nguyen" userId="f59fb8f3-a021-417a-8bc1-65c8d471c621" providerId="ADAL" clId="{6AC26564-89E3-E046-BFB4-F80582D7E17B}" dt="2020-01-13T13:46:56.810" v="92" actId="2696"/>
-        <pc:sldMkLst>
-          <pc:docMk/>
-          <pc:sldMk cId="585175195" sldId="312"/>
-        </pc:sldMkLst>
-      </pc:sldChg>
-      <pc:sldChg chg="add">
-        <pc:chgData name="Long B Nguyen" userId="f59fb8f3-a021-417a-8bc1-65c8d471c621" providerId="ADAL" clId="{6AC26564-89E3-E046-BFB4-F80582D7E17B}" dt="2020-01-13T13:43:29.420" v="22"/>
-        <pc:sldMkLst>
-          <pc:docMk/>
-          <pc:sldMk cId="3947558204" sldId="313"/>
-        </pc:sldMkLst>
-      </pc:sldChg>
-      <pc:sldChg chg="add">
-        <pc:chgData name="Long B Nguyen" userId="f59fb8f3-a021-417a-8bc1-65c8d471c621" providerId="ADAL" clId="{6AC26564-89E3-E046-BFB4-F80582D7E17B}" dt="2020-01-13T13:43:29.420" v="22"/>
-        <pc:sldMkLst>
-          <pc:docMk/>
-          <pc:sldMk cId="2054265466" sldId="314"/>
-        </pc:sldMkLst>
-      </pc:sldChg>
-      <pc:sldChg chg="add">
-        <pc:chgData name="Long B Nguyen" userId="f59fb8f3-a021-417a-8bc1-65c8d471c621" providerId="ADAL" clId="{6AC26564-89E3-E046-BFB4-F80582D7E17B}" dt="2020-01-13T13:43:29.420" v="22"/>
-        <pc:sldMkLst>
-          <pc:docMk/>
-          <pc:sldMk cId="917461937" sldId="315"/>
-        </pc:sldMkLst>
-      </pc:sldChg>
-      <pc:sldChg chg="del">
-        <pc:chgData name="Long B Nguyen" userId="f59fb8f3-a021-417a-8bc1-65c8d471c621" providerId="ADAL" clId="{6AC26564-89E3-E046-BFB4-F80582D7E17B}" dt="2020-01-13T13:43:17.195" v="13" actId="2696"/>
-        <pc:sldMkLst>
-          <pc:docMk/>
-          <pc:sldMk cId="1452600724" sldId="316"/>
-        </pc:sldMkLst>
-      </pc:sldChg>
-      <pc:sldChg chg="add">
-        <pc:chgData name="Long B Nguyen" userId="f59fb8f3-a021-417a-8bc1-65c8d471c621" providerId="ADAL" clId="{6AC26564-89E3-E046-BFB4-F80582D7E17B}" dt="2020-01-13T13:43:29.420" v="22"/>
-        <pc:sldMkLst>
-          <pc:docMk/>
-          <pc:sldMk cId="3266234076" sldId="316"/>
-        </pc:sldMkLst>
-      </pc:sldChg>
-      <pc:sldChg chg="add">
-        <pc:chgData name="Long B Nguyen" userId="f59fb8f3-a021-417a-8bc1-65c8d471c621" providerId="ADAL" clId="{6AC26564-89E3-E046-BFB4-F80582D7E17B}" dt="2020-01-13T13:43:29.420" v="22"/>
-        <pc:sldMkLst>
-          <pc:docMk/>
-          <pc:sldMk cId="2886319738" sldId="317"/>
-        </pc:sldMkLst>
-      </pc:sldChg>
-      <pc:sldChg chg="del">
-        <pc:chgData name="Long B Nguyen" userId="f59fb8f3-a021-417a-8bc1-65c8d471c621" providerId="ADAL" clId="{6AC26564-89E3-E046-BFB4-F80582D7E17B}" dt="2020-01-13T13:43:16.993" v="0" actId="2696"/>
-        <pc:sldMkLst>
-          <pc:docMk/>
-          <pc:sldMk cId="924617162" sldId="319"/>
-        </pc:sldMkLst>
-      </pc:sldChg>
-      <pc:sldChg chg="add">
-        <pc:chgData name="Long B Nguyen" userId="f59fb8f3-a021-417a-8bc1-65c8d471c621" providerId="ADAL" clId="{6AC26564-89E3-E046-BFB4-F80582D7E17B}" dt="2020-01-13T13:43:29.420" v="22"/>
-        <pc:sldMkLst>
-          <pc:docMk/>
-          <pc:sldMk cId="3906700287" sldId="319"/>
-        </pc:sldMkLst>
-      </pc:sldChg>
-      <pc:sldChg chg="add">
-        <pc:chgData name="Long B Nguyen" userId="f59fb8f3-a021-417a-8bc1-65c8d471c621" providerId="ADAL" clId="{6AC26564-89E3-E046-BFB4-F80582D7E17B}" dt="2020-01-13T13:43:29.420" v="22"/>
-        <pc:sldMkLst>
-          <pc:docMk/>
-          <pc:sldMk cId="1810541734" sldId="320"/>
-        </pc:sldMkLst>
-      </pc:sldChg>
-      <pc:sldChg chg="del">
-        <pc:chgData name="Long B Nguyen" userId="f59fb8f3-a021-417a-8bc1-65c8d471c621" providerId="ADAL" clId="{6AC26564-89E3-E046-BFB4-F80582D7E17B}" dt="2020-01-13T13:43:17.009" v="1" actId="2696"/>
-        <pc:sldMkLst>
-          <pc:docMk/>
-          <pc:sldMk cId="3758830494" sldId="320"/>
-        </pc:sldMkLst>
-      </pc:sldChg>
-      <pc:sldChg chg="del">
-        <pc:chgData name="Long B Nguyen" userId="f59fb8f3-a021-417a-8bc1-65c8d471c621" providerId="ADAL" clId="{6AC26564-89E3-E046-BFB4-F80582D7E17B}" dt="2020-01-13T13:43:17.029" v="2" actId="2696"/>
-        <pc:sldMkLst>
-          <pc:docMk/>
-          <pc:sldMk cId="1022945305" sldId="321"/>
-        </pc:sldMkLst>
-      </pc:sldChg>
-      <pc:sldChg chg="add">
-        <pc:chgData name="Long B Nguyen" userId="f59fb8f3-a021-417a-8bc1-65c8d471c621" providerId="ADAL" clId="{6AC26564-89E3-E046-BFB4-F80582D7E17B}" dt="2020-01-13T13:43:29.420" v="22"/>
-        <pc:sldMkLst>
-          <pc:docMk/>
-          <pc:sldMk cId="1359731776" sldId="321"/>
-        </pc:sldMkLst>
-      </pc:sldChg>
-      <pc:sldChg chg="del">
-        <pc:chgData name="Long B Nguyen" userId="f59fb8f3-a021-417a-8bc1-65c8d471c621" providerId="ADAL" clId="{6AC26564-89E3-E046-BFB4-F80582D7E17B}" dt="2020-01-13T13:43:17.080" v="5" actId="2696"/>
-        <pc:sldMkLst>
-          <pc:docMk/>
-          <pc:sldMk cId="3456840474" sldId="322"/>
-        </pc:sldMkLst>
-      </pc:sldChg>
-      <pc:sldChg chg="add">
-        <pc:chgData name="Long B Nguyen" userId="f59fb8f3-a021-417a-8bc1-65c8d471c621" providerId="ADAL" clId="{6AC26564-89E3-E046-BFB4-F80582D7E17B}" dt="2020-01-13T13:43:29.420" v="22"/>
-        <pc:sldMkLst>
-          <pc:docMk/>
-          <pc:sldMk cId="3651577480" sldId="322"/>
-        </pc:sldMkLst>
-      </pc:sldChg>
-      <pc:sldChg chg="del">
-        <pc:chgData name="Long B Nguyen" userId="f59fb8f3-a021-417a-8bc1-65c8d471c621" providerId="ADAL" clId="{6AC26564-89E3-E046-BFB4-F80582D7E17B}" dt="2020-01-13T13:43:17.097" v="6" actId="2696"/>
-        <pc:sldMkLst>
-          <pc:docMk/>
-          <pc:sldMk cId="1062075874" sldId="323"/>
-        </pc:sldMkLst>
-      </pc:sldChg>
-      <pc:sldChg chg="add">
-        <pc:chgData name="Long B Nguyen" userId="f59fb8f3-a021-417a-8bc1-65c8d471c621" providerId="ADAL" clId="{6AC26564-89E3-E046-BFB4-F80582D7E17B}" dt="2020-01-13T13:43:29.420" v="22"/>
-        <pc:sldMkLst>
-          <pc:docMk/>
-          <pc:sldMk cId="1496564367" sldId="323"/>
-        </pc:sldMkLst>
-      </pc:sldChg>
-      <pc:sldChg chg="add">
-        <pc:chgData name="Long B Nguyen" userId="f59fb8f3-a021-417a-8bc1-65c8d471c621" providerId="ADAL" clId="{6AC26564-89E3-E046-BFB4-F80582D7E17B}" dt="2020-01-13T13:46:19.952" v="88"/>
-        <pc:sldMkLst>
-          <pc:docMk/>
-          <pc:sldMk cId="771866096" sldId="324"/>
-        </pc:sldMkLst>
-      </pc:sldChg>
-      <pc:sldChg chg="del">
-        <pc:chgData name="Long B Nguyen" userId="f59fb8f3-a021-417a-8bc1-65c8d471c621" providerId="ADAL" clId="{6AC26564-89E3-E046-BFB4-F80582D7E17B}" dt="2020-01-13T13:43:17.152" v="9" actId="2696"/>
-        <pc:sldMkLst>
-          <pc:docMk/>
-          <pc:sldMk cId="1310010799" sldId="324"/>
-        </pc:sldMkLst>
-      </pc:sldChg>
-      <pc:sldChg chg="add del">
-        <pc:chgData name="Long B Nguyen" userId="f59fb8f3-a021-417a-8bc1-65c8d471c621" providerId="ADAL" clId="{6AC26564-89E3-E046-BFB4-F80582D7E17B}" dt="2020-01-13T13:46:07.690" v="87" actId="2696"/>
-        <pc:sldMkLst>
-          <pc:docMk/>
-          <pc:sldMk cId="3999804732" sldId="324"/>
-        </pc:sldMkLst>
-      </pc:sldChg>
-      <pc:sldChg chg="add">
-        <pc:chgData name="Long B Nguyen" userId="f59fb8f3-a021-417a-8bc1-65c8d471c621" providerId="ADAL" clId="{6AC26564-89E3-E046-BFB4-F80582D7E17B}" dt="2020-01-13T13:43:29.420" v="22"/>
-        <pc:sldMkLst>
-          <pc:docMk/>
-          <pc:sldMk cId="1025355635" sldId="325"/>
-        </pc:sldMkLst>
-      </pc:sldChg>
-      <pc:sldChg chg="del">
-        <pc:chgData name="Long B Nguyen" userId="f59fb8f3-a021-417a-8bc1-65c8d471c621" providerId="ADAL" clId="{6AC26564-89E3-E046-BFB4-F80582D7E17B}" dt="2020-01-13T13:43:17.177" v="11" actId="2696"/>
-        <pc:sldMkLst>
-          <pc:docMk/>
-          <pc:sldMk cId="3314372952" sldId="325"/>
-        </pc:sldMkLst>
-      </pc:sldChg>
-      <pc:sldChg chg="del">
-        <pc:chgData name="Long B Nguyen" userId="f59fb8f3-a021-417a-8bc1-65c8d471c621" providerId="ADAL" clId="{6AC26564-89E3-E046-BFB4-F80582D7E17B}" dt="2020-01-13T13:43:17.116" v="7" actId="2696"/>
-        <pc:sldMkLst>
-          <pc:docMk/>
-          <pc:sldMk cId="1724104636" sldId="327"/>
-        </pc:sldMkLst>
-      </pc:sldChg>
-      <pc:sldChg chg="add">
-        <pc:chgData name="Long B Nguyen" userId="f59fb8f3-a021-417a-8bc1-65c8d471c621" providerId="ADAL" clId="{6AC26564-89E3-E046-BFB4-F80582D7E17B}" dt="2020-01-13T13:43:29.420" v="22"/>
-        <pc:sldMkLst>
-          <pc:docMk/>
-          <pc:sldMk cId="4174920299" sldId="327"/>
-        </pc:sldMkLst>
-      </pc:sldChg>
-      <pc:sldChg chg="add">
-        <pc:chgData name="Long B Nguyen" userId="f59fb8f3-a021-417a-8bc1-65c8d471c621" providerId="ADAL" clId="{6AC26564-89E3-E046-BFB4-F80582D7E17B}" dt="2020-01-13T13:43:29.420" v="22"/>
-        <pc:sldMkLst>
-          <pc:docMk/>
-          <pc:sldMk cId="2756462650" sldId="328"/>
-        </pc:sldMkLst>
-      </pc:sldChg>
-      <pc:sldChg chg="del">
-        <pc:chgData name="Long B Nguyen" userId="f59fb8f3-a021-417a-8bc1-65c8d471c621" providerId="ADAL" clId="{6AC26564-89E3-E046-BFB4-F80582D7E17B}" dt="2020-01-13T13:43:17.045" v="3" actId="2696"/>
-        <pc:sldMkLst>
-          <pc:docMk/>
-          <pc:sldMk cId="3894299887" sldId="328"/>
-        </pc:sldMkLst>
-      </pc:sldChg>
-      <pc:sldChg chg="add">
-        <pc:chgData name="Long B Nguyen" userId="f59fb8f3-a021-417a-8bc1-65c8d471c621" providerId="ADAL" clId="{6AC26564-89E3-E046-BFB4-F80582D7E17B}" dt="2020-01-13T13:43:29.420" v="22"/>
-        <pc:sldMkLst>
-          <pc:docMk/>
-          <pc:sldMk cId="3080714931" sldId="329"/>
-        </pc:sldMkLst>
-      </pc:sldChg>
-      <pc:sldChg chg="del">
-        <pc:chgData name="Long B Nguyen" userId="f59fb8f3-a021-417a-8bc1-65c8d471c621" providerId="ADAL" clId="{6AC26564-89E3-E046-BFB4-F80582D7E17B}" dt="2020-01-13T13:43:17.064" v="4" actId="2696"/>
-        <pc:sldMkLst>
-          <pc:docMk/>
-          <pc:sldMk cId="4294143140" sldId="329"/>
-        </pc:sldMkLst>
-      </pc:sldChg>
-      <pc:sldChg chg="add">
-        <pc:chgData name="Long B Nguyen" userId="f59fb8f3-a021-417a-8bc1-65c8d471c621" providerId="ADAL" clId="{6AC26564-89E3-E046-BFB4-F80582D7E17B}" dt="2020-01-13T13:43:29.420" v="22"/>
-        <pc:sldMkLst>
-          <pc:docMk/>
-          <pc:sldMk cId="532184546" sldId="330"/>
-        </pc:sldMkLst>
-      </pc:sldChg>
-      <pc:sldChg chg="del">
-        <pc:chgData name="Long B Nguyen" userId="f59fb8f3-a021-417a-8bc1-65c8d471c621" providerId="ADAL" clId="{6AC26564-89E3-E046-BFB4-F80582D7E17B}" dt="2020-01-13T13:43:17.136" v="8" actId="2696"/>
-        <pc:sldMkLst>
-          <pc:docMk/>
-          <pc:sldMk cId="3594730708" sldId="330"/>
-        </pc:sldMkLst>
-      </pc:sldChg>
-      <pc:sldChg chg="add">
-        <pc:chgData name="Long B Nguyen" userId="f59fb8f3-a021-417a-8bc1-65c8d471c621" providerId="ADAL" clId="{6AC26564-89E3-E046-BFB4-F80582D7E17B}" dt="2020-01-13T13:43:29.420" v="22"/>
-        <pc:sldMkLst>
-          <pc:docMk/>
-          <pc:sldMk cId="3264629021" sldId="331"/>
-        </pc:sldMkLst>
-      </pc:sldChg>
-      <pc:sldChg chg="del">
-        <pc:chgData name="Long B Nguyen" userId="f59fb8f3-a021-417a-8bc1-65c8d471c621" providerId="ADAL" clId="{6AC26564-89E3-E046-BFB4-F80582D7E17B}" dt="2020-01-13T13:43:17.188" v="12" actId="2696"/>
-        <pc:sldMkLst>
-          <pc:docMk/>
-          <pc:sldMk cId="3870816631" sldId="331"/>
-        </pc:sldMkLst>
-      </pc:sldChg>
-      <pc:sldChg chg="del">
-        <pc:chgData name="Long B Nguyen" userId="f59fb8f3-a021-417a-8bc1-65c8d471c621" providerId="ADAL" clId="{6AC26564-89E3-E046-BFB4-F80582D7E17B}" dt="2020-01-13T13:43:17.163" v="10" actId="2696"/>
-        <pc:sldMkLst>
-          <pc:docMk/>
-          <pc:sldMk cId="3124353102" sldId="332"/>
-        </pc:sldMkLst>
-      </pc:sldChg>
-      <pc:sldChg chg="add">
-        <pc:chgData name="Long B Nguyen" userId="f59fb8f3-a021-417a-8bc1-65c8d471c621" providerId="ADAL" clId="{6AC26564-89E3-E046-BFB4-F80582D7E17B}" dt="2020-01-13T13:43:29.420" v="22"/>
-        <pc:sldMkLst>
-          <pc:docMk/>
-          <pc:sldMk cId="4022722016" sldId="332"/>
-        </pc:sldMkLst>
-      </pc:sldChg>
-      <pc:sldChg chg="add">
-        <pc:chgData name="Long B Nguyen" userId="f59fb8f3-a021-417a-8bc1-65c8d471c621" providerId="ADAL" clId="{6AC26564-89E3-E046-BFB4-F80582D7E17B}" dt="2020-01-13T13:43:29.420" v="22"/>
-        <pc:sldMkLst>
-          <pc:docMk/>
-          <pc:sldMk cId="1710208723" sldId="333"/>
-        </pc:sldMkLst>
-      </pc:sldChg>
-      <pc:sldChg chg="add">
-        <pc:chgData name="Long B Nguyen" userId="f59fb8f3-a021-417a-8bc1-65c8d471c621" providerId="ADAL" clId="{6AC26564-89E3-E046-BFB4-F80582D7E17B}" dt="2020-01-13T13:43:29.420" v="22"/>
-        <pc:sldMkLst>
-          <pc:docMk/>
-          <pc:sldMk cId="3404583044" sldId="334"/>
-        </pc:sldMkLst>
-      </pc:sldChg>
-      <pc:sldChg chg="add">
-        <pc:chgData name="Long B Nguyen" userId="f59fb8f3-a021-417a-8bc1-65c8d471c621" providerId="ADAL" clId="{6AC26564-89E3-E046-BFB4-F80582D7E17B}" dt="2020-01-13T13:43:29.420" v="22"/>
-        <pc:sldMkLst>
-          <pc:docMk/>
-          <pc:sldMk cId="3866550465" sldId="335"/>
-        </pc:sldMkLst>
-      </pc:sldChg>
-      <pc:sldChg chg="add">
-        <pc:chgData name="Long B Nguyen" userId="f59fb8f3-a021-417a-8bc1-65c8d471c621" providerId="ADAL" clId="{6AC26564-89E3-E046-BFB4-F80582D7E17B}" dt="2020-01-13T13:43:29.420" v="22"/>
-        <pc:sldMkLst>
-          <pc:docMk/>
-          <pc:sldMk cId="3749436800" sldId="336"/>
-        </pc:sldMkLst>
-      </pc:sldChg>
-      <pc:sldChg chg="add">
-        <pc:chgData name="Long B Nguyen" userId="f59fb8f3-a021-417a-8bc1-65c8d471c621" providerId="ADAL" clId="{6AC26564-89E3-E046-BFB4-F80582D7E17B}" dt="2020-01-13T13:43:29.420" v="22"/>
-        <pc:sldMkLst>
-          <pc:docMk/>
-          <pc:sldMk cId="461704868" sldId="337"/>
-        </pc:sldMkLst>
-      </pc:sldChg>
-      <pc:sldChg chg="add">
-        <pc:chgData name="Long B Nguyen" userId="f59fb8f3-a021-417a-8bc1-65c8d471c621" providerId="ADAL" clId="{6AC26564-89E3-E046-BFB4-F80582D7E17B}" dt="2020-01-13T13:43:29.420" v="22"/>
-        <pc:sldMkLst>
-          <pc:docMk/>
-          <pc:sldMk cId="545386500" sldId="338"/>
-        </pc:sldMkLst>
-      </pc:sldChg>
-      <pc:sldChg chg="add">
-        <pc:chgData name="Long B Nguyen" userId="f59fb8f3-a021-417a-8bc1-65c8d471c621" providerId="ADAL" clId="{6AC26564-89E3-E046-BFB4-F80582D7E17B}" dt="2020-01-13T13:43:29.420" v="22"/>
-        <pc:sldMkLst>
-          <pc:docMk/>
-          <pc:sldMk cId="1791361008" sldId="339"/>
-        </pc:sldMkLst>
-      </pc:sldChg>
-      <pc:sldChg chg="add">
-        <pc:chgData name="Long B Nguyen" userId="f59fb8f3-a021-417a-8bc1-65c8d471c621" providerId="ADAL" clId="{6AC26564-89E3-E046-BFB4-F80582D7E17B}" dt="2020-01-13T13:43:29.420" v="22"/>
-        <pc:sldMkLst>
-          <pc:docMk/>
-          <pc:sldMk cId="678299524" sldId="340"/>
-        </pc:sldMkLst>
-      </pc:sldChg>
-      <pc:sldChg chg="add">
-        <pc:chgData name="Long B Nguyen" userId="f59fb8f3-a021-417a-8bc1-65c8d471c621" providerId="ADAL" clId="{6AC26564-89E3-E046-BFB4-F80582D7E17B}" dt="2020-01-13T13:43:29.420" v="22"/>
-        <pc:sldMkLst>
-          <pc:docMk/>
-          <pc:sldMk cId="225127645" sldId="341"/>
-        </pc:sldMkLst>
-      </pc:sldChg>
-      <pc:sldChg chg="add">
-        <pc:chgData name="Long B Nguyen" userId="f59fb8f3-a021-417a-8bc1-65c8d471c621" providerId="ADAL" clId="{6AC26564-89E3-E046-BFB4-F80582D7E17B}" dt="2020-01-13T13:43:29.420" v="22"/>
-        <pc:sldMkLst>
-          <pc:docMk/>
-          <pc:sldMk cId="2214326257" sldId="342"/>
-        </pc:sldMkLst>
-      </pc:sldChg>
-      <pc:sldChg chg="add">
-        <pc:chgData name="Long B Nguyen" userId="f59fb8f3-a021-417a-8bc1-65c8d471c621" providerId="ADAL" clId="{6AC26564-89E3-E046-BFB4-F80582D7E17B}" dt="2020-01-13T13:43:29.420" v="22"/>
-        <pc:sldMkLst>
-          <pc:docMk/>
-          <pc:sldMk cId="1356056044" sldId="343"/>
-        </pc:sldMkLst>
-      </pc:sldChg>
-      <pc:sldChg chg="add">
-        <pc:chgData name="Long B Nguyen" userId="f59fb8f3-a021-417a-8bc1-65c8d471c621" providerId="ADAL" clId="{6AC26564-89E3-E046-BFB4-F80582D7E17B}" dt="2020-01-13T13:43:29.420" v="22"/>
-        <pc:sldMkLst>
-          <pc:docMk/>
-          <pc:sldMk cId="1270247652" sldId="344"/>
-        </pc:sldMkLst>
-      </pc:sldChg>
-      <pc:sldChg chg="add">
-        <pc:chgData name="Long B Nguyen" userId="f59fb8f3-a021-417a-8bc1-65c8d471c621" providerId="ADAL" clId="{6AC26564-89E3-E046-BFB4-F80582D7E17B}" dt="2020-01-13T13:43:29.420" v="22"/>
-        <pc:sldMkLst>
-          <pc:docMk/>
-          <pc:sldMk cId="902308803" sldId="345"/>
-        </pc:sldMkLst>
-      </pc:sldChg>
-      <pc:sldChg chg="add">
-        <pc:chgData name="Long B Nguyen" userId="f59fb8f3-a021-417a-8bc1-65c8d471c621" providerId="ADAL" clId="{6AC26564-89E3-E046-BFB4-F80582D7E17B}" dt="2020-01-13T13:43:29.420" v="22"/>
-        <pc:sldMkLst>
-          <pc:docMk/>
-          <pc:sldMk cId="2271372051" sldId="346"/>
-        </pc:sldMkLst>
-      </pc:sldChg>
-      <pc:sldChg chg="add">
-        <pc:chgData name="Long B Nguyen" userId="f59fb8f3-a021-417a-8bc1-65c8d471c621" providerId="ADAL" clId="{6AC26564-89E3-E046-BFB4-F80582D7E17B}" dt="2020-01-13T13:43:29.420" v="22"/>
-        <pc:sldMkLst>
-          <pc:docMk/>
-          <pc:sldMk cId="198078322" sldId="347"/>
-        </pc:sldMkLst>
       </pc:sldChg>
     </pc:docChg>
   </pc:docChgLst>
@@ -1637,6 +756,1245 @@
     </pc:docChg>
   </pc:docChgLst>
   <pc:docChgLst>
+    <pc:chgData name="Long B Nguyen" userId="f59fb8f3-a021-417a-8bc1-65c8d471c621" providerId="ADAL" clId="{AA9102B5-DACA-D841-B260-AEEBF90FC60A}"/>
+    <pc:docChg chg="custSel addSld delSld modSld">
+      <pc:chgData name="Long B Nguyen" userId="f59fb8f3-a021-417a-8bc1-65c8d471c621" providerId="ADAL" clId="{AA9102B5-DACA-D841-B260-AEEBF90FC60A}" dt="2020-01-06T17:07:10.515" v="1519" actId="2711"/>
+      <pc:docMkLst>
+        <pc:docMk/>
+      </pc:docMkLst>
+      <pc:sldChg chg="modSp">
+        <pc:chgData name="Long B Nguyen" userId="f59fb8f3-a021-417a-8bc1-65c8d471c621" providerId="ADAL" clId="{AA9102B5-DACA-D841-B260-AEEBF90FC60A}" dt="2020-01-05T22:05:23.536" v="23" actId="20577"/>
+        <pc:sldMkLst>
+          <pc:docMk/>
+          <pc:sldMk cId="4247104139" sldId="256"/>
+        </pc:sldMkLst>
+        <pc:spChg chg="mod">
+          <ac:chgData name="Long B Nguyen" userId="f59fb8f3-a021-417a-8bc1-65c8d471c621" providerId="ADAL" clId="{AA9102B5-DACA-D841-B260-AEEBF90FC60A}" dt="2020-01-05T22:05:23.536" v="23" actId="20577"/>
+          <ac:spMkLst>
+            <pc:docMk/>
+            <pc:sldMk cId="4247104139" sldId="256"/>
+            <ac:spMk id="3" creationId="{1BDC47C8-6776-7B44-9CD4-95FC91452D62}"/>
+          </ac:spMkLst>
+        </pc:spChg>
+      </pc:sldChg>
+      <pc:sldChg chg="del">
+        <pc:chgData name="Long B Nguyen" userId="f59fb8f3-a021-417a-8bc1-65c8d471c621" providerId="ADAL" clId="{AA9102B5-DACA-D841-B260-AEEBF90FC60A}" dt="2020-01-05T22:05:52.483" v="41" actId="2696"/>
+        <pc:sldMkLst>
+          <pc:docMk/>
+          <pc:sldMk cId="1438711869" sldId="284"/>
+        </pc:sldMkLst>
+      </pc:sldChg>
+      <pc:sldChg chg="del">
+        <pc:chgData name="Long B Nguyen" userId="f59fb8f3-a021-417a-8bc1-65c8d471c621" providerId="ADAL" clId="{AA9102B5-DACA-D841-B260-AEEBF90FC60A}" dt="2020-01-05T22:05:52.199" v="24" actId="2696"/>
+        <pc:sldMkLst>
+          <pc:docMk/>
+          <pc:sldMk cId="131840209" sldId="286"/>
+        </pc:sldMkLst>
+      </pc:sldChg>
+      <pc:sldChg chg="del">
+        <pc:chgData name="Long B Nguyen" userId="f59fb8f3-a021-417a-8bc1-65c8d471c621" providerId="ADAL" clId="{AA9102B5-DACA-D841-B260-AEEBF90FC60A}" dt="2020-01-05T22:05:52.214" v="25" actId="2696"/>
+        <pc:sldMkLst>
+          <pc:docMk/>
+          <pc:sldMk cId="1816941262" sldId="295"/>
+        </pc:sldMkLst>
+      </pc:sldChg>
+      <pc:sldChg chg="del">
+        <pc:chgData name="Long B Nguyen" userId="f59fb8f3-a021-417a-8bc1-65c8d471c621" providerId="ADAL" clId="{AA9102B5-DACA-D841-B260-AEEBF90FC60A}" dt="2020-01-05T22:05:52.246" v="27" actId="2696"/>
+        <pc:sldMkLst>
+          <pc:docMk/>
+          <pc:sldMk cId="553003360" sldId="296"/>
+        </pc:sldMkLst>
+      </pc:sldChg>
+      <pc:sldChg chg="del">
+        <pc:chgData name="Long B Nguyen" userId="f59fb8f3-a021-417a-8bc1-65c8d471c621" providerId="ADAL" clId="{AA9102B5-DACA-D841-B260-AEEBF90FC60A}" dt="2020-01-05T22:05:52.268" v="28" actId="2696"/>
+        <pc:sldMkLst>
+          <pc:docMk/>
+          <pc:sldMk cId="3006175481" sldId="297"/>
+        </pc:sldMkLst>
+      </pc:sldChg>
+      <pc:sldChg chg="del">
+        <pc:chgData name="Long B Nguyen" userId="f59fb8f3-a021-417a-8bc1-65c8d471c621" providerId="ADAL" clId="{AA9102B5-DACA-D841-B260-AEEBF90FC60A}" dt="2020-01-05T22:05:52.287" v="29" actId="2696"/>
+        <pc:sldMkLst>
+          <pc:docMk/>
+          <pc:sldMk cId="3150557076" sldId="298"/>
+        </pc:sldMkLst>
+      </pc:sldChg>
+      <pc:sldChg chg="del">
+        <pc:chgData name="Long B Nguyen" userId="f59fb8f3-a021-417a-8bc1-65c8d471c621" providerId="ADAL" clId="{AA9102B5-DACA-D841-B260-AEEBF90FC60A}" dt="2020-01-05T22:05:52.442" v="38" actId="2696"/>
+        <pc:sldMkLst>
+          <pc:docMk/>
+          <pc:sldMk cId="128704095" sldId="302"/>
+        </pc:sldMkLst>
+      </pc:sldChg>
+      <pc:sldChg chg="del">
+        <pc:chgData name="Long B Nguyen" userId="f59fb8f3-a021-417a-8bc1-65c8d471c621" providerId="ADAL" clId="{AA9102B5-DACA-D841-B260-AEEBF90FC60A}" dt="2020-01-05T22:05:52.305" v="30" actId="2696"/>
+        <pc:sldMkLst>
+          <pc:docMk/>
+          <pc:sldMk cId="3275945509" sldId="303"/>
+        </pc:sldMkLst>
+      </pc:sldChg>
+      <pc:sldChg chg="del">
+        <pc:chgData name="Long B Nguyen" userId="f59fb8f3-a021-417a-8bc1-65c8d471c621" providerId="ADAL" clId="{AA9102B5-DACA-D841-B260-AEEBF90FC60A}" dt="2020-01-05T22:05:52.321" v="31" actId="2696"/>
+        <pc:sldMkLst>
+          <pc:docMk/>
+          <pc:sldMk cId="406772024" sldId="304"/>
+        </pc:sldMkLst>
+      </pc:sldChg>
+      <pc:sldChg chg="del">
+        <pc:chgData name="Long B Nguyen" userId="f59fb8f3-a021-417a-8bc1-65c8d471c621" providerId="ADAL" clId="{AA9102B5-DACA-D841-B260-AEEBF90FC60A}" dt="2020-01-05T22:05:52.334" v="32" actId="2696"/>
+        <pc:sldMkLst>
+          <pc:docMk/>
+          <pc:sldMk cId="1703902501" sldId="305"/>
+        </pc:sldMkLst>
+      </pc:sldChg>
+      <pc:sldChg chg="del">
+        <pc:chgData name="Long B Nguyen" userId="f59fb8f3-a021-417a-8bc1-65c8d471c621" providerId="ADAL" clId="{AA9102B5-DACA-D841-B260-AEEBF90FC60A}" dt="2020-01-05T22:05:52.461" v="39" actId="2696"/>
+        <pc:sldMkLst>
+          <pc:docMk/>
+          <pc:sldMk cId="3614829039" sldId="306"/>
+        </pc:sldMkLst>
+      </pc:sldChg>
+      <pc:sldChg chg="del">
+        <pc:chgData name="Long B Nguyen" userId="f59fb8f3-a021-417a-8bc1-65c8d471c621" providerId="ADAL" clId="{AA9102B5-DACA-D841-B260-AEEBF90FC60A}" dt="2020-01-05T22:05:52.471" v="40" actId="2696"/>
+        <pc:sldMkLst>
+          <pc:docMk/>
+          <pc:sldMk cId="295911327" sldId="307"/>
+        </pc:sldMkLst>
+      </pc:sldChg>
+      <pc:sldChg chg="del">
+        <pc:chgData name="Long B Nguyen" userId="f59fb8f3-a021-417a-8bc1-65c8d471c621" providerId="ADAL" clId="{AA9102B5-DACA-D841-B260-AEEBF90FC60A}" dt="2020-01-05T22:05:52.353" v="33" actId="2696"/>
+        <pc:sldMkLst>
+          <pc:docMk/>
+          <pc:sldMk cId="67957925" sldId="308"/>
+        </pc:sldMkLst>
+      </pc:sldChg>
+      <pc:sldChg chg="del">
+        <pc:chgData name="Long B Nguyen" userId="f59fb8f3-a021-417a-8bc1-65c8d471c621" providerId="ADAL" clId="{AA9102B5-DACA-D841-B260-AEEBF90FC60A}" dt="2020-01-05T22:05:52.365" v="34" actId="2696"/>
+        <pc:sldMkLst>
+          <pc:docMk/>
+          <pc:sldMk cId="1872435103" sldId="309"/>
+        </pc:sldMkLst>
+      </pc:sldChg>
+      <pc:sldChg chg="del">
+        <pc:chgData name="Long B Nguyen" userId="f59fb8f3-a021-417a-8bc1-65c8d471c621" providerId="ADAL" clId="{AA9102B5-DACA-D841-B260-AEEBF90FC60A}" dt="2020-01-05T22:05:52.385" v="35" actId="2696"/>
+        <pc:sldMkLst>
+          <pc:docMk/>
+          <pc:sldMk cId="4088965571" sldId="310"/>
+        </pc:sldMkLst>
+      </pc:sldChg>
+      <pc:sldChg chg="del">
+        <pc:chgData name="Long B Nguyen" userId="f59fb8f3-a021-417a-8bc1-65c8d471c621" providerId="ADAL" clId="{AA9102B5-DACA-D841-B260-AEEBF90FC60A}" dt="2020-01-05T22:05:52.404" v="36" actId="2696"/>
+        <pc:sldMkLst>
+          <pc:docMk/>
+          <pc:sldMk cId="2255846137" sldId="311"/>
+        </pc:sldMkLst>
+      </pc:sldChg>
+      <pc:sldChg chg="del">
+        <pc:chgData name="Long B Nguyen" userId="f59fb8f3-a021-417a-8bc1-65c8d471c621" providerId="ADAL" clId="{AA9102B5-DACA-D841-B260-AEEBF90FC60A}" dt="2020-01-05T22:05:52.423" v="37" actId="2696"/>
+        <pc:sldMkLst>
+          <pc:docMk/>
+          <pc:sldMk cId="1513627164" sldId="312"/>
+        </pc:sldMkLst>
+      </pc:sldChg>
+      <pc:sldChg chg="del">
+        <pc:chgData name="Long B Nguyen" userId="f59fb8f3-a021-417a-8bc1-65c8d471c621" providerId="ADAL" clId="{AA9102B5-DACA-D841-B260-AEEBF90FC60A}" dt="2020-01-05T22:05:52.231" v="26" actId="2696"/>
+        <pc:sldMkLst>
+          <pc:docMk/>
+          <pc:sldMk cId="2097059918" sldId="313"/>
+        </pc:sldMkLst>
+      </pc:sldChg>
+      <pc:sldChg chg="modSp">
+        <pc:chgData name="Long B Nguyen" userId="f59fb8f3-a021-417a-8bc1-65c8d471c621" providerId="ADAL" clId="{AA9102B5-DACA-D841-B260-AEEBF90FC60A}" dt="2020-01-06T15:37:30.346" v="948" actId="20577"/>
+        <pc:sldMkLst>
+          <pc:docMk/>
+          <pc:sldMk cId="1452600724" sldId="316"/>
+        </pc:sldMkLst>
+        <pc:spChg chg="mod">
+          <ac:chgData name="Long B Nguyen" userId="f59fb8f3-a021-417a-8bc1-65c8d471c621" providerId="ADAL" clId="{AA9102B5-DACA-D841-B260-AEEBF90FC60A}" dt="2020-01-06T15:37:30.346" v="948" actId="20577"/>
+          <ac:spMkLst>
+            <pc:docMk/>
+            <pc:sldMk cId="1452600724" sldId="316"/>
+            <ac:spMk id="9" creationId="{E3B2E017-30B2-884B-A113-B419A2ED51AD}"/>
+          </ac:spMkLst>
+        </pc:spChg>
+      </pc:sldChg>
+      <pc:sldChg chg="del">
+        <pc:chgData name="Long B Nguyen" userId="f59fb8f3-a021-417a-8bc1-65c8d471c621" providerId="ADAL" clId="{AA9102B5-DACA-D841-B260-AEEBF90FC60A}" dt="2020-01-06T15:03:11.354" v="848" actId="2696"/>
+        <pc:sldMkLst>
+          <pc:docMk/>
+          <pc:sldMk cId="1787114790" sldId="317"/>
+        </pc:sldMkLst>
+      </pc:sldChg>
+      <pc:sldChg chg="del">
+        <pc:chgData name="Long B Nguyen" userId="f59fb8f3-a021-417a-8bc1-65c8d471c621" providerId="ADAL" clId="{AA9102B5-DACA-D841-B260-AEEBF90FC60A}" dt="2020-01-05T22:06:12.101" v="42" actId="2696"/>
+        <pc:sldMkLst>
+          <pc:docMk/>
+          <pc:sldMk cId="1215229427" sldId="318"/>
+        </pc:sldMkLst>
+      </pc:sldChg>
+      <pc:sldChg chg="modSp">
+        <pc:chgData name="Long B Nguyen" userId="f59fb8f3-a021-417a-8bc1-65c8d471c621" providerId="ADAL" clId="{AA9102B5-DACA-D841-B260-AEEBF90FC60A}" dt="2020-01-06T01:48:03.413" v="110" actId="20577"/>
+        <pc:sldMkLst>
+          <pc:docMk/>
+          <pc:sldMk cId="924617162" sldId="319"/>
+        </pc:sldMkLst>
+        <pc:spChg chg="mod">
+          <ac:chgData name="Long B Nguyen" userId="f59fb8f3-a021-417a-8bc1-65c8d471c621" providerId="ADAL" clId="{AA9102B5-DACA-D841-B260-AEEBF90FC60A}" dt="2020-01-06T01:48:03.413" v="110" actId="20577"/>
+          <ac:spMkLst>
+            <pc:docMk/>
+            <pc:sldMk cId="924617162" sldId="319"/>
+            <ac:spMk id="9" creationId="{E3B2E017-30B2-884B-A113-B419A2ED51AD}"/>
+          </ac:spMkLst>
+        </pc:spChg>
+      </pc:sldChg>
+      <pc:sldChg chg="modSp">
+        <pc:chgData name="Long B Nguyen" userId="f59fb8f3-a021-417a-8bc1-65c8d471c621" providerId="ADAL" clId="{AA9102B5-DACA-D841-B260-AEEBF90FC60A}" dt="2020-01-06T01:56:11.549" v="712" actId="1076"/>
+        <pc:sldMkLst>
+          <pc:docMk/>
+          <pc:sldMk cId="1310010799" sldId="324"/>
+        </pc:sldMkLst>
+        <pc:spChg chg="mod">
+          <ac:chgData name="Long B Nguyen" userId="f59fb8f3-a021-417a-8bc1-65c8d471c621" providerId="ADAL" clId="{AA9102B5-DACA-D841-B260-AEEBF90FC60A}" dt="2020-01-06T01:56:11.549" v="712" actId="1076"/>
+          <ac:spMkLst>
+            <pc:docMk/>
+            <pc:sldMk cId="1310010799" sldId="324"/>
+            <ac:spMk id="9" creationId="{E3B2E017-30B2-884B-A113-B419A2ED51AD}"/>
+          </ac:spMkLst>
+        </pc:spChg>
+      </pc:sldChg>
+      <pc:sldChg chg="modSp">
+        <pc:chgData name="Long B Nguyen" userId="f59fb8f3-a021-417a-8bc1-65c8d471c621" providerId="ADAL" clId="{AA9102B5-DACA-D841-B260-AEEBF90FC60A}" dt="2020-01-06T15:35:11.658" v="853" actId="20577"/>
+        <pc:sldMkLst>
+          <pc:docMk/>
+          <pc:sldMk cId="3314372952" sldId="325"/>
+        </pc:sldMkLst>
+        <pc:spChg chg="mod">
+          <ac:chgData name="Long B Nguyen" userId="f59fb8f3-a021-417a-8bc1-65c8d471c621" providerId="ADAL" clId="{AA9102B5-DACA-D841-B260-AEEBF90FC60A}" dt="2020-01-06T15:35:11.658" v="853" actId="20577"/>
+          <ac:spMkLst>
+            <pc:docMk/>
+            <pc:sldMk cId="3314372952" sldId="325"/>
+            <ac:spMk id="2" creationId="{AA3A228F-61D0-D949-A5E7-F83756230BF8}"/>
+          </ac:spMkLst>
+        </pc:spChg>
+        <pc:spChg chg="mod">
+          <ac:chgData name="Long B Nguyen" userId="f59fb8f3-a021-417a-8bc1-65c8d471c621" providerId="ADAL" clId="{AA9102B5-DACA-D841-B260-AEEBF90FC60A}" dt="2020-01-06T15:02:45.351" v="846" actId="20577"/>
+          <ac:spMkLst>
+            <pc:docMk/>
+            <pc:sldMk cId="3314372952" sldId="325"/>
+            <ac:spMk id="9" creationId="{E3B2E017-30B2-884B-A113-B419A2ED51AD}"/>
+          </ac:spMkLst>
+        </pc:spChg>
+      </pc:sldChg>
+      <pc:sldChg chg="del">
+        <pc:chgData name="Long B Nguyen" userId="f59fb8f3-a021-417a-8bc1-65c8d471c621" providerId="ADAL" clId="{AA9102B5-DACA-D841-B260-AEEBF90FC60A}" dt="2020-01-06T15:03:07.580" v="847" actId="2696"/>
+        <pc:sldMkLst>
+          <pc:docMk/>
+          <pc:sldMk cId="3117943122" sldId="326"/>
+        </pc:sldMkLst>
+      </pc:sldChg>
+      <pc:sldChg chg="del">
+        <pc:chgData name="Long B Nguyen" userId="f59fb8f3-a021-417a-8bc1-65c8d471c621" providerId="ADAL" clId="{AA9102B5-DACA-D841-B260-AEEBF90FC60A}" dt="2020-01-06T01:49:27.456" v="111" actId="2696"/>
+        <pc:sldMkLst>
+          <pc:docMk/>
+          <pc:sldMk cId="1025618360" sldId="327"/>
+        </pc:sldMkLst>
+      </pc:sldChg>
+      <pc:sldChg chg="modSp add">
+        <pc:chgData name="Long B Nguyen" userId="f59fb8f3-a021-417a-8bc1-65c8d471c621" providerId="ADAL" clId="{AA9102B5-DACA-D841-B260-AEEBF90FC60A}" dt="2020-01-06T15:00:48.763" v="818" actId="113"/>
+        <pc:sldMkLst>
+          <pc:docMk/>
+          <pc:sldMk cId="1724104636" sldId="327"/>
+        </pc:sldMkLst>
+        <pc:spChg chg="mod">
+          <ac:chgData name="Long B Nguyen" userId="f59fb8f3-a021-417a-8bc1-65c8d471c621" providerId="ADAL" clId="{AA9102B5-DACA-D841-B260-AEEBF90FC60A}" dt="2020-01-06T15:00:48.763" v="818" actId="113"/>
+          <ac:spMkLst>
+            <pc:docMk/>
+            <pc:sldMk cId="1724104636" sldId="327"/>
+            <ac:spMk id="9" creationId="{E3B2E017-30B2-884B-A113-B419A2ED51AD}"/>
+          </ac:spMkLst>
+        </pc:spChg>
+      </pc:sldChg>
+      <pc:sldChg chg="modSp">
+        <pc:chgData name="Long B Nguyen" userId="f59fb8f3-a021-417a-8bc1-65c8d471c621" providerId="ADAL" clId="{AA9102B5-DACA-D841-B260-AEEBF90FC60A}" dt="2020-01-06T01:55:34.369" v="708" actId="20577"/>
+        <pc:sldMkLst>
+          <pc:docMk/>
+          <pc:sldMk cId="4294143140" sldId="329"/>
+        </pc:sldMkLst>
+        <pc:spChg chg="mod">
+          <ac:chgData name="Long B Nguyen" userId="f59fb8f3-a021-417a-8bc1-65c8d471c621" providerId="ADAL" clId="{AA9102B5-DACA-D841-B260-AEEBF90FC60A}" dt="2020-01-06T01:55:34.369" v="708" actId="20577"/>
+          <ac:spMkLst>
+            <pc:docMk/>
+            <pc:sldMk cId="4294143140" sldId="329"/>
+            <ac:spMk id="9" creationId="{E3B2E017-30B2-884B-A113-B419A2ED51AD}"/>
+          </ac:spMkLst>
+        </pc:spChg>
+      </pc:sldChg>
+      <pc:sldChg chg="modSp add">
+        <pc:chgData name="Long B Nguyen" userId="f59fb8f3-a021-417a-8bc1-65c8d471c621" providerId="ADAL" clId="{AA9102B5-DACA-D841-B260-AEEBF90FC60A}" dt="2020-01-06T15:01:01.638" v="819" actId="2711"/>
+        <pc:sldMkLst>
+          <pc:docMk/>
+          <pc:sldMk cId="3594730708" sldId="330"/>
+        </pc:sldMkLst>
+        <pc:spChg chg="mod">
+          <ac:chgData name="Long B Nguyen" userId="f59fb8f3-a021-417a-8bc1-65c8d471c621" providerId="ADAL" clId="{AA9102B5-DACA-D841-B260-AEEBF90FC60A}" dt="2020-01-06T15:01:01.638" v="819" actId="2711"/>
+          <ac:spMkLst>
+            <pc:docMk/>
+            <pc:sldMk cId="3594730708" sldId="330"/>
+            <ac:spMk id="9" creationId="{E3B2E017-30B2-884B-A113-B419A2ED51AD}"/>
+          </ac:spMkLst>
+        </pc:spChg>
+      </pc:sldChg>
+      <pc:sldChg chg="modSp add">
+        <pc:chgData name="Long B Nguyen" userId="f59fb8f3-a021-417a-8bc1-65c8d471c621" providerId="ADAL" clId="{AA9102B5-DACA-D841-B260-AEEBF90FC60A}" dt="2020-01-06T02:00:17.493" v="815" actId="255"/>
+        <pc:sldMkLst>
+          <pc:docMk/>
+          <pc:sldMk cId="3870816631" sldId="331"/>
+        </pc:sldMkLst>
+        <pc:spChg chg="mod">
+          <ac:chgData name="Long B Nguyen" userId="f59fb8f3-a021-417a-8bc1-65c8d471c621" providerId="ADAL" clId="{AA9102B5-DACA-D841-B260-AEEBF90FC60A}" dt="2020-01-06T02:00:17.493" v="815" actId="255"/>
+          <ac:spMkLst>
+            <pc:docMk/>
+            <pc:sldMk cId="3870816631" sldId="331"/>
+            <ac:spMk id="9" creationId="{E3B2E017-30B2-884B-A113-B419A2ED51AD}"/>
+          </ac:spMkLst>
+        </pc:spChg>
+      </pc:sldChg>
+      <pc:sldChg chg="modSp add">
+        <pc:chgData name="Long B Nguyen" userId="f59fb8f3-a021-417a-8bc1-65c8d471c621" providerId="ADAL" clId="{AA9102B5-DACA-D841-B260-AEEBF90FC60A}" dt="2020-01-06T17:07:10.515" v="1519" actId="2711"/>
+        <pc:sldMkLst>
+          <pc:docMk/>
+          <pc:sldMk cId="3124353102" sldId="332"/>
+        </pc:sldMkLst>
+        <pc:spChg chg="mod">
+          <ac:chgData name="Long B Nguyen" userId="f59fb8f3-a021-417a-8bc1-65c8d471c621" providerId="ADAL" clId="{AA9102B5-DACA-D841-B260-AEEBF90FC60A}" dt="2020-01-06T17:03:36.721" v="1332" actId="20577"/>
+          <ac:spMkLst>
+            <pc:docMk/>
+            <pc:sldMk cId="3124353102" sldId="332"/>
+            <ac:spMk id="2" creationId="{AA3A228F-61D0-D949-A5E7-F83756230BF8}"/>
+          </ac:spMkLst>
+        </pc:spChg>
+        <pc:spChg chg="mod">
+          <ac:chgData name="Long B Nguyen" userId="f59fb8f3-a021-417a-8bc1-65c8d471c621" providerId="ADAL" clId="{AA9102B5-DACA-D841-B260-AEEBF90FC60A}" dt="2020-01-06T17:07:10.515" v="1519" actId="2711"/>
+          <ac:spMkLst>
+            <pc:docMk/>
+            <pc:sldMk cId="3124353102" sldId="332"/>
+            <ac:spMk id="9" creationId="{E3B2E017-30B2-884B-A113-B419A2ED51AD}"/>
+          </ac:spMkLst>
+        </pc:spChg>
+      </pc:sldChg>
+    </pc:docChg>
+  </pc:docChgLst>
+  <pc:docChgLst>
+    <pc:chgData name="Long B Nguyen" userId="f59fb8f3-a021-417a-8bc1-65c8d471c621" providerId="ADAL" clId="{359527BD-9D28-FA41-9B76-D4C412CACD55}"/>
+  </pc:docChgLst>
+  <pc:docChgLst>
+    <pc:chgData name="Long B Nguyen" userId="f59fb8f3-a021-417a-8bc1-65c8d471c621" providerId="ADAL" clId="{6AC26564-89E3-E046-BFB4-F80582D7E17B}"/>
+    <pc:docChg chg="custSel addSld delSld modSld">
+      <pc:chgData name="Long B Nguyen" userId="f59fb8f3-a021-417a-8bc1-65c8d471c621" providerId="ADAL" clId="{6AC26564-89E3-E046-BFB4-F80582D7E17B}" dt="2020-01-13T13:46:56.810" v="92" actId="2696"/>
+      <pc:docMkLst>
+        <pc:docMk/>
+      </pc:docMkLst>
+      <pc:sldChg chg="modSp">
+        <pc:chgData name="Long B Nguyen" userId="f59fb8f3-a021-417a-8bc1-65c8d471c621" providerId="ADAL" clId="{6AC26564-89E3-E046-BFB4-F80582D7E17B}" dt="2020-01-13T13:44:20.464" v="85" actId="20577"/>
+        <pc:sldMkLst>
+          <pc:docMk/>
+          <pc:sldMk cId="4247104139" sldId="256"/>
+        </pc:sldMkLst>
+        <pc:spChg chg="mod">
+          <ac:chgData name="Long B Nguyen" userId="f59fb8f3-a021-417a-8bc1-65c8d471c621" providerId="ADAL" clId="{6AC26564-89E3-E046-BFB4-F80582D7E17B}" dt="2020-01-13T13:43:45.441" v="40" actId="20577"/>
+          <ac:spMkLst>
+            <pc:docMk/>
+            <pc:sldMk cId="4247104139" sldId="256"/>
+            <ac:spMk id="2" creationId="{6117A749-B1BA-E24B-8FB0-0604EF651FB3}"/>
+          </ac:spMkLst>
+        </pc:spChg>
+        <pc:spChg chg="mod">
+          <ac:chgData name="Long B Nguyen" userId="f59fb8f3-a021-417a-8bc1-65c8d471c621" providerId="ADAL" clId="{6AC26564-89E3-E046-BFB4-F80582D7E17B}" dt="2020-01-13T13:44:20.464" v="85" actId="20577"/>
+          <ac:spMkLst>
+            <pc:docMk/>
+            <pc:sldMk cId="4247104139" sldId="256"/>
+            <ac:spMk id="3" creationId="{1BDC47C8-6776-7B44-9CD4-95FC91452D62}"/>
+          </ac:spMkLst>
+        </pc:spChg>
+      </pc:sldChg>
+      <pc:sldChg chg="add del">
+        <pc:chgData name="Long B Nguyen" userId="f59fb8f3-a021-417a-8bc1-65c8d471c621" providerId="ADAL" clId="{6AC26564-89E3-E046-BFB4-F80582D7E17B}" dt="2020-01-13T13:46:54.924" v="89" actId="2696"/>
+        <pc:sldMkLst>
+          <pc:docMk/>
+          <pc:sldMk cId="2869331202" sldId="257"/>
+        </pc:sldMkLst>
+      </pc:sldChg>
+      <pc:sldChg chg="add">
+        <pc:chgData name="Long B Nguyen" userId="f59fb8f3-a021-417a-8bc1-65c8d471c621" providerId="ADAL" clId="{6AC26564-89E3-E046-BFB4-F80582D7E17B}" dt="2020-01-13T13:43:29.420" v="22"/>
+        <pc:sldMkLst>
+          <pc:docMk/>
+          <pc:sldMk cId="1758448129" sldId="309"/>
+        </pc:sldMkLst>
+      </pc:sldChg>
+      <pc:sldChg chg="modSp add del">
+        <pc:chgData name="Long B Nguyen" userId="f59fb8f3-a021-417a-8bc1-65c8d471c621" providerId="ADAL" clId="{6AC26564-89E3-E046-BFB4-F80582D7E17B}" dt="2020-01-13T13:46:55.484" v="90" actId="2696"/>
+        <pc:sldMkLst>
+          <pc:docMk/>
+          <pc:sldMk cId="174202529" sldId="310"/>
+        </pc:sldMkLst>
+        <pc:spChg chg="mod">
+          <ac:chgData name="Long B Nguyen" userId="f59fb8f3-a021-417a-8bc1-65c8d471c621" providerId="ADAL" clId="{6AC26564-89E3-E046-BFB4-F80582D7E17B}" dt="2020-01-13T13:44:35.816" v="86" actId="20577"/>
+          <ac:spMkLst>
+            <pc:docMk/>
+            <pc:sldMk cId="174202529" sldId="310"/>
+            <ac:spMk id="18434" creationId="{72F3E48A-CDFA-CE46-B991-D35BF55EC8E6}"/>
+          </ac:spMkLst>
+        </pc:spChg>
+      </pc:sldChg>
+      <pc:sldChg chg="add del">
+        <pc:chgData name="Long B Nguyen" userId="f59fb8f3-a021-417a-8bc1-65c8d471c621" providerId="ADAL" clId="{6AC26564-89E3-E046-BFB4-F80582D7E17B}" dt="2020-01-13T13:46:56.092" v="91" actId="2696"/>
+        <pc:sldMkLst>
+          <pc:docMk/>
+          <pc:sldMk cId="1098579697" sldId="311"/>
+        </pc:sldMkLst>
+      </pc:sldChg>
+      <pc:sldChg chg="add del">
+        <pc:chgData name="Long B Nguyen" userId="f59fb8f3-a021-417a-8bc1-65c8d471c621" providerId="ADAL" clId="{6AC26564-89E3-E046-BFB4-F80582D7E17B}" dt="2020-01-13T13:46:56.810" v="92" actId="2696"/>
+        <pc:sldMkLst>
+          <pc:docMk/>
+          <pc:sldMk cId="585175195" sldId="312"/>
+        </pc:sldMkLst>
+      </pc:sldChg>
+      <pc:sldChg chg="add">
+        <pc:chgData name="Long B Nguyen" userId="f59fb8f3-a021-417a-8bc1-65c8d471c621" providerId="ADAL" clId="{6AC26564-89E3-E046-BFB4-F80582D7E17B}" dt="2020-01-13T13:43:29.420" v="22"/>
+        <pc:sldMkLst>
+          <pc:docMk/>
+          <pc:sldMk cId="3947558204" sldId="313"/>
+        </pc:sldMkLst>
+      </pc:sldChg>
+      <pc:sldChg chg="add">
+        <pc:chgData name="Long B Nguyen" userId="f59fb8f3-a021-417a-8bc1-65c8d471c621" providerId="ADAL" clId="{6AC26564-89E3-E046-BFB4-F80582D7E17B}" dt="2020-01-13T13:43:29.420" v="22"/>
+        <pc:sldMkLst>
+          <pc:docMk/>
+          <pc:sldMk cId="2054265466" sldId="314"/>
+        </pc:sldMkLst>
+      </pc:sldChg>
+      <pc:sldChg chg="add">
+        <pc:chgData name="Long B Nguyen" userId="f59fb8f3-a021-417a-8bc1-65c8d471c621" providerId="ADAL" clId="{6AC26564-89E3-E046-BFB4-F80582D7E17B}" dt="2020-01-13T13:43:29.420" v="22"/>
+        <pc:sldMkLst>
+          <pc:docMk/>
+          <pc:sldMk cId="917461937" sldId="315"/>
+        </pc:sldMkLst>
+      </pc:sldChg>
+      <pc:sldChg chg="del">
+        <pc:chgData name="Long B Nguyen" userId="f59fb8f3-a021-417a-8bc1-65c8d471c621" providerId="ADAL" clId="{6AC26564-89E3-E046-BFB4-F80582D7E17B}" dt="2020-01-13T13:43:17.195" v="13" actId="2696"/>
+        <pc:sldMkLst>
+          <pc:docMk/>
+          <pc:sldMk cId="1452600724" sldId="316"/>
+        </pc:sldMkLst>
+      </pc:sldChg>
+      <pc:sldChg chg="add">
+        <pc:chgData name="Long B Nguyen" userId="f59fb8f3-a021-417a-8bc1-65c8d471c621" providerId="ADAL" clId="{6AC26564-89E3-E046-BFB4-F80582D7E17B}" dt="2020-01-13T13:43:29.420" v="22"/>
+        <pc:sldMkLst>
+          <pc:docMk/>
+          <pc:sldMk cId="3266234076" sldId="316"/>
+        </pc:sldMkLst>
+      </pc:sldChg>
+      <pc:sldChg chg="add">
+        <pc:chgData name="Long B Nguyen" userId="f59fb8f3-a021-417a-8bc1-65c8d471c621" providerId="ADAL" clId="{6AC26564-89E3-E046-BFB4-F80582D7E17B}" dt="2020-01-13T13:43:29.420" v="22"/>
+        <pc:sldMkLst>
+          <pc:docMk/>
+          <pc:sldMk cId="2886319738" sldId="317"/>
+        </pc:sldMkLst>
+      </pc:sldChg>
+      <pc:sldChg chg="del">
+        <pc:chgData name="Long B Nguyen" userId="f59fb8f3-a021-417a-8bc1-65c8d471c621" providerId="ADAL" clId="{6AC26564-89E3-E046-BFB4-F80582D7E17B}" dt="2020-01-13T13:43:16.993" v="0" actId="2696"/>
+        <pc:sldMkLst>
+          <pc:docMk/>
+          <pc:sldMk cId="924617162" sldId="319"/>
+        </pc:sldMkLst>
+      </pc:sldChg>
+      <pc:sldChg chg="add">
+        <pc:chgData name="Long B Nguyen" userId="f59fb8f3-a021-417a-8bc1-65c8d471c621" providerId="ADAL" clId="{6AC26564-89E3-E046-BFB4-F80582D7E17B}" dt="2020-01-13T13:43:29.420" v="22"/>
+        <pc:sldMkLst>
+          <pc:docMk/>
+          <pc:sldMk cId="3906700287" sldId="319"/>
+        </pc:sldMkLst>
+      </pc:sldChg>
+      <pc:sldChg chg="add">
+        <pc:chgData name="Long B Nguyen" userId="f59fb8f3-a021-417a-8bc1-65c8d471c621" providerId="ADAL" clId="{6AC26564-89E3-E046-BFB4-F80582D7E17B}" dt="2020-01-13T13:43:29.420" v="22"/>
+        <pc:sldMkLst>
+          <pc:docMk/>
+          <pc:sldMk cId="1810541734" sldId="320"/>
+        </pc:sldMkLst>
+      </pc:sldChg>
+      <pc:sldChg chg="del">
+        <pc:chgData name="Long B Nguyen" userId="f59fb8f3-a021-417a-8bc1-65c8d471c621" providerId="ADAL" clId="{6AC26564-89E3-E046-BFB4-F80582D7E17B}" dt="2020-01-13T13:43:17.009" v="1" actId="2696"/>
+        <pc:sldMkLst>
+          <pc:docMk/>
+          <pc:sldMk cId="3758830494" sldId="320"/>
+        </pc:sldMkLst>
+      </pc:sldChg>
+      <pc:sldChg chg="del">
+        <pc:chgData name="Long B Nguyen" userId="f59fb8f3-a021-417a-8bc1-65c8d471c621" providerId="ADAL" clId="{6AC26564-89E3-E046-BFB4-F80582D7E17B}" dt="2020-01-13T13:43:17.029" v="2" actId="2696"/>
+        <pc:sldMkLst>
+          <pc:docMk/>
+          <pc:sldMk cId="1022945305" sldId="321"/>
+        </pc:sldMkLst>
+      </pc:sldChg>
+      <pc:sldChg chg="add">
+        <pc:chgData name="Long B Nguyen" userId="f59fb8f3-a021-417a-8bc1-65c8d471c621" providerId="ADAL" clId="{6AC26564-89E3-E046-BFB4-F80582D7E17B}" dt="2020-01-13T13:43:29.420" v="22"/>
+        <pc:sldMkLst>
+          <pc:docMk/>
+          <pc:sldMk cId="1359731776" sldId="321"/>
+        </pc:sldMkLst>
+      </pc:sldChg>
+      <pc:sldChg chg="del">
+        <pc:chgData name="Long B Nguyen" userId="f59fb8f3-a021-417a-8bc1-65c8d471c621" providerId="ADAL" clId="{6AC26564-89E3-E046-BFB4-F80582D7E17B}" dt="2020-01-13T13:43:17.080" v="5" actId="2696"/>
+        <pc:sldMkLst>
+          <pc:docMk/>
+          <pc:sldMk cId="3456840474" sldId="322"/>
+        </pc:sldMkLst>
+      </pc:sldChg>
+      <pc:sldChg chg="add">
+        <pc:chgData name="Long B Nguyen" userId="f59fb8f3-a021-417a-8bc1-65c8d471c621" providerId="ADAL" clId="{6AC26564-89E3-E046-BFB4-F80582D7E17B}" dt="2020-01-13T13:43:29.420" v="22"/>
+        <pc:sldMkLst>
+          <pc:docMk/>
+          <pc:sldMk cId="3651577480" sldId="322"/>
+        </pc:sldMkLst>
+      </pc:sldChg>
+      <pc:sldChg chg="del">
+        <pc:chgData name="Long B Nguyen" userId="f59fb8f3-a021-417a-8bc1-65c8d471c621" providerId="ADAL" clId="{6AC26564-89E3-E046-BFB4-F80582D7E17B}" dt="2020-01-13T13:43:17.097" v="6" actId="2696"/>
+        <pc:sldMkLst>
+          <pc:docMk/>
+          <pc:sldMk cId="1062075874" sldId="323"/>
+        </pc:sldMkLst>
+      </pc:sldChg>
+      <pc:sldChg chg="add">
+        <pc:chgData name="Long B Nguyen" userId="f59fb8f3-a021-417a-8bc1-65c8d471c621" providerId="ADAL" clId="{6AC26564-89E3-E046-BFB4-F80582D7E17B}" dt="2020-01-13T13:43:29.420" v="22"/>
+        <pc:sldMkLst>
+          <pc:docMk/>
+          <pc:sldMk cId="1496564367" sldId="323"/>
+        </pc:sldMkLst>
+      </pc:sldChg>
+      <pc:sldChg chg="add">
+        <pc:chgData name="Long B Nguyen" userId="f59fb8f3-a021-417a-8bc1-65c8d471c621" providerId="ADAL" clId="{6AC26564-89E3-E046-BFB4-F80582D7E17B}" dt="2020-01-13T13:46:19.952" v="88"/>
+        <pc:sldMkLst>
+          <pc:docMk/>
+          <pc:sldMk cId="771866096" sldId="324"/>
+        </pc:sldMkLst>
+      </pc:sldChg>
+      <pc:sldChg chg="del">
+        <pc:chgData name="Long B Nguyen" userId="f59fb8f3-a021-417a-8bc1-65c8d471c621" providerId="ADAL" clId="{6AC26564-89E3-E046-BFB4-F80582D7E17B}" dt="2020-01-13T13:43:17.152" v="9" actId="2696"/>
+        <pc:sldMkLst>
+          <pc:docMk/>
+          <pc:sldMk cId="1310010799" sldId="324"/>
+        </pc:sldMkLst>
+      </pc:sldChg>
+      <pc:sldChg chg="add del">
+        <pc:chgData name="Long B Nguyen" userId="f59fb8f3-a021-417a-8bc1-65c8d471c621" providerId="ADAL" clId="{6AC26564-89E3-E046-BFB4-F80582D7E17B}" dt="2020-01-13T13:46:07.690" v="87" actId="2696"/>
+        <pc:sldMkLst>
+          <pc:docMk/>
+          <pc:sldMk cId="3999804732" sldId="324"/>
+        </pc:sldMkLst>
+      </pc:sldChg>
+      <pc:sldChg chg="add">
+        <pc:chgData name="Long B Nguyen" userId="f59fb8f3-a021-417a-8bc1-65c8d471c621" providerId="ADAL" clId="{6AC26564-89E3-E046-BFB4-F80582D7E17B}" dt="2020-01-13T13:43:29.420" v="22"/>
+        <pc:sldMkLst>
+          <pc:docMk/>
+          <pc:sldMk cId="1025355635" sldId="325"/>
+        </pc:sldMkLst>
+      </pc:sldChg>
+      <pc:sldChg chg="del">
+        <pc:chgData name="Long B Nguyen" userId="f59fb8f3-a021-417a-8bc1-65c8d471c621" providerId="ADAL" clId="{6AC26564-89E3-E046-BFB4-F80582D7E17B}" dt="2020-01-13T13:43:17.177" v="11" actId="2696"/>
+        <pc:sldMkLst>
+          <pc:docMk/>
+          <pc:sldMk cId="3314372952" sldId="325"/>
+        </pc:sldMkLst>
+      </pc:sldChg>
+      <pc:sldChg chg="del">
+        <pc:chgData name="Long B Nguyen" userId="f59fb8f3-a021-417a-8bc1-65c8d471c621" providerId="ADAL" clId="{6AC26564-89E3-E046-BFB4-F80582D7E17B}" dt="2020-01-13T13:43:17.116" v="7" actId="2696"/>
+        <pc:sldMkLst>
+          <pc:docMk/>
+          <pc:sldMk cId="1724104636" sldId="327"/>
+        </pc:sldMkLst>
+      </pc:sldChg>
+      <pc:sldChg chg="add">
+        <pc:chgData name="Long B Nguyen" userId="f59fb8f3-a021-417a-8bc1-65c8d471c621" providerId="ADAL" clId="{6AC26564-89E3-E046-BFB4-F80582D7E17B}" dt="2020-01-13T13:43:29.420" v="22"/>
+        <pc:sldMkLst>
+          <pc:docMk/>
+          <pc:sldMk cId="4174920299" sldId="327"/>
+        </pc:sldMkLst>
+      </pc:sldChg>
+      <pc:sldChg chg="add">
+        <pc:chgData name="Long B Nguyen" userId="f59fb8f3-a021-417a-8bc1-65c8d471c621" providerId="ADAL" clId="{6AC26564-89E3-E046-BFB4-F80582D7E17B}" dt="2020-01-13T13:43:29.420" v="22"/>
+        <pc:sldMkLst>
+          <pc:docMk/>
+          <pc:sldMk cId="2756462650" sldId="328"/>
+        </pc:sldMkLst>
+      </pc:sldChg>
+      <pc:sldChg chg="del">
+        <pc:chgData name="Long B Nguyen" userId="f59fb8f3-a021-417a-8bc1-65c8d471c621" providerId="ADAL" clId="{6AC26564-89E3-E046-BFB4-F80582D7E17B}" dt="2020-01-13T13:43:17.045" v="3" actId="2696"/>
+        <pc:sldMkLst>
+          <pc:docMk/>
+          <pc:sldMk cId="3894299887" sldId="328"/>
+        </pc:sldMkLst>
+      </pc:sldChg>
+      <pc:sldChg chg="add">
+        <pc:chgData name="Long B Nguyen" userId="f59fb8f3-a021-417a-8bc1-65c8d471c621" providerId="ADAL" clId="{6AC26564-89E3-E046-BFB4-F80582D7E17B}" dt="2020-01-13T13:43:29.420" v="22"/>
+        <pc:sldMkLst>
+          <pc:docMk/>
+          <pc:sldMk cId="3080714931" sldId="329"/>
+        </pc:sldMkLst>
+      </pc:sldChg>
+      <pc:sldChg chg="del">
+        <pc:chgData name="Long B Nguyen" userId="f59fb8f3-a021-417a-8bc1-65c8d471c621" providerId="ADAL" clId="{6AC26564-89E3-E046-BFB4-F80582D7E17B}" dt="2020-01-13T13:43:17.064" v="4" actId="2696"/>
+        <pc:sldMkLst>
+          <pc:docMk/>
+          <pc:sldMk cId="4294143140" sldId="329"/>
+        </pc:sldMkLst>
+      </pc:sldChg>
+      <pc:sldChg chg="add">
+        <pc:chgData name="Long B Nguyen" userId="f59fb8f3-a021-417a-8bc1-65c8d471c621" providerId="ADAL" clId="{6AC26564-89E3-E046-BFB4-F80582D7E17B}" dt="2020-01-13T13:43:29.420" v="22"/>
+        <pc:sldMkLst>
+          <pc:docMk/>
+          <pc:sldMk cId="532184546" sldId="330"/>
+        </pc:sldMkLst>
+      </pc:sldChg>
+      <pc:sldChg chg="del">
+        <pc:chgData name="Long B Nguyen" userId="f59fb8f3-a021-417a-8bc1-65c8d471c621" providerId="ADAL" clId="{6AC26564-89E3-E046-BFB4-F80582D7E17B}" dt="2020-01-13T13:43:17.136" v="8" actId="2696"/>
+        <pc:sldMkLst>
+          <pc:docMk/>
+          <pc:sldMk cId="3594730708" sldId="330"/>
+        </pc:sldMkLst>
+      </pc:sldChg>
+      <pc:sldChg chg="add">
+        <pc:chgData name="Long B Nguyen" userId="f59fb8f3-a021-417a-8bc1-65c8d471c621" providerId="ADAL" clId="{6AC26564-89E3-E046-BFB4-F80582D7E17B}" dt="2020-01-13T13:43:29.420" v="22"/>
+        <pc:sldMkLst>
+          <pc:docMk/>
+          <pc:sldMk cId="3264629021" sldId="331"/>
+        </pc:sldMkLst>
+      </pc:sldChg>
+      <pc:sldChg chg="del">
+        <pc:chgData name="Long B Nguyen" userId="f59fb8f3-a021-417a-8bc1-65c8d471c621" providerId="ADAL" clId="{6AC26564-89E3-E046-BFB4-F80582D7E17B}" dt="2020-01-13T13:43:17.188" v="12" actId="2696"/>
+        <pc:sldMkLst>
+          <pc:docMk/>
+          <pc:sldMk cId="3870816631" sldId="331"/>
+        </pc:sldMkLst>
+      </pc:sldChg>
+      <pc:sldChg chg="del">
+        <pc:chgData name="Long B Nguyen" userId="f59fb8f3-a021-417a-8bc1-65c8d471c621" providerId="ADAL" clId="{6AC26564-89E3-E046-BFB4-F80582D7E17B}" dt="2020-01-13T13:43:17.163" v="10" actId="2696"/>
+        <pc:sldMkLst>
+          <pc:docMk/>
+          <pc:sldMk cId="3124353102" sldId="332"/>
+        </pc:sldMkLst>
+      </pc:sldChg>
+      <pc:sldChg chg="add">
+        <pc:chgData name="Long B Nguyen" userId="f59fb8f3-a021-417a-8bc1-65c8d471c621" providerId="ADAL" clId="{6AC26564-89E3-E046-BFB4-F80582D7E17B}" dt="2020-01-13T13:43:29.420" v="22"/>
+        <pc:sldMkLst>
+          <pc:docMk/>
+          <pc:sldMk cId="4022722016" sldId="332"/>
+        </pc:sldMkLst>
+      </pc:sldChg>
+      <pc:sldChg chg="add">
+        <pc:chgData name="Long B Nguyen" userId="f59fb8f3-a021-417a-8bc1-65c8d471c621" providerId="ADAL" clId="{6AC26564-89E3-E046-BFB4-F80582D7E17B}" dt="2020-01-13T13:43:29.420" v="22"/>
+        <pc:sldMkLst>
+          <pc:docMk/>
+          <pc:sldMk cId="1710208723" sldId="333"/>
+        </pc:sldMkLst>
+      </pc:sldChg>
+      <pc:sldChg chg="add">
+        <pc:chgData name="Long B Nguyen" userId="f59fb8f3-a021-417a-8bc1-65c8d471c621" providerId="ADAL" clId="{6AC26564-89E3-E046-BFB4-F80582D7E17B}" dt="2020-01-13T13:43:29.420" v="22"/>
+        <pc:sldMkLst>
+          <pc:docMk/>
+          <pc:sldMk cId="3404583044" sldId="334"/>
+        </pc:sldMkLst>
+      </pc:sldChg>
+      <pc:sldChg chg="add">
+        <pc:chgData name="Long B Nguyen" userId="f59fb8f3-a021-417a-8bc1-65c8d471c621" providerId="ADAL" clId="{6AC26564-89E3-E046-BFB4-F80582D7E17B}" dt="2020-01-13T13:43:29.420" v="22"/>
+        <pc:sldMkLst>
+          <pc:docMk/>
+          <pc:sldMk cId="3866550465" sldId="335"/>
+        </pc:sldMkLst>
+      </pc:sldChg>
+      <pc:sldChg chg="add">
+        <pc:chgData name="Long B Nguyen" userId="f59fb8f3-a021-417a-8bc1-65c8d471c621" providerId="ADAL" clId="{6AC26564-89E3-E046-BFB4-F80582D7E17B}" dt="2020-01-13T13:43:29.420" v="22"/>
+        <pc:sldMkLst>
+          <pc:docMk/>
+          <pc:sldMk cId="3749436800" sldId="336"/>
+        </pc:sldMkLst>
+      </pc:sldChg>
+      <pc:sldChg chg="add">
+        <pc:chgData name="Long B Nguyen" userId="f59fb8f3-a021-417a-8bc1-65c8d471c621" providerId="ADAL" clId="{6AC26564-89E3-E046-BFB4-F80582D7E17B}" dt="2020-01-13T13:43:29.420" v="22"/>
+        <pc:sldMkLst>
+          <pc:docMk/>
+          <pc:sldMk cId="461704868" sldId="337"/>
+        </pc:sldMkLst>
+      </pc:sldChg>
+      <pc:sldChg chg="add">
+        <pc:chgData name="Long B Nguyen" userId="f59fb8f3-a021-417a-8bc1-65c8d471c621" providerId="ADAL" clId="{6AC26564-89E3-E046-BFB4-F80582D7E17B}" dt="2020-01-13T13:43:29.420" v="22"/>
+        <pc:sldMkLst>
+          <pc:docMk/>
+          <pc:sldMk cId="545386500" sldId="338"/>
+        </pc:sldMkLst>
+      </pc:sldChg>
+      <pc:sldChg chg="add">
+        <pc:chgData name="Long B Nguyen" userId="f59fb8f3-a021-417a-8bc1-65c8d471c621" providerId="ADAL" clId="{6AC26564-89E3-E046-BFB4-F80582D7E17B}" dt="2020-01-13T13:43:29.420" v="22"/>
+        <pc:sldMkLst>
+          <pc:docMk/>
+          <pc:sldMk cId="1791361008" sldId="339"/>
+        </pc:sldMkLst>
+      </pc:sldChg>
+      <pc:sldChg chg="add">
+        <pc:chgData name="Long B Nguyen" userId="f59fb8f3-a021-417a-8bc1-65c8d471c621" providerId="ADAL" clId="{6AC26564-89E3-E046-BFB4-F80582D7E17B}" dt="2020-01-13T13:43:29.420" v="22"/>
+        <pc:sldMkLst>
+          <pc:docMk/>
+          <pc:sldMk cId="678299524" sldId="340"/>
+        </pc:sldMkLst>
+      </pc:sldChg>
+      <pc:sldChg chg="add">
+        <pc:chgData name="Long B Nguyen" userId="f59fb8f3-a021-417a-8bc1-65c8d471c621" providerId="ADAL" clId="{6AC26564-89E3-E046-BFB4-F80582D7E17B}" dt="2020-01-13T13:43:29.420" v="22"/>
+        <pc:sldMkLst>
+          <pc:docMk/>
+          <pc:sldMk cId="225127645" sldId="341"/>
+        </pc:sldMkLst>
+      </pc:sldChg>
+      <pc:sldChg chg="add">
+        <pc:chgData name="Long B Nguyen" userId="f59fb8f3-a021-417a-8bc1-65c8d471c621" providerId="ADAL" clId="{6AC26564-89E3-E046-BFB4-F80582D7E17B}" dt="2020-01-13T13:43:29.420" v="22"/>
+        <pc:sldMkLst>
+          <pc:docMk/>
+          <pc:sldMk cId="2214326257" sldId="342"/>
+        </pc:sldMkLst>
+      </pc:sldChg>
+      <pc:sldChg chg="add">
+        <pc:chgData name="Long B Nguyen" userId="f59fb8f3-a021-417a-8bc1-65c8d471c621" providerId="ADAL" clId="{6AC26564-89E3-E046-BFB4-F80582D7E17B}" dt="2020-01-13T13:43:29.420" v="22"/>
+        <pc:sldMkLst>
+          <pc:docMk/>
+          <pc:sldMk cId="1356056044" sldId="343"/>
+        </pc:sldMkLst>
+      </pc:sldChg>
+      <pc:sldChg chg="add">
+        <pc:chgData name="Long B Nguyen" userId="f59fb8f3-a021-417a-8bc1-65c8d471c621" providerId="ADAL" clId="{6AC26564-89E3-E046-BFB4-F80582D7E17B}" dt="2020-01-13T13:43:29.420" v="22"/>
+        <pc:sldMkLst>
+          <pc:docMk/>
+          <pc:sldMk cId="1270247652" sldId="344"/>
+        </pc:sldMkLst>
+      </pc:sldChg>
+      <pc:sldChg chg="add">
+        <pc:chgData name="Long B Nguyen" userId="f59fb8f3-a021-417a-8bc1-65c8d471c621" providerId="ADAL" clId="{6AC26564-89E3-E046-BFB4-F80582D7E17B}" dt="2020-01-13T13:43:29.420" v="22"/>
+        <pc:sldMkLst>
+          <pc:docMk/>
+          <pc:sldMk cId="902308803" sldId="345"/>
+        </pc:sldMkLst>
+      </pc:sldChg>
+      <pc:sldChg chg="add">
+        <pc:chgData name="Long B Nguyen" userId="f59fb8f3-a021-417a-8bc1-65c8d471c621" providerId="ADAL" clId="{6AC26564-89E3-E046-BFB4-F80582D7E17B}" dt="2020-01-13T13:43:29.420" v="22"/>
+        <pc:sldMkLst>
+          <pc:docMk/>
+          <pc:sldMk cId="2271372051" sldId="346"/>
+        </pc:sldMkLst>
+      </pc:sldChg>
+      <pc:sldChg chg="add">
+        <pc:chgData name="Long B Nguyen" userId="f59fb8f3-a021-417a-8bc1-65c8d471c621" providerId="ADAL" clId="{6AC26564-89E3-E046-BFB4-F80582D7E17B}" dt="2020-01-13T13:43:29.420" v="22"/>
+        <pc:sldMkLst>
+          <pc:docMk/>
+          <pc:sldMk cId="198078322" sldId="347"/>
+        </pc:sldMkLst>
+      </pc:sldChg>
+    </pc:docChg>
+  </pc:docChgLst>
+  <pc:docChgLst>
+    <pc:chgData name="Long B Nguyen" userId="f59fb8f3-a021-417a-8bc1-65c8d471c621" providerId="ADAL" clId="{A54A5039-9BC6-1548-AC61-7314DB675A9D}"/>
+    <pc:docChg chg="undo custSel addSld delSld modSld">
+      <pc:chgData name="Long B Nguyen" userId="f59fb8f3-a021-417a-8bc1-65c8d471c621" providerId="ADAL" clId="{A54A5039-9BC6-1548-AC61-7314DB675A9D}" dt="2019-09-25T14:26:33.714" v="2899" actId="20577"/>
+      <pc:docMkLst>
+        <pc:docMk/>
+      </pc:docMkLst>
+      <pc:sldChg chg="modSp">
+        <pc:chgData name="Long B Nguyen" userId="f59fb8f3-a021-417a-8bc1-65c8d471c621" providerId="ADAL" clId="{A54A5039-9BC6-1548-AC61-7314DB675A9D}" dt="2019-09-25T14:17:33.020" v="2843" actId="20577"/>
+        <pc:sldMkLst>
+          <pc:docMk/>
+          <pc:sldMk cId="4247104139" sldId="256"/>
+        </pc:sldMkLst>
+        <pc:spChg chg="mod">
+          <ac:chgData name="Long B Nguyen" userId="f59fb8f3-a021-417a-8bc1-65c8d471c621" providerId="ADAL" clId="{A54A5039-9BC6-1548-AC61-7314DB675A9D}" dt="2019-09-25T14:17:33.020" v="2843" actId="20577"/>
+          <ac:spMkLst>
+            <pc:docMk/>
+            <pc:sldMk cId="4247104139" sldId="256"/>
+            <ac:spMk id="3" creationId="{1BDC47C8-6776-7B44-9CD4-95FC91452D62}"/>
+          </ac:spMkLst>
+        </pc:spChg>
+      </pc:sldChg>
+      <pc:sldChg chg="modSp modAnim">
+        <pc:chgData name="Long B Nguyen" userId="f59fb8f3-a021-417a-8bc1-65c8d471c621" providerId="ADAL" clId="{A54A5039-9BC6-1548-AC61-7314DB675A9D}" dt="2019-09-24T11:45:26.007" v="2185" actId="20577"/>
+        <pc:sldMkLst>
+          <pc:docMk/>
+          <pc:sldMk cId="1438711869" sldId="284"/>
+        </pc:sldMkLst>
+        <pc:spChg chg="mod">
+          <ac:chgData name="Long B Nguyen" userId="f59fb8f3-a021-417a-8bc1-65c8d471c621" providerId="ADAL" clId="{A54A5039-9BC6-1548-AC61-7314DB675A9D}" dt="2019-09-24T11:43:23.898" v="2145" actId="20577"/>
+          <ac:spMkLst>
+            <pc:docMk/>
+            <pc:sldMk cId="1438711869" sldId="284"/>
+            <ac:spMk id="2" creationId="{AA3A228F-61D0-D949-A5E7-F83756230BF8}"/>
+          </ac:spMkLst>
+        </pc:spChg>
+        <pc:spChg chg="mod">
+          <ac:chgData name="Long B Nguyen" userId="f59fb8f3-a021-417a-8bc1-65c8d471c621" providerId="ADAL" clId="{A54A5039-9BC6-1548-AC61-7314DB675A9D}" dt="2019-09-24T11:45:26.007" v="2185" actId="20577"/>
+          <ac:spMkLst>
+            <pc:docMk/>
+            <pc:sldMk cId="1438711869" sldId="284"/>
+            <ac:spMk id="9" creationId="{E3B2E017-30B2-884B-A113-B419A2ED51AD}"/>
+          </ac:spMkLst>
+        </pc:spChg>
+      </pc:sldChg>
+      <pc:sldChg chg="modSp">
+        <pc:chgData name="Long B Nguyen" userId="f59fb8f3-a021-417a-8bc1-65c8d471c621" providerId="ADAL" clId="{A54A5039-9BC6-1548-AC61-7314DB675A9D}" dt="2019-09-19T14:18:56.959" v="28" actId="20577"/>
+        <pc:sldMkLst>
+          <pc:docMk/>
+          <pc:sldMk cId="131840209" sldId="286"/>
+        </pc:sldMkLst>
+        <pc:spChg chg="mod">
+          <ac:chgData name="Long B Nguyen" userId="f59fb8f3-a021-417a-8bc1-65c8d471c621" providerId="ADAL" clId="{A54A5039-9BC6-1548-AC61-7314DB675A9D}" dt="2019-09-19T14:18:56.959" v="28" actId="20577"/>
+          <ac:spMkLst>
+            <pc:docMk/>
+            <pc:sldMk cId="131840209" sldId="286"/>
+            <ac:spMk id="9" creationId="{E3B2E017-30B2-884B-A113-B419A2ED51AD}"/>
+          </ac:spMkLst>
+        </pc:spChg>
+      </pc:sldChg>
+      <pc:sldChg chg="modSp add del modAnim">
+        <pc:chgData name="Long B Nguyen" userId="f59fb8f3-a021-417a-8bc1-65c8d471c621" providerId="ADAL" clId="{A54A5039-9BC6-1548-AC61-7314DB675A9D}" dt="2019-09-24T11:43:26.738" v="2146" actId="2696"/>
+        <pc:sldMkLst>
+          <pc:docMk/>
+          <pc:sldMk cId="3439768680" sldId="294"/>
+        </pc:sldMkLst>
+        <pc:spChg chg="mod">
+          <ac:chgData name="Long B Nguyen" userId="f59fb8f3-a021-417a-8bc1-65c8d471c621" providerId="ADAL" clId="{A54A5039-9BC6-1548-AC61-7314DB675A9D}" dt="2019-09-24T11:40:12.100" v="2004"/>
+          <ac:spMkLst>
+            <pc:docMk/>
+            <pc:sldMk cId="3439768680" sldId="294"/>
+            <ac:spMk id="40963" creationId="{66AA56B3-AB86-6341-92AC-3BDB5774CCA3}"/>
+          </ac:spMkLst>
+        </pc:spChg>
+      </pc:sldChg>
+      <pc:sldChg chg="addSp modSp modAnim">
+        <pc:chgData name="Long B Nguyen" userId="f59fb8f3-a021-417a-8bc1-65c8d471c621" providerId="ADAL" clId="{A54A5039-9BC6-1548-AC61-7314DB675A9D}" dt="2019-09-23T12:04:10.373" v="1911"/>
+        <pc:sldMkLst>
+          <pc:docMk/>
+          <pc:sldMk cId="1816941262" sldId="295"/>
+        </pc:sldMkLst>
+        <pc:spChg chg="add mod">
+          <ac:chgData name="Long B Nguyen" userId="f59fb8f3-a021-417a-8bc1-65c8d471c621" providerId="ADAL" clId="{A54A5039-9BC6-1548-AC61-7314DB675A9D}" dt="2019-09-23T12:03:30.239" v="1901" actId="1076"/>
+          <ac:spMkLst>
+            <pc:docMk/>
+            <pc:sldMk cId="1816941262" sldId="295"/>
+            <ac:spMk id="3" creationId="{53AD888D-2F6F-BB43-86CA-1A3B376061A2}"/>
+          </ac:spMkLst>
+        </pc:spChg>
+        <pc:spChg chg="mod">
+          <ac:chgData name="Long B Nguyen" userId="f59fb8f3-a021-417a-8bc1-65c8d471c621" providerId="ADAL" clId="{A54A5039-9BC6-1548-AC61-7314DB675A9D}" dt="2019-09-23T11:58:12.789" v="1765" actId="20577"/>
+          <ac:spMkLst>
+            <pc:docMk/>
+            <pc:sldMk cId="1816941262" sldId="295"/>
+            <ac:spMk id="9" creationId="{E3B2E017-30B2-884B-A113-B419A2ED51AD}"/>
+          </ac:spMkLst>
+        </pc:spChg>
+        <pc:cxnChg chg="add mod">
+          <ac:chgData name="Long B Nguyen" userId="f59fb8f3-a021-417a-8bc1-65c8d471c621" providerId="ADAL" clId="{A54A5039-9BC6-1548-AC61-7314DB675A9D}" dt="2019-09-23T12:03:49.489" v="1909" actId="692"/>
+          <ac:cxnSpMkLst>
+            <pc:docMk/>
+            <pc:sldMk cId="1816941262" sldId="295"/>
+            <ac:cxnSpMk id="5" creationId="{0FA56ED4-EC25-B14C-B73E-DC4E17ADBF86}"/>
+          </ac:cxnSpMkLst>
+        </pc:cxnChg>
+      </pc:sldChg>
+      <pc:sldChg chg="modSp modAnim">
+        <pc:chgData name="Long B Nguyen" userId="f59fb8f3-a021-417a-8bc1-65c8d471c621" providerId="ADAL" clId="{A54A5039-9BC6-1548-AC61-7314DB675A9D}" dt="2019-09-23T11:59:17.508" v="1794"/>
+        <pc:sldMkLst>
+          <pc:docMk/>
+          <pc:sldMk cId="553003360" sldId="296"/>
+        </pc:sldMkLst>
+        <pc:spChg chg="mod">
+          <ac:chgData name="Long B Nguyen" userId="f59fb8f3-a021-417a-8bc1-65c8d471c621" providerId="ADAL" clId="{A54A5039-9BC6-1548-AC61-7314DB675A9D}" dt="2019-09-23T11:59:10.982" v="1792" actId="20577"/>
+          <ac:spMkLst>
+            <pc:docMk/>
+            <pc:sldMk cId="553003360" sldId="296"/>
+            <ac:spMk id="9" creationId="{E3B2E017-30B2-884B-A113-B419A2ED51AD}"/>
+          </ac:spMkLst>
+        </pc:spChg>
+      </pc:sldChg>
+      <pc:sldChg chg="modSp modAnim">
+        <pc:chgData name="Long B Nguyen" userId="f59fb8f3-a021-417a-8bc1-65c8d471c621" providerId="ADAL" clId="{A54A5039-9BC6-1548-AC61-7314DB675A9D}" dt="2019-09-23T11:59:34.632" v="1798"/>
+        <pc:sldMkLst>
+          <pc:docMk/>
+          <pc:sldMk cId="3006175481" sldId="297"/>
+        </pc:sldMkLst>
+        <pc:spChg chg="mod">
+          <ac:chgData name="Long B Nguyen" userId="f59fb8f3-a021-417a-8bc1-65c8d471c621" providerId="ADAL" clId="{A54A5039-9BC6-1548-AC61-7314DB675A9D}" dt="2019-09-23T11:59:28.174" v="1796" actId="20577"/>
+          <ac:spMkLst>
+            <pc:docMk/>
+            <pc:sldMk cId="3006175481" sldId="297"/>
+            <ac:spMk id="9" creationId="{E3B2E017-30B2-884B-A113-B419A2ED51AD}"/>
+          </ac:spMkLst>
+        </pc:spChg>
+      </pc:sldChg>
+      <pc:sldChg chg="modSp modAnim">
+        <pc:chgData name="Long B Nguyen" userId="f59fb8f3-a021-417a-8bc1-65c8d471c621" providerId="ADAL" clId="{A54A5039-9BC6-1548-AC61-7314DB675A9D}" dt="2019-09-23T12:06:41.861" v="1992"/>
+        <pc:sldMkLst>
+          <pc:docMk/>
+          <pc:sldMk cId="3150557076" sldId="298"/>
+        </pc:sldMkLst>
+        <pc:spChg chg="mod">
+          <ac:chgData name="Long B Nguyen" userId="f59fb8f3-a021-417a-8bc1-65c8d471c621" providerId="ADAL" clId="{A54A5039-9BC6-1548-AC61-7314DB675A9D}" dt="2019-09-23T12:05:19.573" v="1985" actId="20577"/>
+          <ac:spMkLst>
+            <pc:docMk/>
+            <pc:sldMk cId="3150557076" sldId="298"/>
+            <ac:spMk id="9" creationId="{E3B2E017-30B2-884B-A113-B419A2ED51AD}"/>
+          </ac:spMkLst>
+        </pc:spChg>
+      </pc:sldChg>
+      <pc:sldChg chg="addSp delSp modSp modAnim">
+        <pc:chgData name="Long B Nguyen" userId="f59fb8f3-a021-417a-8bc1-65c8d471c621" providerId="ADAL" clId="{A54A5039-9BC6-1548-AC61-7314DB675A9D}" dt="2019-09-23T12:01:44.436" v="1840"/>
+        <pc:sldMkLst>
+          <pc:docMk/>
+          <pc:sldMk cId="128704095" sldId="302"/>
+        </pc:sldMkLst>
+        <pc:spChg chg="add del">
+          <ac:chgData name="Long B Nguyen" userId="f59fb8f3-a021-417a-8bc1-65c8d471c621" providerId="ADAL" clId="{A54A5039-9BC6-1548-AC61-7314DB675A9D}" dt="2019-09-19T16:47:34.465" v="464"/>
+          <ac:spMkLst>
+            <pc:docMk/>
+            <pc:sldMk cId="128704095" sldId="302"/>
+            <ac:spMk id="3" creationId="{EA19F625-AB76-8A4B-B39A-0F2D018DC68D}"/>
+          </ac:spMkLst>
+        </pc:spChg>
+        <pc:spChg chg="mod">
+          <ac:chgData name="Long B Nguyen" userId="f59fb8f3-a021-417a-8bc1-65c8d471c621" providerId="ADAL" clId="{A54A5039-9BC6-1548-AC61-7314DB675A9D}" dt="2019-09-23T12:01:36.243" v="1838" actId="20577"/>
+          <ac:spMkLst>
+            <pc:docMk/>
+            <pc:sldMk cId="128704095" sldId="302"/>
+            <ac:spMk id="9" creationId="{E3B2E017-30B2-884B-A113-B419A2ED51AD}"/>
+          </ac:spMkLst>
+        </pc:spChg>
+      </pc:sldChg>
+      <pc:sldChg chg="modSp add modAnim">
+        <pc:chgData name="Long B Nguyen" userId="f59fb8f3-a021-417a-8bc1-65c8d471c621" providerId="ADAL" clId="{A54A5039-9BC6-1548-AC61-7314DB675A9D}" dt="2019-09-23T12:00:26.516" v="1826" actId="20577"/>
+        <pc:sldMkLst>
+          <pc:docMk/>
+          <pc:sldMk cId="3275945509" sldId="303"/>
+        </pc:sldMkLst>
+        <pc:spChg chg="mod">
+          <ac:chgData name="Long B Nguyen" userId="f59fb8f3-a021-417a-8bc1-65c8d471c621" providerId="ADAL" clId="{A54A5039-9BC6-1548-AC61-7314DB675A9D}" dt="2019-09-23T12:00:26.516" v="1826" actId="20577"/>
+          <ac:spMkLst>
+            <pc:docMk/>
+            <pc:sldMk cId="3275945509" sldId="303"/>
+            <ac:spMk id="9" creationId="{E3B2E017-30B2-884B-A113-B419A2ED51AD}"/>
+          </ac:spMkLst>
+        </pc:spChg>
+      </pc:sldChg>
+      <pc:sldChg chg="modSp add modAnim">
+        <pc:chgData name="Long B Nguyen" userId="f59fb8f3-a021-417a-8bc1-65c8d471c621" providerId="ADAL" clId="{A54A5039-9BC6-1548-AC61-7314DB675A9D}" dt="2019-09-23T12:00:38.314" v="1827"/>
+        <pc:sldMkLst>
+          <pc:docMk/>
+          <pc:sldMk cId="406772024" sldId="304"/>
+        </pc:sldMkLst>
+        <pc:spChg chg="mod">
+          <ac:chgData name="Long B Nguyen" userId="f59fb8f3-a021-417a-8bc1-65c8d471c621" providerId="ADAL" clId="{A54A5039-9BC6-1548-AC61-7314DB675A9D}" dt="2019-09-23T12:00:12.500" v="1808" actId="20577"/>
+          <ac:spMkLst>
+            <pc:docMk/>
+            <pc:sldMk cId="406772024" sldId="304"/>
+            <ac:spMk id="9" creationId="{E3B2E017-30B2-884B-A113-B419A2ED51AD}"/>
+          </ac:spMkLst>
+        </pc:spChg>
+      </pc:sldChg>
+      <pc:sldChg chg="modSp add modAnim">
+        <pc:chgData name="Long B Nguyen" userId="f59fb8f3-a021-417a-8bc1-65c8d471c621" providerId="ADAL" clId="{A54A5039-9BC6-1548-AC61-7314DB675A9D}" dt="2019-09-23T13:27:58.707" v="2000" actId="20577"/>
+        <pc:sldMkLst>
+          <pc:docMk/>
+          <pc:sldMk cId="1703902501" sldId="305"/>
+        </pc:sldMkLst>
+        <pc:spChg chg="mod">
+          <ac:chgData name="Long B Nguyen" userId="f59fb8f3-a021-417a-8bc1-65c8d471c621" providerId="ADAL" clId="{A54A5039-9BC6-1548-AC61-7314DB675A9D}" dt="2019-09-19T14:31:00.333" v="110" actId="20577"/>
+          <ac:spMkLst>
+            <pc:docMk/>
+            <pc:sldMk cId="1703902501" sldId="305"/>
+            <ac:spMk id="2" creationId="{AA3A228F-61D0-D949-A5E7-F83756230BF8}"/>
+          </ac:spMkLst>
+        </pc:spChg>
+        <pc:spChg chg="mod">
+          <ac:chgData name="Long B Nguyen" userId="f59fb8f3-a021-417a-8bc1-65c8d471c621" providerId="ADAL" clId="{A54A5039-9BC6-1548-AC61-7314DB675A9D}" dt="2019-09-23T13:27:58.707" v="2000" actId="20577"/>
+          <ac:spMkLst>
+            <pc:docMk/>
+            <pc:sldMk cId="1703902501" sldId="305"/>
+            <ac:spMk id="9" creationId="{E3B2E017-30B2-884B-A113-B419A2ED51AD}"/>
+          </ac:spMkLst>
+        </pc:spChg>
+      </pc:sldChg>
+      <pc:sldChg chg="modSp add modAnim">
+        <pc:chgData name="Long B Nguyen" userId="f59fb8f3-a021-417a-8bc1-65c8d471c621" providerId="ADAL" clId="{A54A5039-9BC6-1548-AC61-7314DB675A9D}" dt="2019-09-23T12:01:58.728" v="1843"/>
+        <pc:sldMkLst>
+          <pc:docMk/>
+          <pc:sldMk cId="3614829039" sldId="306"/>
+        </pc:sldMkLst>
+        <pc:spChg chg="mod">
+          <ac:chgData name="Long B Nguyen" userId="f59fb8f3-a021-417a-8bc1-65c8d471c621" providerId="ADAL" clId="{A54A5039-9BC6-1548-AC61-7314DB675A9D}" dt="2019-09-19T16:51:57.917" v="536" actId="20577"/>
+          <ac:spMkLst>
+            <pc:docMk/>
+            <pc:sldMk cId="3614829039" sldId="306"/>
+            <ac:spMk id="2" creationId="{AA3A228F-61D0-D949-A5E7-F83756230BF8}"/>
+          </ac:spMkLst>
+        </pc:spChg>
+        <pc:spChg chg="mod">
+          <ac:chgData name="Long B Nguyen" userId="f59fb8f3-a021-417a-8bc1-65c8d471c621" providerId="ADAL" clId="{A54A5039-9BC6-1548-AC61-7314DB675A9D}" dt="2019-09-23T12:01:50.092" v="1842" actId="20577"/>
+          <ac:spMkLst>
+            <pc:docMk/>
+            <pc:sldMk cId="3614829039" sldId="306"/>
+            <ac:spMk id="9" creationId="{E3B2E017-30B2-884B-A113-B419A2ED51AD}"/>
+          </ac:spMkLst>
+        </pc:spChg>
+      </pc:sldChg>
+      <pc:sldChg chg="modSp add modAnim">
+        <pc:chgData name="Long B Nguyen" userId="f59fb8f3-a021-417a-8bc1-65c8d471c621" providerId="ADAL" clId="{A54A5039-9BC6-1548-AC61-7314DB675A9D}" dt="2019-09-23T12:02:15.154" v="1846"/>
+        <pc:sldMkLst>
+          <pc:docMk/>
+          <pc:sldMk cId="295911327" sldId="307"/>
+        </pc:sldMkLst>
+        <pc:spChg chg="mod">
+          <ac:chgData name="Long B Nguyen" userId="f59fb8f3-a021-417a-8bc1-65c8d471c621" providerId="ADAL" clId="{A54A5039-9BC6-1548-AC61-7314DB675A9D}" dt="2019-09-19T17:17:25.590" v="539" actId="20577"/>
+          <ac:spMkLst>
+            <pc:docMk/>
+            <pc:sldMk cId="295911327" sldId="307"/>
+            <ac:spMk id="2" creationId="{AA3A228F-61D0-D949-A5E7-F83756230BF8}"/>
+          </ac:spMkLst>
+        </pc:spChg>
+        <pc:spChg chg="mod">
+          <ac:chgData name="Long B Nguyen" userId="f59fb8f3-a021-417a-8bc1-65c8d471c621" providerId="ADAL" clId="{A54A5039-9BC6-1548-AC61-7314DB675A9D}" dt="2019-09-23T12:02:10.526" v="1845" actId="20577"/>
+          <ac:spMkLst>
+            <pc:docMk/>
+            <pc:sldMk cId="295911327" sldId="307"/>
+            <ac:spMk id="9" creationId="{E3B2E017-30B2-884B-A113-B419A2ED51AD}"/>
+          </ac:spMkLst>
+        </pc:spChg>
+      </pc:sldChg>
+      <pc:sldChg chg="modSp add modAnim">
+        <pc:chgData name="Long B Nguyen" userId="f59fb8f3-a021-417a-8bc1-65c8d471c621" providerId="ADAL" clId="{A54A5039-9BC6-1548-AC61-7314DB675A9D}" dt="2019-09-23T12:01:05.311" v="1832"/>
+        <pc:sldMkLst>
+          <pc:docMk/>
+          <pc:sldMk cId="67957925" sldId="308"/>
+        </pc:sldMkLst>
+        <pc:spChg chg="mod">
+          <ac:chgData name="Long B Nguyen" userId="f59fb8f3-a021-417a-8bc1-65c8d471c621" providerId="ADAL" clId="{A54A5039-9BC6-1548-AC61-7314DB675A9D}" dt="2019-09-20T12:22:34.233" v="599" actId="20577"/>
+          <ac:spMkLst>
+            <pc:docMk/>
+            <pc:sldMk cId="67957925" sldId="308"/>
+            <ac:spMk id="2" creationId="{AA3A228F-61D0-D949-A5E7-F83756230BF8}"/>
+          </ac:spMkLst>
+        </pc:spChg>
+        <pc:spChg chg="mod">
+          <ac:chgData name="Long B Nguyen" userId="f59fb8f3-a021-417a-8bc1-65c8d471c621" providerId="ADAL" clId="{A54A5039-9BC6-1548-AC61-7314DB675A9D}" dt="2019-09-20T12:37:26.490" v="1123" actId="20577"/>
+          <ac:spMkLst>
+            <pc:docMk/>
+            <pc:sldMk cId="67957925" sldId="308"/>
+            <ac:spMk id="9" creationId="{E3B2E017-30B2-884B-A113-B419A2ED51AD}"/>
+          </ac:spMkLst>
+        </pc:spChg>
+      </pc:sldChg>
+      <pc:sldChg chg="modSp add modAnim">
+        <pc:chgData name="Long B Nguyen" userId="f59fb8f3-a021-417a-8bc1-65c8d471c621" providerId="ADAL" clId="{A54A5039-9BC6-1548-AC61-7314DB675A9D}" dt="2019-09-23T12:01:18.117" v="1835"/>
+        <pc:sldMkLst>
+          <pc:docMk/>
+          <pc:sldMk cId="1872435103" sldId="309"/>
+        </pc:sldMkLst>
+        <pc:spChg chg="mod">
+          <ac:chgData name="Long B Nguyen" userId="f59fb8f3-a021-417a-8bc1-65c8d471c621" providerId="ADAL" clId="{A54A5039-9BC6-1548-AC61-7314DB675A9D}" dt="2019-09-20T12:24:39.851" v="793" actId="20577"/>
+          <ac:spMkLst>
+            <pc:docMk/>
+            <pc:sldMk cId="1872435103" sldId="309"/>
+            <ac:spMk id="2" creationId="{AA3A228F-61D0-D949-A5E7-F83756230BF8}"/>
+          </ac:spMkLst>
+        </pc:spChg>
+        <pc:spChg chg="mod">
+          <ac:chgData name="Long B Nguyen" userId="f59fb8f3-a021-417a-8bc1-65c8d471c621" providerId="ADAL" clId="{A54A5039-9BC6-1548-AC61-7314DB675A9D}" dt="2019-09-20T12:37:20.580" v="1117" actId="20577"/>
+          <ac:spMkLst>
+            <pc:docMk/>
+            <pc:sldMk cId="1872435103" sldId="309"/>
+            <ac:spMk id="9" creationId="{E3B2E017-30B2-884B-A113-B419A2ED51AD}"/>
+          </ac:spMkLst>
+        </pc:spChg>
+      </pc:sldChg>
+      <pc:sldChg chg="modSp add">
+        <pc:chgData name="Long B Nguyen" userId="f59fb8f3-a021-417a-8bc1-65c8d471c621" providerId="ADAL" clId="{A54A5039-9BC6-1548-AC61-7314DB675A9D}" dt="2019-09-20T12:40:48.118" v="1409" actId="20577"/>
+        <pc:sldMkLst>
+          <pc:docMk/>
+          <pc:sldMk cId="4088965571" sldId="310"/>
+        </pc:sldMkLst>
+        <pc:spChg chg="mod">
+          <ac:chgData name="Long B Nguyen" userId="f59fb8f3-a021-417a-8bc1-65c8d471c621" providerId="ADAL" clId="{A54A5039-9BC6-1548-AC61-7314DB675A9D}" dt="2019-09-20T12:40:48.118" v="1409" actId="20577"/>
+          <ac:spMkLst>
+            <pc:docMk/>
+            <pc:sldMk cId="4088965571" sldId="310"/>
+            <ac:spMk id="2" creationId="{AA3A228F-61D0-D949-A5E7-F83756230BF8}"/>
+          </ac:spMkLst>
+        </pc:spChg>
+        <pc:spChg chg="mod">
+          <ac:chgData name="Long B Nguyen" userId="f59fb8f3-a021-417a-8bc1-65c8d471c621" providerId="ADAL" clId="{A54A5039-9BC6-1548-AC61-7314DB675A9D}" dt="2019-09-20T12:40:27.809" v="1394" actId="255"/>
+          <ac:spMkLst>
+            <pc:docMk/>
+            <pc:sldMk cId="4088965571" sldId="310"/>
+            <ac:spMk id="9" creationId="{E3B2E017-30B2-884B-A113-B419A2ED51AD}"/>
+          </ac:spMkLst>
+        </pc:spChg>
+      </pc:sldChg>
+      <pc:sldChg chg="modSp add modAnim">
+        <pc:chgData name="Long B Nguyen" userId="f59fb8f3-a021-417a-8bc1-65c8d471c621" providerId="ADAL" clId="{A54A5039-9BC6-1548-AC61-7314DB675A9D}" dt="2019-09-23T12:01:26.997" v="1836"/>
+        <pc:sldMkLst>
+          <pc:docMk/>
+          <pc:sldMk cId="2255846137" sldId="311"/>
+        </pc:sldMkLst>
+        <pc:spChg chg="mod">
+          <ac:chgData name="Long B Nguyen" userId="f59fb8f3-a021-417a-8bc1-65c8d471c621" providerId="ADAL" clId="{A54A5039-9BC6-1548-AC61-7314DB675A9D}" dt="2019-09-20T12:42:38.115" v="1565" actId="20577"/>
+          <ac:spMkLst>
+            <pc:docMk/>
+            <pc:sldMk cId="2255846137" sldId="311"/>
+            <ac:spMk id="2" creationId="{AA3A228F-61D0-D949-A5E7-F83756230BF8}"/>
+          </ac:spMkLst>
+        </pc:spChg>
+        <pc:spChg chg="mod">
+          <ac:chgData name="Long B Nguyen" userId="f59fb8f3-a021-417a-8bc1-65c8d471c621" providerId="ADAL" clId="{A54A5039-9BC6-1548-AC61-7314DB675A9D}" dt="2019-09-20T12:43:18.312" v="1623" actId="20577"/>
+          <ac:spMkLst>
+            <pc:docMk/>
+            <pc:sldMk cId="2255846137" sldId="311"/>
+            <ac:spMk id="9" creationId="{E3B2E017-30B2-884B-A113-B419A2ED51AD}"/>
+          </ac:spMkLst>
+        </pc:spChg>
+      </pc:sldChg>
+      <pc:sldChg chg="modSp add">
+        <pc:chgData name="Long B Nguyen" userId="f59fb8f3-a021-417a-8bc1-65c8d471c621" providerId="ADAL" clId="{A54A5039-9BC6-1548-AC61-7314DB675A9D}" dt="2019-09-23T11:49:40.764" v="1759" actId="20577"/>
+        <pc:sldMkLst>
+          <pc:docMk/>
+          <pc:sldMk cId="1513627164" sldId="312"/>
+        </pc:sldMkLst>
+        <pc:spChg chg="mod">
+          <ac:chgData name="Long B Nguyen" userId="f59fb8f3-a021-417a-8bc1-65c8d471c621" providerId="ADAL" clId="{A54A5039-9BC6-1548-AC61-7314DB675A9D}" dt="2019-09-20T12:44:10.623" v="1625" actId="20577"/>
+          <ac:spMkLst>
+            <pc:docMk/>
+            <pc:sldMk cId="1513627164" sldId="312"/>
+            <ac:spMk id="2" creationId="{AA3A228F-61D0-D949-A5E7-F83756230BF8}"/>
+          </ac:spMkLst>
+        </pc:spChg>
+        <pc:spChg chg="mod">
+          <ac:chgData name="Long B Nguyen" userId="f59fb8f3-a021-417a-8bc1-65c8d471c621" providerId="ADAL" clId="{A54A5039-9BC6-1548-AC61-7314DB675A9D}" dt="2019-09-23T11:49:40.764" v="1759" actId="20577"/>
+          <ac:spMkLst>
+            <pc:docMk/>
+            <pc:sldMk cId="1513627164" sldId="312"/>
+            <ac:spMk id="9" creationId="{E3B2E017-30B2-884B-A113-B419A2ED51AD}"/>
+          </ac:spMkLst>
+        </pc:spChg>
+      </pc:sldChg>
+      <pc:sldChg chg="modSp add modAnim">
+        <pc:chgData name="Long B Nguyen" userId="f59fb8f3-a021-417a-8bc1-65c8d471c621" providerId="ADAL" clId="{A54A5039-9BC6-1548-AC61-7314DB675A9D}" dt="2019-09-23T11:58:57.499" v="1789"/>
+        <pc:sldMkLst>
+          <pc:docMk/>
+          <pc:sldMk cId="2097059918" sldId="313"/>
+        </pc:sldMkLst>
+        <pc:spChg chg="mod">
+          <ac:chgData name="Long B Nguyen" userId="f59fb8f3-a021-417a-8bc1-65c8d471c621" providerId="ADAL" clId="{A54A5039-9BC6-1548-AC61-7314DB675A9D}" dt="2019-09-23T11:58:47.576" v="1783" actId="20577"/>
+          <ac:spMkLst>
+            <pc:docMk/>
+            <pc:sldMk cId="2097059918" sldId="313"/>
+            <ac:spMk id="9" creationId="{E3B2E017-30B2-884B-A113-B419A2ED51AD}"/>
+          </ac:spMkLst>
+        </pc:spChg>
+      </pc:sldChg>
+      <pc:sldChg chg="modSp add del">
+        <pc:chgData name="Long B Nguyen" userId="f59fb8f3-a021-417a-8bc1-65c8d471c621" providerId="ADAL" clId="{A54A5039-9BC6-1548-AC61-7314DB675A9D}" dt="2019-09-24T11:43:27.284" v="2147" actId="2696"/>
+        <pc:sldMkLst>
+          <pc:docMk/>
+          <pc:sldMk cId="3916896519" sldId="314"/>
+        </pc:sldMkLst>
+        <pc:spChg chg="mod">
+          <ac:chgData name="Long B Nguyen" userId="f59fb8f3-a021-417a-8bc1-65c8d471c621" providerId="ADAL" clId="{A54A5039-9BC6-1548-AC61-7314DB675A9D}" dt="2019-09-24T11:40:07.514" v="2003"/>
+          <ac:spMkLst>
+            <pc:docMk/>
+            <pc:sldMk cId="3916896519" sldId="314"/>
+            <ac:spMk id="2" creationId="{AA3A228F-61D0-D949-A5E7-F83756230BF8}"/>
+          </ac:spMkLst>
+        </pc:spChg>
+        <pc:spChg chg="mod">
+          <ac:chgData name="Long B Nguyen" userId="f59fb8f3-a021-417a-8bc1-65c8d471c621" providerId="ADAL" clId="{A54A5039-9BC6-1548-AC61-7314DB675A9D}" dt="2019-09-24T11:41:32.486" v="2043"/>
+          <ac:spMkLst>
+            <pc:docMk/>
+            <pc:sldMk cId="3916896519" sldId="314"/>
+            <ac:spMk id="9" creationId="{E3B2E017-30B2-884B-A113-B419A2ED51AD}"/>
+          </ac:spMkLst>
+        </pc:spChg>
+      </pc:sldChg>
+      <pc:sldChg chg="modSp add del">
+        <pc:chgData name="Long B Nguyen" userId="f59fb8f3-a021-417a-8bc1-65c8d471c621" providerId="ADAL" clId="{A54A5039-9BC6-1548-AC61-7314DB675A9D}" dt="2019-09-24T14:05:24.942" v="2839" actId="2696"/>
+        <pc:sldMkLst>
+          <pc:docMk/>
+          <pc:sldMk cId="2798321153" sldId="315"/>
+        </pc:sldMkLst>
+        <pc:spChg chg="mod">
+          <ac:chgData name="Long B Nguyen" userId="f59fb8f3-a021-417a-8bc1-65c8d471c621" providerId="ADAL" clId="{A54A5039-9BC6-1548-AC61-7314DB675A9D}" dt="2019-09-24T11:47:07.801" v="2189" actId="20577"/>
+          <ac:spMkLst>
+            <pc:docMk/>
+            <pc:sldMk cId="2798321153" sldId="315"/>
+            <ac:spMk id="2" creationId="{AA3A228F-61D0-D949-A5E7-F83756230BF8}"/>
+          </ac:spMkLst>
+        </pc:spChg>
+        <pc:spChg chg="mod">
+          <ac:chgData name="Long B Nguyen" userId="f59fb8f3-a021-417a-8bc1-65c8d471c621" providerId="ADAL" clId="{A54A5039-9BC6-1548-AC61-7314DB675A9D}" dt="2019-09-24T11:53:13.884" v="2630" actId="20577"/>
+          <ac:spMkLst>
+            <pc:docMk/>
+            <pc:sldMk cId="2798321153" sldId="315"/>
+            <ac:spMk id="9" creationId="{E3B2E017-30B2-884B-A113-B419A2ED51AD}"/>
+          </ac:spMkLst>
+        </pc:spChg>
+      </pc:sldChg>
+      <pc:sldChg chg="add">
+        <pc:chgData name="Long B Nguyen" userId="f59fb8f3-a021-417a-8bc1-65c8d471c621" providerId="ADAL" clId="{A54A5039-9BC6-1548-AC61-7314DB675A9D}" dt="2019-09-24T11:47:01.081" v="2186"/>
+        <pc:sldMkLst>
+          <pc:docMk/>
+          <pc:sldMk cId="1452600724" sldId="316"/>
+        </pc:sldMkLst>
+      </pc:sldChg>
+      <pc:sldChg chg="modSp add">
+        <pc:chgData name="Long B Nguyen" userId="f59fb8f3-a021-417a-8bc1-65c8d471c621" providerId="ADAL" clId="{A54A5039-9BC6-1548-AC61-7314DB675A9D}" dt="2019-09-25T14:26:33.714" v="2899" actId="20577"/>
+        <pc:sldMkLst>
+          <pc:docMk/>
+          <pc:sldMk cId="1787114790" sldId="317"/>
+        </pc:sldMkLst>
+        <pc:spChg chg="mod">
+          <ac:chgData name="Long B Nguyen" userId="f59fb8f3-a021-417a-8bc1-65c8d471c621" providerId="ADAL" clId="{A54A5039-9BC6-1548-AC61-7314DB675A9D}" dt="2019-09-24T11:53:24.383" v="2634" actId="20577"/>
+          <ac:spMkLst>
+            <pc:docMk/>
+            <pc:sldMk cId="1787114790" sldId="317"/>
+            <ac:spMk id="2" creationId="{AA3A228F-61D0-D949-A5E7-F83756230BF8}"/>
+          </ac:spMkLst>
+        </pc:spChg>
+        <pc:spChg chg="mod">
+          <ac:chgData name="Long B Nguyen" userId="f59fb8f3-a021-417a-8bc1-65c8d471c621" providerId="ADAL" clId="{A54A5039-9BC6-1548-AC61-7314DB675A9D}" dt="2019-09-25T14:26:33.714" v="2899" actId="20577"/>
+          <ac:spMkLst>
+            <pc:docMk/>
+            <pc:sldMk cId="1787114790" sldId="317"/>
+            <ac:spMk id="9" creationId="{E3B2E017-30B2-884B-A113-B419A2ED51AD}"/>
+          </ac:spMkLst>
+        </pc:spChg>
+      </pc:sldChg>
+      <pc:sldChg chg="modSp add">
+        <pc:chgData name="Long B Nguyen" userId="f59fb8f3-a021-417a-8bc1-65c8d471c621" providerId="ADAL" clId="{A54A5039-9BC6-1548-AC61-7314DB675A9D}" dt="2019-09-24T13:44:10.963" v="2838" actId="20577"/>
+        <pc:sldMkLst>
+          <pc:docMk/>
+          <pc:sldMk cId="1215229427" sldId="318"/>
+        </pc:sldMkLst>
+        <pc:spChg chg="mod">
+          <ac:chgData name="Long B Nguyen" userId="f59fb8f3-a021-417a-8bc1-65c8d471c621" providerId="ADAL" clId="{A54A5039-9BC6-1548-AC61-7314DB675A9D}" dt="2019-09-24T13:44:10.963" v="2838" actId="20577"/>
+          <ac:spMkLst>
+            <pc:docMk/>
+            <pc:sldMk cId="1215229427" sldId="318"/>
+            <ac:spMk id="9" creationId="{E3B2E017-30B2-884B-A113-B419A2ED51AD}"/>
+          </ac:spMkLst>
+        </pc:spChg>
+      </pc:sldChg>
+    </pc:docChg>
+  </pc:docChgLst>
+  <pc:docChgLst>
     <pc:chgData name="Long B Nguyen" userId="f59fb8f3-a021-417a-8bc1-65c8d471c621" providerId="ADAL" clId="{CC9C9D9A-5149-2947-86C0-576F501F60DC}"/>
     <pc:docChg chg="addSld modSld">
       <pc:chgData name="Long B Nguyen" userId="f59fb8f3-a021-417a-8bc1-65c8d471c621" providerId="ADAL" clId="{CC9C9D9A-5149-2947-86C0-576F501F60DC}" dt="2020-01-05T21:59:55.597" v="2392" actId="14100"/>
@@ -1854,363 +2212,7 @@
     <pc:chgData name="Long B Nguyen" userId="f59fb8f3-a021-417a-8bc1-65c8d471c621" providerId="ADAL" clId="{6CD83B71-C243-244B-B302-DE2E82069201}"/>
   </pc:docChgLst>
   <pc:docChgLst>
-    <pc:chgData name="Long B Nguyen" userId="f59fb8f3-a021-417a-8bc1-65c8d471c621" providerId="ADAL" clId="{AA9102B5-DACA-D841-B260-AEEBF90FC60A}"/>
-    <pc:docChg chg="custSel addSld delSld modSld">
-      <pc:chgData name="Long B Nguyen" userId="f59fb8f3-a021-417a-8bc1-65c8d471c621" providerId="ADAL" clId="{AA9102B5-DACA-D841-B260-AEEBF90FC60A}" dt="2020-01-06T17:07:10.515" v="1519" actId="2711"/>
-      <pc:docMkLst>
-        <pc:docMk/>
-      </pc:docMkLst>
-      <pc:sldChg chg="modSp">
-        <pc:chgData name="Long B Nguyen" userId="f59fb8f3-a021-417a-8bc1-65c8d471c621" providerId="ADAL" clId="{AA9102B5-DACA-D841-B260-AEEBF90FC60A}" dt="2020-01-05T22:05:23.536" v="23" actId="20577"/>
-        <pc:sldMkLst>
-          <pc:docMk/>
-          <pc:sldMk cId="4247104139" sldId="256"/>
-        </pc:sldMkLst>
-        <pc:spChg chg="mod">
-          <ac:chgData name="Long B Nguyen" userId="f59fb8f3-a021-417a-8bc1-65c8d471c621" providerId="ADAL" clId="{AA9102B5-DACA-D841-B260-AEEBF90FC60A}" dt="2020-01-05T22:05:23.536" v="23" actId="20577"/>
-          <ac:spMkLst>
-            <pc:docMk/>
-            <pc:sldMk cId="4247104139" sldId="256"/>
-            <ac:spMk id="3" creationId="{1BDC47C8-6776-7B44-9CD4-95FC91452D62}"/>
-          </ac:spMkLst>
-        </pc:spChg>
-      </pc:sldChg>
-      <pc:sldChg chg="del">
-        <pc:chgData name="Long B Nguyen" userId="f59fb8f3-a021-417a-8bc1-65c8d471c621" providerId="ADAL" clId="{AA9102B5-DACA-D841-B260-AEEBF90FC60A}" dt="2020-01-05T22:05:52.483" v="41" actId="2696"/>
-        <pc:sldMkLst>
-          <pc:docMk/>
-          <pc:sldMk cId="1438711869" sldId="284"/>
-        </pc:sldMkLst>
-      </pc:sldChg>
-      <pc:sldChg chg="del">
-        <pc:chgData name="Long B Nguyen" userId="f59fb8f3-a021-417a-8bc1-65c8d471c621" providerId="ADAL" clId="{AA9102B5-DACA-D841-B260-AEEBF90FC60A}" dt="2020-01-05T22:05:52.199" v="24" actId="2696"/>
-        <pc:sldMkLst>
-          <pc:docMk/>
-          <pc:sldMk cId="131840209" sldId="286"/>
-        </pc:sldMkLst>
-      </pc:sldChg>
-      <pc:sldChg chg="del">
-        <pc:chgData name="Long B Nguyen" userId="f59fb8f3-a021-417a-8bc1-65c8d471c621" providerId="ADAL" clId="{AA9102B5-DACA-D841-B260-AEEBF90FC60A}" dt="2020-01-05T22:05:52.214" v="25" actId="2696"/>
-        <pc:sldMkLst>
-          <pc:docMk/>
-          <pc:sldMk cId="1816941262" sldId="295"/>
-        </pc:sldMkLst>
-      </pc:sldChg>
-      <pc:sldChg chg="del">
-        <pc:chgData name="Long B Nguyen" userId="f59fb8f3-a021-417a-8bc1-65c8d471c621" providerId="ADAL" clId="{AA9102B5-DACA-D841-B260-AEEBF90FC60A}" dt="2020-01-05T22:05:52.246" v="27" actId="2696"/>
-        <pc:sldMkLst>
-          <pc:docMk/>
-          <pc:sldMk cId="553003360" sldId="296"/>
-        </pc:sldMkLst>
-      </pc:sldChg>
-      <pc:sldChg chg="del">
-        <pc:chgData name="Long B Nguyen" userId="f59fb8f3-a021-417a-8bc1-65c8d471c621" providerId="ADAL" clId="{AA9102B5-DACA-D841-B260-AEEBF90FC60A}" dt="2020-01-05T22:05:52.268" v="28" actId="2696"/>
-        <pc:sldMkLst>
-          <pc:docMk/>
-          <pc:sldMk cId="3006175481" sldId="297"/>
-        </pc:sldMkLst>
-      </pc:sldChg>
-      <pc:sldChg chg="del">
-        <pc:chgData name="Long B Nguyen" userId="f59fb8f3-a021-417a-8bc1-65c8d471c621" providerId="ADAL" clId="{AA9102B5-DACA-D841-B260-AEEBF90FC60A}" dt="2020-01-05T22:05:52.287" v="29" actId="2696"/>
-        <pc:sldMkLst>
-          <pc:docMk/>
-          <pc:sldMk cId="3150557076" sldId="298"/>
-        </pc:sldMkLst>
-      </pc:sldChg>
-      <pc:sldChg chg="del">
-        <pc:chgData name="Long B Nguyen" userId="f59fb8f3-a021-417a-8bc1-65c8d471c621" providerId="ADAL" clId="{AA9102B5-DACA-D841-B260-AEEBF90FC60A}" dt="2020-01-05T22:05:52.442" v="38" actId="2696"/>
-        <pc:sldMkLst>
-          <pc:docMk/>
-          <pc:sldMk cId="128704095" sldId="302"/>
-        </pc:sldMkLst>
-      </pc:sldChg>
-      <pc:sldChg chg="del">
-        <pc:chgData name="Long B Nguyen" userId="f59fb8f3-a021-417a-8bc1-65c8d471c621" providerId="ADAL" clId="{AA9102B5-DACA-D841-B260-AEEBF90FC60A}" dt="2020-01-05T22:05:52.305" v="30" actId="2696"/>
-        <pc:sldMkLst>
-          <pc:docMk/>
-          <pc:sldMk cId="3275945509" sldId="303"/>
-        </pc:sldMkLst>
-      </pc:sldChg>
-      <pc:sldChg chg="del">
-        <pc:chgData name="Long B Nguyen" userId="f59fb8f3-a021-417a-8bc1-65c8d471c621" providerId="ADAL" clId="{AA9102B5-DACA-D841-B260-AEEBF90FC60A}" dt="2020-01-05T22:05:52.321" v="31" actId="2696"/>
-        <pc:sldMkLst>
-          <pc:docMk/>
-          <pc:sldMk cId="406772024" sldId="304"/>
-        </pc:sldMkLst>
-      </pc:sldChg>
-      <pc:sldChg chg="del">
-        <pc:chgData name="Long B Nguyen" userId="f59fb8f3-a021-417a-8bc1-65c8d471c621" providerId="ADAL" clId="{AA9102B5-DACA-D841-B260-AEEBF90FC60A}" dt="2020-01-05T22:05:52.334" v="32" actId="2696"/>
-        <pc:sldMkLst>
-          <pc:docMk/>
-          <pc:sldMk cId="1703902501" sldId="305"/>
-        </pc:sldMkLst>
-      </pc:sldChg>
-      <pc:sldChg chg="del">
-        <pc:chgData name="Long B Nguyen" userId="f59fb8f3-a021-417a-8bc1-65c8d471c621" providerId="ADAL" clId="{AA9102B5-DACA-D841-B260-AEEBF90FC60A}" dt="2020-01-05T22:05:52.461" v="39" actId="2696"/>
-        <pc:sldMkLst>
-          <pc:docMk/>
-          <pc:sldMk cId="3614829039" sldId="306"/>
-        </pc:sldMkLst>
-      </pc:sldChg>
-      <pc:sldChg chg="del">
-        <pc:chgData name="Long B Nguyen" userId="f59fb8f3-a021-417a-8bc1-65c8d471c621" providerId="ADAL" clId="{AA9102B5-DACA-D841-B260-AEEBF90FC60A}" dt="2020-01-05T22:05:52.471" v="40" actId="2696"/>
-        <pc:sldMkLst>
-          <pc:docMk/>
-          <pc:sldMk cId="295911327" sldId="307"/>
-        </pc:sldMkLst>
-      </pc:sldChg>
-      <pc:sldChg chg="del">
-        <pc:chgData name="Long B Nguyen" userId="f59fb8f3-a021-417a-8bc1-65c8d471c621" providerId="ADAL" clId="{AA9102B5-DACA-D841-B260-AEEBF90FC60A}" dt="2020-01-05T22:05:52.353" v="33" actId="2696"/>
-        <pc:sldMkLst>
-          <pc:docMk/>
-          <pc:sldMk cId="67957925" sldId="308"/>
-        </pc:sldMkLst>
-      </pc:sldChg>
-      <pc:sldChg chg="del">
-        <pc:chgData name="Long B Nguyen" userId="f59fb8f3-a021-417a-8bc1-65c8d471c621" providerId="ADAL" clId="{AA9102B5-DACA-D841-B260-AEEBF90FC60A}" dt="2020-01-05T22:05:52.365" v="34" actId="2696"/>
-        <pc:sldMkLst>
-          <pc:docMk/>
-          <pc:sldMk cId="1872435103" sldId="309"/>
-        </pc:sldMkLst>
-      </pc:sldChg>
-      <pc:sldChg chg="del">
-        <pc:chgData name="Long B Nguyen" userId="f59fb8f3-a021-417a-8bc1-65c8d471c621" providerId="ADAL" clId="{AA9102B5-DACA-D841-B260-AEEBF90FC60A}" dt="2020-01-05T22:05:52.385" v="35" actId="2696"/>
-        <pc:sldMkLst>
-          <pc:docMk/>
-          <pc:sldMk cId="4088965571" sldId="310"/>
-        </pc:sldMkLst>
-      </pc:sldChg>
-      <pc:sldChg chg="del">
-        <pc:chgData name="Long B Nguyen" userId="f59fb8f3-a021-417a-8bc1-65c8d471c621" providerId="ADAL" clId="{AA9102B5-DACA-D841-B260-AEEBF90FC60A}" dt="2020-01-05T22:05:52.404" v="36" actId="2696"/>
-        <pc:sldMkLst>
-          <pc:docMk/>
-          <pc:sldMk cId="2255846137" sldId="311"/>
-        </pc:sldMkLst>
-      </pc:sldChg>
-      <pc:sldChg chg="del">
-        <pc:chgData name="Long B Nguyen" userId="f59fb8f3-a021-417a-8bc1-65c8d471c621" providerId="ADAL" clId="{AA9102B5-DACA-D841-B260-AEEBF90FC60A}" dt="2020-01-05T22:05:52.423" v="37" actId="2696"/>
-        <pc:sldMkLst>
-          <pc:docMk/>
-          <pc:sldMk cId="1513627164" sldId="312"/>
-        </pc:sldMkLst>
-      </pc:sldChg>
-      <pc:sldChg chg="del">
-        <pc:chgData name="Long B Nguyen" userId="f59fb8f3-a021-417a-8bc1-65c8d471c621" providerId="ADAL" clId="{AA9102B5-DACA-D841-B260-AEEBF90FC60A}" dt="2020-01-05T22:05:52.231" v="26" actId="2696"/>
-        <pc:sldMkLst>
-          <pc:docMk/>
-          <pc:sldMk cId="2097059918" sldId="313"/>
-        </pc:sldMkLst>
-      </pc:sldChg>
-      <pc:sldChg chg="modSp">
-        <pc:chgData name="Long B Nguyen" userId="f59fb8f3-a021-417a-8bc1-65c8d471c621" providerId="ADAL" clId="{AA9102B5-DACA-D841-B260-AEEBF90FC60A}" dt="2020-01-06T15:37:30.346" v="948" actId="20577"/>
-        <pc:sldMkLst>
-          <pc:docMk/>
-          <pc:sldMk cId="1452600724" sldId="316"/>
-        </pc:sldMkLst>
-        <pc:spChg chg="mod">
-          <ac:chgData name="Long B Nguyen" userId="f59fb8f3-a021-417a-8bc1-65c8d471c621" providerId="ADAL" clId="{AA9102B5-DACA-D841-B260-AEEBF90FC60A}" dt="2020-01-06T15:37:30.346" v="948" actId="20577"/>
-          <ac:spMkLst>
-            <pc:docMk/>
-            <pc:sldMk cId="1452600724" sldId="316"/>
-            <ac:spMk id="9" creationId="{E3B2E017-30B2-884B-A113-B419A2ED51AD}"/>
-          </ac:spMkLst>
-        </pc:spChg>
-      </pc:sldChg>
-      <pc:sldChg chg="del">
-        <pc:chgData name="Long B Nguyen" userId="f59fb8f3-a021-417a-8bc1-65c8d471c621" providerId="ADAL" clId="{AA9102B5-DACA-D841-B260-AEEBF90FC60A}" dt="2020-01-06T15:03:11.354" v="848" actId="2696"/>
-        <pc:sldMkLst>
-          <pc:docMk/>
-          <pc:sldMk cId="1787114790" sldId="317"/>
-        </pc:sldMkLst>
-      </pc:sldChg>
-      <pc:sldChg chg="del">
-        <pc:chgData name="Long B Nguyen" userId="f59fb8f3-a021-417a-8bc1-65c8d471c621" providerId="ADAL" clId="{AA9102B5-DACA-D841-B260-AEEBF90FC60A}" dt="2020-01-05T22:06:12.101" v="42" actId="2696"/>
-        <pc:sldMkLst>
-          <pc:docMk/>
-          <pc:sldMk cId="1215229427" sldId="318"/>
-        </pc:sldMkLst>
-      </pc:sldChg>
-      <pc:sldChg chg="modSp">
-        <pc:chgData name="Long B Nguyen" userId="f59fb8f3-a021-417a-8bc1-65c8d471c621" providerId="ADAL" clId="{AA9102B5-DACA-D841-B260-AEEBF90FC60A}" dt="2020-01-06T01:48:03.413" v="110" actId="20577"/>
-        <pc:sldMkLst>
-          <pc:docMk/>
-          <pc:sldMk cId="924617162" sldId="319"/>
-        </pc:sldMkLst>
-        <pc:spChg chg="mod">
-          <ac:chgData name="Long B Nguyen" userId="f59fb8f3-a021-417a-8bc1-65c8d471c621" providerId="ADAL" clId="{AA9102B5-DACA-D841-B260-AEEBF90FC60A}" dt="2020-01-06T01:48:03.413" v="110" actId="20577"/>
-          <ac:spMkLst>
-            <pc:docMk/>
-            <pc:sldMk cId="924617162" sldId="319"/>
-            <ac:spMk id="9" creationId="{E3B2E017-30B2-884B-A113-B419A2ED51AD}"/>
-          </ac:spMkLst>
-        </pc:spChg>
-      </pc:sldChg>
-      <pc:sldChg chg="modSp">
-        <pc:chgData name="Long B Nguyen" userId="f59fb8f3-a021-417a-8bc1-65c8d471c621" providerId="ADAL" clId="{AA9102B5-DACA-D841-B260-AEEBF90FC60A}" dt="2020-01-06T01:56:11.549" v="712" actId="1076"/>
-        <pc:sldMkLst>
-          <pc:docMk/>
-          <pc:sldMk cId="1310010799" sldId="324"/>
-        </pc:sldMkLst>
-        <pc:spChg chg="mod">
-          <ac:chgData name="Long B Nguyen" userId="f59fb8f3-a021-417a-8bc1-65c8d471c621" providerId="ADAL" clId="{AA9102B5-DACA-D841-B260-AEEBF90FC60A}" dt="2020-01-06T01:56:11.549" v="712" actId="1076"/>
-          <ac:spMkLst>
-            <pc:docMk/>
-            <pc:sldMk cId="1310010799" sldId="324"/>
-            <ac:spMk id="9" creationId="{E3B2E017-30B2-884B-A113-B419A2ED51AD}"/>
-          </ac:spMkLst>
-        </pc:spChg>
-      </pc:sldChg>
-      <pc:sldChg chg="modSp">
-        <pc:chgData name="Long B Nguyen" userId="f59fb8f3-a021-417a-8bc1-65c8d471c621" providerId="ADAL" clId="{AA9102B5-DACA-D841-B260-AEEBF90FC60A}" dt="2020-01-06T15:35:11.658" v="853" actId="20577"/>
-        <pc:sldMkLst>
-          <pc:docMk/>
-          <pc:sldMk cId="3314372952" sldId="325"/>
-        </pc:sldMkLst>
-        <pc:spChg chg="mod">
-          <ac:chgData name="Long B Nguyen" userId="f59fb8f3-a021-417a-8bc1-65c8d471c621" providerId="ADAL" clId="{AA9102B5-DACA-D841-B260-AEEBF90FC60A}" dt="2020-01-06T15:35:11.658" v="853" actId="20577"/>
-          <ac:spMkLst>
-            <pc:docMk/>
-            <pc:sldMk cId="3314372952" sldId="325"/>
-            <ac:spMk id="2" creationId="{AA3A228F-61D0-D949-A5E7-F83756230BF8}"/>
-          </ac:spMkLst>
-        </pc:spChg>
-        <pc:spChg chg="mod">
-          <ac:chgData name="Long B Nguyen" userId="f59fb8f3-a021-417a-8bc1-65c8d471c621" providerId="ADAL" clId="{AA9102B5-DACA-D841-B260-AEEBF90FC60A}" dt="2020-01-06T15:02:45.351" v="846" actId="20577"/>
-          <ac:spMkLst>
-            <pc:docMk/>
-            <pc:sldMk cId="3314372952" sldId="325"/>
-            <ac:spMk id="9" creationId="{E3B2E017-30B2-884B-A113-B419A2ED51AD}"/>
-          </ac:spMkLst>
-        </pc:spChg>
-      </pc:sldChg>
-      <pc:sldChg chg="del">
-        <pc:chgData name="Long B Nguyen" userId="f59fb8f3-a021-417a-8bc1-65c8d471c621" providerId="ADAL" clId="{AA9102B5-DACA-D841-B260-AEEBF90FC60A}" dt="2020-01-06T15:03:07.580" v="847" actId="2696"/>
-        <pc:sldMkLst>
-          <pc:docMk/>
-          <pc:sldMk cId="3117943122" sldId="326"/>
-        </pc:sldMkLst>
-      </pc:sldChg>
-      <pc:sldChg chg="del">
-        <pc:chgData name="Long B Nguyen" userId="f59fb8f3-a021-417a-8bc1-65c8d471c621" providerId="ADAL" clId="{AA9102B5-DACA-D841-B260-AEEBF90FC60A}" dt="2020-01-06T01:49:27.456" v="111" actId="2696"/>
-        <pc:sldMkLst>
-          <pc:docMk/>
-          <pc:sldMk cId="1025618360" sldId="327"/>
-        </pc:sldMkLst>
-      </pc:sldChg>
-      <pc:sldChg chg="modSp add">
-        <pc:chgData name="Long B Nguyen" userId="f59fb8f3-a021-417a-8bc1-65c8d471c621" providerId="ADAL" clId="{AA9102B5-DACA-D841-B260-AEEBF90FC60A}" dt="2020-01-06T15:00:48.763" v="818" actId="113"/>
-        <pc:sldMkLst>
-          <pc:docMk/>
-          <pc:sldMk cId="1724104636" sldId="327"/>
-        </pc:sldMkLst>
-        <pc:spChg chg="mod">
-          <ac:chgData name="Long B Nguyen" userId="f59fb8f3-a021-417a-8bc1-65c8d471c621" providerId="ADAL" clId="{AA9102B5-DACA-D841-B260-AEEBF90FC60A}" dt="2020-01-06T15:00:48.763" v="818" actId="113"/>
-          <ac:spMkLst>
-            <pc:docMk/>
-            <pc:sldMk cId="1724104636" sldId="327"/>
-            <ac:spMk id="9" creationId="{E3B2E017-30B2-884B-A113-B419A2ED51AD}"/>
-          </ac:spMkLst>
-        </pc:spChg>
-      </pc:sldChg>
-      <pc:sldChg chg="modSp">
-        <pc:chgData name="Long B Nguyen" userId="f59fb8f3-a021-417a-8bc1-65c8d471c621" providerId="ADAL" clId="{AA9102B5-DACA-D841-B260-AEEBF90FC60A}" dt="2020-01-06T01:55:34.369" v="708" actId="20577"/>
-        <pc:sldMkLst>
-          <pc:docMk/>
-          <pc:sldMk cId="4294143140" sldId="329"/>
-        </pc:sldMkLst>
-        <pc:spChg chg="mod">
-          <ac:chgData name="Long B Nguyen" userId="f59fb8f3-a021-417a-8bc1-65c8d471c621" providerId="ADAL" clId="{AA9102B5-DACA-D841-B260-AEEBF90FC60A}" dt="2020-01-06T01:55:34.369" v="708" actId="20577"/>
-          <ac:spMkLst>
-            <pc:docMk/>
-            <pc:sldMk cId="4294143140" sldId="329"/>
-            <ac:spMk id="9" creationId="{E3B2E017-30B2-884B-A113-B419A2ED51AD}"/>
-          </ac:spMkLst>
-        </pc:spChg>
-      </pc:sldChg>
-      <pc:sldChg chg="modSp add">
-        <pc:chgData name="Long B Nguyen" userId="f59fb8f3-a021-417a-8bc1-65c8d471c621" providerId="ADAL" clId="{AA9102B5-DACA-D841-B260-AEEBF90FC60A}" dt="2020-01-06T15:01:01.638" v="819" actId="2711"/>
-        <pc:sldMkLst>
-          <pc:docMk/>
-          <pc:sldMk cId="3594730708" sldId="330"/>
-        </pc:sldMkLst>
-        <pc:spChg chg="mod">
-          <ac:chgData name="Long B Nguyen" userId="f59fb8f3-a021-417a-8bc1-65c8d471c621" providerId="ADAL" clId="{AA9102B5-DACA-D841-B260-AEEBF90FC60A}" dt="2020-01-06T15:01:01.638" v="819" actId="2711"/>
-          <ac:spMkLst>
-            <pc:docMk/>
-            <pc:sldMk cId="3594730708" sldId="330"/>
-            <ac:spMk id="9" creationId="{E3B2E017-30B2-884B-A113-B419A2ED51AD}"/>
-          </ac:spMkLst>
-        </pc:spChg>
-      </pc:sldChg>
-      <pc:sldChg chg="modSp add">
-        <pc:chgData name="Long B Nguyen" userId="f59fb8f3-a021-417a-8bc1-65c8d471c621" providerId="ADAL" clId="{AA9102B5-DACA-D841-B260-AEEBF90FC60A}" dt="2020-01-06T02:00:17.493" v="815" actId="255"/>
-        <pc:sldMkLst>
-          <pc:docMk/>
-          <pc:sldMk cId="3870816631" sldId="331"/>
-        </pc:sldMkLst>
-        <pc:spChg chg="mod">
-          <ac:chgData name="Long B Nguyen" userId="f59fb8f3-a021-417a-8bc1-65c8d471c621" providerId="ADAL" clId="{AA9102B5-DACA-D841-B260-AEEBF90FC60A}" dt="2020-01-06T02:00:17.493" v="815" actId="255"/>
-          <ac:spMkLst>
-            <pc:docMk/>
-            <pc:sldMk cId="3870816631" sldId="331"/>
-            <ac:spMk id="9" creationId="{E3B2E017-30B2-884B-A113-B419A2ED51AD}"/>
-          </ac:spMkLst>
-        </pc:spChg>
-      </pc:sldChg>
-      <pc:sldChg chg="modSp add">
-        <pc:chgData name="Long B Nguyen" userId="f59fb8f3-a021-417a-8bc1-65c8d471c621" providerId="ADAL" clId="{AA9102B5-DACA-D841-B260-AEEBF90FC60A}" dt="2020-01-06T17:07:10.515" v="1519" actId="2711"/>
-        <pc:sldMkLst>
-          <pc:docMk/>
-          <pc:sldMk cId="3124353102" sldId="332"/>
-        </pc:sldMkLst>
-        <pc:spChg chg="mod">
-          <ac:chgData name="Long B Nguyen" userId="f59fb8f3-a021-417a-8bc1-65c8d471c621" providerId="ADAL" clId="{AA9102B5-DACA-D841-B260-AEEBF90FC60A}" dt="2020-01-06T17:03:36.721" v="1332" actId="20577"/>
-          <ac:spMkLst>
-            <pc:docMk/>
-            <pc:sldMk cId="3124353102" sldId="332"/>
-            <ac:spMk id="2" creationId="{AA3A228F-61D0-D949-A5E7-F83756230BF8}"/>
-          </ac:spMkLst>
-        </pc:spChg>
-        <pc:spChg chg="mod">
-          <ac:chgData name="Long B Nguyen" userId="f59fb8f3-a021-417a-8bc1-65c8d471c621" providerId="ADAL" clId="{AA9102B5-DACA-D841-B260-AEEBF90FC60A}" dt="2020-01-06T17:07:10.515" v="1519" actId="2711"/>
-          <ac:spMkLst>
-            <pc:docMk/>
-            <pc:sldMk cId="3124353102" sldId="332"/>
-            <ac:spMk id="9" creationId="{E3B2E017-30B2-884B-A113-B419A2ED51AD}"/>
-          </ac:spMkLst>
-        </pc:spChg>
-      </pc:sldChg>
-    </pc:docChg>
-  </pc:docChgLst>
-  <pc:docChgLst>
-    <pc:chgData name="Long B Nguyen" userId="f59fb8f3-a021-417a-8bc1-65c8d471c621" providerId="ADAL" clId="{B5860C40-AA08-4447-A918-2D2782E0FC0B}"/>
-    <pc:docChg chg="delSld modSld">
-      <pc:chgData name="Long B Nguyen" userId="f59fb8f3-a021-417a-8bc1-65c8d471c621" providerId="ADAL" clId="{B5860C40-AA08-4447-A918-2D2782E0FC0B}" dt="2019-09-16T13:59:20.091" v="35" actId="2696"/>
-      <pc:docMkLst>
-        <pc:docMk/>
-      </pc:docMkLst>
-      <pc:sldChg chg="modSp">
-        <pc:chgData name="Long B Nguyen" userId="f59fb8f3-a021-417a-8bc1-65c8d471c621" providerId="ADAL" clId="{B5860C40-AA08-4447-A918-2D2782E0FC0B}" dt="2019-09-16T13:58:36.640" v="18" actId="20577"/>
-        <pc:sldMkLst>
-          <pc:docMk/>
-          <pc:sldMk cId="4247104139" sldId="256"/>
-        </pc:sldMkLst>
-        <pc:spChg chg="mod">
-          <ac:chgData name="Long B Nguyen" userId="f59fb8f3-a021-417a-8bc1-65c8d471c621" providerId="ADAL" clId="{B5860C40-AA08-4447-A918-2D2782E0FC0B}" dt="2019-09-16T13:58:36.640" v="18" actId="20577"/>
-          <ac:spMkLst>
-            <pc:docMk/>
-            <pc:sldMk cId="4247104139" sldId="256"/>
-            <ac:spMk id="3" creationId="{1BDC47C8-6776-7B44-9CD4-95FC91452D62}"/>
-          </ac:spMkLst>
-        </pc:spChg>
-      </pc:sldChg>
-    </pc:docChg>
-  </pc:docChgLst>
-  <pc:docChgLst>
     <pc:chgData name="Long B Nguyen" userId="f59fb8f3-a021-417a-8bc1-65c8d471c621" providerId="ADAL" clId="{E5BF62A1-4F8A-BC49-8FD7-ABEA3D28ED25}"/>
-  </pc:docChgLst>
-  <pc:docChgLst>
-    <pc:chgData name="Long B Nguyen" userId="f59fb8f3-a021-417a-8bc1-65c8d471c621" providerId="ADAL" clId="{359527BD-9D28-FA41-9B76-D4C412CACD55}"/>
   </pc:docChgLst>
 </pc:chgInfo>
 </file>
@@ -2346,7 +2348,7 @@
           <a:p>
             <a:fld id="{4AAD347D-5ACD-4C99-B74B-A9C85AD731AF}" type="datetimeFigureOut">
               <a:rPr lang="en-US" smtClean="0"/>
-              <a:t>1/14/20</a:t>
+              <a:t>1/22/20</a:t>
             </a:fld>
             <a:endParaRPr lang="en-US" dirty="0"/>
           </a:p>
@@ -2516,7 +2518,7 @@
           <a:p>
             <a:fld id="{4509A250-FF31-4206-8172-F9D3106AACB1}" type="datetimeFigureOut">
               <a:rPr lang="en-US" smtClean="0"/>
-              <a:t>1/14/20</a:t>
+              <a:t>1/22/20</a:t>
             </a:fld>
             <a:endParaRPr lang="en-US" dirty="0"/>
           </a:p>
@@ -2696,7 +2698,7 @@
           <a:p>
             <a:fld id="{4509A250-FF31-4206-8172-F9D3106AACB1}" type="datetimeFigureOut">
               <a:rPr lang="en-US" smtClean="0"/>
-              <a:t>1/14/20</a:t>
+              <a:t>1/22/20</a:t>
             </a:fld>
             <a:endParaRPr lang="en-US" dirty="0"/>
           </a:p>
@@ -2866,7 +2868,7 @@
           <a:p>
             <a:fld id="{4509A250-FF31-4206-8172-F9D3106AACB1}" type="datetimeFigureOut">
               <a:rPr lang="en-US" smtClean="0"/>
-              <a:t>1/14/20</a:t>
+              <a:t>1/22/20</a:t>
             </a:fld>
             <a:endParaRPr lang="en-US" dirty="0"/>
           </a:p>
@@ -3112,7 +3114,7 @@
           <a:p>
             <a:fld id="{9796027F-7875-4030-9381-8BD8C4F21935}" type="datetimeFigureOut">
               <a:rPr lang="en-US" smtClean="0"/>
-              <a:t>1/14/20</a:t>
+              <a:t>1/22/20</a:t>
             </a:fld>
             <a:endParaRPr lang="en-US" dirty="0"/>
           </a:p>
@@ -3344,7 +3346,7 @@
           <a:p>
             <a:fld id="{9796027F-7875-4030-9381-8BD8C4F21935}" type="datetimeFigureOut">
               <a:rPr lang="en-US" smtClean="0"/>
-              <a:t>1/14/20</a:t>
+              <a:t>1/22/20</a:t>
             </a:fld>
             <a:endParaRPr lang="en-US" dirty="0"/>
           </a:p>
@@ -3711,7 +3713,7 @@
           <a:p>
             <a:fld id="{9796027F-7875-4030-9381-8BD8C4F21935}" type="datetimeFigureOut">
               <a:rPr lang="en-US" smtClean="0"/>
-              <a:t>1/14/20</a:t>
+              <a:t>1/22/20</a:t>
             </a:fld>
             <a:endParaRPr lang="en-US" dirty="0"/>
           </a:p>
@@ -3829,7 +3831,7 @@
           <a:p>
             <a:fld id="{4509A250-FF31-4206-8172-F9D3106AACB1}" type="datetimeFigureOut">
               <a:rPr lang="en-US" smtClean="0"/>
-              <a:t>1/14/20</a:t>
+              <a:t>1/22/20</a:t>
             </a:fld>
             <a:endParaRPr lang="en-US" dirty="0"/>
           </a:p>
@@ -3924,7 +3926,7 @@
           <a:p>
             <a:fld id="{4509A250-FF31-4206-8172-F9D3106AACB1}" type="datetimeFigureOut">
               <a:rPr lang="en-US" smtClean="0"/>
-              <a:t>1/14/20</a:t>
+              <a:t>1/22/20</a:t>
             </a:fld>
             <a:endParaRPr lang="en-US" dirty="0"/>
           </a:p>
@@ -4201,7 +4203,7 @@
           <a:p>
             <a:fld id="{4509A250-FF31-4206-8172-F9D3106AACB1}" type="datetimeFigureOut">
               <a:rPr lang="en-US" smtClean="0"/>
-              <a:t>1/14/20</a:t>
+              <a:t>1/22/20</a:t>
             </a:fld>
             <a:endParaRPr lang="en-US" dirty="0"/>
           </a:p>
@@ -4458,7 +4460,7 @@
           <a:p>
             <a:fld id="{4509A250-FF31-4206-8172-F9D3106AACB1}" type="datetimeFigureOut">
               <a:rPr lang="en-US" smtClean="0"/>
-              <a:t>1/14/20</a:t>
+              <a:t>1/22/20</a:t>
             </a:fld>
             <a:endParaRPr lang="en-US" dirty="0"/>
           </a:p>
@@ -4671,7 +4673,7 @@
           <a:p>
             <a:fld id="{4AAD347D-5ACD-4C99-B74B-A9C85AD731AF}" type="datetimeFigureOut">
               <a:rPr lang="en-US" smtClean="0"/>
-              <a:t>1/14/20</a:t>
+              <a:t>1/22/20</a:t>
             </a:fld>
             <a:endParaRPr lang="en-US" dirty="0"/>
           </a:p>
@@ -5130,7 +5132,7 @@
         <p:spPr>
           <a:xfrm>
             <a:off x="1730622" y="2550187"/>
-            <a:ext cx="5414104" cy="1277135"/>
+            <a:ext cx="6226604" cy="1277135"/>
           </a:xfrm>
         </p:spPr>
         <p:txBody>
@@ -5142,7 +5144,7 @@
             <a:pPr algn="l"/>
             <a:r>
               <a:rPr lang="en-US" sz="2400" b="1" dirty="0"/>
-              <a:t>Unicode/Text Encoding with Python</a:t>
+              <a:t>Unicode Character Encoding with Python</a:t>
             </a:r>
           </a:p>
         </p:txBody>
@@ -6085,6 +6087,393 @@
   <p:clrMapOvr>
     <a:masterClrMapping/>
   </p:clrMapOvr>
+  <p:timing>
+    <p:tnLst>
+      <p:par>
+        <p:cTn id="1" dur="indefinite" restart="never" nodeType="tmRoot">
+          <p:childTnLst>
+            <p:seq concurrent="1" nextAc="seek">
+              <p:cTn id="2" dur="indefinite" nodeType="mainSeq">
+                <p:childTnLst>
+                  <p:par>
+                    <p:cTn id="3" fill="hold">
+                      <p:stCondLst>
+                        <p:cond delay="indefinite"/>
+                      </p:stCondLst>
+                      <p:childTnLst>
+                        <p:par>
+                          <p:cTn id="4" fill="hold">
+                            <p:stCondLst>
+                              <p:cond delay="0"/>
+                            </p:stCondLst>
+                            <p:childTnLst>
+                              <p:par>
+                                <p:cTn id="5" presetID="1" presetClass="entr" presetSubtype="0" fill="hold" nodeType="clickEffect">
+                                  <p:stCondLst>
+                                    <p:cond delay="0"/>
+                                  </p:stCondLst>
+                                  <p:childTnLst>
+                                    <p:set>
+                                      <p:cBhvr>
+                                        <p:cTn id="6" dur="1" fill="hold">
+                                          <p:stCondLst>
+                                            <p:cond delay="0"/>
+                                          </p:stCondLst>
+                                        </p:cTn>
+                                        <p:tgtEl>
+                                          <p:spTgt spid="9">
+                                            <p:txEl>
+                                              <p:pRg st="7" end="7"/>
+                                            </p:txEl>
+                                          </p:spTgt>
+                                        </p:tgtEl>
+                                        <p:attrNameLst>
+                                          <p:attrName>style.visibility</p:attrName>
+                                        </p:attrNameLst>
+                                      </p:cBhvr>
+                                      <p:to>
+                                        <p:strVal val="visible"/>
+                                      </p:to>
+                                    </p:set>
+                                  </p:childTnLst>
+                                </p:cTn>
+                              </p:par>
+                            </p:childTnLst>
+                          </p:cTn>
+                        </p:par>
+                      </p:childTnLst>
+                    </p:cTn>
+                  </p:par>
+                  <p:par>
+                    <p:cTn id="7" fill="hold">
+                      <p:stCondLst>
+                        <p:cond delay="indefinite"/>
+                      </p:stCondLst>
+                      <p:childTnLst>
+                        <p:par>
+                          <p:cTn id="8" fill="hold">
+                            <p:stCondLst>
+                              <p:cond delay="0"/>
+                            </p:stCondLst>
+                            <p:childTnLst>
+                              <p:par>
+                                <p:cTn id="9" presetID="1" presetClass="entr" presetSubtype="0" fill="hold" nodeType="clickEffect">
+                                  <p:stCondLst>
+                                    <p:cond delay="0"/>
+                                  </p:stCondLst>
+                                  <p:childTnLst>
+                                    <p:set>
+                                      <p:cBhvr>
+                                        <p:cTn id="10" dur="1" fill="hold">
+                                          <p:stCondLst>
+                                            <p:cond delay="0"/>
+                                          </p:stCondLst>
+                                        </p:cTn>
+                                        <p:tgtEl>
+                                          <p:spTgt spid="9">
+                                            <p:txEl>
+                                              <p:pRg st="8" end="8"/>
+                                            </p:txEl>
+                                          </p:spTgt>
+                                        </p:tgtEl>
+                                        <p:attrNameLst>
+                                          <p:attrName>style.visibility</p:attrName>
+                                        </p:attrNameLst>
+                                      </p:cBhvr>
+                                      <p:to>
+                                        <p:strVal val="visible"/>
+                                      </p:to>
+                                    </p:set>
+                                  </p:childTnLst>
+                                </p:cTn>
+                              </p:par>
+                              <p:par>
+                                <p:cTn id="11" presetID="1" presetClass="entr" presetSubtype="0" fill="hold" nodeType="withEffect">
+                                  <p:stCondLst>
+                                    <p:cond delay="0"/>
+                                  </p:stCondLst>
+                                  <p:childTnLst>
+                                    <p:set>
+                                      <p:cBhvr>
+                                        <p:cTn id="12" dur="1" fill="hold">
+                                          <p:stCondLst>
+                                            <p:cond delay="0"/>
+                                          </p:stCondLst>
+                                        </p:cTn>
+                                        <p:tgtEl>
+                                          <p:spTgt spid="9">
+                                            <p:txEl>
+                                              <p:pRg st="9" end="9"/>
+                                            </p:txEl>
+                                          </p:spTgt>
+                                        </p:tgtEl>
+                                        <p:attrNameLst>
+                                          <p:attrName>style.visibility</p:attrName>
+                                        </p:attrNameLst>
+                                      </p:cBhvr>
+                                      <p:to>
+                                        <p:strVal val="visible"/>
+                                      </p:to>
+                                    </p:set>
+                                  </p:childTnLst>
+                                </p:cTn>
+                              </p:par>
+                            </p:childTnLst>
+                          </p:cTn>
+                        </p:par>
+                      </p:childTnLst>
+                    </p:cTn>
+                  </p:par>
+                  <p:par>
+                    <p:cTn id="13" fill="hold">
+                      <p:stCondLst>
+                        <p:cond delay="indefinite"/>
+                      </p:stCondLst>
+                      <p:childTnLst>
+                        <p:par>
+                          <p:cTn id="14" fill="hold">
+                            <p:stCondLst>
+                              <p:cond delay="0"/>
+                            </p:stCondLst>
+                            <p:childTnLst>
+                              <p:par>
+                                <p:cTn id="15" presetID="1" presetClass="entr" presetSubtype="0" fill="hold" nodeType="clickEffect">
+                                  <p:stCondLst>
+                                    <p:cond delay="0"/>
+                                  </p:stCondLst>
+                                  <p:childTnLst>
+                                    <p:set>
+                                      <p:cBhvr>
+                                        <p:cTn id="16" dur="1" fill="hold">
+                                          <p:stCondLst>
+                                            <p:cond delay="0"/>
+                                          </p:stCondLst>
+                                        </p:cTn>
+                                        <p:tgtEl>
+                                          <p:spTgt spid="9">
+                                            <p:txEl>
+                                              <p:pRg st="10" end="10"/>
+                                            </p:txEl>
+                                          </p:spTgt>
+                                        </p:tgtEl>
+                                        <p:attrNameLst>
+                                          <p:attrName>style.visibility</p:attrName>
+                                        </p:attrNameLst>
+                                      </p:cBhvr>
+                                      <p:to>
+                                        <p:strVal val="visible"/>
+                                      </p:to>
+                                    </p:set>
+                                  </p:childTnLst>
+                                </p:cTn>
+                              </p:par>
+                              <p:par>
+                                <p:cTn id="17" presetID="1" presetClass="entr" presetSubtype="0" fill="hold" nodeType="withEffect">
+                                  <p:stCondLst>
+                                    <p:cond delay="0"/>
+                                  </p:stCondLst>
+                                  <p:childTnLst>
+                                    <p:set>
+                                      <p:cBhvr>
+                                        <p:cTn id="18" dur="1" fill="hold">
+                                          <p:stCondLst>
+                                            <p:cond delay="0"/>
+                                          </p:stCondLst>
+                                        </p:cTn>
+                                        <p:tgtEl>
+                                          <p:spTgt spid="9">
+                                            <p:txEl>
+                                              <p:pRg st="11" end="11"/>
+                                            </p:txEl>
+                                          </p:spTgt>
+                                        </p:tgtEl>
+                                        <p:attrNameLst>
+                                          <p:attrName>style.visibility</p:attrName>
+                                        </p:attrNameLst>
+                                      </p:cBhvr>
+                                      <p:to>
+                                        <p:strVal val="visible"/>
+                                      </p:to>
+                                    </p:set>
+                                  </p:childTnLst>
+                                </p:cTn>
+                              </p:par>
+                            </p:childTnLst>
+                          </p:cTn>
+                        </p:par>
+                      </p:childTnLst>
+                    </p:cTn>
+                  </p:par>
+                  <p:par>
+                    <p:cTn id="19" fill="hold">
+                      <p:stCondLst>
+                        <p:cond delay="indefinite"/>
+                      </p:stCondLst>
+                      <p:childTnLst>
+                        <p:par>
+                          <p:cTn id="20" fill="hold">
+                            <p:stCondLst>
+                              <p:cond delay="0"/>
+                            </p:stCondLst>
+                            <p:childTnLst>
+                              <p:par>
+                                <p:cTn id="21" presetID="1" presetClass="entr" presetSubtype="0" fill="hold" nodeType="clickEffect">
+                                  <p:stCondLst>
+                                    <p:cond delay="0"/>
+                                  </p:stCondLst>
+                                  <p:childTnLst>
+                                    <p:set>
+                                      <p:cBhvr>
+                                        <p:cTn id="22" dur="1" fill="hold">
+                                          <p:stCondLst>
+                                            <p:cond delay="0"/>
+                                          </p:stCondLst>
+                                        </p:cTn>
+                                        <p:tgtEl>
+                                          <p:spTgt spid="6"/>
+                                        </p:tgtEl>
+                                        <p:attrNameLst>
+                                          <p:attrName>style.visibility</p:attrName>
+                                        </p:attrNameLst>
+                                      </p:cBhvr>
+                                      <p:to>
+                                        <p:strVal val="visible"/>
+                                      </p:to>
+                                    </p:set>
+                                  </p:childTnLst>
+                                </p:cTn>
+                              </p:par>
+                              <p:par>
+                                <p:cTn id="23" presetID="1" presetClass="entr" presetSubtype="0" fill="hold" nodeType="withEffect">
+                                  <p:stCondLst>
+                                    <p:cond delay="0"/>
+                                  </p:stCondLst>
+                                  <p:childTnLst>
+                                    <p:set>
+                                      <p:cBhvr>
+                                        <p:cTn id="24" dur="1" fill="hold">
+                                          <p:stCondLst>
+                                            <p:cond delay="0"/>
+                                          </p:stCondLst>
+                                        </p:cTn>
+                                        <p:tgtEl>
+                                          <p:spTgt spid="11"/>
+                                        </p:tgtEl>
+                                        <p:attrNameLst>
+                                          <p:attrName>style.visibility</p:attrName>
+                                        </p:attrNameLst>
+                                      </p:cBhvr>
+                                      <p:to>
+                                        <p:strVal val="visible"/>
+                                      </p:to>
+                                    </p:set>
+                                  </p:childTnLst>
+                                </p:cTn>
+                              </p:par>
+                              <p:par>
+                                <p:cTn id="25" presetID="1" presetClass="entr" presetSubtype="0" fill="hold" grpId="0" nodeType="withEffect">
+                                  <p:stCondLst>
+                                    <p:cond delay="0"/>
+                                  </p:stCondLst>
+                                  <p:childTnLst>
+                                    <p:set>
+                                      <p:cBhvr>
+                                        <p:cTn id="26" dur="1" fill="hold">
+                                          <p:stCondLst>
+                                            <p:cond delay="0"/>
+                                          </p:stCondLst>
+                                        </p:cTn>
+                                        <p:tgtEl>
+                                          <p:spTgt spid="4"/>
+                                        </p:tgtEl>
+                                        <p:attrNameLst>
+                                          <p:attrName>style.visibility</p:attrName>
+                                        </p:attrNameLst>
+                                      </p:cBhvr>
+                                      <p:to>
+                                        <p:strVal val="visible"/>
+                                      </p:to>
+                                    </p:set>
+                                  </p:childTnLst>
+                                </p:cTn>
+                              </p:par>
+                            </p:childTnLst>
+                          </p:cTn>
+                        </p:par>
+                      </p:childTnLst>
+                    </p:cTn>
+                  </p:par>
+                  <p:par>
+                    <p:cTn id="27" fill="hold">
+                      <p:stCondLst>
+                        <p:cond delay="indefinite"/>
+                      </p:stCondLst>
+                      <p:childTnLst>
+                        <p:par>
+                          <p:cTn id="28" fill="hold">
+                            <p:stCondLst>
+                              <p:cond delay="0"/>
+                            </p:stCondLst>
+                            <p:childTnLst>
+                              <p:par>
+                                <p:cTn id="29" presetID="1" presetClass="entr" presetSubtype="0" fill="hold" grpId="0" nodeType="clickEffect">
+                                  <p:stCondLst>
+                                    <p:cond delay="0"/>
+                                  </p:stCondLst>
+                                  <p:childTnLst>
+                                    <p:set>
+                                      <p:cBhvr>
+                                        <p:cTn id="30" dur="1" fill="hold">
+                                          <p:stCondLst>
+                                            <p:cond delay="0"/>
+                                          </p:stCondLst>
+                                        </p:cTn>
+                                        <p:tgtEl>
+                                          <p:spTgt spid="15"/>
+                                        </p:tgtEl>
+                                        <p:attrNameLst>
+                                          <p:attrName>style.visibility</p:attrName>
+                                        </p:attrNameLst>
+                                      </p:cBhvr>
+                                      <p:to>
+                                        <p:strVal val="visible"/>
+                                      </p:to>
+                                    </p:set>
+                                  </p:childTnLst>
+                                </p:cTn>
+                              </p:par>
+                            </p:childTnLst>
+                          </p:cTn>
+                        </p:par>
+                      </p:childTnLst>
+                    </p:cTn>
+                  </p:par>
+                </p:childTnLst>
+              </p:cTn>
+              <p:prevCondLst>
+                <p:cond evt="onPrev" delay="0">
+                  <p:tgtEl>
+                    <p:sldTgt/>
+                  </p:tgtEl>
+                </p:cond>
+              </p:prevCondLst>
+              <p:nextCondLst>
+                <p:cond evt="onNext" delay="0">
+                  <p:tgtEl>
+                    <p:sldTgt/>
+                  </p:tgtEl>
+                </p:cond>
+              </p:nextCondLst>
+            </p:seq>
+          </p:childTnLst>
+        </p:cTn>
+      </p:par>
+    </p:tnLst>
+    <p:bldLst>
+      <p:bldP spid="4" grpId="0"/>
+      <p:bldP spid="15" grpId="0"/>
+    </p:bldLst>
+  </p:timing>
 </p:sld>
 </file>
 
@@ -6362,6 +6751,179 @@
   <p:clrMapOvr>
     <a:masterClrMapping/>
   </p:clrMapOvr>
+  <p:timing>
+    <p:tnLst>
+      <p:par>
+        <p:cTn id="1" dur="indefinite" restart="never" nodeType="tmRoot">
+          <p:childTnLst>
+            <p:seq concurrent="1" nextAc="seek">
+              <p:cTn id="2" dur="indefinite" nodeType="mainSeq">
+                <p:childTnLst>
+                  <p:par>
+                    <p:cTn id="3" fill="hold">
+                      <p:stCondLst>
+                        <p:cond delay="indefinite"/>
+                      </p:stCondLst>
+                      <p:childTnLst>
+                        <p:par>
+                          <p:cTn id="4" fill="hold">
+                            <p:stCondLst>
+                              <p:cond delay="0"/>
+                            </p:stCondLst>
+                            <p:childTnLst>
+                              <p:par>
+                                <p:cTn id="5" presetID="1" presetClass="entr" presetSubtype="0" fill="hold" nodeType="clickEffect">
+                                  <p:stCondLst>
+                                    <p:cond delay="0"/>
+                                  </p:stCondLst>
+                                  <p:childTnLst>
+                                    <p:set>
+                                      <p:cBhvr>
+                                        <p:cTn id="6" dur="1" fill="hold">
+                                          <p:stCondLst>
+                                            <p:cond delay="0"/>
+                                          </p:stCondLst>
+                                        </p:cTn>
+                                        <p:tgtEl>
+                                          <p:spTgt spid="9">
+                                            <p:txEl>
+                                              <p:pRg st="3" end="3"/>
+                                            </p:txEl>
+                                          </p:spTgt>
+                                        </p:tgtEl>
+                                        <p:attrNameLst>
+                                          <p:attrName>style.visibility</p:attrName>
+                                        </p:attrNameLst>
+                                      </p:cBhvr>
+                                      <p:to>
+                                        <p:strVal val="visible"/>
+                                      </p:to>
+                                    </p:set>
+                                  </p:childTnLst>
+                                </p:cTn>
+                              </p:par>
+                            </p:childTnLst>
+                          </p:cTn>
+                        </p:par>
+                      </p:childTnLst>
+                    </p:cTn>
+                  </p:par>
+                  <p:par>
+                    <p:cTn id="7" fill="hold">
+                      <p:stCondLst>
+                        <p:cond delay="indefinite"/>
+                      </p:stCondLst>
+                      <p:childTnLst>
+                        <p:par>
+                          <p:cTn id="8" fill="hold">
+                            <p:stCondLst>
+                              <p:cond delay="0"/>
+                            </p:stCondLst>
+                            <p:childTnLst>
+                              <p:par>
+                                <p:cTn id="9" presetID="1" presetClass="entr" presetSubtype="0" fill="hold" nodeType="clickEffect">
+                                  <p:stCondLst>
+                                    <p:cond delay="0"/>
+                                  </p:stCondLst>
+                                  <p:childTnLst>
+                                    <p:set>
+                                      <p:cBhvr>
+                                        <p:cTn id="10" dur="1" fill="hold">
+                                          <p:stCondLst>
+                                            <p:cond delay="0"/>
+                                          </p:stCondLst>
+                                        </p:cTn>
+                                        <p:tgtEl>
+                                          <p:spTgt spid="3"/>
+                                        </p:tgtEl>
+                                        <p:attrNameLst>
+                                          <p:attrName>style.visibility</p:attrName>
+                                        </p:attrNameLst>
+                                      </p:cBhvr>
+                                      <p:to>
+                                        <p:strVal val="visible"/>
+                                      </p:to>
+                                    </p:set>
+                                  </p:childTnLst>
+                                </p:cTn>
+                              </p:par>
+                            </p:childTnLst>
+                          </p:cTn>
+                        </p:par>
+                      </p:childTnLst>
+                    </p:cTn>
+                  </p:par>
+                  <p:par>
+                    <p:cTn id="11" fill="hold">
+                      <p:stCondLst>
+                        <p:cond delay="indefinite"/>
+                      </p:stCondLst>
+                      <p:childTnLst>
+                        <p:par>
+                          <p:cTn id="12" fill="hold">
+                            <p:stCondLst>
+                              <p:cond delay="0"/>
+                            </p:stCondLst>
+                            <p:childTnLst>
+                              <p:par>
+                                <p:cTn id="13" presetID="1" presetClass="entr" presetSubtype="0" fill="hold" nodeType="clickEffect">
+                                  <p:stCondLst>
+                                    <p:cond delay="0"/>
+                                  </p:stCondLst>
+                                  <p:childTnLst>
+                                    <p:set>
+                                      <p:cBhvr>
+                                        <p:cTn id="14" dur="1" fill="hold">
+                                          <p:stCondLst>
+                                            <p:cond delay="0"/>
+                                          </p:stCondLst>
+                                        </p:cTn>
+                                        <p:tgtEl>
+                                          <p:spTgt spid="9">
+                                            <p:txEl>
+                                              <p:pRg st="8" end="8"/>
+                                            </p:txEl>
+                                          </p:spTgt>
+                                        </p:tgtEl>
+                                        <p:attrNameLst>
+                                          <p:attrName>style.visibility</p:attrName>
+                                        </p:attrNameLst>
+                                      </p:cBhvr>
+                                      <p:to>
+                                        <p:strVal val="visible"/>
+                                      </p:to>
+                                    </p:set>
+                                  </p:childTnLst>
+                                </p:cTn>
+                              </p:par>
+                            </p:childTnLst>
+                          </p:cTn>
+                        </p:par>
+                      </p:childTnLst>
+                    </p:cTn>
+                  </p:par>
+                </p:childTnLst>
+              </p:cTn>
+              <p:prevCondLst>
+                <p:cond evt="onPrev" delay="0">
+                  <p:tgtEl>
+                    <p:sldTgt/>
+                  </p:tgtEl>
+                </p:cond>
+              </p:prevCondLst>
+              <p:nextCondLst>
+                <p:cond evt="onNext" delay="0">
+                  <p:tgtEl>
+                    <p:sldTgt/>
+                  </p:tgtEl>
+                </p:cond>
+              </p:nextCondLst>
+            </p:seq>
+          </p:childTnLst>
+        </p:cTn>
+      </p:par>
+    </p:tnLst>
+  </p:timing>
 </p:sld>
 </file>
 
@@ -6534,10 +7096,1488 @@
   <p:clrMapOvr>
     <a:masterClrMapping/>
   </p:clrMapOvr>
+  <p:timing>
+    <p:tnLst>
+      <p:par>
+        <p:cTn id="1" dur="indefinite" restart="never" nodeType="tmRoot">
+          <p:childTnLst>
+            <p:seq concurrent="1" nextAc="seek">
+              <p:cTn id="2" dur="indefinite" nodeType="mainSeq">
+                <p:childTnLst>
+                  <p:par>
+                    <p:cTn id="3" fill="hold">
+                      <p:stCondLst>
+                        <p:cond delay="indefinite"/>
+                      </p:stCondLst>
+                      <p:childTnLst>
+                        <p:par>
+                          <p:cTn id="4" fill="hold">
+                            <p:stCondLst>
+                              <p:cond delay="0"/>
+                            </p:stCondLst>
+                            <p:childTnLst>
+                              <p:par>
+                                <p:cTn id="5" presetID="1" presetClass="entr" presetSubtype="0" fill="hold" grpId="0" nodeType="clickEffect">
+                                  <p:stCondLst>
+                                    <p:cond delay="0"/>
+                                  </p:stCondLst>
+                                  <p:childTnLst>
+                                    <p:set>
+                                      <p:cBhvr>
+                                        <p:cTn id="6" dur="1" fill="hold">
+                                          <p:stCondLst>
+                                            <p:cond delay="0"/>
+                                          </p:stCondLst>
+                                        </p:cTn>
+                                        <p:tgtEl>
+                                          <p:spTgt spid="5"/>
+                                        </p:tgtEl>
+                                        <p:attrNameLst>
+                                          <p:attrName>style.visibility</p:attrName>
+                                        </p:attrNameLst>
+                                      </p:cBhvr>
+                                      <p:to>
+                                        <p:strVal val="visible"/>
+                                      </p:to>
+                                    </p:set>
+                                  </p:childTnLst>
+                                </p:cTn>
+                              </p:par>
+                            </p:childTnLst>
+                          </p:cTn>
+                        </p:par>
+                      </p:childTnLst>
+                    </p:cTn>
+                  </p:par>
+                </p:childTnLst>
+              </p:cTn>
+              <p:prevCondLst>
+                <p:cond evt="onPrev" delay="0">
+                  <p:tgtEl>
+                    <p:sldTgt/>
+                  </p:tgtEl>
+                </p:cond>
+              </p:prevCondLst>
+              <p:nextCondLst>
+                <p:cond evt="onNext" delay="0">
+                  <p:tgtEl>
+                    <p:sldTgt/>
+                  </p:tgtEl>
+                </p:cond>
+              </p:nextCondLst>
+            </p:seq>
+          </p:childTnLst>
+        </p:cTn>
+      </p:par>
+    </p:tnLst>
+    <p:bldLst>
+      <p:bldP spid="5" grpId="0"/>
+    </p:bldLst>
+  </p:timing>
 </p:sld>
 </file>
 
 <file path=ppt/slides/slide13.xml><?xml version="1.0" encoding="utf-8"?>
+<p:sld xmlns:a="http://schemas.openxmlformats.org/drawingml/2006/main" xmlns:r="http://schemas.openxmlformats.org/officeDocument/2006/relationships" xmlns:p="http://schemas.openxmlformats.org/presentationml/2006/main">
+  <p:cSld>
+    <p:spTree>
+      <p:nvGrpSpPr>
+        <p:cNvPr id="1" name=""/>
+        <p:cNvGrpSpPr/>
+        <p:nvPr/>
+      </p:nvGrpSpPr>
+      <p:grpSpPr>
+        <a:xfrm>
+          <a:off x="0" y="0"/>
+          <a:ext cx="0" cy="0"/>
+          <a:chOff x="0" y="0"/>
+          <a:chExt cx="0" cy="0"/>
+        </a:xfrm>
+      </p:grpSpPr>
+      <p:sp>
+        <p:nvSpPr>
+          <p:cNvPr id="2" name="Title 1">
+            <a:extLst>
+              <a:ext uri="{FF2B5EF4-FFF2-40B4-BE49-F238E27FC236}">
+                <a16:creationId xmlns:a16="http://schemas.microsoft.com/office/drawing/2014/main" id="{AA3A228F-61D0-D949-A5E7-F83756230BF8}"/>
+              </a:ext>
+            </a:extLst>
+          </p:cNvPr>
+          <p:cNvSpPr>
+            <a:spLocks noGrp="1"/>
+          </p:cNvSpPr>
+          <p:nvPr>
+            <p:ph type="title"/>
+          </p:nvPr>
+        </p:nvSpPr>
+        <p:spPr>
+          <a:xfrm>
+            <a:off x="483848" y="123497"/>
+            <a:ext cx="7053542" cy="683886"/>
+          </a:xfrm>
+        </p:spPr>
+        <p:txBody>
+          <a:bodyPr/>
+          <a:lstStyle/>
+          <a:p>
+            <a:r>
+              <a:rPr lang="en-US" dirty="0"/>
+              <a:t>Example</a:t>
+            </a:r>
+          </a:p>
+        </p:txBody>
+      </p:sp>
+      <p:sp>
+        <p:nvSpPr>
+          <p:cNvPr id="9" name="Content Placeholder 8">
+            <a:extLst>
+              <a:ext uri="{FF2B5EF4-FFF2-40B4-BE49-F238E27FC236}">
+                <a16:creationId xmlns:a16="http://schemas.microsoft.com/office/drawing/2014/main" id="{E3B2E017-30B2-884B-A113-B419A2ED51AD}"/>
+              </a:ext>
+            </a:extLst>
+          </p:cNvPr>
+          <p:cNvSpPr>
+            <a:spLocks noGrp="1"/>
+          </p:cNvSpPr>
+          <p:nvPr>
+            <p:ph idx="1"/>
+          </p:nvPr>
+        </p:nvSpPr>
+        <p:spPr>
+          <a:xfrm>
+            <a:off x="483848" y="726393"/>
+            <a:ext cx="8051725" cy="4865110"/>
+          </a:xfrm>
+        </p:spPr>
+        <p:txBody>
+          <a:bodyPr>
+            <a:noAutofit/>
+          </a:bodyPr>
+          <a:lstStyle/>
+          <a:p>
+            <a:pPr marL="0" indent="0">
+              <a:buNone/>
+            </a:pPr>
+            <a:endParaRPr lang="en-US" dirty="0"/>
+          </a:p>
+          <a:p>
+            <a:pPr marL="0" indent="0">
+              <a:buNone/>
+            </a:pPr>
+            <a:r>
+              <a:rPr lang="en-US" dirty="0"/>
+              <a:t>1) Google the symbol "crossed swords". </a:t>
+            </a:r>
+          </a:p>
+          <a:p>
+            <a:pPr marL="0" indent="0">
+              <a:buNone/>
+            </a:pPr>
+            <a:endParaRPr lang="en-US" sz="1800" dirty="0"/>
+          </a:p>
+          <a:p>
+            <a:pPr marL="0" indent="0">
+              <a:buNone/>
+            </a:pPr>
+            <a:endParaRPr lang="en-US" sz="1800" dirty="0"/>
+          </a:p>
+          <a:p>
+            <a:pPr marL="0" indent="0">
+              <a:buNone/>
+            </a:pPr>
+            <a:endParaRPr lang="en-US" sz="1800" b="1" dirty="0"/>
+          </a:p>
+          <a:p>
+            <a:pPr marL="0" indent="0">
+              <a:buNone/>
+            </a:pPr>
+            <a:br>
+              <a:rPr lang="en-US" sz="2200" dirty="0"/>
+            </a:br>
+            <a:r>
+              <a:rPr lang="en-US" sz="2200" dirty="0"/>
+              <a:t>Since 2694 used 4 hex digits.  Prefix "\u" to get escape sequence "\u2694".</a:t>
+            </a:r>
+            <a:endParaRPr lang="en-US" sz="2200" b="1" dirty="0">
+              <a:solidFill>
+                <a:srgbClr val="000087"/>
+              </a:solidFill>
+              <a:latin typeface="Inconsolata Medium" panose="020B0609030003000000" pitchFamily="49" charset="77"/>
+            </a:endParaRPr>
+          </a:p>
+          <a:p>
+            <a:pPr marL="0" indent="0">
+              <a:buNone/>
+            </a:pPr>
+            <a:r>
+              <a:rPr lang="en-US" sz="1900" b="1" dirty="0">
+                <a:solidFill>
+                  <a:srgbClr val="000087"/>
+                </a:solidFill>
+                <a:latin typeface="Inconsolata Medium" panose="020B0609030003000000" pitchFamily="49" charset="77"/>
+              </a:rPr>
+              <a:t>In </a:t>
+            </a:r>
+            <a:r>
+              <a:rPr lang="en-US" sz="1900" b="1" dirty="0">
+                <a:latin typeface="Inconsolata Medium" panose="020B0609030003000000" pitchFamily="49" charset="77"/>
+              </a:rPr>
+              <a:t>[</a:t>
+            </a:r>
+            <a:r>
+              <a:rPr lang="en-US" sz="1900" b="1" dirty="0">
+                <a:solidFill>
+                  <a:srgbClr val="FF6600"/>
+                </a:solidFill>
+                <a:latin typeface="Inconsolata Medium" panose="020B0609030003000000" pitchFamily="49" charset="77"/>
+              </a:rPr>
+              <a:t>1</a:t>
+            </a:r>
+            <a:r>
+              <a:rPr lang="en-US" sz="1900" b="1" dirty="0">
+                <a:latin typeface="Inconsolata Medium" panose="020B0609030003000000" pitchFamily="49" charset="77"/>
+              </a:rPr>
+              <a:t>]: "\u2694" </a:t>
+            </a:r>
+            <a:br>
+              <a:rPr lang="en-US" sz="1900" b="1" dirty="0"/>
+            </a:br>
+            <a:r>
+              <a:rPr lang="en-US" sz="1800" b="1" dirty="0">
+                <a:latin typeface="Inconsolata Medium" panose="020B0609030003000000" pitchFamily="49" charset="77"/>
+              </a:rPr>
+              <a:t>Out [1]: </a:t>
+            </a:r>
+            <a:r>
+              <a:rPr lang="en-US" sz="2000" dirty="0"/>
+              <a:t>'⚔'</a:t>
+            </a:r>
+          </a:p>
+          <a:p>
+            <a:pPr marL="0" indent="0">
+              <a:buNone/>
+            </a:pPr>
+            <a:r>
+              <a:rPr lang="en-US" sz="1800" b="1" dirty="0">
+                <a:solidFill>
+                  <a:srgbClr val="000087"/>
+                </a:solidFill>
+                <a:latin typeface="Inconsolata Medium" panose="020B0609030003000000" pitchFamily="49" charset="77"/>
+              </a:rPr>
+              <a:t>In </a:t>
+            </a:r>
+            <a:r>
+              <a:rPr lang="en-US" sz="1800" b="1" dirty="0">
+                <a:latin typeface="Inconsolata Medium" panose="020B0609030003000000" pitchFamily="49" charset="77"/>
+              </a:rPr>
+              <a:t>[</a:t>
+            </a:r>
+            <a:r>
+              <a:rPr lang="en-US" sz="1800" b="1" dirty="0">
+                <a:solidFill>
+                  <a:srgbClr val="FF6600"/>
+                </a:solidFill>
+                <a:latin typeface="Inconsolata Medium" panose="020B0609030003000000" pitchFamily="49" charset="77"/>
+              </a:rPr>
+              <a:t>2</a:t>
+            </a:r>
+            <a:r>
+              <a:rPr lang="en-US" sz="1800" b="1" dirty="0">
+                <a:latin typeface="Inconsolata Medium" panose="020B0609030003000000" pitchFamily="49" charset="77"/>
+              </a:rPr>
+              <a:t>]: 0x2694  </a:t>
+            </a:r>
+            <a:r>
+              <a:rPr lang="en-US" sz="1800" b="1" dirty="0">
+                <a:solidFill>
+                  <a:schemeClr val="accent1">
+                    <a:lumMod val="75000"/>
+                  </a:schemeClr>
+                </a:solidFill>
+                <a:latin typeface="Inconsolata Medium" panose="020B0609030003000000" pitchFamily="49" charset="77"/>
+              </a:rPr>
+              <a:t># hex literal </a:t>
+            </a:r>
+            <a:br>
+              <a:rPr lang="en-US" sz="1800" b="1" dirty="0"/>
+            </a:br>
+            <a:r>
+              <a:rPr lang="en-US" sz="1800" b="1" dirty="0">
+                <a:latin typeface="Inconsolata Medium" panose="020B0609030003000000" pitchFamily="49" charset="77"/>
+              </a:rPr>
+              <a:t>Out [2]: 9876  </a:t>
+            </a:r>
+            <a:r>
+              <a:rPr lang="en-US" sz="1800" b="1" dirty="0">
+                <a:solidFill>
+                  <a:schemeClr val="accent1">
+                    <a:lumMod val="75000"/>
+                  </a:schemeClr>
+                </a:solidFill>
+                <a:latin typeface="Inconsolata Medium" panose="020B0609030003000000" pitchFamily="49" charset="77"/>
+              </a:rPr>
+              <a:t># decimal literal equivalent</a:t>
+            </a:r>
+          </a:p>
+          <a:p>
+            <a:pPr marL="0" indent="0">
+              <a:buNone/>
+            </a:pPr>
+            <a:r>
+              <a:rPr lang="en-US" sz="1800" b="1" dirty="0">
+                <a:solidFill>
+                  <a:srgbClr val="000087"/>
+                </a:solidFill>
+                <a:latin typeface="Inconsolata Medium" panose="020B0609030003000000" pitchFamily="49" charset="77"/>
+              </a:rPr>
+              <a:t>In </a:t>
+            </a:r>
+            <a:r>
+              <a:rPr lang="en-US" sz="1800" b="1" dirty="0">
+                <a:latin typeface="Inconsolata Medium" panose="020B0609030003000000" pitchFamily="49" charset="77"/>
+              </a:rPr>
+              <a:t>[</a:t>
+            </a:r>
+            <a:r>
+              <a:rPr lang="en-US" sz="1800" b="1" dirty="0">
+                <a:solidFill>
+                  <a:srgbClr val="FF6600"/>
+                </a:solidFill>
+                <a:latin typeface="Inconsolata Medium" panose="020B0609030003000000" pitchFamily="49" charset="77"/>
+              </a:rPr>
+              <a:t>3</a:t>
+            </a:r>
+            <a:r>
+              <a:rPr lang="en-US" sz="1800" b="1" dirty="0">
+                <a:latin typeface="Inconsolata Medium" panose="020B0609030003000000" pitchFamily="49" charset="77"/>
+              </a:rPr>
+              <a:t>]: </a:t>
+            </a:r>
+            <a:r>
+              <a:rPr lang="en-US" sz="1800" b="1" dirty="0" err="1">
+                <a:latin typeface="Inconsolata Medium" panose="020B0609030003000000" pitchFamily="49" charset="77"/>
+              </a:rPr>
+              <a:t>chr</a:t>
+            </a:r>
+            <a:r>
+              <a:rPr lang="en-US" sz="1800" b="1" dirty="0">
+                <a:latin typeface="Inconsolata Medium" panose="020B0609030003000000" pitchFamily="49" charset="77"/>
+              </a:rPr>
+              <a:t>(9876)  </a:t>
+            </a:r>
+            <a:r>
+              <a:rPr lang="en-US" sz="1800" b="1" dirty="0">
+                <a:solidFill>
+                  <a:schemeClr val="accent1">
+                    <a:lumMod val="75000"/>
+                  </a:schemeClr>
+                </a:solidFill>
+                <a:latin typeface="Inconsolata Medium" panose="020B0609030003000000" pitchFamily="49" charset="77"/>
+              </a:rPr>
+              <a:t># code point to character conversion</a:t>
+            </a:r>
+            <a:br>
+              <a:rPr lang="en-US" sz="1800" b="1" dirty="0"/>
+            </a:br>
+            <a:r>
+              <a:rPr lang="en-US" sz="1800" b="1" dirty="0">
+                <a:latin typeface="Inconsolata Medium" panose="020B0609030003000000" pitchFamily="49" charset="77"/>
+              </a:rPr>
+              <a:t>Out [3]: </a:t>
+            </a:r>
+            <a:r>
+              <a:rPr lang="en-US" sz="1800" dirty="0"/>
+              <a:t>'⚔'</a:t>
+            </a:r>
+          </a:p>
+          <a:p>
+            <a:pPr marL="0" indent="0">
+              <a:buNone/>
+            </a:pPr>
+            <a:r>
+              <a:rPr lang="en-US" sz="1800" b="1" dirty="0">
+                <a:latin typeface="Inconsolata Medium" panose="020B0609030003000000" pitchFamily="49" charset="77"/>
+              </a:rPr>
+              <a:t>  </a:t>
+            </a:r>
+            <a:endParaRPr lang="en-US" sz="1800" dirty="0">
+              <a:solidFill>
+                <a:schemeClr val="accent1">
+                  <a:lumMod val="75000"/>
+                </a:schemeClr>
+              </a:solidFill>
+            </a:endParaRPr>
+          </a:p>
+          <a:p>
+            <a:pPr marL="0" indent="0">
+              <a:buNone/>
+            </a:pPr>
+            <a:endParaRPr lang="en-US" sz="1800" dirty="0">
+              <a:solidFill>
+                <a:schemeClr val="accent1">
+                  <a:lumMod val="75000"/>
+                </a:schemeClr>
+              </a:solidFill>
+            </a:endParaRPr>
+          </a:p>
+          <a:p>
+            <a:pPr marL="0" indent="0">
+              <a:buNone/>
+            </a:pPr>
+            <a:endParaRPr lang="en-US" sz="1900" b="1" dirty="0"/>
+          </a:p>
+          <a:p>
+            <a:pPr marL="0" indent="0">
+              <a:buNone/>
+            </a:pPr>
+            <a:endParaRPr lang="en-US" b="1" dirty="0"/>
+          </a:p>
+          <a:p>
+            <a:pPr marL="0" indent="0">
+              <a:buNone/>
+            </a:pPr>
+            <a:endParaRPr lang="en-US" b="1" dirty="0">
+              <a:latin typeface="Inconsolata Medium" panose="020B0609030003000000" pitchFamily="49" charset="77"/>
+            </a:endParaRPr>
+          </a:p>
+          <a:p>
+            <a:pPr marL="0" indent="0">
+              <a:buNone/>
+            </a:pPr>
+            <a:endParaRPr lang="en-US" b="1" dirty="0">
+              <a:latin typeface="Inconsolata Medium" panose="020B0609030003000000" pitchFamily="49" charset="77"/>
+            </a:endParaRPr>
+          </a:p>
+          <a:p>
+            <a:pPr marL="0" indent="0">
+              <a:buNone/>
+            </a:pPr>
+            <a:endParaRPr lang="en-US" b="1" dirty="0">
+              <a:latin typeface="Inconsolata Medium" panose="020B0609030003000000" pitchFamily="49" charset="77"/>
+            </a:endParaRPr>
+          </a:p>
+          <a:p>
+            <a:pPr marL="0" indent="0">
+              <a:buNone/>
+            </a:pPr>
+            <a:r>
+              <a:rPr lang="en-US" b="1" dirty="0">
+                <a:latin typeface="Inconsolata Medium" panose="020B0609030003000000" pitchFamily="49" charset="77"/>
+              </a:rPr>
+              <a:t> </a:t>
+            </a:r>
+          </a:p>
+          <a:p>
+            <a:pPr marL="0" indent="0">
+              <a:buNone/>
+            </a:pPr>
+            <a:endParaRPr lang="en-US" b="1" dirty="0">
+              <a:latin typeface="Inconsolata Medium" panose="020B0609030003000000" pitchFamily="49" charset="77"/>
+            </a:endParaRPr>
+          </a:p>
+          <a:p>
+            <a:pPr marL="0" indent="0">
+              <a:buNone/>
+            </a:pPr>
+            <a:endParaRPr lang="en-US" b="1" dirty="0">
+              <a:latin typeface="Inconsolata Medium" panose="020B0609030003000000" pitchFamily="49" charset="77"/>
+            </a:endParaRPr>
+          </a:p>
+          <a:p>
+            <a:pPr marL="0" indent="0">
+              <a:buNone/>
+            </a:pPr>
+            <a:endParaRPr lang="en-US" b="1" dirty="0">
+              <a:latin typeface="Inconsolata Medium" panose="020B0609030003000000" pitchFamily="49" charset="77"/>
+            </a:endParaRPr>
+          </a:p>
+          <a:p>
+            <a:pPr marL="0" indent="0">
+              <a:buNone/>
+            </a:pPr>
+            <a:endParaRPr lang="en-US" b="1" dirty="0">
+              <a:latin typeface="Inconsolata Medium" panose="020B0609030003000000" pitchFamily="49" charset="77"/>
+            </a:endParaRPr>
+          </a:p>
+          <a:p>
+            <a:pPr marL="0" indent="0">
+              <a:buNone/>
+            </a:pPr>
+            <a:endParaRPr lang="en-US" b="1" dirty="0">
+              <a:latin typeface="Inconsolata Medium" panose="020B0609030003000000" pitchFamily="49" charset="77"/>
+            </a:endParaRPr>
+          </a:p>
+          <a:p>
+            <a:pPr marL="0" indent="0">
+              <a:buNone/>
+            </a:pPr>
+            <a:r>
+              <a:rPr lang="en-US" b="1" dirty="0">
+                <a:latin typeface="Inconsolata Medium" panose="020B0609030003000000" pitchFamily="49" charset="77"/>
+              </a:rPr>
+              <a:t> </a:t>
+            </a:r>
+          </a:p>
+          <a:p>
+            <a:pPr marL="0" indent="0">
+              <a:buNone/>
+            </a:pPr>
+            <a:endParaRPr lang="en-US" b="1" dirty="0">
+              <a:latin typeface="Inconsolata Medium" panose="020B0609030003000000" pitchFamily="49" charset="77"/>
+            </a:endParaRPr>
+          </a:p>
+          <a:p>
+            <a:pPr marL="0" indent="0">
+              <a:buNone/>
+            </a:pPr>
+            <a:endParaRPr lang="en-US" b="1" dirty="0">
+              <a:latin typeface="Inconsolata Medium" panose="020B0609030003000000" pitchFamily="49" charset="77"/>
+            </a:endParaRPr>
+          </a:p>
+        </p:txBody>
+      </p:sp>
+      <p:pic>
+        <p:nvPicPr>
+          <p:cNvPr id="5" name="Picture 4">
+            <a:extLst>
+              <a:ext uri="{FF2B5EF4-FFF2-40B4-BE49-F238E27FC236}">
+                <a16:creationId xmlns:a16="http://schemas.microsoft.com/office/drawing/2014/main" id="{0221188E-E536-7A48-A053-0E6D3C1959E6}"/>
+              </a:ext>
+            </a:extLst>
+          </p:cNvPr>
+          <p:cNvPicPr>
+            <a:picLocks noChangeAspect="1"/>
+          </p:cNvPicPr>
+          <p:nvPr/>
+        </p:nvPicPr>
+        <p:blipFill>
+          <a:blip r:embed="rId2"/>
+          <a:stretch>
+            <a:fillRect/>
+          </a:stretch>
+        </p:blipFill>
+        <p:spPr>
+          <a:xfrm>
+            <a:off x="2582322" y="1490942"/>
+            <a:ext cx="2980831" cy="1366558"/>
+          </a:xfrm>
+          <a:prstGeom prst="rect">
+            <a:avLst/>
+          </a:prstGeom>
+        </p:spPr>
+      </p:pic>
+    </p:spTree>
+    <p:extLst>
+      <p:ext uri="{BB962C8B-B14F-4D97-AF65-F5344CB8AC3E}">
+        <p14:creationId xmlns:p14="http://schemas.microsoft.com/office/powerpoint/2010/main" val="3938073383"/>
+      </p:ext>
+    </p:extLst>
+  </p:cSld>
+  <p:clrMapOvr>
+    <a:masterClrMapping/>
+  </p:clrMapOvr>
+  <p:timing>
+    <p:tnLst>
+      <p:par>
+        <p:cTn id="1" dur="indefinite" restart="never" nodeType="tmRoot">
+          <p:childTnLst>
+            <p:seq concurrent="1" nextAc="seek">
+              <p:cTn id="2" dur="indefinite" nodeType="mainSeq">
+                <p:childTnLst>
+                  <p:par>
+                    <p:cTn id="3" fill="hold">
+                      <p:stCondLst>
+                        <p:cond delay="indefinite"/>
+                      </p:stCondLst>
+                      <p:childTnLst>
+                        <p:par>
+                          <p:cTn id="4" fill="hold">
+                            <p:stCondLst>
+                              <p:cond delay="0"/>
+                            </p:stCondLst>
+                            <p:childTnLst>
+                              <p:par>
+                                <p:cTn id="5" presetID="1" presetClass="entr" presetSubtype="0" fill="hold" nodeType="clickEffect">
+                                  <p:stCondLst>
+                                    <p:cond delay="0"/>
+                                  </p:stCondLst>
+                                  <p:childTnLst>
+                                    <p:set>
+                                      <p:cBhvr>
+                                        <p:cTn id="6" dur="1" fill="hold">
+                                          <p:stCondLst>
+                                            <p:cond delay="0"/>
+                                          </p:stCondLst>
+                                        </p:cTn>
+                                        <p:tgtEl>
+                                          <p:spTgt spid="9">
+                                            <p:txEl>
+                                              <p:pRg st="6" end="6"/>
+                                            </p:txEl>
+                                          </p:spTgt>
+                                        </p:tgtEl>
+                                        <p:attrNameLst>
+                                          <p:attrName>style.visibility</p:attrName>
+                                        </p:attrNameLst>
+                                      </p:cBhvr>
+                                      <p:to>
+                                        <p:strVal val="visible"/>
+                                      </p:to>
+                                    </p:set>
+                                  </p:childTnLst>
+                                </p:cTn>
+                              </p:par>
+                            </p:childTnLst>
+                          </p:cTn>
+                        </p:par>
+                      </p:childTnLst>
+                    </p:cTn>
+                  </p:par>
+                  <p:par>
+                    <p:cTn id="7" fill="hold">
+                      <p:stCondLst>
+                        <p:cond delay="indefinite"/>
+                      </p:stCondLst>
+                      <p:childTnLst>
+                        <p:par>
+                          <p:cTn id="8" fill="hold">
+                            <p:stCondLst>
+                              <p:cond delay="0"/>
+                            </p:stCondLst>
+                            <p:childTnLst>
+                              <p:par>
+                                <p:cTn id="9" presetID="1" presetClass="entr" presetSubtype="0" fill="hold" nodeType="clickEffect">
+                                  <p:stCondLst>
+                                    <p:cond delay="0"/>
+                                  </p:stCondLst>
+                                  <p:childTnLst>
+                                    <p:set>
+                                      <p:cBhvr>
+                                        <p:cTn id="10" dur="1" fill="hold">
+                                          <p:stCondLst>
+                                            <p:cond delay="0"/>
+                                          </p:stCondLst>
+                                        </p:cTn>
+                                        <p:tgtEl>
+                                          <p:spTgt spid="9">
+                                            <p:txEl>
+                                              <p:pRg st="7" end="7"/>
+                                            </p:txEl>
+                                          </p:spTgt>
+                                        </p:tgtEl>
+                                        <p:attrNameLst>
+                                          <p:attrName>style.visibility</p:attrName>
+                                        </p:attrNameLst>
+                                      </p:cBhvr>
+                                      <p:to>
+                                        <p:strVal val="visible"/>
+                                      </p:to>
+                                    </p:set>
+                                  </p:childTnLst>
+                                </p:cTn>
+                              </p:par>
+                            </p:childTnLst>
+                          </p:cTn>
+                        </p:par>
+                      </p:childTnLst>
+                    </p:cTn>
+                  </p:par>
+                  <p:par>
+                    <p:cTn id="11" fill="hold">
+                      <p:stCondLst>
+                        <p:cond delay="indefinite"/>
+                      </p:stCondLst>
+                      <p:childTnLst>
+                        <p:par>
+                          <p:cTn id="12" fill="hold">
+                            <p:stCondLst>
+                              <p:cond delay="0"/>
+                            </p:stCondLst>
+                            <p:childTnLst>
+                              <p:par>
+                                <p:cTn id="13" presetID="1" presetClass="entr" presetSubtype="0" fill="hold" nodeType="clickEffect">
+                                  <p:stCondLst>
+                                    <p:cond delay="0"/>
+                                  </p:stCondLst>
+                                  <p:childTnLst>
+                                    <p:set>
+                                      <p:cBhvr>
+                                        <p:cTn id="14" dur="1" fill="hold">
+                                          <p:stCondLst>
+                                            <p:cond delay="0"/>
+                                          </p:stCondLst>
+                                        </p:cTn>
+                                        <p:tgtEl>
+                                          <p:spTgt spid="9">
+                                            <p:txEl>
+                                              <p:pRg st="8" end="8"/>
+                                            </p:txEl>
+                                          </p:spTgt>
+                                        </p:tgtEl>
+                                        <p:attrNameLst>
+                                          <p:attrName>style.visibility</p:attrName>
+                                        </p:attrNameLst>
+                                      </p:cBhvr>
+                                      <p:to>
+                                        <p:strVal val="visible"/>
+                                      </p:to>
+                                    </p:set>
+                                  </p:childTnLst>
+                                </p:cTn>
+                              </p:par>
+                            </p:childTnLst>
+                          </p:cTn>
+                        </p:par>
+                      </p:childTnLst>
+                    </p:cTn>
+                  </p:par>
+                </p:childTnLst>
+              </p:cTn>
+              <p:prevCondLst>
+                <p:cond evt="onPrev" delay="0">
+                  <p:tgtEl>
+                    <p:sldTgt/>
+                  </p:tgtEl>
+                </p:cond>
+              </p:prevCondLst>
+              <p:nextCondLst>
+                <p:cond evt="onNext" delay="0">
+                  <p:tgtEl>
+                    <p:sldTgt/>
+                  </p:tgtEl>
+                </p:cond>
+              </p:nextCondLst>
+            </p:seq>
+          </p:childTnLst>
+        </p:cTn>
+      </p:par>
+    </p:tnLst>
+  </p:timing>
+</p:sld>
+</file>
+
+<file path=ppt/slides/slide14.xml><?xml version="1.0" encoding="utf-8"?>
+<p:sld xmlns:a="http://schemas.openxmlformats.org/drawingml/2006/main" xmlns:r="http://schemas.openxmlformats.org/officeDocument/2006/relationships" xmlns:p="http://schemas.openxmlformats.org/presentationml/2006/main">
+  <p:cSld>
+    <p:spTree>
+      <p:nvGrpSpPr>
+        <p:cNvPr id="1" name=""/>
+        <p:cNvGrpSpPr/>
+        <p:nvPr/>
+      </p:nvGrpSpPr>
+      <p:grpSpPr>
+        <a:xfrm>
+          <a:off x="0" y="0"/>
+          <a:ext cx="0" cy="0"/>
+          <a:chOff x="0" y="0"/>
+          <a:chExt cx="0" cy="0"/>
+        </a:xfrm>
+      </p:grpSpPr>
+      <p:sp>
+        <p:nvSpPr>
+          <p:cNvPr id="2" name="Title 1">
+            <a:extLst>
+              <a:ext uri="{FF2B5EF4-FFF2-40B4-BE49-F238E27FC236}">
+                <a16:creationId xmlns:a16="http://schemas.microsoft.com/office/drawing/2014/main" id="{AA3A228F-61D0-D949-A5E7-F83756230BF8}"/>
+              </a:ext>
+            </a:extLst>
+          </p:cNvPr>
+          <p:cNvSpPr>
+            <a:spLocks noGrp="1"/>
+          </p:cNvSpPr>
+          <p:nvPr>
+            <p:ph type="title"/>
+          </p:nvPr>
+        </p:nvSpPr>
+        <p:spPr>
+          <a:xfrm>
+            <a:off x="483848" y="123497"/>
+            <a:ext cx="7053542" cy="683886"/>
+          </a:xfrm>
+        </p:spPr>
+        <p:txBody>
+          <a:bodyPr/>
+          <a:lstStyle/>
+          <a:p>
+            <a:r>
+              <a:rPr lang="en-US" dirty="0"/>
+              <a:t>Example</a:t>
+            </a:r>
+          </a:p>
+        </p:txBody>
+      </p:sp>
+      <p:sp>
+        <p:nvSpPr>
+          <p:cNvPr id="9" name="Content Placeholder 8">
+            <a:extLst>
+              <a:ext uri="{FF2B5EF4-FFF2-40B4-BE49-F238E27FC236}">
+                <a16:creationId xmlns:a16="http://schemas.microsoft.com/office/drawing/2014/main" id="{E3B2E017-30B2-884B-A113-B419A2ED51AD}"/>
+              </a:ext>
+            </a:extLst>
+          </p:cNvPr>
+          <p:cNvSpPr>
+            <a:spLocks noGrp="1"/>
+          </p:cNvSpPr>
+          <p:nvPr>
+            <p:ph idx="1"/>
+          </p:nvPr>
+        </p:nvSpPr>
+        <p:spPr>
+          <a:xfrm>
+            <a:off x="483848" y="726393"/>
+            <a:ext cx="8051725" cy="4865110"/>
+          </a:xfrm>
+        </p:spPr>
+        <p:txBody>
+          <a:bodyPr>
+            <a:noAutofit/>
+          </a:bodyPr>
+          <a:lstStyle/>
+          <a:p>
+            <a:pPr marL="0" indent="0">
+              <a:buNone/>
+            </a:pPr>
+            <a:endParaRPr lang="en-US" b="1" dirty="0">
+              <a:latin typeface="Inconsolata Medium" panose="020B0609030003000000" pitchFamily="49" charset="77"/>
+            </a:endParaRPr>
+          </a:p>
+          <a:p>
+            <a:pPr marL="0" indent="0">
+              <a:buNone/>
+            </a:pPr>
+            <a:r>
+              <a:rPr lang="en-US" sz="1800" dirty="0">
+                <a:latin typeface="Gill Sans MT" panose="020B0502020104020203" pitchFamily="34" charset="77"/>
+              </a:rPr>
+              <a:t>The same sequence of bytes may represent different characters depending on the encoding. </a:t>
+            </a:r>
+          </a:p>
+          <a:p>
+            <a:pPr marL="0" indent="0">
+              <a:buNone/>
+            </a:pPr>
+            <a:endParaRPr lang="en-US" sz="1800" b="1" dirty="0">
+              <a:latin typeface="Inconsolata Medium" panose="020B0609030003000000" pitchFamily="49" charset="77"/>
+            </a:endParaRPr>
+          </a:p>
+          <a:p>
+            <a:pPr marL="0" indent="0">
+              <a:buNone/>
+            </a:pPr>
+            <a:r>
+              <a:rPr lang="en-US" sz="1900" b="1" dirty="0">
+                <a:solidFill>
+                  <a:srgbClr val="000087"/>
+                </a:solidFill>
+                <a:latin typeface="Inconsolata Medium" panose="020B0609030003000000" pitchFamily="49" charset="77"/>
+              </a:rPr>
+              <a:t>In </a:t>
+            </a:r>
+            <a:r>
+              <a:rPr lang="en-US" sz="1900" b="1" dirty="0">
+                <a:latin typeface="Inconsolata Medium" panose="020B0609030003000000" pitchFamily="49" charset="77"/>
+              </a:rPr>
+              <a:t>[</a:t>
+            </a:r>
+            <a:r>
+              <a:rPr lang="en-US" sz="1900" b="1" dirty="0">
+                <a:solidFill>
+                  <a:srgbClr val="FF6600"/>
+                </a:solidFill>
+                <a:latin typeface="Inconsolata Medium" panose="020B0609030003000000" pitchFamily="49" charset="77"/>
+              </a:rPr>
+              <a:t>1</a:t>
+            </a:r>
+            <a:r>
+              <a:rPr lang="en-US" sz="1900" b="1" dirty="0">
+                <a:latin typeface="Inconsolata Medium" panose="020B0609030003000000" pitchFamily="49" charset="77"/>
+              </a:rPr>
+              <a:t>]: letters = "</a:t>
+            </a:r>
+            <a:r>
+              <a:rPr lang="el-GR" sz="1900" b="1" dirty="0" err="1">
+                <a:latin typeface="Inconsolata Medium" panose="020B0609030003000000" pitchFamily="49" charset="77"/>
+              </a:rPr>
+              <a:t>αβγδ</a:t>
+            </a:r>
+            <a:r>
+              <a:rPr lang="el-GR" sz="1900" b="1" dirty="0">
+                <a:latin typeface="Inconsolata Medium" panose="020B0609030003000000" pitchFamily="49" charset="77"/>
+              </a:rPr>
+              <a:t>"</a:t>
+            </a:r>
+            <a:endParaRPr lang="en-US" sz="2000" b="1" dirty="0">
+              <a:latin typeface="Inconsolata Medium" panose="020B0609030003000000" pitchFamily="49" charset="77"/>
+            </a:endParaRPr>
+          </a:p>
+          <a:p>
+            <a:pPr marL="0" indent="0">
+              <a:buNone/>
+            </a:pPr>
+            <a:r>
+              <a:rPr lang="en-US" sz="1800" b="1" dirty="0">
+                <a:solidFill>
+                  <a:srgbClr val="000087"/>
+                </a:solidFill>
+                <a:latin typeface="Inconsolata Medium" panose="020B0609030003000000" pitchFamily="49" charset="77"/>
+              </a:rPr>
+              <a:t>In </a:t>
+            </a:r>
+            <a:r>
+              <a:rPr lang="en-US" sz="1800" b="1" dirty="0">
+                <a:latin typeface="Inconsolata Medium" panose="020B0609030003000000" pitchFamily="49" charset="77"/>
+              </a:rPr>
+              <a:t>[</a:t>
+            </a:r>
+            <a:r>
+              <a:rPr lang="en-US" sz="1800" b="1" dirty="0">
+                <a:solidFill>
+                  <a:srgbClr val="FF6600"/>
+                </a:solidFill>
+                <a:latin typeface="Inconsolata Medium" panose="020B0609030003000000" pitchFamily="49" charset="77"/>
+              </a:rPr>
+              <a:t>2</a:t>
+            </a:r>
+            <a:r>
+              <a:rPr lang="en-US" sz="1800" b="1" dirty="0">
+                <a:latin typeface="Inconsolata Medium" panose="020B0609030003000000" pitchFamily="49" charset="77"/>
+              </a:rPr>
+              <a:t>]: </a:t>
+            </a:r>
+            <a:r>
+              <a:rPr lang="en-US" sz="1800" b="1" dirty="0" err="1">
+                <a:latin typeface="Inconsolata Medium" panose="020B0609030003000000" pitchFamily="49" charset="77"/>
+              </a:rPr>
+              <a:t>rawdata</a:t>
+            </a:r>
+            <a:r>
+              <a:rPr lang="en-US" sz="1800" b="1" dirty="0">
+                <a:latin typeface="Inconsolata Medium" panose="020B0609030003000000" pitchFamily="49" charset="77"/>
+              </a:rPr>
+              <a:t> = </a:t>
+            </a:r>
+            <a:r>
+              <a:rPr lang="en-US" sz="1800" b="1" dirty="0" err="1">
+                <a:latin typeface="Inconsolata Medium" panose="020B0609030003000000" pitchFamily="49" charset="77"/>
+              </a:rPr>
+              <a:t>letters.encode</a:t>
+            </a:r>
+            <a:r>
+              <a:rPr lang="en-US" sz="1800" b="1" dirty="0">
+                <a:latin typeface="Inconsolata Medium" panose="020B0609030003000000" pitchFamily="49" charset="77"/>
+              </a:rPr>
+              <a:t>("utf-8")  </a:t>
+            </a:r>
+            <a:r>
+              <a:rPr lang="en-US" sz="1800" b="1" dirty="0">
+                <a:solidFill>
+                  <a:schemeClr val="accent1">
+                    <a:lumMod val="75000"/>
+                  </a:schemeClr>
+                </a:solidFill>
+                <a:latin typeface="Inconsolata Medium" panose="020B0609030003000000" pitchFamily="49" charset="77"/>
+              </a:rPr>
+              <a:t># bytes</a:t>
+            </a:r>
+            <a:br>
+              <a:rPr lang="en-US" sz="1800" b="1" dirty="0">
+                <a:latin typeface="Inconsolata Medium" panose="020B0609030003000000" pitchFamily="49" charset="77"/>
+              </a:rPr>
+            </a:br>
+            <a:r>
+              <a:rPr lang="en-US" sz="1800" b="1" dirty="0">
+                <a:solidFill>
+                  <a:srgbClr val="000087"/>
+                </a:solidFill>
+                <a:latin typeface="Inconsolata Medium" panose="020B0609030003000000" pitchFamily="49" charset="77"/>
+              </a:rPr>
+              <a:t>In </a:t>
+            </a:r>
+            <a:r>
+              <a:rPr lang="en-US" sz="1800" b="1" dirty="0">
+                <a:latin typeface="Inconsolata Medium" panose="020B0609030003000000" pitchFamily="49" charset="77"/>
+              </a:rPr>
+              <a:t>[</a:t>
+            </a:r>
+            <a:r>
+              <a:rPr lang="en-US" sz="1800" b="1" dirty="0">
+                <a:solidFill>
+                  <a:srgbClr val="FF6600"/>
+                </a:solidFill>
+                <a:latin typeface="Inconsolata Medium" panose="020B0609030003000000" pitchFamily="49" charset="77"/>
+              </a:rPr>
+              <a:t>3</a:t>
+            </a:r>
+            <a:r>
+              <a:rPr lang="en-US" sz="1800" b="1" dirty="0">
+                <a:latin typeface="Inconsolata Medium" panose="020B0609030003000000" pitchFamily="49" charset="77"/>
+              </a:rPr>
+              <a:t>]: </a:t>
+            </a:r>
+            <a:r>
+              <a:rPr lang="en-US" sz="1800" b="1" dirty="0" err="1">
+                <a:latin typeface="Inconsolata Medium" panose="020B0609030003000000" pitchFamily="49" charset="77"/>
+              </a:rPr>
+              <a:t>rawdata.decode</a:t>
+            </a:r>
+            <a:r>
+              <a:rPr lang="en-US" sz="1800" b="1" dirty="0">
+                <a:latin typeface="Inconsolata Medium" panose="020B0609030003000000" pitchFamily="49" charset="77"/>
+              </a:rPr>
+              <a:t>("utf-8")</a:t>
+            </a:r>
+            <a:br>
+              <a:rPr lang="en-US" sz="1800" b="1" dirty="0">
+                <a:latin typeface="Inconsolata Medium" panose="020B0609030003000000" pitchFamily="49" charset="77"/>
+              </a:rPr>
+            </a:br>
+            <a:r>
+              <a:rPr lang="en-US" sz="1800" b="1" dirty="0">
+                <a:latin typeface="Inconsolata Medium" panose="020B0609030003000000" pitchFamily="49" charset="77"/>
+              </a:rPr>
+              <a:t>Out [3]: </a:t>
+            </a:r>
+            <a:r>
+              <a:rPr lang="el-GR" sz="1800" b="1" dirty="0" err="1">
+                <a:latin typeface="Inconsolata Medium" panose="020B0609030003000000" pitchFamily="49" charset="77"/>
+              </a:rPr>
+              <a:t>αβγδ</a:t>
+            </a:r>
+            <a:endParaRPr lang="en-US" sz="1800" b="1" dirty="0">
+              <a:latin typeface="Inconsolata Medium" panose="020B0609030003000000" pitchFamily="49" charset="77"/>
+            </a:endParaRPr>
+          </a:p>
+          <a:p>
+            <a:pPr marL="0" indent="0">
+              <a:buNone/>
+            </a:pPr>
+            <a:r>
+              <a:rPr lang="en-US" sz="1800" b="1" dirty="0">
+                <a:solidFill>
+                  <a:srgbClr val="000087"/>
+                </a:solidFill>
+                <a:latin typeface="Inconsolata Medium" panose="020B0609030003000000" pitchFamily="49" charset="77"/>
+              </a:rPr>
+              <a:t>In </a:t>
+            </a:r>
+            <a:r>
+              <a:rPr lang="en-US" sz="1800" b="1" dirty="0">
+                <a:latin typeface="Inconsolata Medium" panose="020B0609030003000000" pitchFamily="49" charset="77"/>
+              </a:rPr>
+              <a:t>[</a:t>
+            </a:r>
+            <a:r>
+              <a:rPr lang="en-US" sz="1800" b="1" dirty="0">
+                <a:solidFill>
+                  <a:srgbClr val="FF6600"/>
+                </a:solidFill>
+                <a:latin typeface="Inconsolata Medium" panose="020B0609030003000000" pitchFamily="49" charset="77"/>
+              </a:rPr>
+              <a:t>4</a:t>
+            </a:r>
+            <a:r>
+              <a:rPr lang="en-US" sz="1800" b="1" dirty="0">
+                <a:latin typeface="Inconsolata Medium" panose="020B0609030003000000" pitchFamily="49" charset="77"/>
+              </a:rPr>
+              <a:t>]: </a:t>
+            </a:r>
+            <a:r>
+              <a:rPr lang="en-US" sz="1800" b="1" dirty="0" err="1">
+                <a:latin typeface="Inconsolata Medium" panose="020B0609030003000000" pitchFamily="49" charset="77"/>
+              </a:rPr>
+              <a:t>rawdata.decode</a:t>
+            </a:r>
+            <a:r>
+              <a:rPr lang="en-US" sz="1800" b="1" dirty="0">
+                <a:latin typeface="Inconsolata Medium" panose="020B0609030003000000" pitchFamily="49" charset="77"/>
+              </a:rPr>
+              <a:t>("utf-16")     </a:t>
+            </a:r>
+            <a:r>
+              <a:rPr lang="en-US" sz="1800" b="1" dirty="0">
+                <a:solidFill>
+                  <a:schemeClr val="accent1">
+                    <a:lumMod val="75000"/>
+                  </a:schemeClr>
+                </a:solidFill>
+                <a:latin typeface="Inconsolata Medium" panose="020B0609030003000000" pitchFamily="49" charset="77"/>
+              </a:rPr>
+              <a:t># 😧</a:t>
+            </a:r>
+          </a:p>
+          <a:p>
+            <a:pPr marL="0" indent="0">
+              <a:buNone/>
+            </a:pPr>
+            <a:r>
+              <a:rPr lang="en-US" sz="1800" b="1" dirty="0">
+                <a:latin typeface="Inconsolata Medium" panose="020B0609030003000000" pitchFamily="49" charset="77"/>
+              </a:rPr>
+              <a:t>Out [4]: </a:t>
+            </a:r>
+            <a:r>
+              <a:rPr lang="en-US" altLang="ko-KR" sz="1800" dirty="0"/>
+              <a:t>'</a:t>
+            </a:r>
+            <a:r>
+              <a:rPr lang="ko-KR" altLang="en-US" sz="1800" dirty="0" err="1"/>
+              <a:t>뇎닎돎듎</a:t>
+            </a:r>
+            <a:r>
+              <a:rPr lang="en-US" altLang="ko-KR" sz="1800" dirty="0"/>
+              <a:t>'</a:t>
+            </a:r>
+            <a:endParaRPr lang="en-US" sz="1800" b="1" dirty="0">
+              <a:solidFill>
+                <a:schemeClr val="accent1">
+                  <a:lumMod val="75000"/>
+                </a:schemeClr>
+              </a:solidFill>
+              <a:latin typeface="Inconsolata Medium" panose="020B0609030003000000" pitchFamily="49" charset="77"/>
+            </a:endParaRPr>
+          </a:p>
+          <a:p>
+            <a:pPr marL="0" indent="0">
+              <a:buNone/>
+            </a:pPr>
+            <a:endParaRPr lang="en-US" sz="1900" b="1" dirty="0">
+              <a:latin typeface="Inconsolata Medium" panose="020B0609030003000000" pitchFamily="49" charset="77"/>
+            </a:endParaRPr>
+          </a:p>
+          <a:p>
+            <a:pPr marL="0" indent="0">
+              <a:buNone/>
+            </a:pPr>
+            <a:endParaRPr lang="en-US" b="1" dirty="0">
+              <a:latin typeface="Inconsolata Medium" panose="020B0609030003000000" pitchFamily="49" charset="77"/>
+            </a:endParaRPr>
+          </a:p>
+          <a:p>
+            <a:pPr marL="0" indent="0">
+              <a:buNone/>
+            </a:pPr>
+            <a:endParaRPr lang="en-US" b="1" dirty="0">
+              <a:latin typeface="Inconsolata Medium" panose="020B0609030003000000" pitchFamily="49" charset="77"/>
+            </a:endParaRPr>
+          </a:p>
+          <a:p>
+            <a:pPr marL="0" indent="0">
+              <a:buNone/>
+            </a:pPr>
+            <a:endParaRPr lang="en-US" b="1" dirty="0">
+              <a:latin typeface="Inconsolata Medium" panose="020B0609030003000000" pitchFamily="49" charset="77"/>
+            </a:endParaRPr>
+          </a:p>
+          <a:p>
+            <a:pPr marL="0" indent="0">
+              <a:buNone/>
+            </a:pPr>
+            <a:endParaRPr lang="en-US" b="1" dirty="0">
+              <a:latin typeface="Inconsolata Medium" panose="020B0609030003000000" pitchFamily="49" charset="77"/>
+            </a:endParaRPr>
+          </a:p>
+          <a:p>
+            <a:pPr marL="0" indent="0">
+              <a:buNone/>
+            </a:pPr>
+            <a:r>
+              <a:rPr lang="en-US" b="1" dirty="0">
+                <a:latin typeface="Inconsolata Medium" panose="020B0609030003000000" pitchFamily="49" charset="77"/>
+              </a:rPr>
+              <a:t> </a:t>
+            </a:r>
+          </a:p>
+          <a:p>
+            <a:pPr marL="0" indent="0">
+              <a:buNone/>
+            </a:pPr>
+            <a:endParaRPr lang="en-US" b="1" dirty="0">
+              <a:latin typeface="Inconsolata Medium" panose="020B0609030003000000" pitchFamily="49" charset="77"/>
+            </a:endParaRPr>
+          </a:p>
+          <a:p>
+            <a:pPr marL="0" indent="0">
+              <a:buNone/>
+            </a:pPr>
+            <a:endParaRPr lang="en-US" b="1" dirty="0">
+              <a:latin typeface="Inconsolata Medium" panose="020B0609030003000000" pitchFamily="49" charset="77"/>
+            </a:endParaRPr>
+          </a:p>
+          <a:p>
+            <a:pPr marL="0" indent="0">
+              <a:buNone/>
+            </a:pPr>
+            <a:endParaRPr lang="en-US" b="1" dirty="0">
+              <a:latin typeface="Inconsolata Medium" panose="020B0609030003000000" pitchFamily="49" charset="77"/>
+            </a:endParaRPr>
+          </a:p>
+          <a:p>
+            <a:pPr marL="0" indent="0">
+              <a:buNone/>
+            </a:pPr>
+            <a:endParaRPr lang="en-US" b="1" dirty="0">
+              <a:latin typeface="Inconsolata Medium" panose="020B0609030003000000" pitchFamily="49" charset="77"/>
+            </a:endParaRPr>
+          </a:p>
+          <a:p>
+            <a:pPr marL="0" indent="0">
+              <a:buNone/>
+            </a:pPr>
+            <a:endParaRPr lang="en-US" b="1" dirty="0">
+              <a:latin typeface="Inconsolata Medium" panose="020B0609030003000000" pitchFamily="49" charset="77"/>
+            </a:endParaRPr>
+          </a:p>
+          <a:p>
+            <a:pPr marL="0" indent="0">
+              <a:buNone/>
+            </a:pPr>
+            <a:r>
+              <a:rPr lang="en-US" b="1" dirty="0">
+                <a:latin typeface="Inconsolata Medium" panose="020B0609030003000000" pitchFamily="49" charset="77"/>
+              </a:rPr>
+              <a:t> </a:t>
+            </a:r>
+          </a:p>
+          <a:p>
+            <a:pPr marL="0" indent="0">
+              <a:buNone/>
+            </a:pPr>
+            <a:endParaRPr lang="en-US" b="1" dirty="0">
+              <a:latin typeface="Inconsolata Medium" panose="020B0609030003000000" pitchFamily="49" charset="77"/>
+            </a:endParaRPr>
+          </a:p>
+          <a:p>
+            <a:pPr marL="0" indent="0">
+              <a:buNone/>
+            </a:pPr>
+            <a:endParaRPr lang="en-US" b="1" dirty="0">
+              <a:latin typeface="Inconsolata Medium" panose="020B0609030003000000" pitchFamily="49" charset="77"/>
+            </a:endParaRPr>
+          </a:p>
+        </p:txBody>
+      </p:sp>
+    </p:spTree>
+    <p:extLst>
+      <p:ext uri="{BB962C8B-B14F-4D97-AF65-F5344CB8AC3E}">
+        <p14:creationId xmlns:p14="http://schemas.microsoft.com/office/powerpoint/2010/main" val="4142712923"/>
+      </p:ext>
+    </p:extLst>
+  </p:cSld>
+  <p:clrMapOvr>
+    <a:masterClrMapping/>
+  </p:clrMapOvr>
+  <p:timing>
+    <p:tnLst>
+      <p:par>
+        <p:cTn id="1" dur="indefinite" restart="never" nodeType="tmRoot">
+          <p:childTnLst>
+            <p:seq concurrent="1" nextAc="seek">
+              <p:cTn id="2" dur="indefinite" nodeType="mainSeq">
+                <p:childTnLst>
+                  <p:par>
+                    <p:cTn id="3" fill="hold">
+                      <p:stCondLst>
+                        <p:cond delay="indefinite"/>
+                      </p:stCondLst>
+                      <p:childTnLst>
+                        <p:par>
+                          <p:cTn id="4" fill="hold">
+                            <p:stCondLst>
+                              <p:cond delay="0"/>
+                            </p:stCondLst>
+                            <p:childTnLst>
+                              <p:par>
+                                <p:cTn id="5" presetID="1" presetClass="entr" presetSubtype="0" fill="hold" nodeType="clickEffect">
+                                  <p:stCondLst>
+                                    <p:cond delay="0"/>
+                                  </p:stCondLst>
+                                  <p:childTnLst>
+                                    <p:set>
+                                      <p:cBhvr>
+                                        <p:cTn id="6" dur="1" fill="hold">
+                                          <p:stCondLst>
+                                            <p:cond delay="0"/>
+                                          </p:stCondLst>
+                                        </p:cTn>
+                                        <p:tgtEl>
+                                          <p:spTgt spid="9">
+                                            <p:txEl>
+                                              <p:pRg st="4" end="4"/>
+                                            </p:txEl>
+                                          </p:spTgt>
+                                        </p:tgtEl>
+                                        <p:attrNameLst>
+                                          <p:attrName>style.visibility</p:attrName>
+                                        </p:attrNameLst>
+                                      </p:cBhvr>
+                                      <p:to>
+                                        <p:strVal val="visible"/>
+                                      </p:to>
+                                    </p:set>
+                                  </p:childTnLst>
+                                </p:cTn>
+                              </p:par>
+                            </p:childTnLst>
+                          </p:cTn>
+                        </p:par>
+                      </p:childTnLst>
+                    </p:cTn>
+                  </p:par>
+                  <p:par>
+                    <p:cTn id="7" fill="hold">
+                      <p:stCondLst>
+                        <p:cond delay="indefinite"/>
+                      </p:stCondLst>
+                      <p:childTnLst>
+                        <p:par>
+                          <p:cTn id="8" fill="hold">
+                            <p:stCondLst>
+                              <p:cond delay="0"/>
+                            </p:stCondLst>
+                            <p:childTnLst>
+                              <p:par>
+                                <p:cTn id="9" presetID="1" presetClass="entr" presetSubtype="0" fill="hold" nodeType="clickEffect">
+                                  <p:stCondLst>
+                                    <p:cond delay="0"/>
+                                  </p:stCondLst>
+                                  <p:childTnLst>
+                                    <p:set>
+                                      <p:cBhvr>
+                                        <p:cTn id="10" dur="1" fill="hold">
+                                          <p:stCondLst>
+                                            <p:cond delay="0"/>
+                                          </p:stCondLst>
+                                        </p:cTn>
+                                        <p:tgtEl>
+                                          <p:spTgt spid="9">
+                                            <p:txEl>
+                                              <p:pRg st="4" end="4"/>
+                                            </p:txEl>
+                                          </p:spTgt>
+                                        </p:tgtEl>
+                                        <p:attrNameLst>
+                                          <p:attrName>style.visibility</p:attrName>
+                                        </p:attrNameLst>
+                                      </p:cBhvr>
+                                      <p:to>
+                                        <p:strVal val="visible"/>
+                                      </p:to>
+                                    </p:set>
+                                  </p:childTnLst>
+                                </p:cTn>
+                              </p:par>
+                            </p:childTnLst>
+                          </p:cTn>
+                        </p:par>
+                      </p:childTnLst>
+                    </p:cTn>
+                  </p:par>
+                  <p:par>
+                    <p:cTn id="11" fill="hold">
+                      <p:stCondLst>
+                        <p:cond delay="indefinite"/>
+                      </p:stCondLst>
+                      <p:childTnLst>
+                        <p:par>
+                          <p:cTn id="12" fill="hold">
+                            <p:stCondLst>
+                              <p:cond delay="0"/>
+                            </p:stCondLst>
+                            <p:childTnLst>
+                              <p:par>
+                                <p:cTn id="13" presetID="1" presetClass="entr" presetSubtype="0" fill="hold" nodeType="clickEffect">
+                                  <p:stCondLst>
+                                    <p:cond delay="0"/>
+                                  </p:stCondLst>
+                                  <p:childTnLst>
+                                    <p:set>
+                                      <p:cBhvr>
+                                        <p:cTn id="14" dur="1" fill="hold">
+                                          <p:stCondLst>
+                                            <p:cond delay="0"/>
+                                          </p:stCondLst>
+                                        </p:cTn>
+                                        <p:tgtEl>
+                                          <p:spTgt spid="9">
+                                            <p:txEl>
+                                              <p:pRg st="5" end="5"/>
+                                            </p:txEl>
+                                          </p:spTgt>
+                                        </p:tgtEl>
+                                        <p:attrNameLst>
+                                          <p:attrName>style.visibility</p:attrName>
+                                        </p:attrNameLst>
+                                      </p:cBhvr>
+                                      <p:to>
+                                        <p:strVal val="visible"/>
+                                      </p:to>
+                                    </p:set>
+                                  </p:childTnLst>
+                                </p:cTn>
+                              </p:par>
+                              <p:par>
+                                <p:cTn id="15" presetID="1" presetClass="entr" presetSubtype="0" fill="hold" nodeType="withEffect">
+                                  <p:stCondLst>
+                                    <p:cond delay="0"/>
+                                  </p:stCondLst>
+                                  <p:childTnLst>
+                                    <p:set>
+                                      <p:cBhvr>
+                                        <p:cTn id="16" dur="1" fill="hold">
+                                          <p:stCondLst>
+                                            <p:cond delay="0"/>
+                                          </p:stCondLst>
+                                        </p:cTn>
+                                        <p:tgtEl>
+                                          <p:spTgt spid="9">
+                                            <p:txEl>
+                                              <p:pRg st="6" end="6"/>
+                                            </p:txEl>
+                                          </p:spTgt>
+                                        </p:tgtEl>
+                                        <p:attrNameLst>
+                                          <p:attrName>style.visibility</p:attrName>
+                                        </p:attrNameLst>
+                                      </p:cBhvr>
+                                      <p:to>
+                                        <p:strVal val="visible"/>
+                                      </p:to>
+                                    </p:set>
+                                  </p:childTnLst>
+                                </p:cTn>
+                              </p:par>
+                            </p:childTnLst>
+                          </p:cTn>
+                        </p:par>
+                      </p:childTnLst>
+                    </p:cTn>
+                  </p:par>
+                </p:childTnLst>
+              </p:cTn>
+              <p:prevCondLst>
+                <p:cond evt="onPrev" delay="0">
+                  <p:tgtEl>
+                    <p:sldTgt/>
+                  </p:tgtEl>
+                </p:cond>
+              </p:prevCondLst>
+              <p:nextCondLst>
+                <p:cond evt="onNext" delay="0">
+                  <p:tgtEl>
+                    <p:sldTgt/>
+                  </p:tgtEl>
+                </p:cond>
+              </p:nextCondLst>
+            </p:seq>
+          </p:childTnLst>
+        </p:cTn>
+      </p:par>
+    </p:tnLst>
+  </p:timing>
+</p:sld>
+</file>
+
+<file path=ppt/slides/slide15.xml><?xml version="1.0" encoding="utf-8"?>
 <p:sld xmlns:a="http://schemas.openxmlformats.org/drawingml/2006/main" xmlns:r="http://schemas.openxmlformats.org/officeDocument/2006/relationships" xmlns:p="http://schemas.openxmlformats.org/presentationml/2006/main">
   <p:cSld>
     <p:spTree>
@@ -8277,7 +10317,18 @@
               <a:rPr lang="en-US" sz="1800" b="1" dirty="0">
                 <a:latin typeface="Inconsolata Medium" panose="020B0609030003000000" pitchFamily="49" charset="77"/>
               </a:rPr>
-              <a:t>]: 0b11 # binary literal </a:t>
+              <a:t>]: 0b11 </a:t>
+            </a:r>
+            <a:r>
+              <a:rPr lang="en-US" sz="1800" b="1" dirty="0">
+                <a:solidFill>
+                  <a:schemeClr val="accent1">
+                    <a:lumMod val="75000"/>
+                  </a:schemeClr>
+                </a:solidFill>
+                <a:latin typeface="Inconsolata Medium" panose="020B0609030003000000" pitchFamily="49" charset="77"/>
+              </a:rPr>
+              <a:t># binary literal </a:t>
             </a:r>
           </a:p>
           <a:p>
@@ -8324,14 +10375,19 @@
               <a:rPr lang="en-US" sz="1800" b="1" dirty="0">
                 <a:latin typeface="Inconsolata Medium" panose="020B0609030003000000" pitchFamily="49" charset="77"/>
               </a:rPr>
-              <a:t>]: 0o11. # octal literal</a:t>
-            </a:r>
-            <a:endParaRPr lang="en-US" sz="1800" b="1" dirty="0">
-              <a:solidFill>
-                <a:srgbClr val="CC3300"/>
-              </a:solidFill>
-              <a:latin typeface="Inconsolata Medium" panose="020B0609030003000000" pitchFamily="49" charset="77"/>
-            </a:endParaRPr>
+              <a:t>]: 0o11. </a:t>
+            </a:r>
+            <a:r>
+              <a:rPr lang="en-US" sz="1800" b="1" dirty="0">
+                <a:solidFill>
+                  <a:schemeClr val="accent1">
+                    <a:lumMod val="75000"/>
+                  </a:schemeClr>
+                </a:solidFill>
+                <a:latin typeface="Inconsolata Medium" panose="020B0609030003000000" pitchFamily="49" charset="77"/>
+              </a:rPr>
+              <a:t># octal literal</a:t>
+            </a:r>
           </a:p>
           <a:p>
             <a:pPr marL="0" indent="0">
@@ -8376,14 +10432,19 @@
               <a:rPr lang="en-US" sz="1800" b="1" dirty="0">
                 <a:latin typeface="Inconsolata Medium" panose="020B0609030003000000" pitchFamily="49" charset="77"/>
               </a:rPr>
-              <a:t>]: 0x11. # hexadecimal literal</a:t>
-            </a:r>
-            <a:endParaRPr lang="en-US" sz="1800" b="1" dirty="0">
-              <a:solidFill>
-                <a:srgbClr val="CC3300"/>
-              </a:solidFill>
-              <a:latin typeface="Inconsolata Medium" panose="020B0609030003000000" pitchFamily="49" charset="77"/>
-            </a:endParaRPr>
+              <a:t>]: 0x11. </a:t>
+            </a:r>
+            <a:r>
+              <a:rPr lang="en-US" sz="1800" b="1" dirty="0">
+                <a:solidFill>
+                  <a:schemeClr val="accent1">
+                    <a:lumMod val="75000"/>
+                  </a:schemeClr>
+                </a:solidFill>
+                <a:latin typeface="Inconsolata Medium" panose="020B0609030003000000" pitchFamily="49" charset="77"/>
+              </a:rPr>
+              <a:t># hexadecimal literal</a:t>
+            </a:r>
           </a:p>
           <a:p>
             <a:pPr marL="0" indent="0">
@@ -9297,7 +11358,7 @@
             </a:r>
             <a:r>
               <a:rPr lang="en-US" dirty="0"/>
-              <a:t> specifies a set of rules to translate the integers from the Unicode table into a sequence of bits(0 and 1) that can then be processed/stored by the computer.   </a:t>
+              <a:t> specifies a set of rules to translate the integers(code points) from the Unicode table into a sequence of bits(0 and 1) that can then be processed/stored by the computer.   </a:t>
             </a:r>
           </a:p>
           <a:p>
@@ -9468,6 +11529,153 @@
                                           <p:spTgt spid="9">
                                             <p:txEl>
                                               <p:pRg st="7" end="7"/>
+                                            </p:txEl>
+                                          </p:spTgt>
+                                        </p:tgtEl>
+                                        <p:attrNameLst>
+                                          <p:attrName>style.visibility</p:attrName>
+                                        </p:attrNameLst>
+                                      </p:cBhvr>
+                                      <p:to>
+                                        <p:strVal val="visible"/>
+                                      </p:to>
+                                    </p:set>
+                                  </p:childTnLst>
+                                </p:cTn>
+                              </p:par>
+                            </p:childTnLst>
+                          </p:cTn>
+                        </p:par>
+                      </p:childTnLst>
+                    </p:cTn>
+                  </p:par>
+                  <p:par>
+                    <p:cTn id="7" fill="hold">
+                      <p:stCondLst>
+                        <p:cond delay="indefinite"/>
+                      </p:stCondLst>
+                      <p:childTnLst>
+                        <p:par>
+                          <p:cTn id="8" fill="hold">
+                            <p:stCondLst>
+                              <p:cond delay="0"/>
+                            </p:stCondLst>
+                            <p:childTnLst>
+                              <p:par>
+                                <p:cTn id="9" presetID="1" presetClass="entr" presetSubtype="0" fill="hold" nodeType="clickEffect">
+                                  <p:stCondLst>
+                                    <p:cond delay="0"/>
+                                  </p:stCondLst>
+                                  <p:childTnLst>
+                                    <p:set>
+                                      <p:cBhvr>
+                                        <p:cTn id="10" dur="1" fill="hold">
+                                          <p:stCondLst>
+                                            <p:cond delay="0"/>
+                                          </p:stCondLst>
+                                        </p:cTn>
+                                        <p:tgtEl>
+                                          <p:spTgt spid="9">
+                                            <p:txEl>
+                                              <p:pRg st="2" end="2"/>
+                                            </p:txEl>
+                                          </p:spTgt>
+                                        </p:tgtEl>
+                                        <p:attrNameLst>
+                                          <p:attrName>style.visibility</p:attrName>
+                                        </p:attrNameLst>
+                                      </p:cBhvr>
+                                      <p:to>
+                                        <p:strVal val="visible"/>
+                                      </p:to>
+                                    </p:set>
+                                  </p:childTnLst>
+                                </p:cTn>
+                              </p:par>
+                            </p:childTnLst>
+                          </p:cTn>
+                        </p:par>
+                      </p:childTnLst>
+                    </p:cTn>
+                  </p:par>
+                  <p:par>
+                    <p:cTn id="11" fill="hold">
+                      <p:stCondLst>
+                        <p:cond delay="indefinite"/>
+                      </p:stCondLst>
+                      <p:childTnLst>
+                        <p:par>
+                          <p:cTn id="12" fill="hold">
+                            <p:stCondLst>
+                              <p:cond delay="0"/>
+                            </p:stCondLst>
+                            <p:childTnLst>
+                              <p:par>
+                                <p:cTn id="13" presetID="1" presetClass="entr" presetSubtype="0" fill="hold" nodeType="clickEffect">
+                                  <p:stCondLst>
+                                    <p:cond delay="0"/>
+                                  </p:stCondLst>
+                                  <p:childTnLst>
+                                    <p:set>
+                                      <p:cBhvr>
+                                        <p:cTn id="14" dur="1" fill="hold">
+                                          <p:stCondLst>
+                                            <p:cond delay="0"/>
+                                          </p:stCondLst>
+                                        </p:cTn>
+                                        <p:tgtEl>
+                                          <p:spTgt spid="9">
+                                            <p:txEl>
+                                              <p:pRg st="4" end="4"/>
+                                            </p:txEl>
+                                          </p:spTgt>
+                                        </p:tgtEl>
+                                        <p:attrNameLst>
+                                          <p:attrName>style.visibility</p:attrName>
+                                        </p:attrNameLst>
+                                      </p:cBhvr>
+                                      <p:to>
+                                        <p:strVal val="visible"/>
+                                      </p:to>
+                                    </p:set>
+                                  </p:childTnLst>
+                                </p:cTn>
+                              </p:par>
+                            </p:childTnLst>
+                          </p:cTn>
+                        </p:par>
+                      </p:childTnLst>
+                    </p:cTn>
+                  </p:par>
+                  <p:par>
+                    <p:cTn id="15" fill="hold">
+                      <p:stCondLst>
+                        <p:cond delay="indefinite"/>
+                      </p:stCondLst>
+                      <p:childTnLst>
+                        <p:par>
+                          <p:cTn id="16" fill="hold">
+                            <p:stCondLst>
+                              <p:cond delay="0"/>
+                            </p:stCondLst>
+                            <p:childTnLst>
+                              <p:par>
+                                <p:cTn id="17" presetID="1" presetClass="entr" presetSubtype="0" fill="hold" nodeType="clickEffect">
+                                  <p:stCondLst>
+                                    <p:cond delay="0"/>
+                                  </p:stCondLst>
+                                  <p:childTnLst>
+                                    <p:set>
+                                      <p:cBhvr>
+                                        <p:cTn id="18" dur="1" fill="hold">
+                                          <p:stCondLst>
+                                            <p:cond delay="0"/>
+                                          </p:stCondLst>
+                                        </p:cTn>
+                                        <p:tgtEl>
+                                          <p:spTgt spid="9">
+                                            <p:txEl>
+                                              <p:pRg st="6" end="6"/>
                                             </p:txEl>
                                           </p:spTgt>
                                         </p:tgtEl>
@@ -9881,11 +12089,11 @@
                   <a:srgbClr val="000000"/>
                 </a:solidFill>
               </a:rPr>
-              <a:t>(</a:t>
+              <a:t>('</a:t>
             </a:r>
             <a:r>
               <a:rPr lang="en-US" sz="1800" b="1" dirty="0"/>
-              <a:t>😀</a:t>
+              <a:t>😀'</a:t>
             </a:r>
             <a:r>
               <a:rPr lang="en-US" sz="1800" dirty="0">
@@ -10802,7 +13010,56 @@
                                         <p:tgtEl>
                                           <p:spTgt spid="9">
                                             <p:txEl>
-                                              <p:pRg st="6" end="6"/>
+                                              <p:pRg st="3" end="3"/>
+                                            </p:txEl>
+                                          </p:spTgt>
+                                        </p:tgtEl>
+                                        <p:attrNameLst>
+                                          <p:attrName>style.visibility</p:attrName>
+                                        </p:attrNameLst>
+                                      </p:cBhvr>
+                                      <p:to>
+                                        <p:strVal val="visible"/>
+                                      </p:to>
+                                    </p:set>
+                                  </p:childTnLst>
+                                </p:cTn>
+                              </p:par>
+                            </p:childTnLst>
+                          </p:cTn>
+                        </p:par>
+                      </p:childTnLst>
+                    </p:cTn>
+                  </p:par>
+                  <p:par>
+                    <p:cTn id="7" fill="hold">
+                      <p:stCondLst>
+                        <p:cond delay="indefinite"/>
+                      </p:stCondLst>
+                      <p:childTnLst>
+                        <p:par>
+                          <p:cTn id="8" fill="hold">
+                            <p:stCondLst>
+                              <p:cond delay="0"/>
+                            </p:stCondLst>
+                            <p:childTnLst>
+                              <p:par>
+                                <p:cTn id="9" presetID="1" presetClass="entr" presetSubtype="0" fill="hold" nodeType="clickEffect">
+                                  <p:stCondLst>
+                                    <p:cond delay="0"/>
+                                  </p:stCondLst>
+                                  <p:childTnLst>
+                                    <p:set>
+                                      <p:cBhvr>
+                                        <p:cTn id="10" dur="1" fill="hold">
+                                          <p:stCondLst>
+                                            <p:cond delay="0"/>
+                                          </p:stCondLst>
+                                        </p:cTn>
+                                        <p:tgtEl>
+                                          <p:spTgt spid="9">
+                                            <p:txEl>
+                                              <p:pRg st="5" end="5"/>
                                             </p:txEl>
                                           </p:spTgt>
                                         </p:tgtEl>
@@ -10975,7 +13232,7 @@
             </a:pPr>
             <a:r>
               <a:rPr lang="en-US" sz="2000" dirty="0"/>
-              <a:t>For bytes in the range 128 – 255, hexadecimal digits can be used. Remember that 2 hexadecimal digits corresponds exactly to one byte. The escape sequence "\x" is added to the digits to represent the 8-bit hexadecimal. </a:t>
+              <a:t>For bytes in the range 128 – 255, hexadecimal digits can be used. Remember that 2 hexadecimal digits correspond exactly to one byte. The escape sequence "\x" is added to the digits to represent the 8-bit hexadecimal. </a:t>
             </a:r>
           </a:p>
           <a:p>
@@ -11167,6 +13424,153 @@
                                           <p:spTgt spid="9">
                                             <p:txEl>
                                               <p:pRg st="9" end="9"/>
+                                            </p:txEl>
+                                          </p:spTgt>
+                                        </p:tgtEl>
+                                        <p:attrNameLst>
+                                          <p:attrName>style.visibility</p:attrName>
+                                        </p:attrNameLst>
+                                      </p:cBhvr>
+                                      <p:to>
+                                        <p:strVal val="visible"/>
+                                      </p:to>
+                                    </p:set>
+                                  </p:childTnLst>
+                                </p:cTn>
+                              </p:par>
+                            </p:childTnLst>
+                          </p:cTn>
+                        </p:par>
+                      </p:childTnLst>
+                    </p:cTn>
+                  </p:par>
+                  <p:par>
+                    <p:cTn id="7" fill="hold">
+                      <p:stCondLst>
+                        <p:cond delay="indefinite"/>
+                      </p:stCondLst>
+                      <p:childTnLst>
+                        <p:par>
+                          <p:cTn id="8" fill="hold">
+                            <p:stCondLst>
+                              <p:cond delay="0"/>
+                            </p:stCondLst>
+                            <p:childTnLst>
+                              <p:par>
+                                <p:cTn id="9" presetID="1" presetClass="entr" presetSubtype="0" fill="hold" nodeType="clickEffect">
+                                  <p:stCondLst>
+                                    <p:cond delay="0"/>
+                                  </p:stCondLst>
+                                  <p:childTnLst>
+                                    <p:set>
+                                      <p:cBhvr>
+                                        <p:cTn id="10" dur="1" fill="hold">
+                                          <p:stCondLst>
+                                            <p:cond delay="0"/>
+                                          </p:stCondLst>
+                                        </p:cTn>
+                                        <p:tgtEl>
+                                          <p:spTgt spid="9">
+                                            <p:txEl>
+                                              <p:pRg st="3" end="3"/>
+                                            </p:txEl>
+                                          </p:spTgt>
+                                        </p:tgtEl>
+                                        <p:attrNameLst>
+                                          <p:attrName>style.visibility</p:attrName>
+                                        </p:attrNameLst>
+                                      </p:cBhvr>
+                                      <p:to>
+                                        <p:strVal val="visible"/>
+                                      </p:to>
+                                    </p:set>
+                                  </p:childTnLst>
+                                </p:cTn>
+                              </p:par>
+                            </p:childTnLst>
+                          </p:cTn>
+                        </p:par>
+                      </p:childTnLst>
+                    </p:cTn>
+                  </p:par>
+                  <p:par>
+                    <p:cTn id="11" fill="hold">
+                      <p:stCondLst>
+                        <p:cond delay="indefinite"/>
+                      </p:stCondLst>
+                      <p:childTnLst>
+                        <p:par>
+                          <p:cTn id="12" fill="hold">
+                            <p:stCondLst>
+                              <p:cond delay="0"/>
+                            </p:stCondLst>
+                            <p:childTnLst>
+                              <p:par>
+                                <p:cTn id="13" presetID="1" presetClass="entr" presetSubtype="0" fill="hold" nodeType="clickEffect">
+                                  <p:stCondLst>
+                                    <p:cond delay="0"/>
+                                  </p:stCondLst>
+                                  <p:childTnLst>
+                                    <p:set>
+                                      <p:cBhvr>
+                                        <p:cTn id="14" dur="1" fill="hold">
+                                          <p:stCondLst>
+                                            <p:cond delay="0"/>
+                                          </p:stCondLst>
+                                        </p:cTn>
+                                        <p:tgtEl>
+                                          <p:spTgt spid="9">
+                                            <p:txEl>
+                                              <p:pRg st="5" end="5"/>
+                                            </p:txEl>
+                                          </p:spTgt>
+                                        </p:tgtEl>
+                                        <p:attrNameLst>
+                                          <p:attrName>style.visibility</p:attrName>
+                                        </p:attrNameLst>
+                                      </p:cBhvr>
+                                      <p:to>
+                                        <p:strVal val="visible"/>
+                                      </p:to>
+                                    </p:set>
+                                  </p:childTnLst>
+                                </p:cTn>
+                              </p:par>
+                            </p:childTnLst>
+                          </p:cTn>
+                        </p:par>
+                      </p:childTnLst>
+                    </p:cTn>
+                  </p:par>
+                  <p:par>
+                    <p:cTn id="15" fill="hold">
+                      <p:stCondLst>
+                        <p:cond delay="indefinite"/>
+                      </p:stCondLst>
+                      <p:childTnLst>
+                        <p:par>
+                          <p:cTn id="16" fill="hold">
+                            <p:stCondLst>
+                              <p:cond delay="0"/>
+                            </p:stCondLst>
+                            <p:childTnLst>
+                              <p:par>
+                                <p:cTn id="17" presetID="1" presetClass="entr" presetSubtype="0" fill="hold" nodeType="clickEffect">
+                                  <p:stCondLst>
+                                    <p:cond delay="0"/>
+                                  </p:stCondLst>
+                                  <p:childTnLst>
+                                    <p:set>
+                                      <p:cBhvr>
+                                        <p:cTn id="18" dur="1" fill="hold">
+                                          <p:stCondLst>
+                                            <p:cond delay="0"/>
+                                          </p:stCondLst>
+                                        </p:cTn>
+                                        <p:tgtEl>
+                                          <p:spTgt spid="9">
+                                            <p:txEl>
+                                              <p:pRg st="7" end="7"/>
                                             </p:txEl>
                                           </p:spTgt>
                                         </p:tgtEl>
@@ -11413,8 +13817,22 @@
               <a:rPr lang="en-US" sz="2000" b="1" dirty="0">
                 <a:latin typeface="Inconsolata Medium" panose="020B0609030003000000" pitchFamily="49" charset="77"/>
               </a:rPr>
-              <a:t>Out [2]: 65</a:t>
-            </a:r>
+              <a:t>Out [2]: 65  </a:t>
+            </a:r>
+            <a:r>
+              <a:rPr lang="en-US" sz="2000" b="1" dirty="0">
+                <a:solidFill>
+                  <a:schemeClr val="accent1">
+                    <a:lumMod val="75000"/>
+                  </a:schemeClr>
+                </a:solidFill>
+                <a:latin typeface="Inconsolata Medium" panose="020B0609030003000000" pitchFamily="49" charset="77"/>
+              </a:rPr>
+              <a:t># A = 65 in ASCII</a:t>
+            </a:r>
+            <a:endParaRPr lang="en-US" sz="2000" b="1" dirty="0">
+              <a:latin typeface="Inconsolata Medium" panose="020B0609030003000000" pitchFamily="49" charset="77"/>
+            </a:endParaRPr>
           </a:p>
           <a:p>
             <a:pPr marL="0" indent="0">
@@ -11459,8 +13877,22 @@
               <a:rPr lang="en-US" sz="2000" b="1" dirty="0">
                 <a:latin typeface="Inconsolata Medium" panose="020B0609030003000000" pitchFamily="49" charset="77"/>
               </a:rPr>
-              <a:t>Out [3]: 97</a:t>
-            </a:r>
+              <a:t>Out [3]: 97 </a:t>
+            </a:r>
+            <a:r>
+              <a:rPr lang="en-US" sz="2000" b="1" dirty="0">
+                <a:solidFill>
+                  <a:schemeClr val="accent1">
+                    <a:lumMod val="75000"/>
+                  </a:schemeClr>
+                </a:solidFill>
+                <a:latin typeface="Inconsolata Medium" panose="020B0609030003000000" pitchFamily="49" charset="77"/>
+              </a:rPr>
+              <a:t># a = 97 in ASCII</a:t>
+            </a:r>
+            <a:endParaRPr lang="en-US" sz="2000" b="1" dirty="0">
+              <a:latin typeface="Inconsolata Medium" panose="020B0609030003000000" pitchFamily="49" charset="77"/>
+            </a:endParaRPr>
           </a:p>
           <a:p>
             <a:pPr marL="0" indent="0">
@@ -11505,7 +13937,18 @@
               <a:rPr lang="en-US" sz="2000" b="1" dirty="0">
                 <a:latin typeface="Inconsolata Medium" panose="020B0609030003000000" pitchFamily="49" charset="77"/>
               </a:rPr>
-              <a:t>Out [4]: 243</a:t>
+              <a:t>Out [4]: 243 </a:t>
+            </a:r>
+            <a:r>
+              <a:rPr lang="en-US" sz="2000" b="1" dirty="0">
+                <a:solidFill>
+                  <a:schemeClr val="accent1">
+                    <a:lumMod val="75000"/>
+                  </a:schemeClr>
+                </a:solidFill>
+                <a:latin typeface="Inconsolata Medium" panose="020B0609030003000000" pitchFamily="49" charset="77"/>
+              </a:rPr>
+              <a:t># \xf3 is a single byte = 243 in decimal</a:t>
             </a:r>
             <a:endParaRPr lang="en-US" sz="2000" b="1" dirty="0">
               <a:solidFill>
@@ -11748,6 +14191,398 @@
                                           <p:spTgt spid="9">
                                             <p:txEl>
                                               <p:pRg st="14" end="14"/>
+                                            </p:txEl>
+                                          </p:spTgt>
+                                        </p:tgtEl>
+                                        <p:attrNameLst>
+                                          <p:attrName>style.visibility</p:attrName>
+                                        </p:attrNameLst>
+                                      </p:cBhvr>
+                                      <p:to>
+                                        <p:strVal val="visible"/>
+                                      </p:to>
+                                    </p:set>
+                                  </p:childTnLst>
+                                </p:cTn>
+                              </p:par>
+                            </p:childTnLst>
+                          </p:cTn>
+                        </p:par>
+                      </p:childTnLst>
+                    </p:cTn>
+                  </p:par>
+                  <p:par>
+                    <p:cTn id="7" fill="hold">
+                      <p:stCondLst>
+                        <p:cond delay="indefinite"/>
+                      </p:stCondLst>
+                      <p:childTnLst>
+                        <p:par>
+                          <p:cTn id="8" fill="hold">
+                            <p:stCondLst>
+                              <p:cond delay="0"/>
+                            </p:stCondLst>
+                            <p:childTnLst>
+                              <p:par>
+                                <p:cTn id="9" presetID="1" presetClass="entr" presetSubtype="0" fill="hold" nodeType="clickEffect">
+                                  <p:stCondLst>
+                                    <p:cond delay="0"/>
+                                  </p:stCondLst>
+                                  <p:childTnLst>
+                                    <p:set>
+                                      <p:cBhvr>
+                                        <p:cTn id="10" dur="1" fill="hold">
+                                          <p:stCondLst>
+                                            <p:cond delay="0"/>
+                                          </p:stCondLst>
+                                        </p:cTn>
+                                        <p:tgtEl>
+                                          <p:spTgt spid="9">
+                                            <p:txEl>
+                                              <p:pRg st="3" end="3"/>
+                                            </p:txEl>
+                                          </p:spTgt>
+                                        </p:tgtEl>
+                                        <p:attrNameLst>
+                                          <p:attrName>style.visibility</p:attrName>
+                                        </p:attrNameLst>
+                                      </p:cBhvr>
+                                      <p:to>
+                                        <p:strVal val="visible"/>
+                                      </p:to>
+                                    </p:set>
+                                  </p:childTnLst>
+                                </p:cTn>
+                              </p:par>
+                            </p:childTnLst>
+                          </p:cTn>
+                        </p:par>
+                      </p:childTnLst>
+                    </p:cTn>
+                  </p:par>
+                  <p:par>
+                    <p:cTn id="11" fill="hold">
+                      <p:stCondLst>
+                        <p:cond delay="indefinite"/>
+                      </p:stCondLst>
+                      <p:childTnLst>
+                        <p:par>
+                          <p:cTn id="12" fill="hold">
+                            <p:stCondLst>
+                              <p:cond delay="0"/>
+                            </p:stCondLst>
+                            <p:childTnLst>
+                              <p:par>
+                                <p:cTn id="13" presetID="1" presetClass="entr" presetSubtype="0" fill="hold" nodeType="clickEffect">
+                                  <p:stCondLst>
+                                    <p:cond delay="0"/>
+                                  </p:stCondLst>
+                                  <p:childTnLst>
+                                    <p:set>
+                                      <p:cBhvr>
+                                        <p:cTn id="14" dur="1" fill="hold">
+                                          <p:stCondLst>
+                                            <p:cond delay="0"/>
+                                          </p:stCondLst>
+                                        </p:cTn>
+                                        <p:tgtEl>
+                                          <p:spTgt spid="9">
+                                            <p:txEl>
+                                              <p:pRg st="4" end="4"/>
+                                            </p:txEl>
+                                          </p:spTgt>
+                                        </p:tgtEl>
+                                        <p:attrNameLst>
+                                          <p:attrName>style.visibility</p:attrName>
+                                        </p:attrNameLst>
+                                      </p:cBhvr>
+                                      <p:to>
+                                        <p:strVal val="visible"/>
+                                      </p:to>
+                                    </p:set>
+                                  </p:childTnLst>
+                                </p:cTn>
+                              </p:par>
+                            </p:childTnLst>
+                          </p:cTn>
+                        </p:par>
+                      </p:childTnLst>
+                    </p:cTn>
+                  </p:par>
+                  <p:par>
+                    <p:cTn id="15" fill="hold">
+                      <p:stCondLst>
+                        <p:cond delay="indefinite"/>
+                      </p:stCondLst>
+                      <p:childTnLst>
+                        <p:par>
+                          <p:cTn id="16" fill="hold">
+                            <p:stCondLst>
+                              <p:cond delay="0"/>
+                            </p:stCondLst>
+                            <p:childTnLst>
+                              <p:par>
+                                <p:cTn id="17" presetID="1" presetClass="entr" presetSubtype="0" fill="hold" nodeType="clickEffect">
+                                  <p:stCondLst>
+                                    <p:cond delay="0"/>
+                                  </p:stCondLst>
+                                  <p:childTnLst>
+                                    <p:set>
+                                      <p:cBhvr>
+                                        <p:cTn id="18" dur="1" fill="hold">
+                                          <p:stCondLst>
+                                            <p:cond delay="0"/>
+                                          </p:stCondLst>
+                                        </p:cTn>
+                                        <p:tgtEl>
+                                          <p:spTgt spid="9">
+                                            <p:txEl>
+                                              <p:pRg st="5" end="5"/>
+                                            </p:txEl>
+                                          </p:spTgt>
+                                        </p:tgtEl>
+                                        <p:attrNameLst>
+                                          <p:attrName>style.visibility</p:attrName>
+                                        </p:attrNameLst>
+                                      </p:cBhvr>
+                                      <p:to>
+                                        <p:strVal val="visible"/>
+                                      </p:to>
+                                    </p:set>
+                                  </p:childTnLst>
+                                </p:cTn>
+                              </p:par>
+                            </p:childTnLst>
+                          </p:cTn>
+                        </p:par>
+                      </p:childTnLst>
+                    </p:cTn>
+                  </p:par>
+                  <p:par>
+                    <p:cTn id="19" fill="hold">
+                      <p:stCondLst>
+                        <p:cond delay="indefinite"/>
+                      </p:stCondLst>
+                      <p:childTnLst>
+                        <p:par>
+                          <p:cTn id="20" fill="hold">
+                            <p:stCondLst>
+                              <p:cond delay="0"/>
+                            </p:stCondLst>
+                            <p:childTnLst>
+                              <p:par>
+                                <p:cTn id="21" presetID="1" presetClass="entr" presetSubtype="0" fill="hold" nodeType="clickEffect">
+                                  <p:stCondLst>
+                                    <p:cond delay="0"/>
+                                  </p:stCondLst>
+                                  <p:childTnLst>
+                                    <p:set>
+                                      <p:cBhvr>
+                                        <p:cTn id="22" dur="1" fill="hold">
+                                          <p:stCondLst>
+                                            <p:cond delay="0"/>
+                                          </p:stCondLst>
+                                        </p:cTn>
+                                        <p:tgtEl>
+                                          <p:spTgt spid="9">
+                                            <p:txEl>
+                                              <p:pRg st="6" end="6"/>
+                                            </p:txEl>
+                                          </p:spTgt>
+                                        </p:tgtEl>
+                                        <p:attrNameLst>
+                                          <p:attrName>style.visibility</p:attrName>
+                                        </p:attrNameLst>
+                                      </p:cBhvr>
+                                      <p:to>
+                                        <p:strVal val="visible"/>
+                                      </p:to>
+                                    </p:set>
+                                  </p:childTnLst>
+                                </p:cTn>
+                              </p:par>
+                            </p:childTnLst>
+                          </p:cTn>
+                        </p:par>
+                      </p:childTnLst>
+                    </p:cTn>
+                  </p:par>
+                  <p:par>
+                    <p:cTn id="23" fill="hold">
+                      <p:stCondLst>
+                        <p:cond delay="indefinite"/>
+                      </p:stCondLst>
+                      <p:childTnLst>
+                        <p:par>
+                          <p:cTn id="24" fill="hold">
+                            <p:stCondLst>
+                              <p:cond delay="0"/>
+                            </p:stCondLst>
+                            <p:childTnLst>
+                              <p:par>
+                                <p:cTn id="25" presetID="1" presetClass="entr" presetSubtype="0" fill="hold" nodeType="clickEffect">
+                                  <p:stCondLst>
+                                    <p:cond delay="0"/>
+                                  </p:stCondLst>
+                                  <p:childTnLst>
+                                    <p:set>
+                                      <p:cBhvr>
+                                        <p:cTn id="26" dur="1" fill="hold">
+                                          <p:stCondLst>
+                                            <p:cond delay="0"/>
+                                          </p:stCondLst>
+                                        </p:cTn>
+                                        <p:tgtEl>
+                                          <p:spTgt spid="9">
+                                            <p:txEl>
+                                              <p:pRg st="7" end="7"/>
+                                            </p:txEl>
+                                          </p:spTgt>
+                                        </p:tgtEl>
+                                        <p:attrNameLst>
+                                          <p:attrName>style.visibility</p:attrName>
+                                        </p:attrNameLst>
+                                      </p:cBhvr>
+                                      <p:to>
+                                        <p:strVal val="visible"/>
+                                      </p:to>
+                                    </p:set>
+                                  </p:childTnLst>
+                                </p:cTn>
+                              </p:par>
+                            </p:childTnLst>
+                          </p:cTn>
+                        </p:par>
+                      </p:childTnLst>
+                    </p:cTn>
+                  </p:par>
+                  <p:par>
+                    <p:cTn id="27" fill="hold">
+                      <p:stCondLst>
+                        <p:cond delay="indefinite"/>
+                      </p:stCondLst>
+                      <p:childTnLst>
+                        <p:par>
+                          <p:cTn id="28" fill="hold">
+                            <p:stCondLst>
+                              <p:cond delay="0"/>
+                            </p:stCondLst>
+                            <p:childTnLst>
+                              <p:par>
+                                <p:cTn id="29" presetID="1" presetClass="entr" presetSubtype="0" fill="hold" nodeType="clickEffect">
+                                  <p:stCondLst>
+                                    <p:cond delay="0"/>
+                                  </p:stCondLst>
+                                  <p:childTnLst>
+                                    <p:set>
+                                      <p:cBhvr>
+                                        <p:cTn id="30" dur="1" fill="hold">
+                                          <p:stCondLst>
+                                            <p:cond delay="0"/>
+                                          </p:stCondLst>
+                                        </p:cTn>
+                                        <p:tgtEl>
+                                          <p:spTgt spid="9">
+                                            <p:txEl>
+                                              <p:pRg st="8" end="8"/>
+                                            </p:txEl>
+                                          </p:spTgt>
+                                        </p:tgtEl>
+                                        <p:attrNameLst>
+                                          <p:attrName>style.visibility</p:attrName>
+                                        </p:attrNameLst>
+                                      </p:cBhvr>
+                                      <p:to>
+                                        <p:strVal val="visible"/>
+                                      </p:to>
+                                    </p:set>
+                                  </p:childTnLst>
+                                </p:cTn>
+                              </p:par>
+                            </p:childTnLst>
+                          </p:cTn>
+                        </p:par>
+                      </p:childTnLst>
+                    </p:cTn>
+                  </p:par>
+                  <p:par>
+                    <p:cTn id="31" fill="hold">
+                      <p:stCondLst>
+                        <p:cond delay="indefinite"/>
+                      </p:stCondLst>
+                      <p:childTnLst>
+                        <p:par>
+                          <p:cTn id="32" fill="hold">
+                            <p:stCondLst>
+                              <p:cond delay="0"/>
+                            </p:stCondLst>
+                            <p:childTnLst>
+                              <p:par>
+                                <p:cTn id="33" presetID="1" presetClass="entr" presetSubtype="0" fill="hold" nodeType="clickEffect">
+                                  <p:stCondLst>
+                                    <p:cond delay="0"/>
+                                  </p:stCondLst>
+                                  <p:childTnLst>
+                                    <p:set>
+                                      <p:cBhvr>
+                                        <p:cTn id="34" dur="1" fill="hold">
+                                          <p:stCondLst>
+                                            <p:cond delay="0"/>
+                                          </p:stCondLst>
+                                        </p:cTn>
+                                        <p:tgtEl>
+                                          <p:spTgt spid="9">
+                                            <p:txEl>
+                                              <p:pRg st="9" end="9"/>
+                                            </p:txEl>
+                                          </p:spTgt>
+                                        </p:tgtEl>
+                                        <p:attrNameLst>
+                                          <p:attrName>style.visibility</p:attrName>
+                                        </p:attrNameLst>
+                                      </p:cBhvr>
+                                      <p:to>
+                                        <p:strVal val="visible"/>
+                                      </p:to>
+                                    </p:set>
+                                  </p:childTnLst>
+                                </p:cTn>
+                              </p:par>
+                            </p:childTnLst>
+                          </p:cTn>
+                        </p:par>
+                      </p:childTnLst>
+                    </p:cTn>
+                  </p:par>
+                  <p:par>
+                    <p:cTn id="35" fill="hold">
+                      <p:stCondLst>
+                        <p:cond delay="indefinite"/>
+                      </p:stCondLst>
+                      <p:childTnLst>
+                        <p:par>
+                          <p:cTn id="36" fill="hold">
+                            <p:stCondLst>
+                              <p:cond delay="0"/>
+                            </p:stCondLst>
+                            <p:childTnLst>
+                              <p:par>
+                                <p:cTn id="37" presetID="1" presetClass="entr" presetSubtype="0" fill="hold" nodeType="clickEffect">
+                                  <p:stCondLst>
+                                    <p:cond delay="0"/>
+                                  </p:stCondLst>
+                                  <p:childTnLst>
+                                    <p:set>
+                                      <p:cBhvr>
+                                        <p:cTn id="38" dur="1" fill="hold">
+                                          <p:stCondLst>
+                                            <p:cond delay="0"/>
+                                          </p:stCondLst>
+                                        </p:cTn>
+                                        <p:tgtEl>
+                                          <p:spTgt spid="9">
+                                            <p:txEl>
+                                              <p:pRg st="10" end="10"/>
                                             </p:txEl>
                                           </p:spTgt>
                                         </p:tgtEl>
@@ -12370,7 +15205,203 @@
                                         <p:tgtEl>
                                           <p:spTgt spid="9">
                                             <p:txEl>
-                                              <p:pRg st="9" end="9"/>
+                                              <p:pRg st="1" end="1"/>
+                                            </p:txEl>
+                                          </p:spTgt>
+                                        </p:tgtEl>
+                                        <p:attrNameLst>
+                                          <p:attrName>style.visibility</p:attrName>
+                                        </p:attrNameLst>
+                                      </p:cBhvr>
+                                      <p:to>
+                                        <p:strVal val="visible"/>
+                                      </p:to>
+                                    </p:set>
+                                  </p:childTnLst>
+                                </p:cTn>
+                              </p:par>
+                            </p:childTnLst>
+                          </p:cTn>
+                        </p:par>
+                      </p:childTnLst>
+                    </p:cTn>
+                  </p:par>
+                  <p:par>
+                    <p:cTn id="7" fill="hold">
+                      <p:stCondLst>
+                        <p:cond delay="indefinite"/>
+                      </p:stCondLst>
+                      <p:childTnLst>
+                        <p:par>
+                          <p:cTn id="8" fill="hold">
+                            <p:stCondLst>
+                              <p:cond delay="0"/>
+                            </p:stCondLst>
+                            <p:childTnLst>
+                              <p:par>
+                                <p:cTn id="9" presetID="1" presetClass="entr" presetSubtype="0" fill="hold" nodeType="clickEffect">
+                                  <p:stCondLst>
+                                    <p:cond delay="0"/>
+                                  </p:stCondLst>
+                                  <p:childTnLst>
+                                    <p:set>
+                                      <p:cBhvr>
+                                        <p:cTn id="10" dur="1" fill="hold">
+                                          <p:stCondLst>
+                                            <p:cond delay="0"/>
+                                          </p:stCondLst>
+                                        </p:cTn>
+                                        <p:tgtEl>
+                                          <p:spTgt spid="9">
+                                            <p:txEl>
+                                              <p:pRg st="2" end="2"/>
+                                            </p:txEl>
+                                          </p:spTgt>
+                                        </p:tgtEl>
+                                        <p:attrNameLst>
+                                          <p:attrName>style.visibility</p:attrName>
+                                        </p:attrNameLst>
+                                      </p:cBhvr>
+                                      <p:to>
+                                        <p:strVal val="visible"/>
+                                      </p:to>
+                                    </p:set>
+                                  </p:childTnLst>
+                                </p:cTn>
+                              </p:par>
+                            </p:childTnLst>
+                          </p:cTn>
+                        </p:par>
+                      </p:childTnLst>
+                    </p:cTn>
+                  </p:par>
+                  <p:par>
+                    <p:cTn id="11" fill="hold">
+                      <p:stCondLst>
+                        <p:cond delay="indefinite"/>
+                      </p:stCondLst>
+                      <p:childTnLst>
+                        <p:par>
+                          <p:cTn id="12" fill="hold">
+                            <p:stCondLst>
+                              <p:cond delay="0"/>
+                            </p:stCondLst>
+                            <p:childTnLst>
+                              <p:par>
+                                <p:cTn id="13" presetID="1" presetClass="entr" presetSubtype="0" fill="hold" nodeType="clickEffect">
+                                  <p:stCondLst>
+                                    <p:cond delay="0"/>
+                                  </p:stCondLst>
+                                  <p:childTnLst>
+                                    <p:set>
+                                      <p:cBhvr>
+                                        <p:cTn id="14" dur="1" fill="hold">
+                                          <p:stCondLst>
+                                            <p:cond delay="0"/>
+                                          </p:stCondLst>
+                                        </p:cTn>
+                                        <p:tgtEl>
+                                          <p:spTgt spid="9">
+                                            <p:txEl>
+                                              <p:pRg st="4" end="4"/>
+                                            </p:txEl>
+                                          </p:spTgt>
+                                        </p:tgtEl>
+                                        <p:attrNameLst>
+                                          <p:attrName>style.visibility</p:attrName>
+                                        </p:attrNameLst>
+                                      </p:cBhvr>
+                                      <p:to>
+                                        <p:strVal val="visible"/>
+                                      </p:to>
+                                    </p:set>
+                                  </p:childTnLst>
+                                </p:cTn>
+                              </p:par>
+                            </p:childTnLst>
+                          </p:cTn>
+                        </p:par>
+                      </p:childTnLst>
+                    </p:cTn>
+                  </p:par>
+                  <p:par>
+                    <p:cTn id="15" fill="hold">
+                      <p:stCondLst>
+                        <p:cond delay="indefinite"/>
+                      </p:stCondLst>
+                      <p:childTnLst>
+                        <p:par>
+                          <p:cTn id="16" fill="hold">
+                            <p:stCondLst>
+                              <p:cond delay="0"/>
+                            </p:stCondLst>
+                            <p:childTnLst>
+                              <p:par>
+                                <p:cTn id="17" presetID="1" presetClass="entr" presetSubtype="0" fill="hold" nodeType="clickEffect">
+                                  <p:stCondLst>
+                                    <p:cond delay="0"/>
+                                  </p:stCondLst>
+                                  <p:childTnLst>
+                                    <p:set>
+                                      <p:cBhvr>
+                                        <p:cTn id="18" dur="1" fill="hold">
+                                          <p:stCondLst>
+                                            <p:cond delay="0"/>
+                                          </p:stCondLst>
+                                        </p:cTn>
+                                        <p:tgtEl>
+                                          <p:spTgt spid="9">
+                                            <p:txEl>
+                                              <p:pRg st="6" end="6"/>
+                                            </p:txEl>
+                                          </p:spTgt>
+                                        </p:tgtEl>
+                                        <p:attrNameLst>
+                                          <p:attrName>style.visibility</p:attrName>
+                                        </p:attrNameLst>
+                                      </p:cBhvr>
+                                      <p:to>
+                                        <p:strVal val="visible"/>
+                                      </p:to>
+                                    </p:set>
+                                  </p:childTnLst>
+                                </p:cTn>
+                              </p:par>
+                            </p:childTnLst>
+                          </p:cTn>
+                        </p:par>
+                      </p:childTnLst>
+                    </p:cTn>
+                  </p:par>
+                  <p:par>
+                    <p:cTn id="19" fill="hold">
+                      <p:stCondLst>
+                        <p:cond delay="indefinite"/>
+                      </p:stCondLst>
+                      <p:childTnLst>
+                        <p:par>
+                          <p:cTn id="20" fill="hold">
+                            <p:stCondLst>
+                              <p:cond delay="0"/>
+                            </p:stCondLst>
+                            <p:childTnLst>
+                              <p:par>
+                                <p:cTn id="21" presetID="1" presetClass="entr" presetSubtype="0" fill="hold" nodeType="clickEffect">
+                                  <p:stCondLst>
+                                    <p:cond delay="0"/>
+                                  </p:stCondLst>
+                                  <p:childTnLst>
+                                    <p:set>
+                                      <p:cBhvr>
+                                        <p:cTn id="22" dur="1" fill="hold">
+                                          <p:stCondLst>
+                                            <p:cond delay="0"/>
+                                          </p:stCondLst>
+                                        </p:cTn>
+                                        <p:tgtEl>
+                                          <p:spTgt spid="9">
+                                            <p:txEl>
+                                              <p:pRg st="8" end="8"/>
                                             </p:txEl>
                                           </p:spTgt>
                                         </p:tgtEl>

--- a/courses/apcsp/lect13.pptx
+++ b/courses/apcsp/lect13.pptx
@@ -19,7 +19,8 @@
     <p:sldId id="357" r:id="rId13"/>
     <p:sldId id="358" r:id="rId14"/>
     <p:sldId id="359" r:id="rId15"/>
-    <p:sldId id="344" r:id="rId16"/>
+    <p:sldId id="360" r:id="rId16"/>
+    <p:sldId id="344" r:id="rId17"/>
   </p:sldIdLst>
   <p:sldSz cx="9144000" cy="5715000" type="screen16x10"/>
   <p:notesSz cx="6858000" cy="9144000"/>
@@ -8578,6 +8579,502 @@
 </file>
 
 <file path=ppt/slides/slide15.xml><?xml version="1.0" encoding="utf-8"?>
+<p:sld xmlns:a="http://schemas.openxmlformats.org/drawingml/2006/main" xmlns:r="http://schemas.openxmlformats.org/officeDocument/2006/relationships" xmlns:p="http://schemas.openxmlformats.org/presentationml/2006/main">
+  <p:cSld>
+    <p:spTree>
+      <p:nvGrpSpPr>
+        <p:cNvPr id="1" name=""/>
+        <p:cNvGrpSpPr/>
+        <p:nvPr/>
+      </p:nvGrpSpPr>
+      <p:grpSpPr>
+        <a:xfrm>
+          <a:off x="0" y="0"/>
+          <a:ext cx="0" cy="0"/>
+          <a:chOff x="0" y="0"/>
+          <a:chExt cx="0" cy="0"/>
+        </a:xfrm>
+      </p:grpSpPr>
+      <p:sp>
+        <p:nvSpPr>
+          <p:cNvPr id="2" name="Title 1">
+            <a:extLst>
+              <a:ext uri="{FF2B5EF4-FFF2-40B4-BE49-F238E27FC236}">
+                <a16:creationId xmlns:a16="http://schemas.microsoft.com/office/drawing/2014/main" id="{AA3A228F-61D0-D949-A5E7-F83756230BF8}"/>
+              </a:ext>
+            </a:extLst>
+          </p:cNvPr>
+          <p:cNvSpPr>
+            <a:spLocks noGrp="1"/>
+          </p:cNvSpPr>
+          <p:nvPr>
+            <p:ph type="title"/>
+          </p:nvPr>
+        </p:nvSpPr>
+        <p:spPr>
+          <a:xfrm>
+            <a:off x="483848" y="-54551"/>
+            <a:ext cx="7053542" cy="683886"/>
+          </a:xfrm>
+        </p:spPr>
+        <p:txBody>
+          <a:bodyPr/>
+          <a:lstStyle/>
+          <a:p>
+            <a:r>
+              <a:rPr lang="en-US" dirty="0"/>
+              <a:t>Questions</a:t>
+            </a:r>
+          </a:p>
+        </p:txBody>
+      </p:sp>
+      <p:sp>
+        <p:nvSpPr>
+          <p:cNvPr id="9" name="Content Placeholder 8">
+            <a:extLst>
+              <a:ext uri="{FF2B5EF4-FFF2-40B4-BE49-F238E27FC236}">
+                <a16:creationId xmlns:a16="http://schemas.microsoft.com/office/drawing/2014/main" id="{E3B2E017-30B2-884B-A113-B419A2ED51AD}"/>
+              </a:ext>
+            </a:extLst>
+          </p:cNvPr>
+          <p:cNvSpPr>
+            <a:spLocks noGrp="1"/>
+          </p:cNvSpPr>
+          <p:nvPr>
+            <p:ph idx="1"/>
+          </p:nvPr>
+        </p:nvSpPr>
+        <p:spPr>
+          <a:xfrm>
+            <a:off x="483848" y="603115"/>
+            <a:ext cx="8051725" cy="4988388"/>
+          </a:xfrm>
+        </p:spPr>
+        <p:txBody>
+          <a:bodyPr>
+            <a:noAutofit/>
+          </a:bodyPr>
+          <a:lstStyle/>
+          <a:p>
+            <a:pPr marL="0" indent="0">
+              <a:buNone/>
+            </a:pPr>
+            <a:r>
+              <a:rPr lang="en-US" sz="2000" dirty="0">
+                <a:latin typeface="Gill Sans MT" panose="020B0502020104020203" pitchFamily="34" charset="77"/>
+              </a:rPr>
+              <a:t>1) Suppose that you wrote "hi" in a text file(</a:t>
+            </a:r>
+            <a:r>
+              <a:rPr lang="en-US" sz="2000" dirty="0" err="1">
+                <a:latin typeface="Gill Sans MT" panose="020B0502020104020203" pitchFamily="34" charset="77"/>
+              </a:rPr>
+              <a:t>file.txt</a:t>
+            </a:r>
+            <a:r>
+              <a:rPr lang="en-US" sz="2000" dirty="0">
+                <a:latin typeface="Gill Sans MT" panose="020B0502020104020203" pitchFamily="34" charset="77"/>
+              </a:rPr>
+              <a:t>) and saved it on your computer using UTF8 encoding.  How many bytes in memory do you need?</a:t>
+            </a:r>
+          </a:p>
+          <a:p>
+            <a:pPr marL="0" indent="0">
+              <a:buNone/>
+            </a:pPr>
+            <a:endParaRPr lang="en-US" sz="1800" b="1" dirty="0">
+              <a:latin typeface="Inconsolata Medium" panose="020B0609030003000000" pitchFamily="49" charset="77"/>
+            </a:endParaRPr>
+          </a:p>
+          <a:p>
+            <a:pPr marL="0" indent="0">
+              <a:buNone/>
+            </a:pPr>
+            <a:r>
+              <a:rPr lang="en-US" sz="1900" b="1" dirty="0">
+                <a:solidFill>
+                  <a:srgbClr val="000087"/>
+                </a:solidFill>
+                <a:latin typeface="Inconsolata Medium" panose="020B0609030003000000" pitchFamily="49" charset="77"/>
+              </a:rPr>
+              <a:t>In </a:t>
+            </a:r>
+            <a:r>
+              <a:rPr lang="en-US" sz="1900" b="1" dirty="0">
+                <a:latin typeface="Inconsolata Medium" panose="020B0609030003000000" pitchFamily="49" charset="77"/>
+              </a:rPr>
+              <a:t>[</a:t>
+            </a:r>
+            <a:r>
+              <a:rPr lang="en-US" sz="1900" b="1" dirty="0">
+                <a:solidFill>
+                  <a:srgbClr val="FF6600"/>
+                </a:solidFill>
+                <a:latin typeface="Inconsolata Medium" panose="020B0609030003000000" pitchFamily="49" charset="77"/>
+              </a:rPr>
+              <a:t>1</a:t>
+            </a:r>
+            <a:r>
+              <a:rPr lang="en-US" sz="1900" b="1" dirty="0">
+                <a:latin typeface="Inconsolata Medium" panose="020B0609030003000000" pitchFamily="49" charset="77"/>
+              </a:rPr>
+              <a:t>]: </a:t>
+            </a:r>
+            <a:r>
+              <a:rPr lang="en-US" sz="1900" b="1" dirty="0" err="1">
+                <a:latin typeface="Inconsolata Medium" panose="020B0609030003000000" pitchFamily="49" charset="77"/>
+              </a:rPr>
+              <a:t>len</a:t>
+            </a:r>
+            <a:r>
+              <a:rPr lang="en-US" sz="1900" b="1" dirty="0">
+                <a:latin typeface="Inconsolata Medium" panose="020B0609030003000000" pitchFamily="49" charset="77"/>
+              </a:rPr>
+              <a:t>("hi</a:t>
+            </a:r>
+            <a:r>
+              <a:rPr lang="el-GR" sz="1900" b="1" dirty="0">
+                <a:latin typeface="Inconsolata Medium" panose="020B0609030003000000" pitchFamily="49" charset="77"/>
+              </a:rPr>
+              <a:t>"</a:t>
+            </a:r>
+            <a:r>
+              <a:rPr lang="en-US" sz="1900" b="1" dirty="0">
+                <a:latin typeface="Inconsolata Medium" panose="020B0609030003000000" pitchFamily="49" charset="77"/>
+              </a:rPr>
+              <a:t>.encode("utf8"))</a:t>
+            </a:r>
+            <a:endParaRPr lang="en-US" sz="2000" b="1" dirty="0">
+              <a:latin typeface="Inconsolata Medium" panose="020B0609030003000000" pitchFamily="49" charset="77"/>
+            </a:endParaRPr>
+          </a:p>
+          <a:p>
+            <a:pPr marL="0" indent="0">
+              <a:buNone/>
+            </a:pPr>
+            <a:r>
+              <a:rPr lang="en-US" sz="1800" b="1" dirty="0">
+                <a:latin typeface="Inconsolata Medium" panose="020B0609030003000000" pitchFamily="49" charset="77"/>
+              </a:rPr>
+              <a:t>Out [3]: 2</a:t>
+            </a:r>
+          </a:p>
+          <a:p>
+            <a:pPr marL="0" indent="0">
+              <a:buNone/>
+            </a:pPr>
+            <a:endParaRPr lang="en-US" sz="1800" b="1" dirty="0">
+              <a:solidFill>
+                <a:srgbClr val="000087"/>
+              </a:solidFill>
+              <a:latin typeface="Inconsolata Medium" panose="020B0609030003000000" pitchFamily="49" charset="77"/>
+            </a:endParaRPr>
+          </a:p>
+          <a:p>
+            <a:pPr marL="0" indent="0">
+              <a:buNone/>
+            </a:pPr>
+            <a:r>
+              <a:rPr lang="en-US" sz="2000" dirty="0">
+                <a:latin typeface="Gill Sans MT" panose="020B0502020104020203" pitchFamily="34" charset="77"/>
+              </a:rPr>
+              <a:t>2) Resave "hi" using UTF-16 as file2.txt. How many bytes in memory do you need for this new file? Display the actual sequence of bytes stored in your hard drive for this file. </a:t>
+            </a:r>
+          </a:p>
+          <a:p>
+            <a:pPr marL="0" indent="0">
+              <a:buNone/>
+            </a:pPr>
+            <a:endParaRPr lang="en-US" b="1" dirty="0">
+              <a:latin typeface="Inconsolata Medium" panose="020B0609030003000000" pitchFamily="49" charset="77"/>
+            </a:endParaRPr>
+          </a:p>
+          <a:p>
+            <a:pPr marL="0" indent="0">
+              <a:buNone/>
+            </a:pPr>
+            <a:r>
+              <a:rPr lang="en-US" sz="2000" b="1" dirty="0">
+                <a:solidFill>
+                  <a:srgbClr val="000087"/>
+                </a:solidFill>
+                <a:latin typeface="Inconsolata Medium" panose="020B0609030003000000" pitchFamily="49" charset="77"/>
+              </a:rPr>
+              <a:t>In </a:t>
+            </a:r>
+            <a:r>
+              <a:rPr lang="en-US" sz="2000" b="1" dirty="0">
+                <a:latin typeface="Inconsolata Medium" panose="020B0609030003000000" pitchFamily="49" charset="77"/>
+              </a:rPr>
+              <a:t>[</a:t>
+            </a:r>
+            <a:r>
+              <a:rPr lang="en-US" sz="2000" b="1" dirty="0">
+                <a:solidFill>
+                  <a:srgbClr val="FF6600"/>
+                </a:solidFill>
+                <a:latin typeface="Inconsolata Medium" panose="020B0609030003000000" pitchFamily="49" charset="77"/>
+              </a:rPr>
+              <a:t>2</a:t>
+            </a:r>
+            <a:r>
+              <a:rPr lang="en-US" sz="2000" b="1" dirty="0">
+                <a:latin typeface="Inconsolata Medium" panose="020B0609030003000000" pitchFamily="49" charset="77"/>
+              </a:rPr>
+              <a:t>]: </a:t>
+            </a:r>
+            <a:r>
+              <a:rPr lang="en-US" sz="2000" b="1" dirty="0" err="1">
+                <a:latin typeface="Inconsolata Medium" panose="020B0609030003000000" pitchFamily="49" charset="77"/>
+              </a:rPr>
+              <a:t>len</a:t>
+            </a:r>
+            <a:r>
+              <a:rPr lang="en-US" sz="2000" b="1" dirty="0">
+                <a:latin typeface="Inconsolata Medium" panose="020B0609030003000000" pitchFamily="49" charset="77"/>
+              </a:rPr>
+              <a:t>("hi</a:t>
+            </a:r>
+            <a:r>
+              <a:rPr lang="el-GR" sz="2000" b="1" dirty="0">
+                <a:latin typeface="Inconsolata Medium" panose="020B0609030003000000" pitchFamily="49" charset="77"/>
+              </a:rPr>
+              <a:t>"</a:t>
+            </a:r>
+            <a:r>
+              <a:rPr lang="en-US" sz="2000" b="1" dirty="0">
+                <a:latin typeface="Inconsolata Medium" panose="020B0609030003000000" pitchFamily="49" charset="77"/>
+              </a:rPr>
+              <a:t>.encode("utf16"))</a:t>
+            </a:r>
+          </a:p>
+          <a:p>
+            <a:pPr marL="0" indent="0">
+              <a:buNone/>
+            </a:pPr>
+            <a:r>
+              <a:rPr lang="en-US" sz="2000" b="1" dirty="0">
+                <a:latin typeface="Inconsolata Medium" panose="020B0609030003000000" pitchFamily="49" charset="77"/>
+              </a:rPr>
+              <a:t>Out [2]: 6</a:t>
+            </a:r>
+          </a:p>
+          <a:p>
+            <a:pPr marL="0" indent="0">
+              <a:buNone/>
+            </a:pPr>
+            <a:r>
+              <a:rPr lang="en-US" sz="2000" b="1" dirty="0">
+                <a:solidFill>
+                  <a:srgbClr val="000087"/>
+                </a:solidFill>
+                <a:latin typeface="Inconsolata Medium" panose="020B0609030003000000" pitchFamily="49" charset="77"/>
+              </a:rPr>
+              <a:t>In </a:t>
+            </a:r>
+            <a:r>
+              <a:rPr lang="en-US" sz="2000" b="1" dirty="0">
+                <a:latin typeface="Inconsolata Medium" panose="020B0609030003000000" pitchFamily="49" charset="77"/>
+              </a:rPr>
+              <a:t>[</a:t>
+            </a:r>
+            <a:r>
+              <a:rPr lang="en-US" sz="2000" b="1" dirty="0">
+                <a:solidFill>
+                  <a:srgbClr val="FF6600"/>
+                </a:solidFill>
+                <a:latin typeface="Inconsolata Medium" panose="020B0609030003000000" pitchFamily="49" charset="77"/>
+              </a:rPr>
+              <a:t>3</a:t>
+            </a:r>
+            <a:r>
+              <a:rPr lang="en-US" sz="2000" b="1" dirty="0">
+                <a:latin typeface="Inconsolata Medium" panose="020B0609030003000000" pitchFamily="49" charset="77"/>
+              </a:rPr>
+              <a:t>]: "hi</a:t>
+            </a:r>
+            <a:r>
+              <a:rPr lang="el-GR" sz="2000" b="1" dirty="0">
+                <a:latin typeface="Inconsolata Medium" panose="020B0609030003000000" pitchFamily="49" charset="77"/>
+              </a:rPr>
+              <a:t>"</a:t>
+            </a:r>
+            <a:r>
+              <a:rPr lang="en-US" sz="2000" b="1" dirty="0">
+                <a:latin typeface="Inconsolata Medium" panose="020B0609030003000000" pitchFamily="49" charset="77"/>
+              </a:rPr>
+              <a:t>.encode("utf16")</a:t>
+            </a:r>
+          </a:p>
+          <a:p>
+            <a:pPr marL="0" indent="0">
+              <a:buNone/>
+            </a:pPr>
+            <a:r>
+              <a:rPr lang="en-US" sz="2000" b="1" dirty="0">
+                <a:latin typeface="Inconsolata Medium" panose="020B0609030003000000" pitchFamily="49" charset="77"/>
+              </a:rPr>
+              <a:t>Out [3]: b'\</a:t>
+            </a:r>
+            <a:r>
+              <a:rPr lang="en-US" sz="2000" b="1" dirty="0" err="1">
+                <a:latin typeface="Inconsolata Medium" panose="020B0609030003000000" pitchFamily="49" charset="77"/>
+              </a:rPr>
+              <a:t>xff</a:t>
+            </a:r>
+            <a:r>
+              <a:rPr lang="en-US" sz="2000" b="1" dirty="0">
+                <a:latin typeface="Inconsolata Medium" panose="020B0609030003000000" pitchFamily="49" charset="77"/>
+              </a:rPr>
+              <a:t>\</a:t>
+            </a:r>
+            <a:r>
+              <a:rPr lang="en-US" sz="2000" b="1" dirty="0" err="1">
+                <a:latin typeface="Inconsolata Medium" panose="020B0609030003000000" pitchFamily="49" charset="77"/>
+              </a:rPr>
+              <a:t>xfeh</a:t>
+            </a:r>
+            <a:r>
+              <a:rPr lang="en-US" sz="2000" b="1" dirty="0">
+                <a:latin typeface="Inconsolata Medium" panose="020B0609030003000000" pitchFamily="49" charset="77"/>
+              </a:rPr>
+              <a:t>\x00i\x00'</a:t>
+            </a:r>
+          </a:p>
+          <a:p>
+            <a:pPr marL="0" indent="0">
+              <a:buNone/>
+            </a:pPr>
+            <a:endParaRPr lang="en-US" sz="2000" b="1" dirty="0">
+              <a:latin typeface="Inconsolata Medium" panose="020B0609030003000000" pitchFamily="49" charset="77"/>
+            </a:endParaRPr>
+          </a:p>
+          <a:p>
+            <a:pPr marL="0" indent="0">
+              <a:buNone/>
+            </a:pPr>
+            <a:endParaRPr lang="en-US" b="1" dirty="0">
+              <a:latin typeface="Inconsolata Medium" panose="020B0609030003000000" pitchFamily="49" charset="77"/>
+            </a:endParaRPr>
+          </a:p>
+          <a:p>
+            <a:pPr marL="0" indent="0">
+              <a:buNone/>
+            </a:pPr>
+            <a:endParaRPr lang="en-US" b="1" dirty="0">
+              <a:latin typeface="Inconsolata Medium" panose="020B0609030003000000" pitchFamily="49" charset="77"/>
+            </a:endParaRPr>
+          </a:p>
+          <a:p>
+            <a:pPr marL="0" indent="0">
+              <a:buNone/>
+            </a:pPr>
+            <a:endParaRPr lang="en-US" b="1" dirty="0">
+              <a:latin typeface="Inconsolata Medium" panose="020B0609030003000000" pitchFamily="49" charset="77"/>
+            </a:endParaRPr>
+          </a:p>
+          <a:p>
+            <a:pPr marL="0" indent="0">
+              <a:buNone/>
+            </a:pPr>
+            <a:endParaRPr lang="en-US" b="1" dirty="0">
+              <a:latin typeface="Inconsolata Medium" panose="020B0609030003000000" pitchFamily="49" charset="77"/>
+            </a:endParaRPr>
+          </a:p>
+          <a:p>
+            <a:pPr marL="0" indent="0">
+              <a:buNone/>
+            </a:pPr>
+            <a:r>
+              <a:rPr lang="en-US" b="1" dirty="0">
+                <a:latin typeface="Inconsolata Medium" panose="020B0609030003000000" pitchFamily="49" charset="77"/>
+              </a:rPr>
+              <a:t> </a:t>
+            </a:r>
+          </a:p>
+          <a:p>
+            <a:pPr marL="0" indent="0">
+              <a:buNone/>
+            </a:pPr>
+            <a:endParaRPr lang="en-US" b="1" dirty="0">
+              <a:latin typeface="Inconsolata Medium" panose="020B0609030003000000" pitchFamily="49" charset="77"/>
+            </a:endParaRPr>
+          </a:p>
+          <a:p>
+            <a:pPr marL="0" indent="0">
+              <a:buNone/>
+            </a:pPr>
+            <a:endParaRPr lang="en-US" b="1" dirty="0">
+              <a:latin typeface="Inconsolata Medium" panose="020B0609030003000000" pitchFamily="49" charset="77"/>
+            </a:endParaRPr>
+          </a:p>
+          <a:p>
+            <a:pPr marL="0" indent="0">
+              <a:buNone/>
+            </a:pPr>
+            <a:endParaRPr lang="en-US" b="1" dirty="0">
+              <a:latin typeface="Inconsolata Medium" panose="020B0609030003000000" pitchFamily="49" charset="77"/>
+            </a:endParaRPr>
+          </a:p>
+          <a:p>
+            <a:pPr marL="0" indent="0">
+              <a:buNone/>
+            </a:pPr>
+            <a:endParaRPr lang="en-US" b="1" dirty="0">
+              <a:latin typeface="Inconsolata Medium" panose="020B0609030003000000" pitchFamily="49" charset="77"/>
+            </a:endParaRPr>
+          </a:p>
+          <a:p>
+            <a:pPr marL="0" indent="0">
+              <a:buNone/>
+            </a:pPr>
+            <a:endParaRPr lang="en-US" b="1" dirty="0">
+              <a:latin typeface="Inconsolata Medium" panose="020B0609030003000000" pitchFamily="49" charset="77"/>
+            </a:endParaRPr>
+          </a:p>
+          <a:p>
+            <a:pPr marL="0" indent="0">
+              <a:buNone/>
+            </a:pPr>
+            <a:r>
+              <a:rPr lang="en-US" b="1" dirty="0">
+                <a:latin typeface="Inconsolata Medium" panose="020B0609030003000000" pitchFamily="49" charset="77"/>
+              </a:rPr>
+              <a:t> </a:t>
+            </a:r>
+          </a:p>
+          <a:p>
+            <a:pPr marL="0" indent="0">
+              <a:buNone/>
+            </a:pPr>
+            <a:endParaRPr lang="en-US" b="1" dirty="0">
+              <a:latin typeface="Inconsolata Medium" panose="020B0609030003000000" pitchFamily="49" charset="77"/>
+            </a:endParaRPr>
+          </a:p>
+          <a:p>
+            <a:pPr marL="0" indent="0">
+              <a:buNone/>
+            </a:pPr>
+            <a:endParaRPr lang="en-US" b="1" dirty="0">
+              <a:latin typeface="Inconsolata Medium" panose="020B0609030003000000" pitchFamily="49" charset="77"/>
+            </a:endParaRPr>
+          </a:p>
+        </p:txBody>
+      </p:sp>
+    </p:spTree>
+    <p:extLst>
+      <p:ext uri="{BB962C8B-B14F-4D97-AF65-F5344CB8AC3E}">
+        <p14:creationId xmlns:p14="http://schemas.microsoft.com/office/powerpoint/2010/main" val="1128638349"/>
+      </p:ext>
+    </p:extLst>
+  </p:cSld>
+  <p:clrMapOvr>
+    <a:masterClrMapping/>
+  </p:clrMapOvr>
+</p:sld>
+</file>
+
+<file path=ppt/slides/slide16.xml><?xml version="1.0" encoding="utf-8"?>
 <p:sld xmlns:a="http://schemas.openxmlformats.org/drawingml/2006/main" xmlns:r="http://schemas.openxmlformats.org/officeDocument/2006/relationships" xmlns:p="http://schemas.openxmlformats.org/presentationml/2006/main">
   <p:cSld>
     <p:spTree>
@@ -10375,7 +10872,7 @@
               <a:rPr lang="en-US" sz="1800" b="1" dirty="0">
                 <a:latin typeface="Inconsolata Medium" panose="020B0609030003000000" pitchFamily="49" charset="77"/>
               </a:rPr>
-              <a:t>]: 0o11. </a:t>
+              <a:t>]: 0o11 </a:t>
             </a:r>
             <a:r>
               <a:rPr lang="en-US" sz="1800" b="1" dirty="0">
@@ -10432,7 +10929,7 @@
               <a:rPr lang="en-US" sz="1800" b="1" dirty="0">
                 <a:latin typeface="Inconsolata Medium" panose="020B0609030003000000" pitchFamily="49" charset="77"/>
               </a:rPr>
-              <a:t>]: 0x11. </a:t>
+              <a:t>]: 0x11 </a:t>
             </a:r>
             <a:r>
               <a:rPr lang="en-US" sz="1800" b="1" dirty="0">

--- a/courses/apcsp/lect13.pptx
+++ b/courses/apcsp/lect13.pptx
@@ -2349,7 +2349,7 @@
           <a:p>
             <a:fld id="{4AAD347D-5ACD-4C99-B74B-A9C85AD731AF}" type="datetimeFigureOut">
               <a:rPr lang="en-US" smtClean="0"/>
-              <a:t>1/22/20</a:t>
+              <a:t>1/23/20</a:t>
             </a:fld>
             <a:endParaRPr lang="en-US" dirty="0"/>
           </a:p>
@@ -2519,7 +2519,7 @@
           <a:p>
             <a:fld id="{4509A250-FF31-4206-8172-F9D3106AACB1}" type="datetimeFigureOut">
               <a:rPr lang="en-US" smtClean="0"/>
-              <a:t>1/22/20</a:t>
+              <a:t>1/23/20</a:t>
             </a:fld>
             <a:endParaRPr lang="en-US" dirty="0"/>
           </a:p>
@@ -2699,7 +2699,7 @@
           <a:p>
             <a:fld id="{4509A250-FF31-4206-8172-F9D3106AACB1}" type="datetimeFigureOut">
               <a:rPr lang="en-US" smtClean="0"/>
-              <a:t>1/22/20</a:t>
+              <a:t>1/23/20</a:t>
             </a:fld>
             <a:endParaRPr lang="en-US" dirty="0"/>
           </a:p>
@@ -2869,7 +2869,7 @@
           <a:p>
             <a:fld id="{4509A250-FF31-4206-8172-F9D3106AACB1}" type="datetimeFigureOut">
               <a:rPr lang="en-US" smtClean="0"/>
-              <a:t>1/22/20</a:t>
+              <a:t>1/23/20</a:t>
             </a:fld>
             <a:endParaRPr lang="en-US" dirty="0"/>
           </a:p>
@@ -3115,7 +3115,7 @@
           <a:p>
             <a:fld id="{9796027F-7875-4030-9381-8BD8C4F21935}" type="datetimeFigureOut">
               <a:rPr lang="en-US" smtClean="0"/>
-              <a:t>1/22/20</a:t>
+              <a:t>1/23/20</a:t>
             </a:fld>
             <a:endParaRPr lang="en-US" dirty="0"/>
           </a:p>
@@ -3347,7 +3347,7 @@
           <a:p>
             <a:fld id="{9796027F-7875-4030-9381-8BD8C4F21935}" type="datetimeFigureOut">
               <a:rPr lang="en-US" smtClean="0"/>
-              <a:t>1/22/20</a:t>
+              <a:t>1/23/20</a:t>
             </a:fld>
             <a:endParaRPr lang="en-US" dirty="0"/>
           </a:p>
@@ -3714,7 +3714,7 @@
           <a:p>
             <a:fld id="{9796027F-7875-4030-9381-8BD8C4F21935}" type="datetimeFigureOut">
               <a:rPr lang="en-US" smtClean="0"/>
-              <a:t>1/22/20</a:t>
+              <a:t>1/23/20</a:t>
             </a:fld>
             <a:endParaRPr lang="en-US" dirty="0"/>
           </a:p>
@@ -3832,7 +3832,7 @@
           <a:p>
             <a:fld id="{4509A250-FF31-4206-8172-F9D3106AACB1}" type="datetimeFigureOut">
               <a:rPr lang="en-US" smtClean="0"/>
-              <a:t>1/22/20</a:t>
+              <a:t>1/23/20</a:t>
             </a:fld>
             <a:endParaRPr lang="en-US" dirty="0"/>
           </a:p>
@@ -3927,7 +3927,7 @@
           <a:p>
             <a:fld id="{4509A250-FF31-4206-8172-F9D3106AACB1}" type="datetimeFigureOut">
               <a:rPr lang="en-US" smtClean="0"/>
-              <a:t>1/22/20</a:t>
+              <a:t>1/23/20</a:t>
             </a:fld>
             <a:endParaRPr lang="en-US" dirty="0"/>
           </a:p>
@@ -4204,7 +4204,7 @@
           <a:p>
             <a:fld id="{4509A250-FF31-4206-8172-F9D3106AACB1}" type="datetimeFigureOut">
               <a:rPr lang="en-US" smtClean="0"/>
-              <a:t>1/22/20</a:t>
+              <a:t>1/23/20</a:t>
             </a:fld>
             <a:endParaRPr lang="en-US" dirty="0"/>
           </a:p>
@@ -4461,7 +4461,7 @@
           <a:p>
             <a:fld id="{4509A250-FF31-4206-8172-F9D3106AACB1}" type="datetimeFigureOut">
               <a:rPr lang="en-US" smtClean="0"/>
-              <a:t>1/22/20</a:t>
+              <a:t>1/23/20</a:t>
             </a:fld>
             <a:endParaRPr lang="en-US" dirty="0"/>
           </a:p>
@@ -4674,7 +4674,7 @@
           <a:p>
             <a:fld id="{4AAD347D-5ACD-4C99-B74B-A9C85AD731AF}" type="datetimeFigureOut">
               <a:rPr lang="en-US" smtClean="0"/>
-              <a:t>1/22/20</a:t>
+              <a:t>1/23/20</a:t>
             </a:fld>
             <a:endParaRPr lang="en-US" dirty="0"/>
           </a:p>

--- a/courses/apcsp/lect13.pptx
+++ b/courses/apcsp/lect13.pptx
@@ -5,7 +5,7 @@
     <p:sldMasterId id="2147483791" r:id="rId1"/>
   </p:sldMasterIdLst>
   <p:sldIdLst>
-    <p:sldId id="256" r:id="rId2"/>
+    <p:sldId id="361" r:id="rId2"/>
     <p:sldId id="291" r:id="rId3"/>
     <p:sldId id="348" r:id="rId4"/>
     <p:sldId id="349" r:id="rId5"/>
@@ -2349,7 +2349,7 @@
           <a:p>
             <a:fld id="{4AAD347D-5ACD-4C99-B74B-A9C85AD731AF}" type="datetimeFigureOut">
               <a:rPr lang="en-US" smtClean="0"/>
-              <a:t>1/23/20</a:t>
+              <a:t>2/7/20</a:t>
             </a:fld>
             <a:endParaRPr lang="en-US" dirty="0"/>
           </a:p>
@@ -2519,7 +2519,7 @@
           <a:p>
             <a:fld id="{4509A250-FF31-4206-8172-F9D3106AACB1}" type="datetimeFigureOut">
               <a:rPr lang="en-US" smtClean="0"/>
-              <a:t>1/23/20</a:t>
+              <a:t>2/7/20</a:t>
             </a:fld>
             <a:endParaRPr lang="en-US" dirty="0"/>
           </a:p>
@@ -2699,7 +2699,7 @@
           <a:p>
             <a:fld id="{4509A250-FF31-4206-8172-F9D3106AACB1}" type="datetimeFigureOut">
               <a:rPr lang="en-US" smtClean="0"/>
-              <a:t>1/23/20</a:t>
+              <a:t>2/7/20</a:t>
             </a:fld>
             <a:endParaRPr lang="en-US" dirty="0"/>
           </a:p>
@@ -2869,7 +2869,7 @@
           <a:p>
             <a:fld id="{4509A250-FF31-4206-8172-F9D3106AACB1}" type="datetimeFigureOut">
               <a:rPr lang="en-US" smtClean="0"/>
-              <a:t>1/23/20</a:t>
+              <a:t>2/7/20</a:t>
             </a:fld>
             <a:endParaRPr lang="en-US" dirty="0"/>
           </a:p>
@@ -3115,7 +3115,7 @@
           <a:p>
             <a:fld id="{9796027F-7875-4030-9381-8BD8C4F21935}" type="datetimeFigureOut">
               <a:rPr lang="en-US" smtClean="0"/>
-              <a:t>1/23/20</a:t>
+              <a:t>2/7/20</a:t>
             </a:fld>
             <a:endParaRPr lang="en-US" dirty="0"/>
           </a:p>
@@ -3347,7 +3347,7 @@
           <a:p>
             <a:fld id="{9796027F-7875-4030-9381-8BD8C4F21935}" type="datetimeFigureOut">
               <a:rPr lang="en-US" smtClean="0"/>
-              <a:t>1/23/20</a:t>
+              <a:t>2/7/20</a:t>
             </a:fld>
             <a:endParaRPr lang="en-US" dirty="0"/>
           </a:p>
@@ -3714,7 +3714,7 @@
           <a:p>
             <a:fld id="{9796027F-7875-4030-9381-8BD8C4F21935}" type="datetimeFigureOut">
               <a:rPr lang="en-US" smtClean="0"/>
-              <a:t>1/23/20</a:t>
+              <a:t>2/7/20</a:t>
             </a:fld>
             <a:endParaRPr lang="en-US" dirty="0"/>
           </a:p>
@@ -3832,7 +3832,7 @@
           <a:p>
             <a:fld id="{4509A250-FF31-4206-8172-F9D3106AACB1}" type="datetimeFigureOut">
               <a:rPr lang="en-US" smtClean="0"/>
-              <a:t>1/23/20</a:t>
+              <a:t>2/7/20</a:t>
             </a:fld>
             <a:endParaRPr lang="en-US" dirty="0"/>
           </a:p>
@@ -3927,7 +3927,7 @@
           <a:p>
             <a:fld id="{4509A250-FF31-4206-8172-F9D3106AACB1}" type="datetimeFigureOut">
               <a:rPr lang="en-US" smtClean="0"/>
-              <a:t>1/23/20</a:t>
+              <a:t>2/7/20</a:t>
             </a:fld>
             <a:endParaRPr lang="en-US" dirty="0"/>
           </a:p>
@@ -4204,7 +4204,7 @@
           <a:p>
             <a:fld id="{4509A250-FF31-4206-8172-F9D3106AACB1}" type="datetimeFigureOut">
               <a:rPr lang="en-US" smtClean="0"/>
-              <a:t>1/23/20</a:t>
+              <a:t>2/7/20</a:t>
             </a:fld>
             <a:endParaRPr lang="en-US" dirty="0"/>
           </a:p>
@@ -4461,7 +4461,7 @@
           <a:p>
             <a:fld id="{4509A250-FF31-4206-8172-F9D3106AACB1}" type="datetimeFigureOut">
               <a:rPr lang="en-US" smtClean="0"/>
-              <a:t>1/23/20</a:t>
+              <a:t>2/7/20</a:t>
             </a:fld>
             <a:endParaRPr lang="en-US" dirty="0"/>
           </a:p>
@@ -4674,7 +4674,7 @@
           <a:p>
             <a:fld id="{4AAD347D-5ACD-4C99-B74B-A9C85AD731AF}" type="datetimeFigureOut">
               <a:rPr lang="en-US" smtClean="0"/>
-              <a:t>1/23/20</a:t>
+              <a:t>2/7/20</a:t>
             </a:fld>
             <a:endParaRPr lang="en-US" dirty="0"/>
           </a:p>
@@ -5066,6 +5066,14 @@
 <file path=ppt/slides/slide1.xml><?xml version="1.0" encoding="utf-8"?>
 <p:sld xmlns:a="http://schemas.openxmlformats.org/drawingml/2006/main" xmlns:r="http://schemas.openxmlformats.org/officeDocument/2006/relationships" xmlns:p="http://schemas.openxmlformats.org/presentationml/2006/main">
   <p:cSld>
+    <p:bg>
+      <p:bgPr>
+        <a:solidFill>
+          <a:schemeClr val="bg1"/>
+        </a:solidFill>
+        <a:effectLst/>
+      </p:bgPr>
+    </p:bg>
     <p:spTree>
       <p:nvGrpSpPr>
         <p:cNvPr id="1" name=""/>
@@ -5080,6 +5088,165 @@
           <a:chExt cx="0" cy="0"/>
         </a:xfrm>
       </p:grpSpPr>
+      <p:sp>
+        <p:nvSpPr>
+          <p:cNvPr id="9" name="Rectangle 8">
+            <a:extLst>
+              <a:ext uri="{FF2B5EF4-FFF2-40B4-BE49-F238E27FC236}">
+                <a16:creationId xmlns:a16="http://schemas.microsoft.com/office/drawing/2014/main" id="{23962611-DFD5-4092-AAFD-559E3DFCE2C9}"/>
+              </a:ext>
+              <a:ext uri="{C183D7F6-B498-43B3-948B-1728B52AA6E4}">
+                <adec:decorative xmlns:adec="http://schemas.microsoft.com/office/drawing/2017/decorative" val="1"/>
+              </a:ext>
+            </a:extLst>
+          </p:cNvPr>
+          <p:cNvSpPr>
+            <a:spLocks noGrp="1" noRot="1" noChangeAspect="1" noMove="1" noResize="1" noEditPoints="1" noAdjustHandles="1" noChangeArrowheads="1" noChangeShapeType="1" noTextEdit="1"/>
+          </p:cNvSpPr>
+          <p:nvPr>
+            <p:extLst>
+              <p:ext uri="{386F3935-93C4-4BCD-93E2-E3B085C9AB24}">
+                <p16:designElem xmlns:p16="http://schemas.microsoft.com/office/powerpoint/2015/main" val="1"/>
+              </p:ext>
+            </p:extLst>
+          </p:nvPr>
+        </p:nvSpPr>
+        <p:spPr>
+          <a:xfrm>
+            <a:off x="356616" y="0"/>
+            <a:ext cx="8182719" cy="5715000"/>
+          </a:xfrm>
+          <a:prstGeom prst="rect">
+            <a:avLst/>
+          </a:prstGeom>
+          <a:gradFill>
+            <a:gsLst>
+              <a:gs pos="0">
+                <a:schemeClr val="accent1">
+                  <a:lumMod val="90000"/>
+                </a:schemeClr>
+              </a:gs>
+              <a:gs pos="25000">
+                <a:schemeClr val="accent1">
+                  <a:lumMod val="90000"/>
+                </a:schemeClr>
+              </a:gs>
+              <a:gs pos="94000">
+                <a:schemeClr val="bg2">
+                  <a:lumMod val="25000"/>
+                </a:schemeClr>
+              </a:gs>
+              <a:gs pos="100000">
+                <a:schemeClr val="bg2">
+                  <a:lumMod val="25000"/>
+                </a:schemeClr>
+              </a:gs>
+            </a:gsLst>
+            <a:lin ang="4200000" scaled="0"/>
+          </a:gradFill>
+          <a:ln>
+            <a:noFill/>
+          </a:ln>
+        </p:spPr>
+        <p:style>
+          <a:lnRef idx="2">
+            <a:schemeClr val="accent1">
+              <a:shade val="50000"/>
+            </a:schemeClr>
+          </a:lnRef>
+          <a:fillRef idx="1">
+            <a:schemeClr val="accent1"/>
+          </a:fillRef>
+          <a:effectRef idx="0">
+            <a:schemeClr val="accent1"/>
+          </a:effectRef>
+          <a:fontRef idx="minor">
+            <a:schemeClr val="lt1"/>
+          </a:fontRef>
+        </p:style>
+        <p:txBody>
+          <a:bodyPr rtlCol="0" anchor="ctr"/>
+          <a:lstStyle/>
+          <a:p>
+            <a:pPr marL="0" marR="0" lvl="0" indent="0" algn="ctr" defTabSz="356616" rtl="0" eaLnBrk="1" fontAlgn="auto" latinLnBrk="0" hangingPunct="1">
+              <a:lnSpc>
+                <a:spcPct val="100000"/>
+              </a:lnSpc>
+              <a:spcBef>
+                <a:spcPts val="0"/>
+              </a:spcBef>
+              <a:spcAft>
+                <a:spcPts val="0"/>
+              </a:spcAft>
+              <a:buClrTx/>
+              <a:buSzTx/>
+              <a:buFontTx/>
+              <a:buNone/>
+              <a:tabLst/>
+              <a:defRPr/>
+            </a:pPr>
+            <a:endParaRPr kumimoji="0" lang="en-US" sz="1404" b="0" i="0" u="none" strike="noStrike" kern="1200" cap="none" spc="0" normalizeH="0" baseline="0" noProof="0">
+              <a:ln>
+                <a:noFill/>
+              </a:ln>
+              <a:solidFill>
+                <a:prstClr val="white"/>
+              </a:solidFill>
+              <a:effectLst/>
+              <a:uLnTx/>
+              <a:uFillTx/>
+              <a:latin typeface="Gill Sans MT" panose="020B0502020104020203"/>
+              <a:ea typeface="+mn-ea"/>
+              <a:cs typeface="+mn-cs"/>
+            </a:endParaRPr>
+          </a:p>
+        </p:txBody>
+      </p:sp>
+      <p:pic>
+        <p:nvPicPr>
+          <p:cNvPr id="11" name="Picture 10">
+            <a:extLst>
+              <a:ext uri="{FF2B5EF4-FFF2-40B4-BE49-F238E27FC236}">
+                <a16:creationId xmlns:a16="http://schemas.microsoft.com/office/drawing/2014/main" id="{2270F1FA-0425-408F-9861-80BF5AFB276D}"/>
+              </a:ext>
+              <a:ext uri="{C183D7F6-B498-43B3-948B-1728B52AA6E4}">
+                <adec:decorative xmlns:adec="http://schemas.microsoft.com/office/drawing/2017/decorative" val="1"/>
+              </a:ext>
+            </a:extLst>
+          </p:cNvPr>
+          <p:cNvPicPr>
+            <a:picLocks noGrp="1" noRot="1" noChangeAspect="1" noMove="1" noResize="1" noEditPoints="1" noAdjustHandles="1" noChangeArrowheads="1" noChangeShapeType="1" noCrop="1"/>
+          </p:cNvPicPr>
+          <p:nvPr>
+            <p:extLst>
+              <p:ext uri="{386F3935-93C4-4BCD-93E2-E3B085C9AB24}">
+                <p16:designElem xmlns:p16="http://schemas.microsoft.com/office/powerpoint/2015/main" val="1"/>
+              </p:ext>
+            </p:extLst>
+          </p:nvPr>
+        </p:nvPicPr>
+        <p:blipFill>
+          <a:blip r:embed="rId2">
+            <a:extLst>
+              <a:ext uri="{28A0092B-C50C-407E-A947-70E740481C1C}">
+                <a14:useLocalDpi xmlns:a14="http://schemas.microsoft.com/office/drawing/2010/main" val="0"/>
+              </a:ext>
+            </a:extLst>
+          </a:blip>
+          <a:stretch>
+            <a:fillRect/>
+          </a:stretch>
+        </p:blipFill>
+        <p:spPr>
+          <a:xfrm>
+            <a:off x="0" y="0"/>
+            <a:ext cx="9144000" cy="5715000"/>
+          </a:xfrm>
+          <a:prstGeom prst="rect">
+            <a:avLst/>
+          </a:prstGeom>
+        </p:spPr>
+      </p:pic>
       <p:sp>
         <p:nvSpPr>
           <p:cNvPr id="2" name="Title 1">
@@ -5098,17 +5265,22 @@
         </p:nvSpPr>
         <p:spPr>
           <a:xfrm>
-            <a:off x="1654562" y="1623354"/>
-            <a:ext cx="6619244" cy="734328"/>
+            <a:off x="2046685" y="1647757"/>
+            <a:ext cx="5050629" cy="1692546"/>
           </a:xfrm>
         </p:spPr>
         <p:txBody>
-          <a:bodyPr/>
+          <a:bodyPr>
+            <a:normAutofit/>
+          </a:bodyPr>
           <a:lstStyle/>
           <a:p>
-            <a:pPr algn="l"/>
-            <a:r>
-              <a:rPr lang="en-US" sz="4050" dirty="0"/>
+            <a:r>
+              <a:rPr lang="en-US" dirty="0">
+                <a:solidFill>
+                  <a:srgbClr val="FFFFFF"/>
+                </a:solidFill>
+              </a:rPr>
               <a:t>Understanding Data</a:t>
             </a:r>
           </a:p>
@@ -5132,8 +5304,8 @@
         </p:nvSpPr>
         <p:spPr>
           <a:xfrm>
-            <a:off x="1730622" y="2550187"/>
-            <a:ext cx="6226604" cy="1277135"/>
+            <a:off x="2284026" y="3395598"/>
+            <a:ext cx="4578895" cy="748385"/>
           </a:xfrm>
         </p:spPr>
         <p:txBody>
@@ -5142,10 +5314,23 @@
           </a:bodyPr>
           <a:lstStyle/>
           <a:p>
-            <a:pPr algn="l"/>
-            <a:r>
-              <a:rPr lang="en-US" sz="2400" b="1" dirty="0"/>
-              <a:t>Unicode Character Encoding with Python</a:t>
+            <a:r>
+              <a:rPr lang="en-US" b="1" dirty="0">
+                <a:solidFill>
+                  <a:srgbClr val="FFFFFF"/>
+                </a:solidFill>
+              </a:rPr>
+              <a:t>Unicode Character Encoding </a:t>
+            </a:r>
+          </a:p>
+          <a:p>
+            <a:r>
+              <a:rPr lang="en-US" b="1" dirty="0">
+                <a:solidFill>
+                  <a:srgbClr val="FFFFFF"/>
+                </a:solidFill>
+              </a:rPr>
+              <a:t>with Python</a:t>
             </a:r>
           </a:p>
         </p:txBody>
@@ -5342,15 +5527,44 @@
             </a:lvl9pPr>
           </a:lstStyle>
           <a:p>
-            <a:pPr algn="l"/>
-            <a:endParaRPr lang="en-US" sz="2400" b="1" dirty="0"/>
+            <a:pPr marL="0" marR="0" lvl="0" indent="0" algn="l" defTabSz="685800" rtl="0" eaLnBrk="1" fontAlgn="auto" latinLnBrk="0" hangingPunct="1">
+              <a:lnSpc>
+                <a:spcPct val="90000"/>
+              </a:lnSpc>
+              <a:spcBef>
+                <a:spcPts val="750"/>
+              </a:spcBef>
+              <a:spcAft>
+                <a:spcPts val="0"/>
+              </a:spcAft>
+              <a:buClrTx/>
+              <a:buSzTx/>
+              <a:buFont typeface="Arial" panose="020B0604020202020204" pitchFamily="34" charset="0"/>
+              <a:buNone/>
+              <a:tabLst/>
+              <a:defRPr/>
+            </a:pPr>
+            <a:endParaRPr kumimoji="0" lang="en-US" sz="2400" b="1" i="0" u="none" strike="noStrike" kern="1200" cap="none" spc="0" normalizeH="0" baseline="0" noProof="0" dirty="0">
+              <a:ln>
+                <a:noFill/>
+              </a:ln>
+              <a:solidFill>
+                <a:prstClr val="black"/>
+              </a:solidFill>
+              <a:effectLst/>
+              <a:uLnTx/>
+              <a:uFillTx/>
+              <a:latin typeface="Gill Sans MT" panose="020B0502020104020203"/>
+              <a:ea typeface="+mn-ea"/>
+              <a:cs typeface="+mn-cs"/>
+            </a:endParaRPr>
           </a:p>
         </p:txBody>
       </p:sp>
     </p:spTree>
     <p:extLst>
       <p:ext uri="{BB962C8B-B14F-4D97-AF65-F5344CB8AC3E}">
-        <p14:creationId xmlns:p14="http://schemas.microsoft.com/office/powerpoint/2010/main" val="4247104139"/>
+        <p14:creationId xmlns:p14="http://schemas.microsoft.com/office/powerpoint/2010/main" val="3419252258"/>
       </p:ext>
     </p:extLst>
   </p:cSld>
